--- a/raw_ppt/model.pptx
+++ b/raw_ppt/model.pptx
@@ -5,10 +5,10 @@
     <p:sldMasterId id="2147483648" r:id="rId1"/>
   </p:sldMasterIdLst>
   <p:sldIdLst>
-    <p:sldId id="256" r:id="rId2"/>
-    <p:sldId id="257" r:id="rId3"/>
-    <p:sldId id="258" r:id="rId4"/>
-    <p:sldId id="259" r:id="rId5"/>
+    <p:sldId id="259" r:id="rId2"/>
+    <p:sldId id="256" r:id="rId3"/>
+    <p:sldId id="257" r:id="rId4"/>
+    <p:sldId id="258" r:id="rId5"/>
   </p:sldIdLst>
   <p:sldSz cx="12192000" cy="6858000"/>
   <p:notesSz cx="6858000" cy="9144000"/>
@@ -124,6 +124,10 @@
     </p:ext>
   </p:extLst>
 </p:presentation>
+</file>
+
+<file path=ppt/revisionInfo.xml><?xml version="1.0" encoding="utf-8"?>
+<p1510:revInfo xmlns:a="http://schemas.openxmlformats.org/drawingml/2006/main" xmlns:r="http://schemas.openxmlformats.org/officeDocument/2006/relationships" xmlns:p1510="http://schemas.microsoft.com/office/powerpoint/2015/10/main"/>
 </file>
 
 <file path=ppt/slideLayouts/slideLayout1.xml><?xml version="1.0" encoding="utf-8"?>
@@ -3361,6 +3365,3083 @@
           <a:chExt cx="0" cy="0"/>
         </a:xfrm>
       </p:grpSpPr>
+      <p:sp>
+        <p:nvSpPr>
+          <p:cNvPr id="122" name="任意多边形: 形状 121">
+            <a:extLst>
+              <a:ext uri="{FF2B5EF4-FFF2-40B4-BE49-F238E27FC236}">
+                <a16:creationId xmlns:a16="http://schemas.microsoft.com/office/drawing/2014/main" id="{4BDA7B01-ECE8-4D02-8654-0A19676EFFCE}"/>
+              </a:ext>
+            </a:extLst>
+          </p:cNvPr>
+          <p:cNvSpPr/>
+          <p:nvPr/>
+        </p:nvSpPr>
+        <p:spPr>
+          <a:xfrm>
+            <a:off x="5611412" y="1887664"/>
+            <a:ext cx="3417331" cy="3155150"/>
+          </a:xfrm>
+          <a:custGeom>
+            <a:avLst/>
+            <a:gdLst>
+              <a:gd name="connsiteX0" fmla="*/ 2498652 w 2498652"/>
+              <a:gd name="connsiteY0" fmla="*/ 0 h 3200400"/>
+              <a:gd name="connsiteX1" fmla="*/ 1531089 w 2498652"/>
+              <a:gd name="connsiteY1" fmla="*/ 0 h 3200400"/>
+              <a:gd name="connsiteX2" fmla="*/ 0 w 2498652"/>
+              <a:gd name="connsiteY2" fmla="*/ 1116419 h 3200400"/>
+              <a:gd name="connsiteX3" fmla="*/ 0 w 2498652"/>
+              <a:gd name="connsiteY3" fmla="*/ 3200400 h 3200400"/>
+              <a:gd name="connsiteX4" fmla="*/ 2434856 w 2498652"/>
+              <a:gd name="connsiteY4" fmla="*/ 3189768 h 3200400"/>
+              <a:gd name="connsiteX5" fmla="*/ 2434856 w 2498652"/>
+              <a:gd name="connsiteY5" fmla="*/ 0 h 3200400"/>
+              <a:gd name="connsiteX6" fmla="*/ 2434856 w 2498652"/>
+              <a:gd name="connsiteY6" fmla="*/ 10633 h 3200400"/>
+              <a:gd name="connsiteX7" fmla="*/ 2498652 w 2498652"/>
+              <a:gd name="connsiteY7" fmla="*/ 0 h 3200400"/>
+            </a:gdLst>
+            <a:ahLst/>
+            <a:cxnLst>
+              <a:cxn ang="0">
+                <a:pos x="connsiteX0" y="connsiteY0"/>
+              </a:cxn>
+              <a:cxn ang="0">
+                <a:pos x="connsiteX1" y="connsiteY1"/>
+              </a:cxn>
+              <a:cxn ang="0">
+                <a:pos x="connsiteX2" y="connsiteY2"/>
+              </a:cxn>
+              <a:cxn ang="0">
+                <a:pos x="connsiteX3" y="connsiteY3"/>
+              </a:cxn>
+              <a:cxn ang="0">
+                <a:pos x="connsiteX4" y="connsiteY4"/>
+              </a:cxn>
+              <a:cxn ang="0">
+                <a:pos x="connsiteX5" y="connsiteY5"/>
+              </a:cxn>
+              <a:cxn ang="0">
+                <a:pos x="connsiteX6" y="connsiteY6"/>
+              </a:cxn>
+              <a:cxn ang="0">
+                <a:pos x="connsiteX7" y="connsiteY7"/>
+              </a:cxn>
+            </a:cxnLst>
+            <a:rect l="l" t="t" r="r" b="b"/>
+            <a:pathLst>
+              <a:path w="2498652" h="3200400">
+                <a:moveTo>
+                  <a:pt x="2498652" y="0"/>
+                </a:moveTo>
+                <a:lnTo>
+                  <a:pt x="1531089" y="0"/>
+                </a:lnTo>
+                <a:lnTo>
+                  <a:pt x="0" y="1116419"/>
+                </a:lnTo>
+                <a:lnTo>
+                  <a:pt x="0" y="3200400"/>
+                </a:lnTo>
+                <a:lnTo>
+                  <a:pt x="2434856" y="3189768"/>
+                </a:lnTo>
+                <a:lnTo>
+                  <a:pt x="2434856" y="0"/>
+                </a:lnTo>
+                <a:lnTo>
+                  <a:pt x="2434856" y="10633"/>
+                </a:lnTo>
+                <a:lnTo>
+                  <a:pt x="2498652" y="0"/>
+                </a:lnTo>
+                <a:close/>
+              </a:path>
+            </a:pathLst>
+          </a:custGeom>
+          <a:solidFill>
+            <a:schemeClr val="accent6">
+              <a:lumMod val="75000"/>
+              <a:alpha val="20000"/>
+            </a:schemeClr>
+          </a:solidFill>
+          <a:ln>
+            <a:noFill/>
+          </a:ln>
+        </p:spPr>
+        <p:style>
+          <a:lnRef idx="2">
+            <a:schemeClr val="accent1">
+              <a:shade val="50000"/>
+            </a:schemeClr>
+          </a:lnRef>
+          <a:fillRef idx="1">
+            <a:schemeClr val="accent1"/>
+          </a:fillRef>
+          <a:effectRef idx="0">
+            <a:schemeClr val="accent1"/>
+          </a:effectRef>
+          <a:fontRef idx="minor">
+            <a:schemeClr val="lt1"/>
+          </a:fontRef>
+        </p:style>
+        <p:txBody>
+          <a:bodyPr rtlCol="0" anchor="ctr"/>
+          <a:lstStyle/>
+          <a:p>
+            <a:pPr algn="ctr"/>
+            <a:endParaRPr lang="en-US" dirty="0"/>
+          </a:p>
+        </p:txBody>
+      </p:sp>
+      <p:cxnSp>
+        <p:nvCxnSpPr>
+          <p:cNvPr id="5" name="直接连接符 4">
+            <a:extLst>
+              <a:ext uri="{FF2B5EF4-FFF2-40B4-BE49-F238E27FC236}">
+                <a16:creationId xmlns:a16="http://schemas.microsoft.com/office/drawing/2014/main" id="{81520D02-37D8-4A51-8B5C-0589BE087133}"/>
+              </a:ext>
+            </a:extLst>
+          </p:cNvPr>
+          <p:cNvCxnSpPr>
+            <a:cxnSpLocks/>
+            <a:stCxn id="100" idx="2"/>
+            <a:endCxn id="16" idx="0"/>
+          </p:cNvCxnSpPr>
+          <p:nvPr/>
+        </p:nvCxnSpPr>
+        <p:spPr>
+          <a:xfrm>
+            <a:off x="3521451" y="1221360"/>
+            <a:ext cx="30980" cy="2069899"/>
+          </a:xfrm>
+          <a:prstGeom prst="line">
+            <a:avLst/>
+          </a:prstGeom>
+          <a:ln w="50800" cmpd="dbl">
+            <a:solidFill>
+              <a:schemeClr val="bg2">
+                <a:lumMod val="25000"/>
+              </a:schemeClr>
+            </a:solidFill>
+            <a:prstDash val="sysDot"/>
+            <a:tailEnd type="stealth"/>
+          </a:ln>
+        </p:spPr>
+        <p:style>
+          <a:lnRef idx="1">
+            <a:schemeClr val="accent1"/>
+          </a:lnRef>
+          <a:fillRef idx="0">
+            <a:schemeClr val="accent1"/>
+          </a:fillRef>
+          <a:effectRef idx="0">
+            <a:schemeClr val="accent1"/>
+          </a:effectRef>
+          <a:fontRef idx="minor">
+            <a:schemeClr val="tx1"/>
+          </a:fontRef>
+        </p:style>
+      </p:cxnSp>
+      <p:cxnSp>
+        <p:nvCxnSpPr>
+          <p:cNvPr id="7" name="直接连接符 6">
+            <a:extLst>
+              <a:ext uri="{FF2B5EF4-FFF2-40B4-BE49-F238E27FC236}">
+                <a16:creationId xmlns:a16="http://schemas.microsoft.com/office/drawing/2014/main" id="{A24DDF2D-7EB1-4DFB-A1E9-2C879C43C8CD}"/>
+              </a:ext>
+            </a:extLst>
+          </p:cNvPr>
+          <p:cNvCxnSpPr>
+            <a:cxnSpLocks/>
+          </p:cNvCxnSpPr>
+          <p:nvPr/>
+        </p:nvCxnSpPr>
+        <p:spPr>
+          <a:xfrm>
+            <a:off x="6255391" y="1251268"/>
+            <a:ext cx="0" cy="1077466"/>
+          </a:xfrm>
+          <a:prstGeom prst="line">
+            <a:avLst/>
+          </a:prstGeom>
+          <a:ln w="50800" cmpd="dbl">
+            <a:solidFill>
+              <a:srgbClr val="FF0000"/>
+            </a:solidFill>
+            <a:prstDash val="solid"/>
+            <a:headEnd type="none"/>
+            <a:tailEnd type="stealth"/>
+          </a:ln>
+        </p:spPr>
+        <p:style>
+          <a:lnRef idx="1">
+            <a:schemeClr val="accent1"/>
+          </a:lnRef>
+          <a:fillRef idx="0">
+            <a:schemeClr val="accent1"/>
+          </a:fillRef>
+          <a:effectRef idx="0">
+            <a:schemeClr val="accent1"/>
+          </a:effectRef>
+          <a:fontRef idx="minor">
+            <a:schemeClr val="tx1"/>
+          </a:fontRef>
+        </p:style>
+      </p:cxnSp>
+      <p:cxnSp>
+        <p:nvCxnSpPr>
+          <p:cNvPr id="34" name="直接箭头连接符 33">
+            <a:extLst>
+              <a:ext uri="{FF2B5EF4-FFF2-40B4-BE49-F238E27FC236}">
+                <a16:creationId xmlns:a16="http://schemas.microsoft.com/office/drawing/2014/main" id="{7EC2455B-BA5D-4BF1-B6DD-67088C7AE33B}"/>
+              </a:ext>
+            </a:extLst>
+          </p:cNvPr>
+          <p:cNvCxnSpPr>
+            <a:cxnSpLocks/>
+            <a:stCxn id="2" idx="6"/>
+            <a:endCxn id="53" idx="1"/>
+          </p:cNvCxnSpPr>
+          <p:nvPr/>
+        </p:nvCxnSpPr>
+        <p:spPr>
+          <a:xfrm>
+            <a:off x="3675068" y="1641852"/>
+            <a:ext cx="805252" cy="250813"/>
+          </a:xfrm>
+          <a:prstGeom prst="straightConnector1">
+            <a:avLst/>
+          </a:prstGeom>
+          <a:ln w="25400">
+            <a:solidFill>
+              <a:schemeClr val="tx1"/>
+            </a:solidFill>
+            <a:tailEnd type="triangle"/>
+          </a:ln>
+        </p:spPr>
+        <p:style>
+          <a:lnRef idx="1">
+            <a:schemeClr val="accent1"/>
+          </a:lnRef>
+          <a:fillRef idx="0">
+            <a:schemeClr val="accent1"/>
+          </a:fillRef>
+          <a:effectRef idx="0">
+            <a:schemeClr val="accent1"/>
+          </a:effectRef>
+          <a:fontRef idx="minor">
+            <a:schemeClr val="tx1"/>
+          </a:fontRef>
+        </p:style>
+      </p:cxnSp>
+      <p:cxnSp>
+        <p:nvCxnSpPr>
+          <p:cNvPr id="41" name="直接箭头连接符 40">
+            <a:extLst>
+              <a:ext uri="{FF2B5EF4-FFF2-40B4-BE49-F238E27FC236}">
+                <a16:creationId xmlns:a16="http://schemas.microsoft.com/office/drawing/2014/main" id="{683F44FA-5986-4BCF-835A-A24B028623B8}"/>
+              </a:ext>
+            </a:extLst>
+          </p:cNvPr>
+          <p:cNvCxnSpPr>
+            <a:cxnSpLocks/>
+            <a:stCxn id="37" idx="2"/>
+            <a:endCxn id="53" idx="3"/>
+          </p:cNvCxnSpPr>
+          <p:nvPr/>
+        </p:nvCxnSpPr>
+        <p:spPr>
+          <a:xfrm flipH="1">
+            <a:off x="5335188" y="1878629"/>
+            <a:ext cx="786525" cy="14036"/>
+          </a:xfrm>
+          <a:prstGeom prst="straightConnector1">
+            <a:avLst/>
+          </a:prstGeom>
+          <a:ln w="25400">
+            <a:solidFill>
+              <a:schemeClr val="tx1"/>
+            </a:solidFill>
+            <a:tailEnd type="triangle"/>
+          </a:ln>
+        </p:spPr>
+        <p:style>
+          <a:lnRef idx="1">
+            <a:schemeClr val="accent1"/>
+          </a:lnRef>
+          <a:fillRef idx="0">
+            <a:schemeClr val="accent1"/>
+          </a:fillRef>
+          <a:effectRef idx="0">
+            <a:schemeClr val="accent1"/>
+          </a:effectRef>
+          <a:fontRef idx="minor">
+            <a:schemeClr val="tx1"/>
+          </a:fontRef>
+        </p:style>
+      </p:cxnSp>
+      <p:cxnSp>
+        <p:nvCxnSpPr>
+          <p:cNvPr id="45" name="直接箭头连接符 44">
+            <a:extLst>
+              <a:ext uri="{FF2B5EF4-FFF2-40B4-BE49-F238E27FC236}">
+                <a16:creationId xmlns:a16="http://schemas.microsoft.com/office/drawing/2014/main" id="{30C4CE4E-228C-46C5-B759-637605482125}"/>
+              </a:ext>
+            </a:extLst>
+          </p:cNvPr>
+          <p:cNvCxnSpPr>
+            <a:cxnSpLocks/>
+            <a:endCxn id="36" idx="6"/>
+          </p:cNvCxnSpPr>
+          <p:nvPr/>
+        </p:nvCxnSpPr>
+        <p:spPr>
+          <a:xfrm flipH="1">
+            <a:off x="3685715" y="1908919"/>
+            <a:ext cx="770622" cy="363995"/>
+          </a:xfrm>
+          <a:prstGeom prst="straightConnector1">
+            <a:avLst/>
+          </a:prstGeom>
+          <a:ln w="25400">
+            <a:solidFill>
+              <a:schemeClr val="tx1"/>
+            </a:solidFill>
+            <a:tailEnd type="triangle"/>
+          </a:ln>
+        </p:spPr>
+        <p:style>
+          <a:lnRef idx="1">
+            <a:schemeClr val="accent1"/>
+          </a:lnRef>
+          <a:fillRef idx="0">
+            <a:schemeClr val="accent1"/>
+          </a:fillRef>
+          <a:effectRef idx="0">
+            <a:schemeClr val="accent1"/>
+          </a:effectRef>
+          <a:fontRef idx="minor">
+            <a:schemeClr val="tx1"/>
+          </a:fontRef>
+        </p:style>
+      </p:cxnSp>
+      <p:grpSp>
+        <p:nvGrpSpPr>
+          <p:cNvPr id="99" name="组合 98">
+            <a:extLst>
+              <a:ext uri="{FF2B5EF4-FFF2-40B4-BE49-F238E27FC236}">
+                <a16:creationId xmlns:a16="http://schemas.microsoft.com/office/drawing/2014/main" id="{1BB7EBCC-600E-461E-BDEC-A55020832422}"/>
+              </a:ext>
+            </a:extLst>
+          </p:cNvPr>
+          <p:cNvGrpSpPr/>
+          <p:nvPr/>
+        </p:nvGrpSpPr>
+        <p:grpSpPr>
+          <a:xfrm>
+            <a:off x="4404223" y="1384024"/>
+            <a:ext cx="976101" cy="1826366"/>
+            <a:chOff x="6053242" y="985888"/>
+            <a:chExt cx="976101" cy="1826366"/>
+          </a:xfrm>
+        </p:grpSpPr>
+        <p:grpSp>
+          <p:nvGrpSpPr>
+            <p:cNvPr id="54" name="组合 53">
+              <a:extLst>
+                <a:ext uri="{FF2B5EF4-FFF2-40B4-BE49-F238E27FC236}">
+                  <a16:creationId xmlns:a16="http://schemas.microsoft.com/office/drawing/2014/main" id="{F9EEABF7-36CB-4875-AA06-E2A3AE7C2D9A}"/>
+                </a:ext>
+              </a:extLst>
+            </p:cNvPr>
+            <p:cNvGrpSpPr/>
+            <p:nvPr/>
+          </p:nvGrpSpPr>
+          <p:grpSpPr>
+            <a:xfrm>
+              <a:off x="6100763" y="1369215"/>
+              <a:ext cx="904875" cy="1443039"/>
+              <a:chOff x="6100763" y="1369215"/>
+              <a:chExt cx="904875" cy="1443039"/>
+            </a:xfrm>
+          </p:grpSpPr>
+          <p:grpSp>
+            <p:nvGrpSpPr>
+              <p:cNvPr id="24" name="组合 23">
+                <a:extLst>
+                  <a:ext uri="{FF2B5EF4-FFF2-40B4-BE49-F238E27FC236}">
+                    <a16:creationId xmlns:a16="http://schemas.microsoft.com/office/drawing/2014/main" id="{A6D7FD3E-8AF9-42D7-BFF6-0D1128036F9F}"/>
+                  </a:ext>
+                </a:extLst>
+              </p:cNvPr>
+              <p:cNvGrpSpPr/>
+              <p:nvPr/>
+            </p:nvGrpSpPr>
+            <p:grpSpPr>
+              <a:xfrm>
+                <a:off x="6100763" y="1369215"/>
+                <a:ext cx="904875" cy="1443039"/>
+                <a:chOff x="4271963" y="1500186"/>
+                <a:chExt cx="904875" cy="1443039"/>
+              </a:xfrm>
+            </p:grpSpPr>
+            <p:sp>
+              <p:nvSpPr>
+                <p:cNvPr id="12" name="矩形 11">
+                  <a:extLst>
+                    <a:ext uri="{FF2B5EF4-FFF2-40B4-BE49-F238E27FC236}">
+                      <a16:creationId xmlns:a16="http://schemas.microsoft.com/office/drawing/2014/main" id="{1D3D1053-66E0-46A8-901E-71F5B59A94C8}"/>
+                    </a:ext>
+                  </a:extLst>
+                </p:cNvPr>
+                <p:cNvSpPr/>
+                <p:nvPr/>
+              </p:nvSpPr>
+              <p:spPr>
+                <a:xfrm>
+                  <a:off x="4271963" y="1500186"/>
+                  <a:ext cx="904875" cy="1443039"/>
+                </a:xfrm>
+                <a:prstGeom prst="rect">
+                  <a:avLst/>
+                </a:prstGeom>
+                <a:solidFill>
+                  <a:schemeClr val="bg1"/>
+                </a:solidFill>
+                <a:ln w="31750">
+                  <a:solidFill>
+                    <a:schemeClr val="tx1"/>
+                  </a:solidFill>
+                </a:ln>
+              </p:spPr>
+              <p:style>
+                <a:lnRef idx="2">
+                  <a:schemeClr val="accent1">
+                    <a:shade val="50000"/>
+                  </a:schemeClr>
+                </a:lnRef>
+                <a:fillRef idx="1">
+                  <a:schemeClr val="accent1"/>
+                </a:fillRef>
+                <a:effectRef idx="0">
+                  <a:schemeClr val="accent1"/>
+                </a:effectRef>
+                <a:fontRef idx="minor">
+                  <a:schemeClr val="lt1"/>
+                </a:fontRef>
+              </p:style>
+              <p:txBody>
+                <a:bodyPr rtlCol="0" anchor="ctr"/>
+                <a:lstStyle/>
+                <a:p>
+                  <a:pPr algn="ctr"/>
+                  <a:endParaRPr lang="en-US" dirty="0"/>
+                </a:p>
+              </p:txBody>
+            </p:sp>
+            <p:cxnSp>
+              <p:nvCxnSpPr>
+                <p:cNvPr id="14" name="直接连接符 13">
+                  <a:extLst>
+                    <a:ext uri="{FF2B5EF4-FFF2-40B4-BE49-F238E27FC236}">
+                      <a16:creationId xmlns:a16="http://schemas.microsoft.com/office/drawing/2014/main" id="{F721676B-C878-47FB-8CF9-6A94DC7B374F}"/>
+                    </a:ext>
+                  </a:extLst>
+                </p:cNvPr>
+                <p:cNvCxnSpPr>
+                  <a:cxnSpLocks/>
+                </p:cNvCxnSpPr>
+                <p:nvPr/>
+              </p:nvCxnSpPr>
+              <p:spPr>
+                <a:xfrm>
+                  <a:off x="4271963" y="1752600"/>
+                  <a:ext cx="904875" cy="0"/>
+                </a:xfrm>
+                <a:prstGeom prst="line">
+                  <a:avLst/>
+                </a:prstGeom>
+                <a:ln w="31750">
+                  <a:solidFill>
+                    <a:schemeClr val="tx1"/>
+                  </a:solidFill>
+                </a:ln>
+              </p:spPr>
+              <p:style>
+                <a:lnRef idx="1">
+                  <a:schemeClr val="accent1"/>
+                </a:lnRef>
+                <a:fillRef idx="0">
+                  <a:schemeClr val="accent1"/>
+                </a:fillRef>
+                <a:effectRef idx="0">
+                  <a:schemeClr val="accent1"/>
+                </a:effectRef>
+                <a:fontRef idx="minor">
+                  <a:schemeClr val="tx1"/>
+                </a:fontRef>
+              </p:style>
+            </p:cxnSp>
+            <p:cxnSp>
+              <p:nvCxnSpPr>
+                <p:cNvPr id="20" name="直接连接符 19">
+                  <a:extLst>
+                    <a:ext uri="{FF2B5EF4-FFF2-40B4-BE49-F238E27FC236}">
+                      <a16:creationId xmlns:a16="http://schemas.microsoft.com/office/drawing/2014/main" id="{0A5E68E1-06F1-47A0-91B5-5DBCE0CE1611}"/>
+                    </a:ext>
+                  </a:extLst>
+                </p:cNvPr>
+                <p:cNvCxnSpPr>
+                  <a:cxnSpLocks/>
+                </p:cNvCxnSpPr>
+                <p:nvPr/>
+              </p:nvCxnSpPr>
+              <p:spPr>
+                <a:xfrm>
+                  <a:off x="4271963" y="2000250"/>
+                  <a:ext cx="904875" cy="0"/>
+                </a:xfrm>
+                <a:prstGeom prst="line">
+                  <a:avLst/>
+                </a:prstGeom>
+                <a:ln w="31750">
+                  <a:solidFill>
+                    <a:schemeClr val="tx1"/>
+                  </a:solidFill>
+                </a:ln>
+              </p:spPr>
+              <p:style>
+                <a:lnRef idx="1">
+                  <a:schemeClr val="accent1"/>
+                </a:lnRef>
+                <a:fillRef idx="0">
+                  <a:schemeClr val="accent1"/>
+                </a:fillRef>
+                <a:effectRef idx="0">
+                  <a:schemeClr val="accent1"/>
+                </a:effectRef>
+                <a:fontRef idx="minor">
+                  <a:schemeClr val="tx1"/>
+                </a:fontRef>
+              </p:style>
+            </p:cxnSp>
+            <p:cxnSp>
+              <p:nvCxnSpPr>
+                <p:cNvPr id="21" name="直接连接符 20">
+                  <a:extLst>
+                    <a:ext uri="{FF2B5EF4-FFF2-40B4-BE49-F238E27FC236}">
+                      <a16:creationId xmlns:a16="http://schemas.microsoft.com/office/drawing/2014/main" id="{4EEF32B2-BA27-40DD-8AF0-FEBA01F01D3B}"/>
+                    </a:ext>
+                  </a:extLst>
+                </p:cNvPr>
+                <p:cNvCxnSpPr>
+                  <a:cxnSpLocks/>
+                </p:cNvCxnSpPr>
+                <p:nvPr/>
+              </p:nvCxnSpPr>
+              <p:spPr>
+                <a:xfrm>
+                  <a:off x="4271963" y="2247900"/>
+                  <a:ext cx="904875" cy="0"/>
+                </a:xfrm>
+                <a:prstGeom prst="line">
+                  <a:avLst/>
+                </a:prstGeom>
+                <a:ln w="31750">
+                  <a:solidFill>
+                    <a:schemeClr val="tx1"/>
+                  </a:solidFill>
+                </a:ln>
+              </p:spPr>
+              <p:style>
+                <a:lnRef idx="1">
+                  <a:schemeClr val="accent1"/>
+                </a:lnRef>
+                <a:fillRef idx="0">
+                  <a:schemeClr val="accent1"/>
+                </a:fillRef>
+                <a:effectRef idx="0">
+                  <a:schemeClr val="accent1"/>
+                </a:effectRef>
+                <a:fontRef idx="minor">
+                  <a:schemeClr val="tx1"/>
+                </a:fontRef>
+              </p:style>
+            </p:cxnSp>
+            <p:cxnSp>
+              <p:nvCxnSpPr>
+                <p:cNvPr id="22" name="直接连接符 21">
+                  <a:extLst>
+                    <a:ext uri="{FF2B5EF4-FFF2-40B4-BE49-F238E27FC236}">
+                      <a16:creationId xmlns:a16="http://schemas.microsoft.com/office/drawing/2014/main" id="{24149322-B243-42DE-AD9D-EB68A6507DAC}"/>
+                    </a:ext>
+                  </a:extLst>
+                </p:cNvPr>
+                <p:cNvCxnSpPr>
+                  <a:cxnSpLocks/>
+                </p:cNvCxnSpPr>
+                <p:nvPr/>
+              </p:nvCxnSpPr>
+              <p:spPr>
+                <a:xfrm>
+                  <a:off x="4271963" y="2524125"/>
+                  <a:ext cx="904875" cy="0"/>
+                </a:xfrm>
+                <a:prstGeom prst="line">
+                  <a:avLst/>
+                </a:prstGeom>
+                <a:ln w="31750">
+                  <a:solidFill>
+                    <a:schemeClr val="tx1"/>
+                  </a:solidFill>
+                </a:ln>
+              </p:spPr>
+              <p:style>
+                <a:lnRef idx="1">
+                  <a:schemeClr val="accent1"/>
+                </a:lnRef>
+                <a:fillRef idx="0">
+                  <a:schemeClr val="accent1"/>
+                </a:fillRef>
+                <a:effectRef idx="0">
+                  <a:schemeClr val="accent1"/>
+                </a:effectRef>
+                <a:fontRef idx="minor">
+                  <a:schemeClr val="tx1"/>
+                </a:fontRef>
+              </p:style>
+            </p:cxnSp>
+            <p:sp>
+              <p:nvSpPr>
+                <p:cNvPr id="23" name="文本框 22">
+                  <a:extLst>
+                    <a:ext uri="{FF2B5EF4-FFF2-40B4-BE49-F238E27FC236}">
+                      <a16:creationId xmlns:a16="http://schemas.microsoft.com/office/drawing/2014/main" id="{E9CE8203-383E-4A2B-AA88-9D14F73B75A8}"/>
+                    </a:ext>
+                  </a:extLst>
+                </p:cNvPr>
+                <p:cNvSpPr txBox="1"/>
+                <p:nvPr/>
+              </p:nvSpPr>
+              <p:spPr>
+                <a:xfrm>
+                  <a:off x="4526756" y="2428875"/>
+                  <a:ext cx="395287" cy="461665"/>
+                </a:xfrm>
+                <a:prstGeom prst="rect">
+                  <a:avLst/>
+                </a:prstGeom>
+                <a:noFill/>
+              </p:spPr>
+              <p:txBody>
+                <a:bodyPr wrap="square" rtlCol="0">
+                  <a:spAutoFit/>
+                </a:bodyPr>
+                <a:lstStyle/>
+                <a:p>
+                  <a:r>
+                    <a:rPr lang="en-US" sz="2400" b="1" dirty="0"/>
+                    <a:t>…</a:t>
+                  </a:r>
+                  <a:endParaRPr lang="en-US" b="1" dirty="0"/>
+                </a:p>
+              </p:txBody>
+            </p:sp>
+          </p:grpSp>
+          <p:sp>
+            <p:nvSpPr>
+              <p:cNvPr id="53" name="矩形 52">
+                <a:extLst>
+                  <a:ext uri="{FF2B5EF4-FFF2-40B4-BE49-F238E27FC236}">
+                    <a16:creationId xmlns:a16="http://schemas.microsoft.com/office/drawing/2014/main" id="{30B400AE-DF84-47BB-9ED1-A7EF89A617EF}"/>
+                  </a:ext>
+                </a:extLst>
+              </p:cNvPr>
+              <p:cNvSpPr/>
+              <p:nvPr/>
+            </p:nvSpPr>
+            <p:spPr>
+              <a:xfrm>
+                <a:off x="6129339" y="1404938"/>
+                <a:ext cx="854868" cy="179181"/>
+              </a:xfrm>
+              <a:prstGeom prst="rect">
+                <a:avLst/>
+              </a:prstGeom>
+              <a:pattFill prst="wdDnDiag">
+                <a:fgClr>
+                  <a:schemeClr val="tx1">
+                    <a:lumMod val="50000"/>
+                    <a:lumOff val="50000"/>
+                  </a:schemeClr>
+                </a:fgClr>
+                <a:bgClr>
+                  <a:schemeClr val="bg1"/>
+                </a:bgClr>
+              </a:pattFill>
+              <a:ln>
+                <a:noFill/>
+              </a:ln>
+            </p:spPr>
+            <p:style>
+              <a:lnRef idx="2">
+                <a:schemeClr val="accent1">
+                  <a:shade val="50000"/>
+                </a:schemeClr>
+              </a:lnRef>
+              <a:fillRef idx="1">
+                <a:schemeClr val="accent1"/>
+              </a:fillRef>
+              <a:effectRef idx="0">
+                <a:schemeClr val="accent1"/>
+              </a:effectRef>
+              <a:fontRef idx="minor">
+                <a:schemeClr val="lt1"/>
+              </a:fontRef>
+            </p:style>
+            <p:txBody>
+              <a:bodyPr rtlCol="0" anchor="ctr"/>
+              <a:lstStyle/>
+              <a:p>
+                <a:pPr algn="ctr"/>
+                <a:endParaRPr lang="en-US" dirty="0"/>
+              </a:p>
+            </p:txBody>
+          </p:sp>
+        </p:grpSp>
+        <p:sp>
+          <p:nvSpPr>
+            <p:cNvPr id="68" name="文本框 67">
+              <a:extLst>
+                <a:ext uri="{FF2B5EF4-FFF2-40B4-BE49-F238E27FC236}">
+                  <a16:creationId xmlns:a16="http://schemas.microsoft.com/office/drawing/2014/main" id="{8B6DC65D-3336-46AA-BD28-29DCD9D43F3C}"/>
+                </a:ext>
+              </a:extLst>
+            </p:cNvPr>
+            <p:cNvSpPr txBox="1"/>
+            <p:nvPr/>
+          </p:nvSpPr>
+          <p:spPr>
+            <a:xfrm>
+              <a:off x="6053242" y="985888"/>
+              <a:ext cx="976101" cy="369332"/>
+            </a:xfrm>
+            <a:prstGeom prst="rect">
+              <a:avLst/>
+            </a:prstGeom>
+            <a:noFill/>
+          </p:spPr>
+          <p:txBody>
+            <a:bodyPr wrap="none" rtlCol="0">
+              <a:spAutoFit/>
+            </a:bodyPr>
+            <a:lstStyle/>
+            <a:p>
+              <a:r>
+                <a:rPr lang="en-US" dirty="0"/>
+                <a:t>memory</a:t>
+              </a:r>
+            </a:p>
+          </p:txBody>
+        </p:sp>
+      </p:grpSp>
+      <p:sp>
+        <p:nvSpPr>
+          <p:cNvPr id="2" name="椭圆 1">
+            <a:extLst>
+              <a:ext uri="{FF2B5EF4-FFF2-40B4-BE49-F238E27FC236}">
+                <a16:creationId xmlns:a16="http://schemas.microsoft.com/office/drawing/2014/main" id="{0EF8B901-97B8-42C9-8F7F-C42D4C6343A2}"/>
+              </a:ext>
+            </a:extLst>
+          </p:cNvPr>
+          <p:cNvSpPr/>
+          <p:nvPr/>
+        </p:nvSpPr>
+        <p:spPr>
+          <a:xfrm>
+            <a:off x="3377021" y="1492828"/>
+            <a:ext cx="298047" cy="298047"/>
+          </a:xfrm>
+          <a:prstGeom prst="ellipse">
+            <a:avLst/>
+          </a:prstGeom>
+          <a:solidFill>
+            <a:schemeClr val="accent4"/>
+          </a:solidFill>
+          <a:ln>
+            <a:noFill/>
+          </a:ln>
+        </p:spPr>
+        <p:style>
+          <a:lnRef idx="2">
+            <a:schemeClr val="accent1">
+              <a:shade val="50000"/>
+            </a:schemeClr>
+          </a:lnRef>
+          <a:fillRef idx="1">
+            <a:schemeClr val="accent1"/>
+          </a:fillRef>
+          <a:effectRef idx="0">
+            <a:schemeClr val="accent1"/>
+          </a:effectRef>
+          <a:fontRef idx="minor">
+            <a:schemeClr val="lt1"/>
+          </a:fontRef>
+        </p:style>
+        <p:txBody>
+          <a:bodyPr rtlCol="0" anchor="ctr"/>
+          <a:lstStyle/>
+          <a:p>
+            <a:pPr algn="ctr"/>
+            <a:endParaRPr lang="en-US"/>
+          </a:p>
+        </p:txBody>
+      </p:sp>
+      <p:sp>
+        <p:nvSpPr>
+          <p:cNvPr id="36" name="椭圆 35">
+            <a:extLst>
+              <a:ext uri="{FF2B5EF4-FFF2-40B4-BE49-F238E27FC236}">
+                <a16:creationId xmlns:a16="http://schemas.microsoft.com/office/drawing/2014/main" id="{3B9C1F68-750E-40F1-9047-BC0C948B47D8}"/>
+              </a:ext>
+            </a:extLst>
+          </p:cNvPr>
+          <p:cNvSpPr/>
+          <p:nvPr/>
+        </p:nvSpPr>
+        <p:spPr>
+          <a:xfrm>
+            <a:off x="3387668" y="2123890"/>
+            <a:ext cx="298047" cy="298047"/>
+          </a:xfrm>
+          <a:prstGeom prst="ellipse">
+            <a:avLst/>
+          </a:prstGeom>
+          <a:solidFill>
+            <a:schemeClr val="accent4"/>
+          </a:solidFill>
+          <a:ln>
+            <a:noFill/>
+          </a:ln>
+        </p:spPr>
+        <p:style>
+          <a:lnRef idx="2">
+            <a:schemeClr val="accent1">
+              <a:shade val="50000"/>
+            </a:schemeClr>
+          </a:lnRef>
+          <a:fillRef idx="1">
+            <a:schemeClr val="accent1"/>
+          </a:fillRef>
+          <a:effectRef idx="0">
+            <a:schemeClr val="accent1"/>
+          </a:effectRef>
+          <a:fontRef idx="minor">
+            <a:schemeClr val="lt1"/>
+          </a:fontRef>
+        </p:style>
+        <p:txBody>
+          <a:bodyPr rtlCol="0" anchor="ctr"/>
+          <a:lstStyle/>
+          <a:p>
+            <a:pPr algn="ctr"/>
+            <a:endParaRPr lang="en-US"/>
+          </a:p>
+        </p:txBody>
+      </p:sp>
+      <p:sp>
+        <p:nvSpPr>
+          <p:cNvPr id="37" name="椭圆 36">
+            <a:extLst>
+              <a:ext uri="{FF2B5EF4-FFF2-40B4-BE49-F238E27FC236}">
+                <a16:creationId xmlns:a16="http://schemas.microsoft.com/office/drawing/2014/main" id="{1930DDA6-F497-4460-9FC2-54560555D911}"/>
+              </a:ext>
+            </a:extLst>
+          </p:cNvPr>
+          <p:cNvSpPr/>
+          <p:nvPr/>
+        </p:nvSpPr>
+        <p:spPr>
+          <a:xfrm>
+            <a:off x="6121713" y="1729605"/>
+            <a:ext cx="298047" cy="298047"/>
+          </a:xfrm>
+          <a:prstGeom prst="ellipse">
+            <a:avLst/>
+          </a:prstGeom>
+          <a:solidFill>
+            <a:schemeClr val="accent4"/>
+          </a:solidFill>
+          <a:ln>
+            <a:noFill/>
+          </a:ln>
+        </p:spPr>
+        <p:style>
+          <a:lnRef idx="2">
+            <a:schemeClr val="accent1">
+              <a:shade val="50000"/>
+            </a:schemeClr>
+          </a:lnRef>
+          <a:fillRef idx="1">
+            <a:schemeClr val="accent1"/>
+          </a:fillRef>
+          <a:effectRef idx="0">
+            <a:schemeClr val="accent1"/>
+          </a:effectRef>
+          <a:fontRef idx="minor">
+            <a:schemeClr val="lt1"/>
+          </a:fontRef>
+        </p:style>
+        <p:txBody>
+          <a:bodyPr rtlCol="0" anchor="ctr"/>
+          <a:lstStyle/>
+          <a:p>
+            <a:pPr algn="ctr"/>
+            <a:endParaRPr lang="en-US"/>
+          </a:p>
+        </p:txBody>
+      </p:sp>
+      <p:sp>
+        <p:nvSpPr>
+          <p:cNvPr id="4" name="爆炸形: 8 pt  3">
+            <a:extLst>
+              <a:ext uri="{FF2B5EF4-FFF2-40B4-BE49-F238E27FC236}">
+                <a16:creationId xmlns:a16="http://schemas.microsoft.com/office/drawing/2014/main" id="{B5F9A45B-4036-4267-AB97-C8317DB9317D}"/>
+              </a:ext>
+            </a:extLst>
+          </p:cNvPr>
+          <p:cNvSpPr/>
+          <p:nvPr/>
+        </p:nvSpPr>
+        <p:spPr>
+          <a:xfrm>
+            <a:off x="3374310" y="2597465"/>
+            <a:ext cx="351085" cy="292895"/>
+          </a:xfrm>
+          <a:prstGeom prst="irregularSeal1">
+            <a:avLst/>
+          </a:prstGeom>
+          <a:pattFill prst="pct75">
+            <a:fgClr>
+              <a:schemeClr val="tx2"/>
+            </a:fgClr>
+            <a:bgClr>
+              <a:schemeClr val="bg1"/>
+            </a:bgClr>
+          </a:pattFill>
+          <a:ln>
+            <a:noFill/>
+          </a:ln>
+        </p:spPr>
+        <p:style>
+          <a:lnRef idx="2">
+            <a:schemeClr val="accent1">
+              <a:shade val="50000"/>
+            </a:schemeClr>
+          </a:lnRef>
+          <a:fillRef idx="1">
+            <a:schemeClr val="accent1"/>
+          </a:fillRef>
+          <a:effectRef idx="0">
+            <a:schemeClr val="accent1"/>
+          </a:effectRef>
+          <a:fontRef idx="minor">
+            <a:schemeClr val="lt1"/>
+          </a:fontRef>
+        </p:style>
+        <p:txBody>
+          <a:bodyPr rtlCol="0" anchor="ctr"/>
+          <a:lstStyle/>
+          <a:p>
+            <a:pPr algn="ctr"/>
+            <a:endParaRPr lang="en-US"/>
+          </a:p>
+        </p:txBody>
+      </p:sp>
+      <p:sp>
+        <p:nvSpPr>
+          <p:cNvPr id="15" name="乘号 14">
+            <a:extLst>
+              <a:ext uri="{FF2B5EF4-FFF2-40B4-BE49-F238E27FC236}">
+                <a16:creationId xmlns:a16="http://schemas.microsoft.com/office/drawing/2014/main" id="{2B8D22A7-8F70-4A98-BC33-ABDA7143713A}"/>
+              </a:ext>
+            </a:extLst>
+          </p:cNvPr>
+          <p:cNvSpPr/>
+          <p:nvPr/>
+        </p:nvSpPr>
+        <p:spPr>
+          <a:xfrm>
+            <a:off x="3344969" y="4387951"/>
+            <a:ext cx="404673" cy="375785"/>
+          </a:xfrm>
+          <a:prstGeom prst="mathMultiply">
+            <a:avLst/>
+          </a:prstGeom>
+          <a:solidFill>
+            <a:srgbClr val="FF0000"/>
+          </a:solidFill>
+          <a:ln>
+            <a:noFill/>
+          </a:ln>
+        </p:spPr>
+        <p:style>
+          <a:lnRef idx="2">
+            <a:schemeClr val="accent1">
+              <a:shade val="50000"/>
+            </a:schemeClr>
+          </a:lnRef>
+          <a:fillRef idx="1">
+            <a:schemeClr val="accent1"/>
+          </a:fillRef>
+          <a:effectRef idx="0">
+            <a:schemeClr val="accent1"/>
+          </a:effectRef>
+          <a:fontRef idx="minor">
+            <a:schemeClr val="lt1"/>
+          </a:fontRef>
+        </p:style>
+        <p:txBody>
+          <a:bodyPr rtlCol="0" anchor="ctr"/>
+          <a:lstStyle/>
+          <a:p>
+            <a:pPr algn="ctr"/>
+            <a:endParaRPr lang="en-US" dirty="0"/>
+          </a:p>
+        </p:txBody>
+      </p:sp>
+      <p:sp>
+        <p:nvSpPr>
+          <p:cNvPr id="16" name="流程图: 多文档 15">
+            <a:extLst>
+              <a:ext uri="{FF2B5EF4-FFF2-40B4-BE49-F238E27FC236}">
+                <a16:creationId xmlns:a16="http://schemas.microsoft.com/office/drawing/2014/main" id="{BD8B793E-65C3-41BA-8016-EFB4EC5E0896}"/>
+              </a:ext>
+            </a:extLst>
+          </p:cNvPr>
+          <p:cNvSpPr/>
+          <p:nvPr/>
+        </p:nvSpPr>
+        <p:spPr>
+          <a:xfrm>
+            <a:off x="3386670" y="3291259"/>
+            <a:ext cx="291425" cy="253607"/>
+          </a:xfrm>
+          <a:prstGeom prst="flowChartMultidocument">
+            <a:avLst/>
+          </a:prstGeom>
+          <a:solidFill>
+            <a:srgbClr val="FF0000"/>
+          </a:solidFill>
+          <a:ln>
+            <a:solidFill>
+              <a:schemeClr val="tx1"/>
+            </a:solidFill>
+          </a:ln>
+        </p:spPr>
+        <p:style>
+          <a:lnRef idx="2">
+            <a:schemeClr val="accent1">
+              <a:shade val="50000"/>
+            </a:schemeClr>
+          </a:lnRef>
+          <a:fillRef idx="1">
+            <a:schemeClr val="accent1"/>
+          </a:fillRef>
+          <a:effectRef idx="0">
+            <a:schemeClr val="accent1"/>
+          </a:effectRef>
+          <a:fontRef idx="minor">
+            <a:schemeClr val="lt1"/>
+          </a:fontRef>
+        </p:style>
+        <p:txBody>
+          <a:bodyPr rtlCol="0" anchor="ctr"/>
+          <a:lstStyle/>
+          <a:p>
+            <a:pPr algn="ctr"/>
+            <a:endParaRPr lang="en-US"/>
+          </a:p>
+        </p:txBody>
+      </p:sp>
+      <p:cxnSp>
+        <p:nvCxnSpPr>
+          <p:cNvPr id="33" name="连接符: 曲线 32">
+            <a:extLst>
+              <a:ext uri="{FF2B5EF4-FFF2-40B4-BE49-F238E27FC236}">
+                <a16:creationId xmlns:a16="http://schemas.microsoft.com/office/drawing/2014/main" id="{E395C7D7-FE04-46C7-8CB8-82C6BFDF3F7B}"/>
+              </a:ext>
+            </a:extLst>
+          </p:cNvPr>
+          <p:cNvCxnSpPr>
+            <a:cxnSpLocks/>
+            <a:endCxn id="58" idx="1"/>
+          </p:cNvCxnSpPr>
+          <p:nvPr/>
+        </p:nvCxnSpPr>
+        <p:spPr>
+          <a:xfrm rot="5400000">
+            <a:off x="3023421" y="3464412"/>
+            <a:ext cx="826195" cy="129505"/>
+          </a:xfrm>
+          <a:prstGeom prst="curvedConnector4">
+            <a:avLst>
+              <a:gd name="adj1" fmla="val -111"/>
+              <a:gd name="adj2" fmla="val 276518"/>
+            </a:avLst>
+          </a:prstGeom>
+          <a:ln w="50800" cmpd="dbl">
+            <a:solidFill>
+              <a:schemeClr val="tx1"/>
+            </a:solidFill>
+            <a:prstDash val="sysDot"/>
+            <a:tailEnd type="triangle"/>
+          </a:ln>
+        </p:spPr>
+        <p:style>
+          <a:lnRef idx="1">
+            <a:schemeClr val="accent1"/>
+          </a:lnRef>
+          <a:fillRef idx="0">
+            <a:schemeClr val="accent1"/>
+          </a:fillRef>
+          <a:effectRef idx="0">
+            <a:schemeClr val="accent1"/>
+          </a:effectRef>
+          <a:fontRef idx="minor">
+            <a:schemeClr val="tx1"/>
+          </a:fontRef>
+        </p:style>
+      </p:cxnSp>
+      <p:sp>
+        <p:nvSpPr>
+          <p:cNvPr id="58" name="爆炸形: 8 pt  57">
+            <a:extLst>
+              <a:ext uri="{FF2B5EF4-FFF2-40B4-BE49-F238E27FC236}">
+                <a16:creationId xmlns:a16="http://schemas.microsoft.com/office/drawing/2014/main" id="{24AC57A3-9BB2-49CC-8450-9008882C9918}"/>
+              </a:ext>
+            </a:extLst>
+          </p:cNvPr>
+          <p:cNvSpPr/>
+          <p:nvPr/>
+        </p:nvSpPr>
+        <p:spPr>
+          <a:xfrm>
+            <a:off x="3371765" y="3825443"/>
+            <a:ext cx="351085" cy="292895"/>
+          </a:xfrm>
+          <a:prstGeom prst="irregularSeal1">
+            <a:avLst/>
+          </a:prstGeom>
+          <a:pattFill prst="pct75">
+            <a:fgClr>
+              <a:schemeClr val="tx2"/>
+            </a:fgClr>
+            <a:bgClr>
+              <a:schemeClr val="bg1"/>
+            </a:bgClr>
+          </a:pattFill>
+          <a:ln>
+            <a:noFill/>
+          </a:ln>
+        </p:spPr>
+        <p:style>
+          <a:lnRef idx="2">
+            <a:schemeClr val="accent1">
+              <a:shade val="50000"/>
+            </a:schemeClr>
+          </a:lnRef>
+          <a:fillRef idx="1">
+            <a:schemeClr val="accent1"/>
+          </a:fillRef>
+          <a:effectRef idx="0">
+            <a:schemeClr val="accent1"/>
+          </a:effectRef>
+          <a:fontRef idx="minor">
+            <a:schemeClr val="lt1"/>
+          </a:fontRef>
+        </p:style>
+        <p:txBody>
+          <a:bodyPr rtlCol="0" anchor="ctr"/>
+          <a:lstStyle/>
+          <a:p>
+            <a:pPr algn="ctr"/>
+            <a:endParaRPr lang="en-US"/>
+          </a:p>
+        </p:txBody>
+      </p:sp>
+      <p:cxnSp>
+        <p:nvCxnSpPr>
+          <p:cNvPr id="60" name="直接连接符 59">
+            <a:extLst>
+              <a:ext uri="{FF2B5EF4-FFF2-40B4-BE49-F238E27FC236}">
+                <a16:creationId xmlns:a16="http://schemas.microsoft.com/office/drawing/2014/main" id="{B26F5A2D-FF61-45DE-8E3F-F863C28957F0}"/>
+              </a:ext>
+            </a:extLst>
+          </p:cNvPr>
+          <p:cNvCxnSpPr>
+            <a:cxnSpLocks/>
+          </p:cNvCxnSpPr>
+          <p:nvPr/>
+        </p:nvCxnSpPr>
+        <p:spPr>
+          <a:xfrm>
+            <a:off x="3538047" y="4101667"/>
+            <a:ext cx="9259" cy="370263"/>
+          </a:xfrm>
+          <a:prstGeom prst="line">
+            <a:avLst/>
+          </a:prstGeom>
+          <a:ln w="50800" cmpd="dbl">
+            <a:solidFill>
+              <a:schemeClr val="bg2">
+                <a:lumMod val="25000"/>
+              </a:schemeClr>
+            </a:solidFill>
+            <a:prstDash val="sysDot"/>
+            <a:tailEnd type="stealth"/>
+          </a:ln>
+        </p:spPr>
+        <p:style>
+          <a:lnRef idx="1">
+            <a:schemeClr val="accent1"/>
+          </a:lnRef>
+          <a:fillRef idx="0">
+            <a:schemeClr val="accent1"/>
+          </a:fillRef>
+          <a:effectRef idx="0">
+            <a:schemeClr val="accent1"/>
+          </a:effectRef>
+          <a:fontRef idx="minor">
+            <a:schemeClr val="tx1"/>
+          </a:fontRef>
+        </p:style>
+      </p:cxnSp>
+      <p:cxnSp>
+        <p:nvCxnSpPr>
+          <p:cNvPr id="78" name="直接箭头连接符 77">
+            <a:extLst>
+              <a:ext uri="{FF2B5EF4-FFF2-40B4-BE49-F238E27FC236}">
+                <a16:creationId xmlns:a16="http://schemas.microsoft.com/office/drawing/2014/main" id="{45571CD2-795F-4A58-B5A6-0BB17EBE5573}"/>
+              </a:ext>
+            </a:extLst>
+          </p:cNvPr>
+          <p:cNvCxnSpPr>
+            <a:cxnSpLocks/>
+            <a:endCxn id="82" idx="2"/>
+          </p:cNvCxnSpPr>
+          <p:nvPr/>
+        </p:nvCxnSpPr>
+        <p:spPr>
+          <a:xfrm>
+            <a:off x="7025544" y="3824024"/>
+            <a:ext cx="1094761" cy="6108"/>
+          </a:xfrm>
+          <a:prstGeom prst="straightConnector1">
+            <a:avLst/>
+          </a:prstGeom>
+          <a:ln w="25400">
+            <a:solidFill>
+              <a:schemeClr val="tx1"/>
+            </a:solidFill>
+            <a:tailEnd type="triangle"/>
+          </a:ln>
+        </p:spPr>
+        <p:style>
+          <a:lnRef idx="1">
+            <a:schemeClr val="accent1"/>
+          </a:lnRef>
+          <a:fillRef idx="0">
+            <a:schemeClr val="accent1"/>
+          </a:fillRef>
+          <a:effectRef idx="0">
+            <a:schemeClr val="accent1"/>
+          </a:effectRef>
+          <a:fontRef idx="minor">
+            <a:schemeClr val="tx1"/>
+          </a:fontRef>
+        </p:style>
+      </p:cxnSp>
+      <p:cxnSp>
+        <p:nvCxnSpPr>
+          <p:cNvPr id="83" name="直接箭头连接符 82">
+            <a:extLst>
+              <a:ext uri="{FF2B5EF4-FFF2-40B4-BE49-F238E27FC236}">
+                <a16:creationId xmlns:a16="http://schemas.microsoft.com/office/drawing/2014/main" id="{C15DF3A5-D42C-48EF-8007-9F850CDFAED3}"/>
+              </a:ext>
+            </a:extLst>
+          </p:cNvPr>
+          <p:cNvCxnSpPr>
+            <a:cxnSpLocks/>
+            <a:stCxn id="62" idx="2"/>
+            <a:endCxn id="94" idx="3"/>
+          </p:cNvCxnSpPr>
+          <p:nvPr/>
+        </p:nvCxnSpPr>
+        <p:spPr>
+          <a:xfrm flipH="1">
+            <a:off x="6923527" y="2662083"/>
+            <a:ext cx="1190755" cy="1214589"/>
+          </a:xfrm>
+          <a:prstGeom prst="straightConnector1">
+            <a:avLst/>
+          </a:prstGeom>
+          <a:ln w="25400">
+            <a:solidFill>
+              <a:schemeClr val="tx1"/>
+            </a:solidFill>
+            <a:tailEnd type="triangle"/>
+          </a:ln>
+        </p:spPr>
+        <p:style>
+          <a:lnRef idx="1">
+            <a:schemeClr val="accent1"/>
+          </a:lnRef>
+          <a:fillRef idx="0">
+            <a:schemeClr val="accent1"/>
+          </a:fillRef>
+          <a:effectRef idx="0">
+            <a:schemeClr val="accent1"/>
+          </a:effectRef>
+          <a:fontRef idx="minor">
+            <a:schemeClr val="tx1"/>
+          </a:fontRef>
+        </p:style>
+      </p:cxnSp>
+      <p:grpSp>
+        <p:nvGrpSpPr>
+          <p:cNvPr id="98" name="组合 97">
+            <a:extLst>
+              <a:ext uri="{FF2B5EF4-FFF2-40B4-BE49-F238E27FC236}">
+                <a16:creationId xmlns:a16="http://schemas.microsoft.com/office/drawing/2014/main" id="{ABC4083C-E2E0-44A7-80F5-A376C9EE1FD1}"/>
+              </a:ext>
+            </a:extLst>
+          </p:cNvPr>
+          <p:cNvGrpSpPr/>
+          <p:nvPr/>
+        </p:nvGrpSpPr>
+        <p:grpSpPr>
+          <a:xfrm>
+            <a:off x="6000909" y="2585614"/>
+            <a:ext cx="976101" cy="1784795"/>
+            <a:chOff x="3289074" y="2976611"/>
+            <a:chExt cx="976101" cy="1784795"/>
+          </a:xfrm>
+        </p:grpSpPr>
+        <p:grpSp>
+          <p:nvGrpSpPr>
+            <p:cNvPr id="25" name="组合 24">
+              <a:extLst>
+                <a:ext uri="{FF2B5EF4-FFF2-40B4-BE49-F238E27FC236}">
+                  <a16:creationId xmlns:a16="http://schemas.microsoft.com/office/drawing/2014/main" id="{A5111B41-FAC8-4F00-AD2F-5CA9DF128FAE}"/>
+                </a:ext>
+              </a:extLst>
+            </p:cNvPr>
+            <p:cNvGrpSpPr/>
+            <p:nvPr/>
+          </p:nvGrpSpPr>
+          <p:grpSpPr>
+            <a:xfrm>
+              <a:off x="3324689" y="3318367"/>
+              <a:ext cx="904875" cy="1443039"/>
+              <a:chOff x="4271963" y="1500186"/>
+              <a:chExt cx="904875" cy="1443039"/>
+            </a:xfrm>
+          </p:grpSpPr>
+          <p:sp>
+            <p:nvSpPr>
+              <p:cNvPr id="26" name="矩形 25">
+                <a:extLst>
+                  <a:ext uri="{FF2B5EF4-FFF2-40B4-BE49-F238E27FC236}">
+                    <a16:creationId xmlns:a16="http://schemas.microsoft.com/office/drawing/2014/main" id="{5A026884-AB90-4EE4-8CE0-D3522F8A1CE3}"/>
+                  </a:ext>
+                </a:extLst>
+              </p:cNvPr>
+              <p:cNvSpPr/>
+              <p:nvPr/>
+            </p:nvSpPr>
+            <p:spPr>
+              <a:xfrm>
+                <a:off x="4271963" y="1500186"/>
+                <a:ext cx="904875" cy="1443039"/>
+              </a:xfrm>
+              <a:prstGeom prst="rect">
+                <a:avLst/>
+              </a:prstGeom>
+              <a:solidFill>
+                <a:schemeClr val="bg1"/>
+              </a:solidFill>
+              <a:ln w="31750">
+                <a:solidFill>
+                  <a:schemeClr val="tx1"/>
+                </a:solidFill>
+              </a:ln>
+            </p:spPr>
+            <p:style>
+              <a:lnRef idx="2">
+                <a:schemeClr val="accent1">
+                  <a:shade val="50000"/>
+                </a:schemeClr>
+              </a:lnRef>
+              <a:fillRef idx="1">
+                <a:schemeClr val="accent1"/>
+              </a:fillRef>
+              <a:effectRef idx="0">
+                <a:schemeClr val="accent1"/>
+              </a:effectRef>
+              <a:fontRef idx="minor">
+                <a:schemeClr val="lt1"/>
+              </a:fontRef>
+            </p:style>
+            <p:txBody>
+              <a:bodyPr rtlCol="0" anchor="ctr"/>
+              <a:lstStyle/>
+              <a:p>
+                <a:pPr algn="ctr"/>
+                <a:endParaRPr lang="en-US" dirty="0"/>
+              </a:p>
+            </p:txBody>
+          </p:sp>
+          <p:cxnSp>
+            <p:nvCxnSpPr>
+              <p:cNvPr id="27" name="直接连接符 26">
+                <a:extLst>
+                  <a:ext uri="{FF2B5EF4-FFF2-40B4-BE49-F238E27FC236}">
+                    <a16:creationId xmlns:a16="http://schemas.microsoft.com/office/drawing/2014/main" id="{61FF08E5-E6B1-4886-AF8A-A9062CD815FD}"/>
+                  </a:ext>
+                </a:extLst>
+              </p:cNvPr>
+              <p:cNvCxnSpPr>
+                <a:cxnSpLocks/>
+              </p:cNvCxnSpPr>
+              <p:nvPr/>
+            </p:nvCxnSpPr>
+            <p:spPr>
+              <a:xfrm>
+                <a:off x="4271963" y="1752600"/>
+                <a:ext cx="904875" cy="0"/>
+              </a:xfrm>
+              <a:prstGeom prst="line">
+                <a:avLst/>
+              </a:prstGeom>
+              <a:ln w="31750">
+                <a:solidFill>
+                  <a:schemeClr val="tx1"/>
+                </a:solidFill>
+              </a:ln>
+            </p:spPr>
+            <p:style>
+              <a:lnRef idx="1">
+                <a:schemeClr val="accent1"/>
+              </a:lnRef>
+              <a:fillRef idx="0">
+                <a:schemeClr val="accent1"/>
+              </a:fillRef>
+              <a:effectRef idx="0">
+                <a:schemeClr val="accent1"/>
+              </a:effectRef>
+              <a:fontRef idx="minor">
+                <a:schemeClr val="tx1"/>
+              </a:fontRef>
+            </p:style>
+          </p:cxnSp>
+          <p:cxnSp>
+            <p:nvCxnSpPr>
+              <p:cNvPr id="28" name="直接连接符 27">
+                <a:extLst>
+                  <a:ext uri="{FF2B5EF4-FFF2-40B4-BE49-F238E27FC236}">
+                    <a16:creationId xmlns:a16="http://schemas.microsoft.com/office/drawing/2014/main" id="{C9ACC8CE-63F6-4DE3-9DDA-13C2D22C111B}"/>
+                  </a:ext>
+                </a:extLst>
+              </p:cNvPr>
+              <p:cNvCxnSpPr>
+                <a:cxnSpLocks/>
+              </p:cNvCxnSpPr>
+              <p:nvPr/>
+            </p:nvCxnSpPr>
+            <p:spPr>
+              <a:xfrm>
+                <a:off x="4271963" y="2000250"/>
+                <a:ext cx="904875" cy="0"/>
+              </a:xfrm>
+              <a:prstGeom prst="line">
+                <a:avLst/>
+              </a:prstGeom>
+              <a:ln w="31750">
+                <a:solidFill>
+                  <a:schemeClr val="tx1"/>
+                </a:solidFill>
+              </a:ln>
+            </p:spPr>
+            <p:style>
+              <a:lnRef idx="1">
+                <a:schemeClr val="accent1"/>
+              </a:lnRef>
+              <a:fillRef idx="0">
+                <a:schemeClr val="accent1"/>
+              </a:fillRef>
+              <a:effectRef idx="0">
+                <a:schemeClr val="accent1"/>
+              </a:effectRef>
+              <a:fontRef idx="minor">
+                <a:schemeClr val="tx1"/>
+              </a:fontRef>
+            </p:style>
+          </p:cxnSp>
+          <p:cxnSp>
+            <p:nvCxnSpPr>
+              <p:cNvPr id="29" name="直接连接符 28">
+                <a:extLst>
+                  <a:ext uri="{FF2B5EF4-FFF2-40B4-BE49-F238E27FC236}">
+                    <a16:creationId xmlns:a16="http://schemas.microsoft.com/office/drawing/2014/main" id="{ACD5B53C-3846-4432-92C8-9485699C4262}"/>
+                  </a:ext>
+                </a:extLst>
+              </p:cNvPr>
+              <p:cNvCxnSpPr>
+                <a:cxnSpLocks/>
+              </p:cNvCxnSpPr>
+              <p:nvPr/>
+            </p:nvCxnSpPr>
+            <p:spPr>
+              <a:xfrm>
+                <a:off x="4271963" y="2247900"/>
+                <a:ext cx="904875" cy="0"/>
+              </a:xfrm>
+              <a:prstGeom prst="line">
+                <a:avLst/>
+              </a:prstGeom>
+              <a:ln w="31750">
+                <a:solidFill>
+                  <a:schemeClr val="tx1"/>
+                </a:solidFill>
+              </a:ln>
+            </p:spPr>
+            <p:style>
+              <a:lnRef idx="1">
+                <a:schemeClr val="accent1"/>
+              </a:lnRef>
+              <a:fillRef idx="0">
+                <a:schemeClr val="accent1"/>
+              </a:fillRef>
+              <a:effectRef idx="0">
+                <a:schemeClr val="accent1"/>
+              </a:effectRef>
+              <a:fontRef idx="minor">
+                <a:schemeClr val="tx1"/>
+              </a:fontRef>
+            </p:style>
+          </p:cxnSp>
+          <p:cxnSp>
+            <p:nvCxnSpPr>
+              <p:cNvPr id="30" name="直接连接符 29">
+                <a:extLst>
+                  <a:ext uri="{FF2B5EF4-FFF2-40B4-BE49-F238E27FC236}">
+                    <a16:creationId xmlns:a16="http://schemas.microsoft.com/office/drawing/2014/main" id="{0582DFF1-11B8-4420-B23A-4A6B33937EA1}"/>
+                  </a:ext>
+                </a:extLst>
+              </p:cNvPr>
+              <p:cNvCxnSpPr>
+                <a:cxnSpLocks/>
+              </p:cNvCxnSpPr>
+              <p:nvPr/>
+            </p:nvCxnSpPr>
+            <p:spPr>
+              <a:xfrm>
+                <a:off x="4271963" y="2524125"/>
+                <a:ext cx="904875" cy="0"/>
+              </a:xfrm>
+              <a:prstGeom prst="line">
+                <a:avLst/>
+              </a:prstGeom>
+              <a:ln w="31750">
+                <a:solidFill>
+                  <a:schemeClr val="tx1"/>
+                </a:solidFill>
+              </a:ln>
+            </p:spPr>
+            <p:style>
+              <a:lnRef idx="1">
+                <a:schemeClr val="accent1"/>
+              </a:lnRef>
+              <a:fillRef idx="0">
+                <a:schemeClr val="accent1"/>
+              </a:fillRef>
+              <a:effectRef idx="0">
+                <a:schemeClr val="accent1"/>
+              </a:effectRef>
+              <a:fontRef idx="minor">
+                <a:schemeClr val="tx1"/>
+              </a:fontRef>
+            </p:style>
+          </p:cxnSp>
+          <p:sp>
+            <p:nvSpPr>
+              <p:cNvPr id="31" name="文本框 30">
+                <a:extLst>
+                  <a:ext uri="{FF2B5EF4-FFF2-40B4-BE49-F238E27FC236}">
+                    <a16:creationId xmlns:a16="http://schemas.microsoft.com/office/drawing/2014/main" id="{F1198496-8EEC-4D54-82DE-0D7B6855EF82}"/>
+                  </a:ext>
+                </a:extLst>
+              </p:cNvPr>
+              <p:cNvSpPr txBox="1"/>
+              <p:nvPr/>
+            </p:nvSpPr>
+            <p:spPr>
+              <a:xfrm>
+                <a:off x="4526756" y="2428875"/>
+                <a:ext cx="395287" cy="461665"/>
+              </a:xfrm>
+              <a:prstGeom prst="rect">
+                <a:avLst/>
+              </a:prstGeom>
+              <a:noFill/>
+            </p:spPr>
+            <p:txBody>
+              <a:bodyPr wrap="square" rtlCol="0">
+                <a:spAutoFit/>
+              </a:bodyPr>
+              <a:lstStyle/>
+              <a:p>
+                <a:r>
+                  <a:rPr lang="en-US" sz="2400" b="1" dirty="0"/>
+                  <a:t>…</a:t>
+                </a:r>
+                <a:endParaRPr lang="en-US" b="1" dirty="0"/>
+              </a:p>
+            </p:txBody>
+          </p:sp>
+        </p:grpSp>
+        <p:sp>
+          <p:nvSpPr>
+            <p:cNvPr id="69" name="文本框 68">
+              <a:extLst>
+                <a:ext uri="{FF2B5EF4-FFF2-40B4-BE49-F238E27FC236}">
+                  <a16:creationId xmlns:a16="http://schemas.microsoft.com/office/drawing/2014/main" id="{D3245029-1EF7-4E38-8949-421EB0420DE1}"/>
+                </a:ext>
+              </a:extLst>
+            </p:cNvPr>
+            <p:cNvSpPr txBox="1"/>
+            <p:nvPr/>
+          </p:nvSpPr>
+          <p:spPr>
+            <a:xfrm>
+              <a:off x="3289074" y="2976611"/>
+              <a:ext cx="976101" cy="369332"/>
+            </a:xfrm>
+            <a:prstGeom prst="rect">
+              <a:avLst/>
+            </a:prstGeom>
+            <a:noFill/>
+          </p:spPr>
+          <p:txBody>
+            <a:bodyPr wrap="none" rtlCol="0">
+              <a:spAutoFit/>
+            </a:bodyPr>
+            <a:lstStyle/>
+            <a:p>
+              <a:r>
+                <a:rPr lang="en-US" dirty="0"/>
+                <a:t>memory</a:t>
+              </a:r>
+            </a:p>
+          </p:txBody>
+        </p:sp>
+        <p:cxnSp>
+          <p:nvCxnSpPr>
+            <p:cNvPr id="56" name="连接符: 曲线 55">
+              <a:extLst>
+                <a:ext uri="{FF2B5EF4-FFF2-40B4-BE49-F238E27FC236}">
+                  <a16:creationId xmlns:a16="http://schemas.microsoft.com/office/drawing/2014/main" id="{E3BF092F-944F-4EC5-86E8-5E0DAC173C1A}"/>
+                </a:ext>
+              </a:extLst>
+            </p:cNvPr>
+            <p:cNvCxnSpPr>
+              <a:cxnSpLocks/>
+            </p:cNvCxnSpPr>
+            <p:nvPr/>
+          </p:nvCxnSpPr>
+          <p:spPr>
+            <a:xfrm rot="5400000">
+              <a:off x="3569292" y="3664659"/>
+              <a:ext cx="355267" cy="196827"/>
+            </a:xfrm>
+            <a:prstGeom prst="curvedConnector3">
+              <a:avLst/>
+            </a:prstGeom>
+            <a:ln w="25400">
+              <a:solidFill>
+                <a:srgbClr val="FF0000"/>
+              </a:solidFill>
+              <a:tailEnd type="triangle"/>
+            </a:ln>
+          </p:spPr>
+          <p:style>
+            <a:lnRef idx="1">
+              <a:schemeClr val="accent1"/>
+            </a:lnRef>
+            <a:fillRef idx="0">
+              <a:schemeClr val="accent1"/>
+            </a:fillRef>
+            <a:effectRef idx="0">
+              <a:schemeClr val="accent1"/>
+            </a:effectRef>
+            <a:fontRef idx="minor">
+              <a:schemeClr val="tx1"/>
+            </a:fontRef>
+          </p:style>
+        </p:cxnSp>
+        <p:cxnSp>
+          <p:nvCxnSpPr>
+            <p:cNvPr id="66" name="直接连接符 65">
+              <a:extLst>
+                <a:ext uri="{FF2B5EF4-FFF2-40B4-BE49-F238E27FC236}">
+                  <a16:creationId xmlns:a16="http://schemas.microsoft.com/office/drawing/2014/main" id="{627D9182-A99E-4440-BD5C-CEF34653D4A0}"/>
+                </a:ext>
+              </a:extLst>
+            </p:cNvPr>
+            <p:cNvCxnSpPr>
+              <a:cxnSpLocks/>
+            </p:cNvCxnSpPr>
+            <p:nvPr/>
+          </p:nvCxnSpPr>
+          <p:spPr>
+            <a:xfrm>
+              <a:off x="3324689" y="4058937"/>
+              <a:ext cx="904875" cy="0"/>
+            </a:xfrm>
+            <a:prstGeom prst="line">
+              <a:avLst/>
+            </a:prstGeom>
+            <a:ln w="25400">
+              <a:solidFill>
+                <a:schemeClr val="tx1"/>
+              </a:solidFill>
+            </a:ln>
+          </p:spPr>
+          <p:style>
+            <a:lnRef idx="1">
+              <a:schemeClr val="accent1"/>
+            </a:lnRef>
+            <a:fillRef idx="0">
+              <a:schemeClr val="accent1"/>
+            </a:fillRef>
+            <a:effectRef idx="0">
+              <a:schemeClr val="accent1"/>
+            </a:effectRef>
+            <a:fontRef idx="minor">
+              <a:schemeClr val="tx1"/>
+            </a:fontRef>
+          </p:style>
+        </p:cxnSp>
+        <p:sp>
+          <p:nvSpPr>
+            <p:cNvPr id="91" name="矩形 90">
+              <a:extLst>
+                <a:ext uri="{FF2B5EF4-FFF2-40B4-BE49-F238E27FC236}">
+                  <a16:creationId xmlns:a16="http://schemas.microsoft.com/office/drawing/2014/main" id="{E40CA0FB-C369-4CFB-897D-E4D714CE6405}"/>
+                </a:ext>
+              </a:extLst>
+            </p:cNvPr>
+            <p:cNvSpPr/>
+            <p:nvPr/>
+          </p:nvSpPr>
+          <p:spPr>
+            <a:xfrm>
+              <a:off x="3339325" y="3947110"/>
+              <a:ext cx="874748" cy="107810"/>
+            </a:xfrm>
+            <a:prstGeom prst="rect">
+              <a:avLst/>
+            </a:prstGeom>
+            <a:pattFill prst="wdDnDiag">
+              <a:fgClr>
+                <a:schemeClr val="tx1"/>
+              </a:fgClr>
+              <a:bgClr>
+                <a:schemeClr val="bg1"/>
+              </a:bgClr>
+            </a:pattFill>
+            <a:ln>
+              <a:noFill/>
+            </a:ln>
+          </p:spPr>
+          <p:style>
+            <a:lnRef idx="2">
+              <a:schemeClr val="accent1">
+                <a:shade val="50000"/>
+              </a:schemeClr>
+            </a:lnRef>
+            <a:fillRef idx="1">
+              <a:schemeClr val="accent1"/>
+            </a:fillRef>
+            <a:effectRef idx="0">
+              <a:schemeClr val="accent1"/>
+            </a:effectRef>
+            <a:fontRef idx="minor">
+              <a:schemeClr val="lt1"/>
+            </a:fontRef>
+          </p:style>
+          <p:txBody>
+            <a:bodyPr rtlCol="0" anchor="ctr"/>
+            <a:lstStyle/>
+            <a:p>
+              <a:pPr algn="ctr"/>
+              <a:endParaRPr lang="en-US"/>
+            </a:p>
+          </p:txBody>
+        </p:sp>
+        <p:sp>
+          <p:nvSpPr>
+            <p:cNvPr id="92" name="矩形 91">
+              <a:extLst>
+                <a:ext uri="{FF2B5EF4-FFF2-40B4-BE49-F238E27FC236}">
+                  <a16:creationId xmlns:a16="http://schemas.microsoft.com/office/drawing/2014/main" id="{12AD680C-BFBB-42EB-BF1E-57099B5186A2}"/>
+                </a:ext>
+              </a:extLst>
+            </p:cNvPr>
+            <p:cNvSpPr/>
+            <p:nvPr/>
+          </p:nvSpPr>
+          <p:spPr>
+            <a:xfrm>
+              <a:off x="3339325" y="3343025"/>
+              <a:ext cx="874748" cy="206695"/>
+            </a:xfrm>
+            <a:prstGeom prst="rect">
+              <a:avLst/>
+            </a:prstGeom>
+            <a:pattFill prst="wdDnDiag">
+              <a:fgClr>
+                <a:schemeClr val="tx1"/>
+              </a:fgClr>
+              <a:bgClr>
+                <a:schemeClr val="bg1"/>
+              </a:bgClr>
+            </a:pattFill>
+            <a:ln>
+              <a:noFill/>
+            </a:ln>
+          </p:spPr>
+          <p:style>
+            <a:lnRef idx="2">
+              <a:schemeClr val="accent1">
+                <a:shade val="50000"/>
+              </a:schemeClr>
+            </a:lnRef>
+            <a:fillRef idx="1">
+              <a:schemeClr val="accent1"/>
+            </a:fillRef>
+            <a:effectRef idx="0">
+              <a:schemeClr val="accent1"/>
+            </a:effectRef>
+            <a:fontRef idx="minor">
+              <a:schemeClr val="lt1"/>
+            </a:fontRef>
+          </p:style>
+          <p:txBody>
+            <a:bodyPr rtlCol="0" anchor="ctr"/>
+            <a:lstStyle/>
+            <a:p>
+              <a:pPr algn="ctr"/>
+              <a:endParaRPr lang="en-US"/>
+            </a:p>
+          </p:txBody>
+        </p:sp>
+        <p:sp>
+          <p:nvSpPr>
+            <p:cNvPr id="93" name="矩形 92">
+              <a:extLst>
+                <a:ext uri="{FF2B5EF4-FFF2-40B4-BE49-F238E27FC236}">
+                  <a16:creationId xmlns:a16="http://schemas.microsoft.com/office/drawing/2014/main" id="{E03D8959-7875-4575-9202-64B1EC3086C6}"/>
+                </a:ext>
+              </a:extLst>
+            </p:cNvPr>
+            <p:cNvSpPr/>
+            <p:nvPr/>
+          </p:nvSpPr>
+          <p:spPr>
+            <a:xfrm>
+              <a:off x="3340119" y="4086016"/>
+              <a:ext cx="874748" cy="107810"/>
+            </a:xfrm>
+            <a:prstGeom prst="rect">
+              <a:avLst/>
+            </a:prstGeom>
+            <a:pattFill prst="wdDnDiag">
+              <a:fgClr>
+                <a:schemeClr val="tx1"/>
+              </a:fgClr>
+              <a:bgClr>
+                <a:schemeClr val="accent4">
+                  <a:lumMod val="60000"/>
+                  <a:lumOff val="40000"/>
+                </a:schemeClr>
+              </a:bgClr>
+            </a:pattFill>
+            <a:ln>
+              <a:noFill/>
+            </a:ln>
+          </p:spPr>
+          <p:style>
+            <a:lnRef idx="2">
+              <a:schemeClr val="accent1">
+                <a:shade val="50000"/>
+              </a:schemeClr>
+            </a:lnRef>
+            <a:fillRef idx="1">
+              <a:schemeClr val="accent1"/>
+            </a:fillRef>
+            <a:effectRef idx="0">
+              <a:schemeClr val="accent1"/>
+            </a:effectRef>
+            <a:fontRef idx="minor">
+              <a:schemeClr val="lt1"/>
+            </a:fontRef>
+          </p:style>
+          <p:txBody>
+            <a:bodyPr rtlCol="0" anchor="ctr"/>
+            <a:lstStyle/>
+            <a:p>
+              <a:pPr algn="ctr"/>
+              <a:endParaRPr lang="en-US" dirty="0"/>
+            </a:p>
+          </p:txBody>
+        </p:sp>
+        <p:sp>
+          <p:nvSpPr>
+            <p:cNvPr id="94" name="矩形 93">
+              <a:extLst>
+                <a:ext uri="{FF2B5EF4-FFF2-40B4-BE49-F238E27FC236}">
+                  <a16:creationId xmlns:a16="http://schemas.microsoft.com/office/drawing/2014/main" id="{C7CADDA8-285C-4E6D-939F-A20114D08F95}"/>
+                </a:ext>
+              </a:extLst>
+            </p:cNvPr>
+            <p:cNvSpPr/>
+            <p:nvPr/>
+          </p:nvSpPr>
+          <p:spPr>
+            <a:xfrm>
+              <a:off x="3336944" y="4203612"/>
+              <a:ext cx="874748" cy="128113"/>
+            </a:xfrm>
+            <a:prstGeom prst="rect">
+              <a:avLst/>
+            </a:prstGeom>
+            <a:solidFill>
+              <a:schemeClr val="accent4">
+                <a:lumMod val="60000"/>
+                <a:lumOff val="40000"/>
+              </a:schemeClr>
+            </a:solidFill>
+            <a:ln>
+              <a:noFill/>
+            </a:ln>
+          </p:spPr>
+          <p:style>
+            <a:lnRef idx="2">
+              <a:schemeClr val="accent1">
+                <a:shade val="50000"/>
+              </a:schemeClr>
+            </a:lnRef>
+            <a:fillRef idx="1">
+              <a:schemeClr val="accent1"/>
+            </a:fillRef>
+            <a:effectRef idx="0">
+              <a:schemeClr val="accent1"/>
+            </a:effectRef>
+            <a:fontRef idx="minor">
+              <a:schemeClr val="lt1"/>
+            </a:fontRef>
+          </p:style>
+          <p:txBody>
+            <a:bodyPr rtlCol="0" anchor="ctr"/>
+            <a:lstStyle/>
+            <a:p>
+              <a:pPr algn="ctr"/>
+              <a:endParaRPr lang="en-US"/>
+            </a:p>
+          </p:txBody>
+        </p:sp>
+      </p:grpSp>
+      <p:sp>
+        <p:nvSpPr>
+          <p:cNvPr id="100" name="文本框 99">
+            <a:extLst>
+              <a:ext uri="{FF2B5EF4-FFF2-40B4-BE49-F238E27FC236}">
+                <a16:creationId xmlns:a16="http://schemas.microsoft.com/office/drawing/2014/main" id="{DF3BE1D9-250C-4A17-BC2E-74D55D3D3F15}"/>
+              </a:ext>
+            </a:extLst>
+          </p:cNvPr>
+          <p:cNvSpPr txBox="1"/>
+          <p:nvPr/>
+        </p:nvSpPr>
+        <p:spPr>
+          <a:xfrm>
+            <a:off x="3130959" y="852028"/>
+            <a:ext cx="780983" cy="369332"/>
+          </a:xfrm>
+          <a:prstGeom prst="rect">
+            <a:avLst/>
+          </a:prstGeom>
+          <a:noFill/>
+        </p:spPr>
+        <p:txBody>
+          <a:bodyPr wrap="none" rtlCol="0">
+            <a:spAutoFit/>
+          </a:bodyPr>
+          <a:lstStyle/>
+          <a:p>
+            <a:r>
+              <a:rPr lang="en-US" dirty="0"/>
+              <a:t>Victim</a:t>
+            </a:r>
+          </a:p>
+        </p:txBody>
+      </p:sp>
+      <p:grpSp>
+        <p:nvGrpSpPr>
+          <p:cNvPr id="19" name="组合 18">
+            <a:extLst>
+              <a:ext uri="{FF2B5EF4-FFF2-40B4-BE49-F238E27FC236}">
+                <a16:creationId xmlns:a16="http://schemas.microsoft.com/office/drawing/2014/main" id="{BA3E8286-BB20-478D-AC7B-BB8C119E11AC}"/>
+              </a:ext>
+            </a:extLst>
+          </p:cNvPr>
+          <p:cNvGrpSpPr/>
+          <p:nvPr/>
+        </p:nvGrpSpPr>
+        <p:grpSpPr>
+          <a:xfrm>
+            <a:off x="7872813" y="1921578"/>
+            <a:ext cx="780983" cy="3161405"/>
+            <a:chOff x="7529131" y="2667976"/>
+            <a:chExt cx="780983" cy="3161405"/>
+          </a:xfrm>
+        </p:grpSpPr>
+        <p:cxnSp>
+          <p:nvCxnSpPr>
+            <p:cNvPr id="8" name="直接连接符 7">
+              <a:extLst>
+                <a:ext uri="{FF2B5EF4-FFF2-40B4-BE49-F238E27FC236}">
+                  <a16:creationId xmlns:a16="http://schemas.microsoft.com/office/drawing/2014/main" id="{A494DBA8-26DA-401C-8636-359099D213FA}"/>
+                </a:ext>
+              </a:extLst>
+            </p:cNvPr>
+            <p:cNvCxnSpPr>
+              <a:cxnSpLocks/>
+            </p:cNvCxnSpPr>
+            <p:nvPr/>
+          </p:nvCxnSpPr>
+          <p:spPr>
+            <a:xfrm>
+              <a:off x="7919623" y="2970856"/>
+              <a:ext cx="5177" cy="2538681"/>
+            </a:xfrm>
+            <a:prstGeom prst="line">
+              <a:avLst/>
+            </a:prstGeom>
+            <a:ln w="50800" cmpd="dbl">
+              <a:solidFill>
+                <a:schemeClr val="tx1"/>
+              </a:solidFill>
+              <a:prstDash val="sysDot"/>
+              <a:tailEnd type="stealth"/>
+            </a:ln>
+          </p:spPr>
+          <p:style>
+            <a:lnRef idx="1">
+              <a:schemeClr val="accent1"/>
+            </a:lnRef>
+            <a:fillRef idx="0">
+              <a:schemeClr val="accent1"/>
+            </a:fillRef>
+            <a:effectRef idx="0">
+              <a:schemeClr val="accent1"/>
+            </a:effectRef>
+            <a:fontRef idx="minor">
+              <a:schemeClr val="tx1"/>
+            </a:fontRef>
+          </p:style>
+        </p:cxnSp>
+        <p:sp>
+          <p:nvSpPr>
+            <p:cNvPr id="62" name="椭圆 61">
+              <a:extLst>
+                <a:ext uri="{FF2B5EF4-FFF2-40B4-BE49-F238E27FC236}">
+                  <a16:creationId xmlns:a16="http://schemas.microsoft.com/office/drawing/2014/main" id="{96282AB5-8399-4B76-ABAE-F53CB85D1379}"/>
+                </a:ext>
+              </a:extLst>
+            </p:cNvPr>
+            <p:cNvSpPr/>
+            <p:nvPr/>
+          </p:nvSpPr>
+          <p:spPr>
+            <a:xfrm>
+              <a:off x="7770600" y="3259457"/>
+              <a:ext cx="298047" cy="298047"/>
+            </a:xfrm>
+            <a:prstGeom prst="ellipse">
+              <a:avLst/>
+            </a:prstGeom>
+            <a:solidFill>
+              <a:schemeClr val="accent4"/>
+            </a:solidFill>
+            <a:ln>
+              <a:noFill/>
+            </a:ln>
+          </p:spPr>
+          <p:style>
+            <a:lnRef idx="2">
+              <a:schemeClr val="accent1">
+                <a:shade val="50000"/>
+              </a:schemeClr>
+            </a:lnRef>
+            <a:fillRef idx="1">
+              <a:schemeClr val="accent1"/>
+            </a:fillRef>
+            <a:effectRef idx="0">
+              <a:schemeClr val="accent1"/>
+            </a:effectRef>
+            <a:fontRef idx="minor">
+              <a:schemeClr val="lt1"/>
+            </a:fontRef>
+          </p:style>
+          <p:txBody>
+            <a:bodyPr rtlCol="0" anchor="ctr"/>
+            <a:lstStyle/>
+            <a:p>
+              <a:pPr algn="ctr"/>
+              <a:endParaRPr lang="en-US"/>
+            </a:p>
+          </p:txBody>
+        </p:sp>
+        <p:sp>
+          <p:nvSpPr>
+            <p:cNvPr id="82" name="椭圆 81">
+              <a:extLst>
+                <a:ext uri="{FF2B5EF4-FFF2-40B4-BE49-F238E27FC236}">
+                  <a16:creationId xmlns:a16="http://schemas.microsoft.com/office/drawing/2014/main" id="{532EB019-E3F3-41AA-AD1A-F46939F4AE12}"/>
+                </a:ext>
+              </a:extLst>
+            </p:cNvPr>
+            <p:cNvSpPr/>
+            <p:nvPr/>
+          </p:nvSpPr>
+          <p:spPr>
+            <a:xfrm>
+              <a:off x="7776623" y="4427506"/>
+              <a:ext cx="298047" cy="298047"/>
+            </a:xfrm>
+            <a:prstGeom prst="ellipse">
+              <a:avLst/>
+            </a:prstGeom>
+            <a:solidFill>
+              <a:schemeClr val="accent4"/>
+            </a:solidFill>
+            <a:ln>
+              <a:noFill/>
+            </a:ln>
+          </p:spPr>
+          <p:style>
+            <a:lnRef idx="2">
+              <a:schemeClr val="accent1">
+                <a:shade val="50000"/>
+              </a:schemeClr>
+            </a:lnRef>
+            <a:fillRef idx="1">
+              <a:schemeClr val="accent1"/>
+            </a:fillRef>
+            <a:effectRef idx="0">
+              <a:schemeClr val="accent1"/>
+            </a:effectRef>
+            <a:fontRef idx="minor">
+              <a:schemeClr val="lt1"/>
+            </a:fontRef>
+          </p:style>
+          <p:txBody>
+            <a:bodyPr rtlCol="0" anchor="ctr"/>
+            <a:lstStyle/>
+            <a:p>
+              <a:pPr algn="ctr"/>
+              <a:endParaRPr lang="en-US"/>
+            </a:p>
+          </p:txBody>
+        </p:sp>
+        <p:sp>
+          <p:nvSpPr>
+            <p:cNvPr id="87" name="爆炸形: 8 pt  86">
+              <a:extLst>
+                <a:ext uri="{FF2B5EF4-FFF2-40B4-BE49-F238E27FC236}">
+                  <a16:creationId xmlns:a16="http://schemas.microsoft.com/office/drawing/2014/main" id="{357668BE-A281-44AC-9F87-0A8D590BB39B}"/>
+                </a:ext>
+              </a:extLst>
+            </p:cNvPr>
+            <p:cNvSpPr/>
+            <p:nvPr/>
+          </p:nvSpPr>
+          <p:spPr>
+            <a:xfrm>
+              <a:off x="7744663" y="4943127"/>
+              <a:ext cx="351085" cy="292895"/>
+            </a:xfrm>
+            <a:prstGeom prst="irregularSeal1">
+              <a:avLst/>
+            </a:prstGeom>
+            <a:pattFill prst="pct75">
+              <a:fgClr>
+                <a:schemeClr val="tx2"/>
+              </a:fgClr>
+              <a:bgClr>
+                <a:schemeClr val="bg1"/>
+              </a:bgClr>
+            </a:pattFill>
+            <a:ln>
+              <a:noFill/>
+            </a:ln>
+          </p:spPr>
+          <p:style>
+            <a:lnRef idx="2">
+              <a:schemeClr val="accent1">
+                <a:shade val="50000"/>
+              </a:schemeClr>
+            </a:lnRef>
+            <a:fillRef idx="1">
+              <a:schemeClr val="accent1"/>
+            </a:fillRef>
+            <a:effectRef idx="0">
+              <a:schemeClr val="accent1"/>
+            </a:effectRef>
+            <a:fontRef idx="minor">
+              <a:schemeClr val="lt1"/>
+            </a:fontRef>
+          </p:style>
+          <p:txBody>
+            <a:bodyPr rtlCol="0" anchor="ctr"/>
+            <a:lstStyle/>
+            <a:p>
+              <a:pPr algn="ctr"/>
+              <a:endParaRPr lang="en-US" dirty="0"/>
+            </a:p>
+          </p:txBody>
+        </p:sp>
+        <p:sp>
+          <p:nvSpPr>
+            <p:cNvPr id="88" name="乘号 87">
+              <a:extLst>
+                <a:ext uri="{FF2B5EF4-FFF2-40B4-BE49-F238E27FC236}">
+                  <a16:creationId xmlns:a16="http://schemas.microsoft.com/office/drawing/2014/main" id="{94BECA40-7A4D-434C-8656-091CD4433734}"/>
+                </a:ext>
+              </a:extLst>
+            </p:cNvPr>
+            <p:cNvSpPr/>
+            <p:nvPr/>
+          </p:nvSpPr>
+          <p:spPr>
+            <a:xfrm>
+              <a:off x="7717868" y="5453596"/>
+              <a:ext cx="404673" cy="375785"/>
+            </a:xfrm>
+            <a:prstGeom prst="mathMultiply">
+              <a:avLst/>
+            </a:prstGeom>
+            <a:solidFill>
+              <a:srgbClr val="FF0000"/>
+            </a:solidFill>
+            <a:ln>
+              <a:noFill/>
+            </a:ln>
+          </p:spPr>
+          <p:style>
+            <a:lnRef idx="2">
+              <a:schemeClr val="accent1">
+                <a:shade val="50000"/>
+              </a:schemeClr>
+            </a:lnRef>
+            <a:fillRef idx="1">
+              <a:schemeClr val="accent1"/>
+            </a:fillRef>
+            <a:effectRef idx="0">
+              <a:schemeClr val="accent1"/>
+            </a:effectRef>
+            <a:fontRef idx="minor">
+              <a:schemeClr val="lt1"/>
+            </a:fontRef>
+          </p:style>
+          <p:txBody>
+            <a:bodyPr rtlCol="0" anchor="ctr"/>
+            <a:lstStyle/>
+            <a:p>
+              <a:pPr algn="ctr"/>
+              <a:endParaRPr lang="en-US" dirty="0"/>
+            </a:p>
+          </p:txBody>
+        </p:sp>
+        <p:sp>
+          <p:nvSpPr>
+            <p:cNvPr id="101" name="文本框 100">
+              <a:extLst>
+                <a:ext uri="{FF2B5EF4-FFF2-40B4-BE49-F238E27FC236}">
+                  <a16:creationId xmlns:a16="http://schemas.microsoft.com/office/drawing/2014/main" id="{AC8752AE-39B3-45B1-8C3C-C20AD17D7BFC}"/>
+                </a:ext>
+              </a:extLst>
+            </p:cNvPr>
+            <p:cNvSpPr txBox="1"/>
+            <p:nvPr/>
+          </p:nvSpPr>
+          <p:spPr>
+            <a:xfrm>
+              <a:off x="7529131" y="2667976"/>
+              <a:ext cx="780983" cy="369332"/>
+            </a:xfrm>
+            <a:prstGeom prst="rect">
+              <a:avLst/>
+            </a:prstGeom>
+            <a:noFill/>
+          </p:spPr>
+          <p:txBody>
+            <a:bodyPr wrap="none" rtlCol="0">
+              <a:spAutoFit/>
+            </a:bodyPr>
+            <a:lstStyle/>
+            <a:p>
+              <a:r>
+                <a:rPr lang="en-US" dirty="0"/>
+                <a:t>Victim</a:t>
+              </a:r>
+            </a:p>
+          </p:txBody>
+        </p:sp>
+      </p:grpSp>
+      <p:sp>
+        <p:nvSpPr>
+          <p:cNvPr id="102" name="文本框 101">
+            <a:extLst>
+              <a:ext uri="{FF2B5EF4-FFF2-40B4-BE49-F238E27FC236}">
+                <a16:creationId xmlns:a16="http://schemas.microsoft.com/office/drawing/2014/main" id="{4773BD6B-11B5-4E3B-A246-4C061E7C9D62}"/>
+              </a:ext>
+            </a:extLst>
+          </p:cNvPr>
+          <p:cNvSpPr txBox="1"/>
+          <p:nvPr/>
+        </p:nvSpPr>
+        <p:spPr>
+          <a:xfrm>
+            <a:off x="5811322" y="825383"/>
+            <a:ext cx="960391" cy="369332"/>
+          </a:xfrm>
+          <a:prstGeom prst="rect">
+            <a:avLst/>
+          </a:prstGeom>
+          <a:noFill/>
+        </p:spPr>
+        <p:txBody>
+          <a:bodyPr wrap="none" rtlCol="0">
+            <a:spAutoFit/>
+          </a:bodyPr>
+          <a:lstStyle/>
+          <a:p>
+            <a:r>
+              <a:rPr lang="en-US" dirty="0"/>
+              <a:t>Attacker</a:t>
+            </a:r>
+          </a:p>
+        </p:txBody>
+      </p:sp>
+      <p:cxnSp>
+        <p:nvCxnSpPr>
+          <p:cNvPr id="44" name="直接箭头连接符 43">
+            <a:extLst>
+              <a:ext uri="{FF2B5EF4-FFF2-40B4-BE49-F238E27FC236}">
+                <a16:creationId xmlns:a16="http://schemas.microsoft.com/office/drawing/2014/main" id="{8C897A22-79FE-4124-A1D1-82219654D4F1}"/>
+              </a:ext>
+            </a:extLst>
+          </p:cNvPr>
+          <p:cNvCxnSpPr>
+            <a:cxnSpLocks/>
+          </p:cNvCxnSpPr>
+          <p:nvPr/>
+        </p:nvCxnSpPr>
+        <p:spPr>
+          <a:xfrm flipV="1">
+            <a:off x="3670475" y="3358724"/>
+            <a:ext cx="2749285" cy="50167"/>
+          </a:xfrm>
+          <a:prstGeom prst="straightConnector1">
+            <a:avLst/>
+          </a:prstGeom>
+          <a:ln w="25400">
+            <a:solidFill>
+              <a:schemeClr val="tx1"/>
+            </a:solidFill>
+            <a:tailEnd type="triangle"/>
+          </a:ln>
+        </p:spPr>
+        <p:style>
+          <a:lnRef idx="1">
+            <a:schemeClr val="accent1"/>
+          </a:lnRef>
+          <a:fillRef idx="0">
+            <a:schemeClr val="accent1"/>
+          </a:fillRef>
+          <a:effectRef idx="0">
+            <a:schemeClr val="accent1"/>
+          </a:effectRef>
+          <a:fontRef idx="minor">
+            <a:schemeClr val="tx1"/>
+          </a:fontRef>
+        </p:style>
+      </p:cxnSp>
+      <p:sp>
+        <p:nvSpPr>
+          <p:cNvPr id="42" name="矩形 41">
+            <a:extLst>
+              <a:ext uri="{FF2B5EF4-FFF2-40B4-BE49-F238E27FC236}">
+                <a16:creationId xmlns:a16="http://schemas.microsoft.com/office/drawing/2014/main" id="{B3BD77BE-7420-40F9-AF9A-2A53C888DD67}"/>
+              </a:ext>
+            </a:extLst>
+          </p:cNvPr>
+          <p:cNvSpPr/>
+          <p:nvPr/>
+        </p:nvSpPr>
+        <p:spPr>
+          <a:xfrm>
+            <a:off x="6796093" y="724484"/>
+            <a:ext cx="2167618" cy="1001948"/>
+          </a:xfrm>
+          <a:prstGeom prst="rect">
+            <a:avLst/>
+          </a:prstGeom>
+          <a:noFill/>
+          <a:ln w="25400">
+            <a:solidFill>
+              <a:schemeClr val="accent1">
+                <a:shade val="50000"/>
+              </a:schemeClr>
+            </a:solidFill>
+          </a:ln>
+        </p:spPr>
+        <p:style>
+          <a:lnRef idx="2">
+            <a:schemeClr val="accent1">
+              <a:shade val="50000"/>
+            </a:schemeClr>
+          </a:lnRef>
+          <a:fillRef idx="1">
+            <a:schemeClr val="accent1"/>
+          </a:fillRef>
+          <a:effectRef idx="0">
+            <a:schemeClr val="accent1"/>
+          </a:effectRef>
+          <a:fontRef idx="minor">
+            <a:schemeClr val="lt1"/>
+          </a:fontRef>
+        </p:style>
+        <p:txBody>
+          <a:bodyPr rtlCol="0" anchor="ctr"/>
+          <a:lstStyle/>
+          <a:p>
+            <a:pPr algn="ctr"/>
+            <a:endParaRPr lang="en-US"/>
+          </a:p>
+        </p:txBody>
+      </p:sp>
+      <p:grpSp>
+        <p:nvGrpSpPr>
+          <p:cNvPr id="49" name="组合 48">
+            <a:extLst>
+              <a:ext uri="{FF2B5EF4-FFF2-40B4-BE49-F238E27FC236}">
+                <a16:creationId xmlns:a16="http://schemas.microsoft.com/office/drawing/2014/main" id="{0132169B-A318-4156-A62D-4AC8F26FCCC6}"/>
+              </a:ext>
+            </a:extLst>
+          </p:cNvPr>
+          <p:cNvGrpSpPr/>
+          <p:nvPr/>
+        </p:nvGrpSpPr>
+        <p:grpSpPr>
+          <a:xfrm>
+            <a:off x="7004620" y="820763"/>
+            <a:ext cx="642160" cy="370263"/>
+            <a:chOff x="4996796" y="5663601"/>
+            <a:chExt cx="642160" cy="370263"/>
+          </a:xfrm>
+        </p:grpSpPr>
+        <p:cxnSp>
+          <p:nvCxnSpPr>
+            <p:cNvPr id="70" name="直接连接符 69">
+              <a:extLst>
+                <a:ext uri="{FF2B5EF4-FFF2-40B4-BE49-F238E27FC236}">
+                  <a16:creationId xmlns:a16="http://schemas.microsoft.com/office/drawing/2014/main" id="{909CC49C-62B0-4178-BC6B-9B04C6A35387}"/>
+                </a:ext>
+              </a:extLst>
+            </p:cNvPr>
+            <p:cNvCxnSpPr>
+              <a:cxnSpLocks/>
+            </p:cNvCxnSpPr>
+            <p:nvPr/>
+          </p:nvCxnSpPr>
+          <p:spPr>
+            <a:xfrm>
+              <a:off x="4996796" y="5663601"/>
+              <a:ext cx="9259" cy="370263"/>
+            </a:xfrm>
+            <a:prstGeom prst="line">
+              <a:avLst/>
+            </a:prstGeom>
+            <a:ln w="50800" cmpd="dbl">
+              <a:solidFill>
+                <a:schemeClr val="bg2">
+                  <a:lumMod val="25000"/>
+                </a:schemeClr>
+              </a:solidFill>
+              <a:prstDash val="sysDot"/>
+              <a:tailEnd type="stealth"/>
+            </a:ln>
+          </p:spPr>
+          <p:style>
+            <a:lnRef idx="1">
+              <a:schemeClr val="accent1"/>
+            </a:lnRef>
+            <a:fillRef idx="0">
+              <a:schemeClr val="accent1"/>
+            </a:fillRef>
+            <a:effectRef idx="0">
+              <a:schemeClr val="accent1"/>
+            </a:effectRef>
+            <a:fontRef idx="minor">
+              <a:schemeClr val="tx1"/>
+            </a:fontRef>
+          </p:style>
+        </p:cxnSp>
+        <p:sp>
+          <p:nvSpPr>
+            <p:cNvPr id="46" name="文本框 45">
+              <a:extLst>
+                <a:ext uri="{FF2B5EF4-FFF2-40B4-BE49-F238E27FC236}">
+                  <a16:creationId xmlns:a16="http://schemas.microsoft.com/office/drawing/2014/main" id="{C81C26BC-84CB-462E-A2E0-E263C695FEF8}"/>
+                </a:ext>
+              </a:extLst>
+            </p:cNvPr>
+            <p:cNvSpPr txBox="1"/>
+            <p:nvPr/>
+          </p:nvSpPr>
+          <p:spPr>
+            <a:xfrm>
+              <a:off x="5034195" y="5663601"/>
+              <a:ext cx="604761" cy="369332"/>
+            </a:xfrm>
+            <a:prstGeom prst="rect">
+              <a:avLst/>
+            </a:prstGeom>
+            <a:noFill/>
+          </p:spPr>
+          <p:txBody>
+            <a:bodyPr wrap="square" rtlCol="0">
+              <a:spAutoFit/>
+            </a:bodyPr>
+            <a:lstStyle/>
+            <a:p>
+              <a:r>
+                <a:rPr lang="en-US" sz="900" dirty="0"/>
+                <a:t>Victim </a:t>
+              </a:r>
+            </a:p>
+            <a:p>
+              <a:r>
+                <a:rPr lang="en-US" sz="900" dirty="0"/>
+                <a:t>Thread</a:t>
+              </a:r>
+              <a:endParaRPr lang="en-US" dirty="0"/>
+            </a:p>
+          </p:txBody>
+        </p:sp>
+      </p:grpSp>
+      <p:cxnSp>
+        <p:nvCxnSpPr>
+          <p:cNvPr id="71" name="直接连接符 70">
+            <a:extLst>
+              <a:ext uri="{FF2B5EF4-FFF2-40B4-BE49-F238E27FC236}">
+                <a16:creationId xmlns:a16="http://schemas.microsoft.com/office/drawing/2014/main" id="{D372DDEC-D6A6-49A0-A47F-3DB0367E8E7F}"/>
+              </a:ext>
+            </a:extLst>
+          </p:cNvPr>
+          <p:cNvCxnSpPr>
+            <a:cxnSpLocks/>
+          </p:cNvCxnSpPr>
+          <p:nvPr/>
+        </p:nvCxnSpPr>
+        <p:spPr>
+          <a:xfrm>
+            <a:off x="7589175" y="826408"/>
+            <a:ext cx="0" cy="358042"/>
+          </a:xfrm>
+          <a:prstGeom prst="line">
+            <a:avLst/>
+          </a:prstGeom>
+          <a:ln w="50800" cmpd="dbl">
+            <a:solidFill>
+              <a:srgbClr val="FF0000"/>
+            </a:solidFill>
+            <a:prstDash val="solid"/>
+            <a:headEnd type="none"/>
+            <a:tailEnd type="stealth"/>
+          </a:ln>
+        </p:spPr>
+        <p:style>
+          <a:lnRef idx="1">
+            <a:schemeClr val="accent1"/>
+          </a:lnRef>
+          <a:fillRef idx="0">
+            <a:schemeClr val="accent1"/>
+          </a:fillRef>
+          <a:effectRef idx="0">
+            <a:schemeClr val="accent1"/>
+          </a:effectRef>
+          <a:fontRef idx="minor">
+            <a:schemeClr val="tx1"/>
+          </a:fontRef>
+        </p:style>
+      </p:cxnSp>
+      <p:sp>
+        <p:nvSpPr>
+          <p:cNvPr id="75" name="文本框 74">
+            <a:extLst>
+              <a:ext uri="{FF2B5EF4-FFF2-40B4-BE49-F238E27FC236}">
+                <a16:creationId xmlns:a16="http://schemas.microsoft.com/office/drawing/2014/main" id="{B9438028-ED3C-41CF-81C6-482154815AAF}"/>
+              </a:ext>
+            </a:extLst>
+          </p:cNvPr>
+          <p:cNvSpPr txBox="1"/>
+          <p:nvPr/>
+        </p:nvSpPr>
+        <p:spPr>
+          <a:xfrm>
+            <a:off x="7617750" y="823222"/>
+            <a:ext cx="604761" cy="369332"/>
+          </a:xfrm>
+          <a:prstGeom prst="rect">
+            <a:avLst/>
+          </a:prstGeom>
+          <a:noFill/>
+        </p:spPr>
+        <p:txBody>
+          <a:bodyPr wrap="square" rtlCol="0">
+            <a:spAutoFit/>
+          </a:bodyPr>
+          <a:lstStyle/>
+          <a:p>
+            <a:r>
+              <a:rPr lang="en-US" sz="900" dirty="0"/>
+              <a:t>Attacker </a:t>
+            </a:r>
+          </a:p>
+          <a:p>
+            <a:r>
+              <a:rPr lang="en-US" sz="900" dirty="0"/>
+              <a:t>Thread</a:t>
+            </a:r>
+            <a:endParaRPr lang="en-US" dirty="0"/>
+          </a:p>
+        </p:txBody>
+      </p:sp>
+      <p:sp>
+        <p:nvSpPr>
+          <p:cNvPr id="76" name="椭圆 75">
+            <a:extLst>
+              <a:ext uri="{FF2B5EF4-FFF2-40B4-BE49-F238E27FC236}">
+                <a16:creationId xmlns:a16="http://schemas.microsoft.com/office/drawing/2014/main" id="{B19BF010-A2C6-4BCE-B4F0-7F10FF569839}"/>
+              </a:ext>
+            </a:extLst>
+          </p:cNvPr>
+          <p:cNvSpPr/>
+          <p:nvPr/>
+        </p:nvSpPr>
+        <p:spPr>
+          <a:xfrm>
+            <a:off x="8147515" y="806968"/>
+            <a:ext cx="188152" cy="174516"/>
+          </a:xfrm>
+          <a:prstGeom prst="ellipse">
+            <a:avLst/>
+          </a:prstGeom>
+          <a:solidFill>
+            <a:schemeClr val="accent4"/>
+          </a:solidFill>
+          <a:ln>
+            <a:noFill/>
+          </a:ln>
+        </p:spPr>
+        <p:style>
+          <a:lnRef idx="2">
+            <a:schemeClr val="accent1">
+              <a:shade val="50000"/>
+            </a:schemeClr>
+          </a:lnRef>
+          <a:fillRef idx="1">
+            <a:schemeClr val="accent1"/>
+          </a:fillRef>
+          <a:effectRef idx="0">
+            <a:schemeClr val="accent1"/>
+          </a:effectRef>
+          <a:fontRef idx="minor">
+            <a:schemeClr val="lt1"/>
+          </a:fontRef>
+        </p:style>
+        <p:txBody>
+          <a:bodyPr rtlCol="0" anchor="ctr"/>
+          <a:lstStyle/>
+          <a:p>
+            <a:pPr algn="ctr"/>
+            <a:endParaRPr lang="en-US"/>
+          </a:p>
+        </p:txBody>
+      </p:sp>
+      <p:sp>
+        <p:nvSpPr>
+          <p:cNvPr id="77" name="文本框 76">
+            <a:extLst>
+              <a:ext uri="{FF2B5EF4-FFF2-40B4-BE49-F238E27FC236}">
+                <a16:creationId xmlns:a16="http://schemas.microsoft.com/office/drawing/2014/main" id="{033A746A-9449-4028-9645-937D79AB9E1C}"/>
+              </a:ext>
+            </a:extLst>
+          </p:cNvPr>
+          <p:cNvSpPr txBox="1"/>
+          <p:nvPr/>
+        </p:nvSpPr>
+        <p:spPr>
+          <a:xfrm>
+            <a:off x="8335667" y="823139"/>
+            <a:ext cx="844482" cy="184666"/>
+          </a:xfrm>
+          <a:prstGeom prst="rect">
+            <a:avLst/>
+          </a:prstGeom>
+          <a:noFill/>
+        </p:spPr>
+        <p:txBody>
+          <a:bodyPr wrap="square" rtlCol="0">
+            <a:spAutoFit/>
+          </a:bodyPr>
+          <a:lstStyle/>
+          <a:p>
+            <a:r>
+              <a:rPr lang="en-US" sz="600" dirty="0"/>
+              <a:t>Memory Access</a:t>
+            </a:r>
+            <a:endParaRPr lang="en-US" sz="1200" dirty="0"/>
+          </a:p>
+        </p:txBody>
+      </p:sp>
+      <p:sp>
+        <p:nvSpPr>
+          <p:cNvPr id="80" name="爆炸形: 8 pt  79">
+            <a:extLst>
+              <a:ext uri="{FF2B5EF4-FFF2-40B4-BE49-F238E27FC236}">
+                <a16:creationId xmlns:a16="http://schemas.microsoft.com/office/drawing/2014/main" id="{80142A63-E9FB-4A1F-9B57-7BA8F84E6C22}"/>
+              </a:ext>
+            </a:extLst>
+          </p:cNvPr>
+          <p:cNvSpPr/>
+          <p:nvPr/>
+        </p:nvSpPr>
+        <p:spPr>
+          <a:xfrm>
+            <a:off x="8134729" y="1026391"/>
+            <a:ext cx="231843" cy="193417"/>
+          </a:xfrm>
+          <a:prstGeom prst="irregularSeal1">
+            <a:avLst/>
+          </a:prstGeom>
+          <a:pattFill prst="pct75">
+            <a:fgClr>
+              <a:schemeClr val="tx2"/>
+            </a:fgClr>
+            <a:bgClr>
+              <a:schemeClr val="bg1"/>
+            </a:bgClr>
+          </a:pattFill>
+          <a:ln>
+            <a:noFill/>
+          </a:ln>
+        </p:spPr>
+        <p:style>
+          <a:lnRef idx="2">
+            <a:schemeClr val="accent1">
+              <a:shade val="50000"/>
+            </a:schemeClr>
+          </a:lnRef>
+          <a:fillRef idx="1">
+            <a:schemeClr val="accent1"/>
+          </a:fillRef>
+          <a:effectRef idx="0">
+            <a:schemeClr val="accent1"/>
+          </a:effectRef>
+          <a:fontRef idx="minor">
+            <a:schemeClr val="lt1"/>
+          </a:fontRef>
+        </p:style>
+        <p:txBody>
+          <a:bodyPr rtlCol="0" anchor="ctr"/>
+          <a:lstStyle/>
+          <a:p>
+            <a:pPr algn="ctr"/>
+            <a:endParaRPr lang="en-US" dirty="0"/>
+          </a:p>
+        </p:txBody>
+      </p:sp>
+      <p:sp>
+        <p:nvSpPr>
+          <p:cNvPr id="84" name="文本框 83">
+            <a:extLst>
+              <a:ext uri="{FF2B5EF4-FFF2-40B4-BE49-F238E27FC236}">
+                <a16:creationId xmlns:a16="http://schemas.microsoft.com/office/drawing/2014/main" id="{C671D481-C69C-48A5-8D21-6B6A37342656}"/>
+              </a:ext>
+            </a:extLst>
+          </p:cNvPr>
+          <p:cNvSpPr txBox="1"/>
+          <p:nvPr/>
+        </p:nvSpPr>
+        <p:spPr>
+          <a:xfrm>
+            <a:off x="8335667" y="1042380"/>
+            <a:ext cx="844482" cy="184666"/>
+          </a:xfrm>
+          <a:prstGeom prst="rect">
+            <a:avLst/>
+          </a:prstGeom>
+          <a:noFill/>
+        </p:spPr>
+        <p:txBody>
+          <a:bodyPr wrap="square" rtlCol="0">
+            <a:spAutoFit/>
+          </a:bodyPr>
+          <a:lstStyle/>
+          <a:p>
+            <a:r>
+              <a:rPr lang="en-US" sz="600" dirty="0"/>
+              <a:t>Corrupted Flow</a:t>
+            </a:r>
+            <a:endParaRPr lang="en-US" sz="1200" dirty="0"/>
+          </a:p>
+        </p:txBody>
+      </p:sp>
+      <p:sp>
+        <p:nvSpPr>
+          <p:cNvPr id="85" name="流程图: 多文档 84">
+            <a:extLst>
+              <a:ext uri="{FF2B5EF4-FFF2-40B4-BE49-F238E27FC236}">
+                <a16:creationId xmlns:a16="http://schemas.microsoft.com/office/drawing/2014/main" id="{CB0565A8-31EA-4ECE-83DB-04C7DD9B6008}"/>
+              </a:ext>
+            </a:extLst>
+          </p:cNvPr>
+          <p:cNvSpPr/>
+          <p:nvPr/>
+        </p:nvSpPr>
+        <p:spPr>
+          <a:xfrm>
+            <a:off x="6899812" y="1397145"/>
+            <a:ext cx="185382" cy="161325"/>
+          </a:xfrm>
+          <a:prstGeom prst="flowChartMultidocument">
+            <a:avLst/>
+          </a:prstGeom>
+          <a:solidFill>
+            <a:srgbClr val="FF0000"/>
+          </a:solidFill>
+          <a:ln>
+            <a:solidFill>
+              <a:schemeClr val="tx1"/>
+            </a:solidFill>
+          </a:ln>
+        </p:spPr>
+        <p:style>
+          <a:lnRef idx="2">
+            <a:schemeClr val="accent1">
+              <a:shade val="50000"/>
+            </a:schemeClr>
+          </a:lnRef>
+          <a:fillRef idx="1">
+            <a:schemeClr val="accent1"/>
+          </a:fillRef>
+          <a:effectRef idx="0">
+            <a:schemeClr val="accent1"/>
+          </a:effectRef>
+          <a:fontRef idx="minor">
+            <a:schemeClr val="lt1"/>
+          </a:fontRef>
+        </p:style>
+        <p:txBody>
+          <a:bodyPr rtlCol="0" anchor="ctr"/>
+          <a:lstStyle/>
+          <a:p>
+            <a:pPr algn="ctr"/>
+            <a:endParaRPr lang="en-US"/>
+          </a:p>
+        </p:txBody>
+      </p:sp>
+      <p:sp>
+        <p:nvSpPr>
+          <p:cNvPr id="86" name="文本框 85">
+            <a:extLst>
+              <a:ext uri="{FF2B5EF4-FFF2-40B4-BE49-F238E27FC236}">
+                <a16:creationId xmlns:a16="http://schemas.microsoft.com/office/drawing/2014/main" id="{09343027-F87A-4FEE-AD64-C457F5D0840E}"/>
+              </a:ext>
+            </a:extLst>
+          </p:cNvPr>
+          <p:cNvSpPr txBox="1"/>
+          <p:nvPr/>
+        </p:nvSpPr>
+        <p:spPr>
+          <a:xfrm>
+            <a:off x="7128914" y="1342063"/>
+            <a:ext cx="844482" cy="276999"/>
+          </a:xfrm>
+          <a:prstGeom prst="rect">
+            <a:avLst/>
+          </a:prstGeom>
+          <a:noFill/>
+        </p:spPr>
+        <p:txBody>
+          <a:bodyPr wrap="square" rtlCol="0">
+            <a:spAutoFit/>
+          </a:bodyPr>
+          <a:lstStyle/>
+          <a:p>
+            <a:r>
+              <a:rPr lang="en-US" sz="600" dirty="0"/>
+              <a:t>D</a:t>
+            </a:r>
+            <a:r>
+              <a:rPr lang="en-US" altLang="zh-CN" sz="600" dirty="0"/>
+              <a:t>angerous Memory Operation Function</a:t>
+            </a:r>
+            <a:endParaRPr lang="en-US" sz="1200" dirty="0"/>
+          </a:p>
+        </p:txBody>
+      </p:sp>
+      <p:sp>
+        <p:nvSpPr>
+          <p:cNvPr id="90" name="乘号 89">
+            <a:extLst>
+              <a:ext uri="{FF2B5EF4-FFF2-40B4-BE49-F238E27FC236}">
+                <a16:creationId xmlns:a16="http://schemas.microsoft.com/office/drawing/2014/main" id="{B9C961FF-58A4-49B9-A503-314347080FFA}"/>
+              </a:ext>
+            </a:extLst>
+          </p:cNvPr>
+          <p:cNvSpPr/>
+          <p:nvPr/>
+        </p:nvSpPr>
+        <p:spPr>
+          <a:xfrm>
+            <a:off x="7908365" y="1366654"/>
+            <a:ext cx="283073" cy="262866"/>
+          </a:xfrm>
+          <a:prstGeom prst="mathMultiply">
+            <a:avLst/>
+          </a:prstGeom>
+          <a:solidFill>
+            <a:srgbClr val="FF0000"/>
+          </a:solidFill>
+          <a:ln>
+            <a:noFill/>
+          </a:ln>
+        </p:spPr>
+        <p:style>
+          <a:lnRef idx="2">
+            <a:schemeClr val="accent1">
+              <a:shade val="50000"/>
+            </a:schemeClr>
+          </a:lnRef>
+          <a:fillRef idx="1">
+            <a:schemeClr val="accent1"/>
+          </a:fillRef>
+          <a:effectRef idx="0">
+            <a:schemeClr val="accent1"/>
+          </a:effectRef>
+          <a:fontRef idx="minor">
+            <a:schemeClr val="lt1"/>
+          </a:fontRef>
+        </p:style>
+        <p:txBody>
+          <a:bodyPr rtlCol="0" anchor="ctr"/>
+          <a:lstStyle/>
+          <a:p>
+            <a:pPr algn="ctr"/>
+            <a:endParaRPr lang="en-US" dirty="0"/>
+          </a:p>
+        </p:txBody>
+      </p:sp>
+      <p:sp>
+        <p:nvSpPr>
+          <p:cNvPr id="95" name="文本框 94">
+            <a:extLst>
+              <a:ext uri="{FF2B5EF4-FFF2-40B4-BE49-F238E27FC236}">
+                <a16:creationId xmlns:a16="http://schemas.microsoft.com/office/drawing/2014/main" id="{D4A1D061-C71D-4AAC-BABF-F78C4F0E0D29}"/>
+              </a:ext>
+            </a:extLst>
+          </p:cNvPr>
+          <p:cNvSpPr txBox="1"/>
+          <p:nvPr/>
+        </p:nvSpPr>
+        <p:spPr>
+          <a:xfrm>
+            <a:off x="8184261" y="1381040"/>
+            <a:ext cx="844482" cy="184666"/>
+          </a:xfrm>
+          <a:prstGeom prst="rect">
+            <a:avLst/>
+          </a:prstGeom>
+          <a:noFill/>
+        </p:spPr>
+        <p:txBody>
+          <a:bodyPr wrap="square" rtlCol="0">
+            <a:spAutoFit/>
+          </a:bodyPr>
+          <a:lstStyle/>
+          <a:p>
+            <a:r>
+              <a:rPr lang="en-US" sz="600" dirty="0"/>
+              <a:t>D</a:t>
+            </a:r>
+            <a:r>
+              <a:rPr lang="en-US" altLang="zh-CN" sz="600" dirty="0"/>
+              <a:t>angerous  Function</a:t>
+            </a:r>
+            <a:endParaRPr lang="en-US" sz="1200" dirty="0"/>
+          </a:p>
+        </p:txBody>
+      </p:sp>
+    </p:spTree>
+    <p:extLst>
+      <p:ext uri="{BB962C8B-B14F-4D97-AF65-F5344CB8AC3E}">
+        <p14:creationId xmlns:p14="http://schemas.microsoft.com/office/powerpoint/2010/main" val="3239943103"/>
+      </p:ext>
+    </p:extLst>
+  </p:cSld>
+  <p:clrMapOvr>
+    <a:masterClrMapping/>
+  </p:clrMapOvr>
+</p:sld>
+</file>
+
+<file path=ppt/slides/slide2.xml><?xml version="1.0" encoding="utf-8"?>
+<p:sld xmlns:a="http://schemas.openxmlformats.org/drawingml/2006/main" xmlns:r="http://schemas.openxmlformats.org/officeDocument/2006/relationships" xmlns:p="http://schemas.openxmlformats.org/presentationml/2006/main">
+  <p:cSld>
+    <p:spTree>
+      <p:nvGrpSpPr>
+        <p:cNvPr id="1" name=""/>
+        <p:cNvGrpSpPr/>
+        <p:nvPr/>
+      </p:nvGrpSpPr>
+      <p:grpSpPr>
+        <a:xfrm>
+          <a:off x="0" y="0"/>
+          <a:ext cx="0" cy="0"/>
+          <a:chOff x="0" y="0"/>
+          <a:chExt cx="0" cy="0"/>
+        </a:xfrm>
+      </p:grpSpPr>
       <p:cxnSp>
         <p:nvCxnSpPr>
           <p:cNvPr id="5" name="直接连接符 4">
@@ -4764,7 +7845,7 @@
 </p:sld>
 </file>
 
-<file path=ppt/slides/slide2.xml><?xml version="1.0" encoding="utf-8"?>
+<file path=ppt/slides/slide3.xml><?xml version="1.0" encoding="utf-8"?>
 <p:sld xmlns:a="http://schemas.openxmlformats.org/drawingml/2006/main" xmlns:r="http://schemas.openxmlformats.org/officeDocument/2006/relationships" xmlns:p="http://schemas.openxmlformats.org/presentationml/2006/main">
   <p:cSld>
     <p:spTree>
@@ -6448,7 +9529,7 @@
 </p:sld>
 </file>
 
-<file path=ppt/slides/slide3.xml><?xml version="1.0" encoding="utf-8"?>
+<file path=ppt/slides/slide4.xml><?xml version="1.0" encoding="utf-8"?>
 <p:sld xmlns:a="http://schemas.openxmlformats.org/drawingml/2006/main" xmlns:r="http://schemas.openxmlformats.org/officeDocument/2006/relationships" xmlns:p="http://schemas.openxmlformats.org/presentationml/2006/main">
   <p:cSld>
     <p:spTree>
@@ -9468,3161 +12549,6 @@
 </p:sld>
 </file>
 
-<file path=ppt/slides/slide4.xml><?xml version="1.0" encoding="utf-8"?>
-<p:sld xmlns:a="http://schemas.openxmlformats.org/drawingml/2006/main" xmlns:r="http://schemas.openxmlformats.org/officeDocument/2006/relationships" xmlns:p="http://schemas.openxmlformats.org/presentationml/2006/main">
-  <p:cSld>
-    <p:spTree>
-      <p:nvGrpSpPr>
-        <p:cNvPr id="1" name=""/>
-        <p:cNvGrpSpPr/>
-        <p:nvPr/>
-      </p:nvGrpSpPr>
-      <p:grpSpPr>
-        <a:xfrm>
-          <a:off x="0" y="0"/>
-          <a:ext cx="0" cy="0"/>
-          <a:chOff x="0" y="0"/>
-          <a:chExt cx="0" cy="0"/>
-        </a:xfrm>
-      </p:grpSpPr>
-      <p:cxnSp>
-        <p:nvCxnSpPr>
-          <p:cNvPr id="5" name="直接连接符 4">
-            <a:extLst>
-              <a:ext uri="{FF2B5EF4-FFF2-40B4-BE49-F238E27FC236}">
-                <a16:creationId xmlns:a16="http://schemas.microsoft.com/office/drawing/2014/main" id="{81520D02-37D8-4A51-8B5C-0589BE087133}"/>
-              </a:ext>
-            </a:extLst>
-          </p:cNvPr>
-          <p:cNvCxnSpPr>
-            <a:cxnSpLocks/>
-            <a:endCxn id="16" idx="0"/>
-          </p:cNvCxnSpPr>
-          <p:nvPr/>
-        </p:nvCxnSpPr>
-        <p:spPr>
-          <a:xfrm>
-            <a:off x="5143503" y="714373"/>
-            <a:ext cx="40014" cy="2812242"/>
-          </a:xfrm>
-          <a:prstGeom prst="line">
-            <a:avLst/>
-          </a:prstGeom>
-          <a:ln w="50800" cmpd="dbl">
-            <a:solidFill>
-              <a:schemeClr val="bg2">
-                <a:lumMod val="25000"/>
-              </a:schemeClr>
-            </a:solidFill>
-            <a:prstDash val="sysDot"/>
-            <a:tailEnd type="stealth"/>
-          </a:ln>
-        </p:spPr>
-        <p:style>
-          <a:lnRef idx="1">
-            <a:schemeClr val="accent1"/>
-          </a:lnRef>
-          <a:fillRef idx="0">
-            <a:schemeClr val="accent1"/>
-          </a:fillRef>
-          <a:effectRef idx="0">
-            <a:schemeClr val="accent1"/>
-          </a:effectRef>
-          <a:fontRef idx="minor">
-            <a:schemeClr val="tx1"/>
-          </a:fontRef>
-        </p:style>
-      </p:cxnSp>
-      <p:cxnSp>
-        <p:nvCxnSpPr>
-          <p:cNvPr id="7" name="直接连接符 6">
-            <a:extLst>
-              <a:ext uri="{FF2B5EF4-FFF2-40B4-BE49-F238E27FC236}">
-                <a16:creationId xmlns:a16="http://schemas.microsoft.com/office/drawing/2014/main" id="{A24DDF2D-7EB1-4DFB-A1E9-2C879C43C8CD}"/>
-              </a:ext>
-            </a:extLst>
-          </p:cNvPr>
-          <p:cNvCxnSpPr>
-            <a:cxnSpLocks/>
-          </p:cNvCxnSpPr>
-          <p:nvPr/>
-        </p:nvCxnSpPr>
-        <p:spPr>
-          <a:xfrm>
-            <a:off x="7924800" y="714373"/>
-            <a:ext cx="0" cy="1402556"/>
-          </a:xfrm>
-          <a:prstGeom prst="line">
-            <a:avLst/>
-          </a:prstGeom>
-          <a:ln w="50800" cmpd="dbl">
-            <a:solidFill>
-              <a:srgbClr val="FF0000"/>
-            </a:solidFill>
-            <a:prstDash val="solid"/>
-            <a:headEnd type="none"/>
-            <a:tailEnd type="stealth"/>
-          </a:ln>
-        </p:spPr>
-        <p:style>
-          <a:lnRef idx="1">
-            <a:schemeClr val="accent1"/>
-          </a:lnRef>
-          <a:fillRef idx="0">
-            <a:schemeClr val="accent1"/>
-          </a:fillRef>
-          <a:effectRef idx="0">
-            <a:schemeClr val="accent1"/>
-          </a:effectRef>
-          <a:fontRef idx="minor">
-            <a:schemeClr val="tx1"/>
-          </a:fontRef>
-        </p:style>
-      </p:cxnSp>
-      <p:cxnSp>
-        <p:nvCxnSpPr>
-          <p:cNvPr id="34" name="直接箭头连接符 33">
-            <a:extLst>
-              <a:ext uri="{FF2B5EF4-FFF2-40B4-BE49-F238E27FC236}">
-                <a16:creationId xmlns:a16="http://schemas.microsoft.com/office/drawing/2014/main" id="{7EC2455B-BA5D-4BF1-B6DD-67088C7AE33B}"/>
-              </a:ext>
-            </a:extLst>
-          </p:cNvPr>
-          <p:cNvCxnSpPr>
-            <a:cxnSpLocks/>
-            <a:stCxn id="2" idx="6"/>
-            <a:endCxn id="53" idx="1"/>
-          </p:cNvCxnSpPr>
-          <p:nvPr/>
-        </p:nvCxnSpPr>
-        <p:spPr>
-          <a:xfrm>
-            <a:off x="5329237" y="1104957"/>
-            <a:ext cx="820492" cy="250813"/>
-          </a:xfrm>
-          <a:prstGeom prst="straightConnector1">
-            <a:avLst/>
-          </a:prstGeom>
-          <a:ln w="25400">
-            <a:solidFill>
-              <a:schemeClr val="tx1"/>
-            </a:solidFill>
-            <a:tailEnd type="triangle"/>
-          </a:ln>
-        </p:spPr>
-        <p:style>
-          <a:lnRef idx="1">
-            <a:schemeClr val="accent1"/>
-          </a:lnRef>
-          <a:fillRef idx="0">
-            <a:schemeClr val="accent1"/>
-          </a:fillRef>
-          <a:effectRef idx="0">
-            <a:schemeClr val="accent1"/>
-          </a:effectRef>
-          <a:fontRef idx="minor">
-            <a:schemeClr val="tx1"/>
-          </a:fontRef>
-        </p:style>
-      </p:cxnSp>
-      <p:cxnSp>
-        <p:nvCxnSpPr>
-          <p:cNvPr id="41" name="直接箭头连接符 40">
-            <a:extLst>
-              <a:ext uri="{FF2B5EF4-FFF2-40B4-BE49-F238E27FC236}">
-                <a16:creationId xmlns:a16="http://schemas.microsoft.com/office/drawing/2014/main" id="{683F44FA-5986-4BCF-835A-A24B028623B8}"/>
-              </a:ext>
-            </a:extLst>
-          </p:cNvPr>
-          <p:cNvCxnSpPr>
-            <a:cxnSpLocks/>
-            <a:stCxn id="37" idx="2"/>
-            <a:endCxn id="53" idx="3"/>
-          </p:cNvCxnSpPr>
-          <p:nvPr/>
-        </p:nvCxnSpPr>
-        <p:spPr>
-          <a:xfrm flipH="1" flipV="1">
-            <a:off x="7004597" y="1355770"/>
-            <a:ext cx="770122" cy="7558"/>
-          </a:xfrm>
-          <a:prstGeom prst="straightConnector1">
-            <a:avLst/>
-          </a:prstGeom>
-          <a:ln w="25400">
-            <a:solidFill>
-              <a:schemeClr val="tx1"/>
-            </a:solidFill>
-            <a:tailEnd type="triangle"/>
-          </a:ln>
-        </p:spPr>
-        <p:style>
-          <a:lnRef idx="1">
-            <a:schemeClr val="accent1"/>
-          </a:lnRef>
-          <a:fillRef idx="0">
-            <a:schemeClr val="accent1"/>
-          </a:fillRef>
-          <a:effectRef idx="0">
-            <a:schemeClr val="accent1"/>
-          </a:effectRef>
-          <a:fontRef idx="minor">
-            <a:schemeClr val="tx1"/>
-          </a:fontRef>
-        </p:style>
-      </p:cxnSp>
-      <p:cxnSp>
-        <p:nvCxnSpPr>
-          <p:cNvPr id="45" name="直接箭头连接符 44">
-            <a:extLst>
-              <a:ext uri="{FF2B5EF4-FFF2-40B4-BE49-F238E27FC236}">
-                <a16:creationId xmlns:a16="http://schemas.microsoft.com/office/drawing/2014/main" id="{30C4CE4E-228C-46C5-B759-637605482125}"/>
-              </a:ext>
-            </a:extLst>
-          </p:cNvPr>
-          <p:cNvCxnSpPr>
-            <a:cxnSpLocks/>
-            <a:endCxn id="36" idx="6"/>
-          </p:cNvCxnSpPr>
-          <p:nvPr/>
-        </p:nvCxnSpPr>
-        <p:spPr>
-          <a:xfrm flipH="1">
-            <a:off x="5339884" y="1372024"/>
-            <a:ext cx="770622" cy="363995"/>
-          </a:xfrm>
-          <a:prstGeom prst="straightConnector1">
-            <a:avLst/>
-          </a:prstGeom>
-          <a:ln w="25400">
-            <a:solidFill>
-              <a:schemeClr val="tx1"/>
-            </a:solidFill>
-            <a:tailEnd type="triangle"/>
-          </a:ln>
-        </p:spPr>
-        <p:style>
-          <a:lnRef idx="1">
-            <a:schemeClr val="accent1"/>
-          </a:lnRef>
-          <a:fillRef idx="0">
-            <a:schemeClr val="accent1"/>
-          </a:fillRef>
-          <a:effectRef idx="0">
-            <a:schemeClr val="accent1"/>
-          </a:effectRef>
-          <a:fontRef idx="minor">
-            <a:schemeClr val="tx1"/>
-          </a:fontRef>
-        </p:style>
-      </p:cxnSp>
-      <p:grpSp>
-        <p:nvGrpSpPr>
-          <p:cNvPr id="99" name="组合 98">
-            <a:extLst>
-              <a:ext uri="{FF2B5EF4-FFF2-40B4-BE49-F238E27FC236}">
-                <a16:creationId xmlns:a16="http://schemas.microsoft.com/office/drawing/2014/main" id="{1BB7EBCC-600E-461E-BDEC-A55020832422}"/>
-              </a:ext>
-            </a:extLst>
-          </p:cNvPr>
-          <p:cNvGrpSpPr/>
-          <p:nvPr/>
-        </p:nvGrpSpPr>
-        <p:grpSpPr>
-          <a:xfrm>
-            <a:off x="6073632" y="847129"/>
-            <a:ext cx="976101" cy="1826366"/>
-            <a:chOff x="6053242" y="985888"/>
-            <a:chExt cx="976101" cy="1826366"/>
-          </a:xfrm>
-        </p:grpSpPr>
-        <p:grpSp>
-          <p:nvGrpSpPr>
-            <p:cNvPr id="54" name="组合 53">
-              <a:extLst>
-                <a:ext uri="{FF2B5EF4-FFF2-40B4-BE49-F238E27FC236}">
-                  <a16:creationId xmlns:a16="http://schemas.microsoft.com/office/drawing/2014/main" id="{F9EEABF7-36CB-4875-AA06-E2A3AE7C2D9A}"/>
-                </a:ext>
-              </a:extLst>
-            </p:cNvPr>
-            <p:cNvGrpSpPr/>
-            <p:nvPr/>
-          </p:nvGrpSpPr>
-          <p:grpSpPr>
-            <a:xfrm>
-              <a:off x="6100763" y="1369215"/>
-              <a:ext cx="904875" cy="1443039"/>
-              <a:chOff x="6100763" y="1369215"/>
-              <a:chExt cx="904875" cy="1443039"/>
-            </a:xfrm>
-          </p:grpSpPr>
-          <p:grpSp>
-            <p:nvGrpSpPr>
-              <p:cNvPr id="24" name="组合 23">
-                <a:extLst>
-                  <a:ext uri="{FF2B5EF4-FFF2-40B4-BE49-F238E27FC236}">
-                    <a16:creationId xmlns:a16="http://schemas.microsoft.com/office/drawing/2014/main" id="{A6D7FD3E-8AF9-42D7-BFF6-0D1128036F9F}"/>
-                  </a:ext>
-                </a:extLst>
-              </p:cNvPr>
-              <p:cNvGrpSpPr/>
-              <p:nvPr/>
-            </p:nvGrpSpPr>
-            <p:grpSpPr>
-              <a:xfrm>
-                <a:off x="6100763" y="1369215"/>
-                <a:ext cx="904875" cy="1443039"/>
-                <a:chOff x="4271963" y="1500186"/>
-                <a:chExt cx="904875" cy="1443039"/>
-              </a:xfrm>
-            </p:grpSpPr>
-            <p:sp>
-              <p:nvSpPr>
-                <p:cNvPr id="12" name="矩形 11">
-                  <a:extLst>
-                    <a:ext uri="{FF2B5EF4-FFF2-40B4-BE49-F238E27FC236}">
-                      <a16:creationId xmlns:a16="http://schemas.microsoft.com/office/drawing/2014/main" id="{1D3D1053-66E0-46A8-901E-71F5B59A94C8}"/>
-                    </a:ext>
-                  </a:extLst>
-                </p:cNvPr>
-                <p:cNvSpPr/>
-                <p:nvPr/>
-              </p:nvSpPr>
-              <p:spPr>
-                <a:xfrm>
-                  <a:off x="4271963" y="1500186"/>
-                  <a:ext cx="904875" cy="1443039"/>
-                </a:xfrm>
-                <a:prstGeom prst="rect">
-                  <a:avLst/>
-                </a:prstGeom>
-                <a:solidFill>
-                  <a:schemeClr val="bg1"/>
-                </a:solidFill>
-                <a:ln w="31750">
-                  <a:solidFill>
-                    <a:schemeClr val="tx1"/>
-                  </a:solidFill>
-                </a:ln>
-              </p:spPr>
-              <p:style>
-                <a:lnRef idx="2">
-                  <a:schemeClr val="accent1">
-                    <a:shade val="50000"/>
-                  </a:schemeClr>
-                </a:lnRef>
-                <a:fillRef idx="1">
-                  <a:schemeClr val="accent1"/>
-                </a:fillRef>
-                <a:effectRef idx="0">
-                  <a:schemeClr val="accent1"/>
-                </a:effectRef>
-                <a:fontRef idx="minor">
-                  <a:schemeClr val="lt1"/>
-                </a:fontRef>
-              </p:style>
-              <p:txBody>
-                <a:bodyPr rtlCol="0" anchor="ctr"/>
-                <a:lstStyle/>
-                <a:p>
-                  <a:pPr algn="ctr"/>
-                  <a:endParaRPr lang="en-US" dirty="0"/>
-                </a:p>
-              </p:txBody>
-            </p:sp>
-            <p:cxnSp>
-              <p:nvCxnSpPr>
-                <p:cNvPr id="14" name="直接连接符 13">
-                  <a:extLst>
-                    <a:ext uri="{FF2B5EF4-FFF2-40B4-BE49-F238E27FC236}">
-                      <a16:creationId xmlns:a16="http://schemas.microsoft.com/office/drawing/2014/main" id="{F721676B-C878-47FB-8CF9-6A94DC7B374F}"/>
-                    </a:ext>
-                  </a:extLst>
-                </p:cNvPr>
-                <p:cNvCxnSpPr>
-                  <a:cxnSpLocks/>
-                </p:cNvCxnSpPr>
-                <p:nvPr/>
-              </p:nvCxnSpPr>
-              <p:spPr>
-                <a:xfrm>
-                  <a:off x="4271963" y="1752600"/>
-                  <a:ext cx="904875" cy="0"/>
-                </a:xfrm>
-                <a:prstGeom prst="line">
-                  <a:avLst/>
-                </a:prstGeom>
-                <a:ln w="31750">
-                  <a:solidFill>
-                    <a:schemeClr val="tx1"/>
-                  </a:solidFill>
-                </a:ln>
-              </p:spPr>
-              <p:style>
-                <a:lnRef idx="1">
-                  <a:schemeClr val="accent1"/>
-                </a:lnRef>
-                <a:fillRef idx="0">
-                  <a:schemeClr val="accent1"/>
-                </a:fillRef>
-                <a:effectRef idx="0">
-                  <a:schemeClr val="accent1"/>
-                </a:effectRef>
-                <a:fontRef idx="minor">
-                  <a:schemeClr val="tx1"/>
-                </a:fontRef>
-              </p:style>
-            </p:cxnSp>
-            <p:cxnSp>
-              <p:nvCxnSpPr>
-                <p:cNvPr id="20" name="直接连接符 19">
-                  <a:extLst>
-                    <a:ext uri="{FF2B5EF4-FFF2-40B4-BE49-F238E27FC236}">
-                      <a16:creationId xmlns:a16="http://schemas.microsoft.com/office/drawing/2014/main" id="{0A5E68E1-06F1-47A0-91B5-5DBCE0CE1611}"/>
-                    </a:ext>
-                  </a:extLst>
-                </p:cNvPr>
-                <p:cNvCxnSpPr>
-                  <a:cxnSpLocks/>
-                </p:cNvCxnSpPr>
-                <p:nvPr/>
-              </p:nvCxnSpPr>
-              <p:spPr>
-                <a:xfrm>
-                  <a:off x="4271963" y="2000250"/>
-                  <a:ext cx="904875" cy="0"/>
-                </a:xfrm>
-                <a:prstGeom prst="line">
-                  <a:avLst/>
-                </a:prstGeom>
-                <a:ln w="31750">
-                  <a:solidFill>
-                    <a:schemeClr val="tx1"/>
-                  </a:solidFill>
-                </a:ln>
-              </p:spPr>
-              <p:style>
-                <a:lnRef idx="1">
-                  <a:schemeClr val="accent1"/>
-                </a:lnRef>
-                <a:fillRef idx="0">
-                  <a:schemeClr val="accent1"/>
-                </a:fillRef>
-                <a:effectRef idx="0">
-                  <a:schemeClr val="accent1"/>
-                </a:effectRef>
-                <a:fontRef idx="minor">
-                  <a:schemeClr val="tx1"/>
-                </a:fontRef>
-              </p:style>
-            </p:cxnSp>
-            <p:cxnSp>
-              <p:nvCxnSpPr>
-                <p:cNvPr id="21" name="直接连接符 20">
-                  <a:extLst>
-                    <a:ext uri="{FF2B5EF4-FFF2-40B4-BE49-F238E27FC236}">
-                      <a16:creationId xmlns:a16="http://schemas.microsoft.com/office/drawing/2014/main" id="{4EEF32B2-BA27-40DD-8AF0-FEBA01F01D3B}"/>
-                    </a:ext>
-                  </a:extLst>
-                </p:cNvPr>
-                <p:cNvCxnSpPr>
-                  <a:cxnSpLocks/>
-                </p:cNvCxnSpPr>
-                <p:nvPr/>
-              </p:nvCxnSpPr>
-              <p:spPr>
-                <a:xfrm>
-                  <a:off x="4271963" y="2247900"/>
-                  <a:ext cx="904875" cy="0"/>
-                </a:xfrm>
-                <a:prstGeom prst="line">
-                  <a:avLst/>
-                </a:prstGeom>
-                <a:ln w="31750">
-                  <a:solidFill>
-                    <a:schemeClr val="tx1"/>
-                  </a:solidFill>
-                </a:ln>
-              </p:spPr>
-              <p:style>
-                <a:lnRef idx="1">
-                  <a:schemeClr val="accent1"/>
-                </a:lnRef>
-                <a:fillRef idx="0">
-                  <a:schemeClr val="accent1"/>
-                </a:fillRef>
-                <a:effectRef idx="0">
-                  <a:schemeClr val="accent1"/>
-                </a:effectRef>
-                <a:fontRef idx="minor">
-                  <a:schemeClr val="tx1"/>
-                </a:fontRef>
-              </p:style>
-            </p:cxnSp>
-            <p:cxnSp>
-              <p:nvCxnSpPr>
-                <p:cNvPr id="22" name="直接连接符 21">
-                  <a:extLst>
-                    <a:ext uri="{FF2B5EF4-FFF2-40B4-BE49-F238E27FC236}">
-                      <a16:creationId xmlns:a16="http://schemas.microsoft.com/office/drawing/2014/main" id="{24149322-B243-42DE-AD9D-EB68A6507DAC}"/>
-                    </a:ext>
-                  </a:extLst>
-                </p:cNvPr>
-                <p:cNvCxnSpPr>
-                  <a:cxnSpLocks/>
-                </p:cNvCxnSpPr>
-                <p:nvPr/>
-              </p:nvCxnSpPr>
-              <p:spPr>
-                <a:xfrm>
-                  <a:off x="4271963" y="2524125"/>
-                  <a:ext cx="904875" cy="0"/>
-                </a:xfrm>
-                <a:prstGeom prst="line">
-                  <a:avLst/>
-                </a:prstGeom>
-                <a:ln w="31750">
-                  <a:solidFill>
-                    <a:schemeClr val="tx1"/>
-                  </a:solidFill>
-                </a:ln>
-              </p:spPr>
-              <p:style>
-                <a:lnRef idx="1">
-                  <a:schemeClr val="accent1"/>
-                </a:lnRef>
-                <a:fillRef idx="0">
-                  <a:schemeClr val="accent1"/>
-                </a:fillRef>
-                <a:effectRef idx="0">
-                  <a:schemeClr val="accent1"/>
-                </a:effectRef>
-                <a:fontRef idx="minor">
-                  <a:schemeClr val="tx1"/>
-                </a:fontRef>
-              </p:style>
-            </p:cxnSp>
-            <p:sp>
-              <p:nvSpPr>
-                <p:cNvPr id="23" name="文本框 22">
-                  <a:extLst>
-                    <a:ext uri="{FF2B5EF4-FFF2-40B4-BE49-F238E27FC236}">
-                      <a16:creationId xmlns:a16="http://schemas.microsoft.com/office/drawing/2014/main" id="{E9CE8203-383E-4A2B-AA88-9D14F73B75A8}"/>
-                    </a:ext>
-                  </a:extLst>
-                </p:cNvPr>
-                <p:cNvSpPr txBox="1"/>
-                <p:nvPr/>
-              </p:nvSpPr>
-              <p:spPr>
-                <a:xfrm>
-                  <a:off x="4526756" y="2428875"/>
-                  <a:ext cx="395287" cy="461665"/>
-                </a:xfrm>
-                <a:prstGeom prst="rect">
-                  <a:avLst/>
-                </a:prstGeom>
-                <a:noFill/>
-              </p:spPr>
-              <p:txBody>
-                <a:bodyPr wrap="square" rtlCol="0">
-                  <a:spAutoFit/>
-                </a:bodyPr>
-                <a:lstStyle/>
-                <a:p>
-                  <a:r>
-                    <a:rPr lang="en-US" sz="2400" b="1" dirty="0"/>
-                    <a:t>…</a:t>
-                  </a:r>
-                  <a:endParaRPr lang="en-US" b="1" dirty="0"/>
-                </a:p>
-              </p:txBody>
-            </p:sp>
-          </p:grpSp>
-          <p:sp>
-            <p:nvSpPr>
-              <p:cNvPr id="53" name="矩形 52">
-                <a:extLst>
-                  <a:ext uri="{FF2B5EF4-FFF2-40B4-BE49-F238E27FC236}">
-                    <a16:creationId xmlns:a16="http://schemas.microsoft.com/office/drawing/2014/main" id="{30B400AE-DF84-47BB-9ED1-A7EF89A617EF}"/>
-                  </a:ext>
-                </a:extLst>
-              </p:cNvPr>
-              <p:cNvSpPr/>
-              <p:nvPr/>
-            </p:nvSpPr>
-            <p:spPr>
-              <a:xfrm>
-                <a:off x="6129339" y="1404938"/>
-                <a:ext cx="854868" cy="179181"/>
-              </a:xfrm>
-              <a:prstGeom prst="rect">
-                <a:avLst/>
-              </a:prstGeom>
-              <a:pattFill prst="wdDnDiag">
-                <a:fgClr>
-                  <a:schemeClr val="tx1">
-                    <a:lumMod val="50000"/>
-                    <a:lumOff val="50000"/>
-                  </a:schemeClr>
-                </a:fgClr>
-                <a:bgClr>
-                  <a:schemeClr val="bg1"/>
-                </a:bgClr>
-              </a:pattFill>
-              <a:ln>
-                <a:noFill/>
-              </a:ln>
-            </p:spPr>
-            <p:style>
-              <a:lnRef idx="2">
-                <a:schemeClr val="accent1">
-                  <a:shade val="50000"/>
-                </a:schemeClr>
-              </a:lnRef>
-              <a:fillRef idx="1">
-                <a:schemeClr val="accent1"/>
-              </a:fillRef>
-              <a:effectRef idx="0">
-                <a:schemeClr val="accent1"/>
-              </a:effectRef>
-              <a:fontRef idx="minor">
-                <a:schemeClr val="lt1"/>
-              </a:fontRef>
-            </p:style>
-            <p:txBody>
-              <a:bodyPr rtlCol="0" anchor="ctr"/>
-              <a:lstStyle/>
-              <a:p>
-                <a:pPr algn="ctr"/>
-                <a:endParaRPr lang="en-US" dirty="0"/>
-              </a:p>
-            </p:txBody>
-          </p:sp>
-        </p:grpSp>
-        <p:sp>
-          <p:nvSpPr>
-            <p:cNvPr id="68" name="文本框 67">
-              <a:extLst>
-                <a:ext uri="{FF2B5EF4-FFF2-40B4-BE49-F238E27FC236}">
-                  <a16:creationId xmlns:a16="http://schemas.microsoft.com/office/drawing/2014/main" id="{8B6DC65D-3336-46AA-BD28-29DCD9D43F3C}"/>
-                </a:ext>
-              </a:extLst>
-            </p:cNvPr>
-            <p:cNvSpPr txBox="1"/>
-            <p:nvPr/>
-          </p:nvSpPr>
-          <p:spPr>
-            <a:xfrm>
-              <a:off x="6053242" y="985888"/>
-              <a:ext cx="976101" cy="369332"/>
-            </a:xfrm>
-            <a:prstGeom prst="rect">
-              <a:avLst/>
-            </a:prstGeom>
-            <a:noFill/>
-          </p:spPr>
-          <p:txBody>
-            <a:bodyPr wrap="none" rtlCol="0">
-              <a:spAutoFit/>
-            </a:bodyPr>
-            <a:lstStyle/>
-            <a:p>
-              <a:r>
-                <a:rPr lang="en-US" dirty="0"/>
-                <a:t>memory</a:t>
-              </a:r>
-            </a:p>
-          </p:txBody>
-        </p:sp>
-      </p:grpSp>
-      <p:sp>
-        <p:nvSpPr>
-          <p:cNvPr id="2" name="椭圆 1">
-            <a:extLst>
-              <a:ext uri="{FF2B5EF4-FFF2-40B4-BE49-F238E27FC236}">
-                <a16:creationId xmlns:a16="http://schemas.microsoft.com/office/drawing/2014/main" id="{0EF8B901-97B8-42C9-8F7F-C42D4C6343A2}"/>
-              </a:ext>
-            </a:extLst>
-          </p:cNvPr>
-          <p:cNvSpPr/>
-          <p:nvPr/>
-        </p:nvSpPr>
-        <p:spPr>
-          <a:xfrm>
-            <a:off x="5031190" y="955933"/>
-            <a:ext cx="298047" cy="298047"/>
-          </a:xfrm>
-          <a:prstGeom prst="ellipse">
-            <a:avLst/>
-          </a:prstGeom>
-          <a:solidFill>
-            <a:schemeClr val="accent4"/>
-          </a:solidFill>
-          <a:ln>
-            <a:noFill/>
-          </a:ln>
-        </p:spPr>
-        <p:style>
-          <a:lnRef idx="2">
-            <a:schemeClr val="accent1">
-              <a:shade val="50000"/>
-            </a:schemeClr>
-          </a:lnRef>
-          <a:fillRef idx="1">
-            <a:schemeClr val="accent1"/>
-          </a:fillRef>
-          <a:effectRef idx="0">
-            <a:schemeClr val="accent1"/>
-          </a:effectRef>
-          <a:fontRef idx="minor">
-            <a:schemeClr val="lt1"/>
-          </a:fontRef>
-        </p:style>
-        <p:txBody>
-          <a:bodyPr rtlCol="0" anchor="ctr"/>
-          <a:lstStyle/>
-          <a:p>
-            <a:pPr algn="ctr"/>
-            <a:endParaRPr lang="en-US"/>
-          </a:p>
-        </p:txBody>
-      </p:sp>
-      <p:sp>
-        <p:nvSpPr>
-          <p:cNvPr id="36" name="椭圆 35">
-            <a:extLst>
-              <a:ext uri="{FF2B5EF4-FFF2-40B4-BE49-F238E27FC236}">
-                <a16:creationId xmlns:a16="http://schemas.microsoft.com/office/drawing/2014/main" id="{3B9C1F68-750E-40F1-9047-BC0C948B47D8}"/>
-              </a:ext>
-            </a:extLst>
-          </p:cNvPr>
-          <p:cNvSpPr/>
-          <p:nvPr/>
-        </p:nvSpPr>
-        <p:spPr>
-          <a:xfrm>
-            <a:off x="5041837" y="1586995"/>
-            <a:ext cx="298047" cy="298047"/>
-          </a:xfrm>
-          <a:prstGeom prst="ellipse">
-            <a:avLst/>
-          </a:prstGeom>
-          <a:solidFill>
-            <a:schemeClr val="accent4"/>
-          </a:solidFill>
-          <a:ln>
-            <a:noFill/>
-          </a:ln>
-        </p:spPr>
-        <p:style>
-          <a:lnRef idx="2">
-            <a:schemeClr val="accent1">
-              <a:shade val="50000"/>
-            </a:schemeClr>
-          </a:lnRef>
-          <a:fillRef idx="1">
-            <a:schemeClr val="accent1"/>
-          </a:fillRef>
-          <a:effectRef idx="0">
-            <a:schemeClr val="accent1"/>
-          </a:effectRef>
-          <a:fontRef idx="minor">
-            <a:schemeClr val="lt1"/>
-          </a:fontRef>
-        </p:style>
-        <p:txBody>
-          <a:bodyPr rtlCol="0" anchor="ctr"/>
-          <a:lstStyle/>
-          <a:p>
-            <a:pPr algn="ctr"/>
-            <a:endParaRPr lang="en-US"/>
-          </a:p>
-        </p:txBody>
-      </p:sp>
-      <p:sp>
-        <p:nvSpPr>
-          <p:cNvPr id="37" name="椭圆 36">
-            <a:extLst>
-              <a:ext uri="{FF2B5EF4-FFF2-40B4-BE49-F238E27FC236}">
-                <a16:creationId xmlns:a16="http://schemas.microsoft.com/office/drawing/2014/main" id="{1930DDA6-F497-4460-9FC2-54560555D911}"/>
-              </a:ext>
-            </a:extLst>
-          </p:cNvPr>
-          <p:cNvSpPr/>
-          <p:nvPr/>
-        </p:nvSpPr>
-        <p:spPr>
-          <a:xfrm>
-            <a:off x="7774719" y="1214304"/>
-            <a:ext cx="298047" cy="298047"/>
-          </a:xfrm>
-          <a:prstGeom prst="ellipse">
-            <a:avLst/>
-          </a:prstGeom>
-          <a:solidFill>
-            <a:schemeClr val="accent4"/>
-          </a:solidFill>
-          <a:ln>
-            <a:noFill/>
-          </a:ln>
-        </p:spPr>
-        <p:style>
-          <a:lnRef idx="2">
-            <a:schemeClr val="accent1">
-              <a:shade val="50000"/>
-            </a:schemeClr>
-          </a:lnRef>
-          <a:fillRef idx="1">
-            <a:schemeClr val="accent1"/>
-          </a:fillRef>
-          <a:effectRef idx="0">
-            <a:schemeClr val="accent1"/>
-          </a:effectRef>
-          <a:fontRef idx="minor">
-            <a:schemeClr val="lt1"/>
-          </a:fontRef>
-        </p:style>
-        <p:txBody>
-          <a:bodyPr rtlCol="0" anchor="ctr"/>
-          <a:lstStyle/>
-          <a:p>
-            <a:pPr algn="ctr"/>
-            <a:endParaRPr lang="en-US"/>
-          </a:p>
-        </p:txBody>
-      </p:sp>
-      <p:sp>
-        <p:nvSpPr>
-          <p:cNvPr id="4" name="爆炸形: 8 pt  3">
-            <a:extLst>
-              <a:ext uri="{FF2B5EF4-FFF2-40B4-BE49-F238E27FC236}">
-                <a16:creationId xmlns:a16="http://schemas.microsoft.com/office/drawing/2014/main" id="{B5F9A45B-4036-4267-AB97-C8317DB9317D}"/>
-              </a:ext>
-            </a:extLst>
-          </p:cNvPr>
-          <p:cNvSpPr/>
-          <p:nvPr/>
-        </p:nvSpPr>
-        <p:spPr>
-          <a:xfrm>
-            <a:off x="5003312" y="2106290"/>
-            <a:ext cx="351085" cy="292895"/>
-          </a:xfrm>
-          <a:prstGeom prst="irregularSeal1">
-            <a:avLst/>
-          </a:prstGeom>
-          <a:pattFill prst="pct75">
-            <a:fgClr>
-              <a:schemeClr val="tx2"/>
-            </a:fgClr>
-            <a:bgClr>
-              <a:schemeClr val="bg1"/>
-            </a:bgClr>
-          </a:pattFill>
-          <a:ln>
-            <a:noFill/>
-          </a:ln>
-        </p:spPr>
-        <p:style>
-          <a:lnRef idx="2">
-            <a:schemeClr val="accent1">
-              <a:shade val="50000"/>
-            </a:schemeClr>
-          </a:lnRef>
-          <a:fillRef idx="1">
-            <a:schemeClr val="accent1"/>
-          </a:fillRef>
-          <a:effectRef idx="0">
-            <a:schemeClr val="accent1"/>
-          </a:effectRef>
-          <a:fontRef idx="minor">
-            <a:schemeClr val="lt1"/>
-          </a:fontRef>
-        </p:style>
-        <p:txBody>
-          <a:bodyPr rtlCol="0" anchor="ctr"/>
-          <a:lstStyle/>
-          <a:p>
-            <a:pPr algn="ctr"/>
-            <a:endParaRPr lang="en-US"/>
-          </a:p>
-        </p:txBody>
-      </p:sp>
-      <p:sp>
-        <p:nvSpPr>
-          <p:cNvPr id="40" name="爆炸形: 8 pt  39">
-            <a:extLst>
-              <a:ext uri="{FF2B5EF4-FFF2-40B4-BE49-F238E27FC236}">
-                <a16:creationId xmlns:a16="http://schemas.microsoft.com/office/drawing/2014/main" id="{15F7E973-383E-45FA-83CA-38710DC4ED3D}"/>
-              </a:ext>
-            </a:extLst>
-          </p:cNvPr>
-          <p:cNvSpPr/>
-          <p:nvPr/>
-        </p:nvSpPr>
-        <p:spPr>
-          <a:xfrm>
-            <a:off x="5006978" y="2614557"/>
-            <a:ext cx="351085" cy="292895"/>
-          </a:xfrm>
-          <a:prstGeom prst="irregularSeal1">
-            <a:avLst/>
-          </a:prstGeom>
-          <a:pattFill prst="pct75">
-            <a:fgClr>
-              <a:schemeClr val="tx2"/>
-            </a:fgClr>
-            <a:bgClr>
-              <a:schemeClr val="bg1"/>
-            </a:bgClr>
-          </a:pattFill>
-          <a:ln>
-            <a:noFill/>
-          </a:ln>
-        </p:spPr>
-        <p:style>
-          <a:lnRef idx="2">
-            <a:schemeClr val="accent1">
-              <a:shade val="50000"/>
-            </a:schemeClr>
-          </a:lnRef>
-          <a:fillRef idx="1">
-            <a:schemeClr val="accent1"/>
-          </a:fillRef>
-          <a:effectRef idx="0">
-            <a:schemeClr val="accent1"/>
-          </a:effectRef>
-          <a:fontRef idx="minor">
-            <a:schemeClr val="lt1"/>
-          </a:fontRef>
-        </p:style>
-        <p:txBody>
-          <a:bodyPr rtlCol="0" anchor="ctr"/>
-          <a:lstStyle/>
-          <a:p>
-            <a:pPr algn="ctr"/>
-            <a:endParaRPr lang="en-US"/>
-          </a:p>
-        </p:txBody>
-      </p:sp>
-      <p:sp>
-        <p:nvSpPr>
-          <p:cNvPr id="15" name="乘号 14">
-            <a:extLst>
-              <a:ext uri="{FF2B5EF4-FFF2-40B4-BE49-F238E27FC236}">
-                <a16:creationId xmlns:a16="http://schemas.microsoft.com/office/drawing/2014/main" id="{2B8D22A7-8F70-4A98-BC33-ABDA7143713A}"/>
-              </a:ext>
-            </a:extLst>
-          </p:cNvPr>
-          <p:cNvSpPr/>
-          <p:nvPr/>
-        </p:nvSpPr>
-        <p:spPr>
-          <a:xfrm>
-            <a:off x="4988524" y="4681241"/>
-            <a:ext cx="404673" cy="375785"/>
-          </a:xfrm>
-          <a:prstGeom prst="mathMultiply">
-            <a:avLst/>
-          </a:prstGeom>
-          <a:solidFill>
-            <a:srgbClr val="FF0000"/>
-          </a:solidFill>
-          <a:ln>
-            <a:noFill/>
-          </a:ln>
-        </p:spPr>
-        <p:style>
-          <a:lnRef idx="2">
-            <a:schemeClr val="accent1">
-              <a:shade val="50000"/>
-            </a:schemeClr>
-          </a:lnRef>
-          <a:fillRef idx="1">
-            <a:schemeClr val="accent1"/>
-          </a:fillRef>
-          <a:effectRef idx="0">
-            <a:schemeClr val="accent1"/>
-          </a:effectRef>
-          <a:fontRef idx="minor">
-            <a:schemeClr val="lt1"/>
-          </a:fontRef>
-        </p:style>
-        <p:txBody>
-          <a:bodyPr rtlCol="0" anchor="ctr"/>
-          <a:lstStyle/>
-          <a:p>
-            <a:pPr algn="ctr"/>
-            <a:endParaRPr lang="en-US" dirty="0"/>
-          </a:p>
-        </p:txBody>
-      </p:sp>
-      <p:sp>
-        <p:nvSpPr>
-          <p:cNvPr id="16" name="流程图: 多文档 15">
-            <a:extLst>
-              <a:ext uri="{FF2B5EF4-FFF2-40B4-BE49-F238E27FC236}">
-                <a16:creationId xmlns:a16="http://schemas.microsoft.com/office/drawing/2014/main" id="{BD8B793E-65C3-41BA-8016-EFB4EC5E0896}"/>
-              </a:ext>
-            </a:extLst>
-          </p:cNvPr>
-          <p:cNvSpPr/>
-          <p:nvPr/>
-        </p:nvSpPr>
-        <p:spPr>
-          <a:xfrm>
-            <a:off x="5017756" y="3526615"/>
-            <a:ext cx="291425" cy="253607"/>
-          </a:xfrm>
-          <a:prstGeom prst="flowChartMultidocument">
-            <a:avLst/>
-          </a:prstGeom>
-          <a:solidFill>
-            <a:srgbClr val="FF0000"/>
-          </a:solidFill>
-          <a:ln>
-            <a:solidFill>
-              <a:schemeClr val="tx1"/>
-            </a:solidFill>
-          </a:ln>
-        </p:spPr>
-        <p:style>
-          <a:lnRef idx="2">
-            <a:schemeClr val="accent1">
-              <a:shade val="50000"/>
-            </a:schemeClr>
-          </a:lnRef>
-          <a:fillRef idx="1">
-            <a:schemeClr val="accent1"/>
-          </a:fillRef>
-          <a:effectRef idx="0">
-            <a:schemeClr val="accent1"/>
-          </a:effectRef>
-          <a:fontRef idx="minor">
-            <a:schemeClr val="lt1"/>
-          </a:fontRef>
-        </p:style>
-        <p:txBody>
-          <a:bodyPr rtlCol="0" anchor="ctr"/>
-          <a:lstStyle/>
-          <a:p>
-            <a:pPr algn="ctr"/>
-            <a:endParaRPr lang="en-US"/>
-          </a:p>
-        </p:txBody>
-      </p:sp>
-      <p:cxnSp>
-        <p:nvCxnSpPr>
-          <p:cNvPr id="33" name="连接符: 曲线 32">
-            <a:extLst>
-              <a:ext uri="{FF2B5EF4-FFF2-40B4-BE49-F238E27FC236}">
-                <a16:creationId xmlns:a16="http://schemas.microsoft.com/office/drawing/2014/main" id="{E395C7D7-FE04-46C7-8CB8-82C6BFDF3F7B}"/>
-              </a:ext>
-            </a:extLst>
-          </p:cNvPr>
-          <p:cNvCxnSpPr>
-            <a:cxnSpLocks/>
-            <a:endCxn id="58" idx="1"/>
-          </p:cNvCxnSpPr>
-          <p:nvPr/>
-        </p:nvCxnSpPr>
-        <p:spPr>
-          <a:xfrm rot="5400000">
-            <a:off x="4462633" y="3583305"/>
-            <a:ext cx="1204934" cy="99560"/>
-          </a:xfrm>
-          <a:prstGeom prst="curvedConnector4">
-            <a:avLst>
-              <a:gd name="adj1" fmla="val 94"/>
-              <a:gd name="adj2" fmla="val 329610"/>
-            </a:avLst>
-          </a:prstGeom>
-          <a:ln w="50800" cmpd="dbl">
-            <a:solidFill>
-              <a:schemeClr val="tx1"/>
-            </a:solidFill>
-            <a:prstDash val="sysDot"/>
-            <a:tailEnd type="triangle"/>
-          </a:ln>
-        </p:spPr>
-        <p:style>
-          <a:lnRef idx="1">
-            <a:schemeClr val="accent1"/>
-          </a:lnRef>
-          <a:fillRef idx="0">
-            <a:schemeClr val="accent1"/>
-          </a:fillRef>
-          <a:effectRef idx="0">
-            <a:schemeClr val="accent1"/>
-          </a:effectRef>
-          <a:fontRef idx="minor">
-            <a:schemeClr val="tx1"/>
-          </a:fontRef>
-        </p:style>
-      </p:cxnSp>
-      <p:sp>
-        <p:nvSpPr>
-          <p:cNvPr id="58" name="爆炸形: 8 pt  57">
-            <a:extLst>
-              <a:ext uri="{FF2B5EF4-FFF2-40B4-BE49-F238E27FC236}">
-                <a16:creationId xmlns:a16="http://schemas.microsoft.com/office/drawing/2014/main" id="{24AC57A3-9BB2-49CC-8450-9008882C9918}"/>
-              </a:ext>
-            </a:extLst>
-          </p:cNvPr>
-          <p:cNvSpPr/>
-          <p:nvPr/>
-        </p:nvSpPr>
-        <p:spPr>
-          <a:xfrm>
-            <a:off x="5015320" y="4118733"/>
-            <a:ext cx="351085" cy="292895"/>
-          </a:xfrm>
-          <a:prstGeom prst="irregularSeal1">
-            <a:avLst/>
-          </a:prstGeom>
-          <a:pattFill prst="pct75">
-            <a:fgClr>
-              <a:schemeClr val="tx2"/>
-            </a:fgClr>
-            <a:bgClr>
-              <a:schemeClr val="bg1"/>
-            </a:bgClr>
-          </a:pattFill>
-          <a:ln>
-            <a:noFill/>
-          </a:ln>
-        </p:spPr>
-        <p:style>
-          <a:lnRef idx="2">
-            <a:schemeClr val="accent1">
-              <a:shade val="50000"/>
-            </a:schemeClr>
-          </a:lnRef>
-          <a:fillRef idx="1">
-            <a:schemeClr val="accent1"/>
-          </a:fillRef>
-          <a:effectRef idx="0">
-            <a:schemeClr val="accent1"/>
-          </a:effectRef>
-          <a:fontRef idx="minor">
-            <a:schemeClr val="lt1"/>
-          </a:fontRef>
-        </p:style>
-        <p:txBody>
-          <a:bodyPr rtlCol="0" anchor="ctr"/>
-          <a:lstStyle/>
-          <a:p>
-            <a:pPr algn="ctr"/>
-            <a:endParaRPr lang="en-US"/>
-          </a:p>
-        </p:txBody>
-      </p:sp>
-      <p:cxnSp>
-        <p:nvCxnSpPr>
-          <p:cNvPr id="60" name="直接连接符 59">
-            <a:extLst>
-              <a:ext uri="{FF2B5EF4-FFF2-40B4-BE49-F238E27FC236}">
-                <a16:creationId xmlns:a16="http://schemas.microsoft.com/office/drawing/2014/main" id="{B26F5A2D-FF61-45DE-8E3F-F863C28957F0}"/>
-              </a:ext>
-            </a:extLst>
-          </p:cNvPr>
-          <p:cNvCxnSpPr>
-            <a:cxnSpLocks/>
-          </p:cNvCxnSpPr>
-          <p:nvPr/>
-        </p:nvCxnSpPr>
-        <p:spPr>
-          <a:xfrm>
-            <a:off x="5181602" y="4394957"/>
-            <a:ext cx="9259" cy="370263"/>
-          </a:xfrm>
-          <a:prstGeom prst="line">
-            <a:avLst/>
-          </a:prstGeom>
-          <a:ln w="50800" cmpd="dbl">
-            <a:solidFill>
-              <a:schemeClr val="bg2">
-                <a:lumMod val="25000"/>
-              </a:schemeClr>
-            </a:solidFill>
-            <a:prstDash val="sysDot"/>
-            <a:tailEnd type="stealth"/>
-          </a:ln>
-        </p:spPr>
-        <p:style>
-          <a:lnRef idx="1">
-            <a:schemeClr val="accent1"/>
-          </a:lnRef>
-          <a:fillRef idx="0">
-            <a:schemeClr val="accent1"/>
-          </a:fillRef>
-          <a:effectRef idx="0">
-            <a:schemeClr val="accent1"/>
-          </a:effectRef>
-          <a:fontRef idx="minor">
-            <a:schemeClr val="tx1"/>
-          </a:fontRef>
-        </p:style>
-      </p:cxnSp>
-      <p:cxnSp>
-        <p:nvCxnSpPr>
-          <p:cNvPr id="78" name="直接箭头连接符 77">
-            <a:extLst>
-              <a:ext uri="{FF2B5EF4-FFF2-40B4-BE49-F238E27FC236}">
-                <a16:creationId xmlns:a16="http://schemas.microsoft.com/office/drawing/2014/main" id="{45571CD2-795F-4A58-B5A6-0BB17EBE5573}"/>
-              </a:ext>
-            </a:extLst>
-          </p:cNvPr>
-          <p:cNvCxnSpPr>
-            <a:cxnSpLocks/>
-            <a:endCxn id="82" idx="2"/>
-          </p:cNvCxnSpPr>
-          <p:nvPr/>
-        </p:nvCxnSpPr>
-        <p:spPr>
-          <a:xfrm>
-            <a:off x="7335942" y="4243295"/>
-            <a:ext cx="745890" cy="15171"/>
-          </a:xfrm>
-          <a:prstGeom prst="straightConnector1">
-            <a:avLst/>
-          </a:prstGeom>
-          <a:ln w="25400">
-            <a:solidFill>
-              <a:schemeClr val="tx1"/>
-            </a:solidFill>
-            <a:tailEnd type="triangle"/>
-          </a:ln>
-        </p:spPr>
-        <p:style>
-          <a:lnRef idx="1">
-            <a:schemeClr val="accent1"/>
-          </a:lnRef>
-          <a:fillRef idx="0">
-            <a:schemeClr val="accent1"/>
-          </a:fillRef>
-          <a:effectRef idx="0">
-            <a:schemeClr val="accent1"/>
-          </a:effectRef>
-          <a:fontRef idx="minor">
-            <a:schemeClr val="tx1"/>
-          </a:fontRef>
-        </p:style>
-      </p:cxnSp>
-      <p:cxnSp>
-        <p:nvCxnSpPr>
-          <p:cNvPr id="83" name="直接箭头连接符 82">
-            <a:extLst>
-              <a:ext uri="{FF2B5EF4-FFF2-40B4-BE49-F238E27FC236}">
-                <a16:creationId xmlns:a16="http://schemas.microsoft.com/office/drawing/2014/main" id="{C15DF3A5-D42C-48EF-8007-9F850CDFAED3}"/>
-              </a:ext>
-            </a:extLst>
-          </p:cNvPr>
-          <p:cNvCxnSpPr>
-            <a:cxnSpLocks/>
-            <a:stCxn id="62" idx="2"/>
-            <a:endCxn id="94" idx="3"/>
-          </p:cNvCxnSpPr>
-          <p:nvPr/>
-        </p:nvCxnSpPr>
-        <p:spPr>
-          <a:xfrm flipH="1">
-            <a:off x="7284347" y="3090417"/>
-            <a:ext cx="791462" cy="1203015"/>
-          </a:xfrm>
-          <a:prstGeom prst="straightConnector1">
-            <a:avLst/>
-          </a:prstGeom>
-          <a:ln w="25400">
-            <a:solidFill>
-              <a:schemeClr val="tx1"/>
-            </a:solidFill>
-            <a:tailEnd type="triangle"/>
-          </a:ln>
-        </p:spPr>
-        <p:style>
-          <a:lnRef idx="1">
-            <a:schemeClr val="accent1"/>
-          </a:lnRef>
-          <a:fillRef idx="0">
-            <a:schemeClr val="accent1"/>
-          </a:fillRef>
-          <a:effectRef idx="0">
-            <a:schemeClr val="accent1"/>
-          </a:effectRef>
-          <a:fontRef idx="minor">
-            <a:schemeClr val="tx1"/>
-          </a:fontRef>
-        </p:style>
-      </p:cxnSp>
-      <p:grpSp>
-        <p:nvGrpSpPr>
-          <p:cNvPr id="98" name="组合 97">
-            <a:extLst>
-              <a:ext uri="{FF2B5EF4-FFF2-40B4-BE49-F238E27FC236}">
-                <a16:creationId xmlns:a16="http://schemas.microsoft.com/office/drawing/2014/main" id="{ABC4083C-E2E0-44A7-80F5-A376C9EE1FD1}"/>
-              </a:ext>
-            </a:extLst>
-          </p:cNvPr>
-          <p:cNvGrpSpPr/>
-          <p:nvPr/>
-        </p:nvGrpSpPr>
-        <p:grpSpPr>
-          <a:xfrm>
-            <a:off x="6361729" y="3002374"/>
-            <a:ext cx="976101" cy="1784795"/>
-            <a:chOff x="3289074" y="2976611"/>
-            <a:chExt cx="976101" cy="1784795"/>
-          </a:xfrm>
-        </p:grpSpPr>
-        <p:grpSp>
-          <p:nvGrpSpPr>
-            <p:cNvPr id="25" name="组合 24">
-              <a:extLst>
-                <a:ext uri="{FF2B5EF4-FFF2-40B4-BE49-F238E27FC236}">
-                  <a16:creationId xmlns:a16="http://schemas.microsoft.com/office/drawing/2014/main" id="{A5111B41-FAC8-4F00-AD2F-5CA9DF128FAE}"/>
-                </a:ext>
-              </a:extLst>
-            </p:cNvPr>
-            <p:cNvGrpSpPr/>
-            <p:nvPr/>
-          </p:nvGrpSpPr>
-          <p:grpSpPr>
-            <a:xfrm>
-              <a:off x="3324689" y="3318367"/>
-              <a:ext cx="904875" cy="1443039"/>
-              <a:chOff x="4271963" y="1500186"/>
-              <a:chExt cx="904875" cy="1443039"/>
-            </a:xfrm>
-          </p:grpSpPr>
-          <p:sp>
-            <p:nvSpPr>
-              <p:cNvPr id="26" name="矩形 25">
-                <a:extLst>
-                  <a:ext uri="{FF2B5EF4-FFF2-40B4-BE49-F238E27FC236}">
-                    <a16:creationId xmlns:a16="http://schemas.microsoft.com/office/drawing/2014/main" id="{5A026884-AB90-4EE4-8CE0-D3522F8A1CE3}"/>
-                  </a:ext>
-                </a:extLst>
-              </p:cNvPr>
-              <p:cNvSpPr/>
-              <p:nvPr/>
-            </p:nvSpPr>
-            <p:spPr>
-              <a:xfrm>
-                <a:off x="4271963" y="1500186"/>
-                <a:ext cx="904875" cy="1443039"/>
-              </a:xfrm>
-              <a:prstGeom prst="rect">
-                <a:avLst/>
-              </a:prstGeom>
-              <a:solidFill>
-                <a:schemeClr val="bg1"/>
-              </a:solidFill>
-              <a:ln w="31750">
-                <a:solidFill>
-                  <a:schemeClr val="tx1"/>
-                </a:solidFill>
-              </a:ln>
-            </p:spPr>
-            <p:style>
-              <a:lnRef idx="2">
-                <a:schemeClr val="accent1">
-                  <a:shade val="50000"/>
-                </a:schemeClr>
-              </a:lnRef>
-              <a:fillRef idx="1">
-                <a:schemeClr val="accent1"/>
-              </a:fillRef>
-              <a:effectRef idx="0">
-                <a:schemeClr val="accent1"/>
-              </a:effectRef>
-              <a:fontRef idx="minor">
-                <a:schemeClr val="lt1"/>
-              </a:fontRef>
-            </p:style>
-            <p:txBody>
-              <a:bodyPr rtlCol="0" anchor="ctr"/>
-              <a:lstStyle/>
-              <a:p>
-                <a:pPr algn="ctr"/>
-                <a:endParaRPr lang="en-US" dirty="0"/>
-              </a:p>
-            </p:txBody>
-          </p:sp>
-          <p:cxnSp>
-            <p:nvCxnSpPr>
-              <p:cNvPr id="27" name="直接连接符 26">
-                <a:extLst>
-                  <a:ext uri="{FF2B5EF4-FFF2-40B4-BE49-F238E27FC236}">
-                    <a16:creationId xmlns:a16="http://schemas.microsoft.com/office/drawing/2014/main" id="{61FF08E5-E6B1-4886-AF8A-A9062CD815FD}"/>
-                  </a:ext>
-                </a:extLst>
-              </p:cNvPr>
-              <p:cNvCxnSpPr>
-                <a:cxnSpLocks/>
-              </p:cNvCxnSpPr>
-              <p:nvPr/>
-            </p:nvCxnSpPr>
-            <p:spPr>
-              <a:xfrm>
-                <a:off x="4271963" y="1752600"/>
-                <a:ext cx="904875" cy="0"/>
-              </a:xfrm>
-              <a:prstGeom prst="line">
-                <a:avLst/>
-              </a:prstGeom>
-              <a:ln w="31750">
-                <a:solidFill>
-                  <a:schemeClr val="tx1"/>
-                </a:solidFill>
-              </a:ln>
-            </p:spPr>
-            <p:style>
-              <a:lnRef idx="1">
-                <a:schemeClr val="accent1"/>
-              </a:lnRef>
-              <a:fillRef idx="0">
-                <a:schemeClr val="accent1"/>
-              </a:fillRef>
-              <a:effectRef idx="0">
-                <a:schemeClr val="accent1"/>
-              </a:effectRef>
-              <a:fontRef idx="minor">
-                <a:schemeClr val="tx1"/>
-              </a:fontRef>
-            </p:style>
-          </p:cxnSp>
-          <p:cxnSp>
-            <p:nvCxnSpPr>
-              <p:cNvPr id="28" name="直接连接符 27">
-                <a:extLst>
-                  <a:ext uri="{FF2B5EF4-FFF2-40B4-BE49-F238E27FC236}">
-                    <a16:creationId xmlns:a16="http://schemas.microsoft.com/office/drawing/2014/main" id="{C9ACC8CE-63F6-4DE3-9DDA-13C2D22C111B}"/>
-                  </a:ext>
-                </a:extLst>
-              </p:cNvPr>
-              <p:cNvCxnSpPr>
-                <a:cxnSpLocks/>
-              </p:cNvCxnSpPr>
-              <p:nvPr/>
-            </p:nvCxnSpPr>
-            <p:spPr>
-              <a:xfrm>
-                <a:off x="4271963" y="2000250"/>
-                <a:ext cx="904875" cy="0"/>
-              </a:xfrm>
-              <a:prstGeom prst="line">
-                <a:avLst/>
-              </a:prstGeom>
-              <a:ln w="31750">
-                <a:solidFill>
-                  <a:schemeClr val="tx1"/>
-                </a:solidFill>
-              </a:ln>
-            </p:spPr>
-            <p:style>
-              <a:lnRef idx="1">
-                <a:schemeClr val="accent1"/>
-              </a:lnRef>
-              <a:fillRef idx="0">
-                <a:schemeClr val="accent1"/>
-              </a:fillRef>
-              <a:effectRef idx="0">
-                <a:schemeClr val="accent1"/>
-              </a:effectRef>
-              <a:fontRef idx="minor">
-                <a:schemeClr val="tx1"/>
-              </a:fontRef>
-            </p:style>
-          </p:cxnSp>
-          <p:cxnSp>
-            <p:nvCxnSpPr>
-              <p:cNvPr id="29" name="直接连接符 28">
-                <a:extLst>
-                  <a:ext uri="{FF2B5EF4-FFF2-40B4-BE49-F238E27FC236}">
-                    <a16:creationId xmlns:a16="http://schemas.microsoft.com/office/drawing/2014/main" id="{ACD5B53C-3846-4432-92C8-9485699C4262}"/>
-                  </a:ext>
-                </a:extLst>
-              </p:cNvPr>
-              <p:cNvCxnSpPr>
-                <a:cxnSpLocks/>
-              </p:cNvCxnSpPr>
-              <p:nvPr/>
-            </p:nvCxnSpPr>
-            <p:spPr>
-              <a:xfrm>
-                <a:off x="4271963" y="2247900"/>
-                <a:ext cx="904875" cy="0"/>
-              </a:xfrm>
-              <a:prstGeom prst="line">
-                <a:avLst/>
-              </a:prstGeom>
-              <a:ln w="31750">
-                <a:solidFill>
-                  <a:schemeClr val="tx1"/>
-                </a:solidFill>
-              </a:ln>
-            </p:spPr>
-            <p:style>
-              <a:lnRef idx="1">
-                <a:schemeClr val="accent1"/>
-              </a:lnRef>
-              <a:fillRef idx="0">
-                <a:schemeClr val="accent1"/>
-              </a:fillRef>
-              <a:effectRef idx="0">
-                <a:schemeClr val="accent1"/>
-              </a:effectRef>
-              <a:fontRef idx="minor">
-                <a:schemeClr val="tx1"/>
-              </a:fontRef>
-            </p:style>
-          </p:cxnSp>
-          <p:cxnSp>
-            <p:nvCxnSpPr>
-              <p:cNvPr id="30" name="直接连接符 29">
-                <a:extLst>
-                  <a:ext uri="{FF2B5EF4-FFF2-40B4-BE49-F238E27FC236}">
-                    <a16:creationId xmlns:a16="http://schemas.microsoft.com/office/drawing/2014/main" id="{0582DFF1-11B8-4420-B23A-4A6B33937EA1}"/>
-                  </a:ext>
-                </a:extLst>
-              </p:cNvPr>
-              <p:cNvCxnSpPr>
-                <a:cxnSpLocks/>
-              </p:cNvCxnSpPr>
-              <p:nvPr/>
-            </p:nvCxnSpPr>
-            <p:spPr>
-              <a:xfrm>
-                <a:off x="4271963" y="2524125"/>
-                <a:ext cx="904875" cy="0"/>
-              </a:xfrm>
-              <a:prstGeom prst="line">
-                <a:avLst/>
-              </a:prstGeom>
-              <a:ln w="31750">
-                <a:solidFill>
-                  <a:schemeClr val="tx1"/>
-                </a:solidFill>
-              </a:ln>
-            </p:spPr>
-            <p:style>
-              <a:lnRef idx="1">
-                <a:schemeClr val="accent1"/>
-              </a:lnRef>
-              <a:fillRef idx="0">
-                <a:schemeClr val="accent1"/>
-              </a:fillRef>
-              <a:effectRef idx="0">
-                <a:schemeClr val="accent1"/>
-              </a:effectRef>
-              <a:fontRef idx="minor">
-                <a:schemeClr val="tx1"/>
-              </a:fontRef>
-            </p:style>
-          </p:cxnSp>
-          <p:sp>
-            <p:nvSpPr>
-              <p:cNvPr id="31" name="文本框 30">
-                <a:extLst>
-                  <a:ext uri="{FF2B5EF4-FFF2-40B4-BE49-F238E27FC236}">
-                    <a16:creationId xmlns:a16="http://schemas.microsoft.com/office/drawing/2014/main" id="{F1198496-8EEC-4D54-82DE-0D7B6855EF82}"/>
-                  </a:ext>
-                </a:extLst>
-              </p:cNvPr>
-              <p:cNvSpPr txBox="1"/>
-              <p:nvPr/>
-            </p:nvSpPr>
-            <p:spPr>
-              <a:xfrm>
-                <a:off x="4526756" y="2428875"/>
-                <a:ext cx="395287" cy="461665"/>
-              </a:xfrm>
-              <a:prstGeom prst="rect">
-                <a:avLst/>
-              </a:prstGeom>
-              <a:noFill/>
-            </p:spPr>
-            <p:txBody>
-              <a:bodyPr wrap="square" rtlCol="0">
-                <a:spAutoFit/>
-              </a:bodyPr>
-              <a:lstStyle/>
-              <a:p>
-                <a:r>
-                  <a:rPr lang="en-US" sz="2400" b="1" dirty="0"/>
-                  <a:t>…</a:t>
-                </a:r>
-                <a:endParaRPr lang="en-US" b="1" dirty="0"/>
-              </a:p>
-            </p:txBody>
-          </p:sp>
-        </p:grpSp>
-        <p:sp>
-          <p:nvSpPr>
-            <p:cNvPr id="69" name="文本框 68">
-              <a:extLst>
-                <a:ext uri="{FF2B5EF4-FFF2-40B4-BE49-F238E27FC236}">
-                  <a16:creationId xmlns:a16="http://schemas.microsoft.com/office/drawing/2014/main" id="{D3245029-1EF7-4E38-8949-421EB0420DE1}"/>
-                </a:ext>
-              </a:extLst>
-            </p:cNvPr>
-            <p:cNvSpPr txBox="1"/>
-            <p:nvPr/>
-          </p:nvSpPr>
-          <p:spPr>
-            <a:xfrm>
-              <a:off x="3289074" y="2976611"/>
-              <a:ext cx="976101" cy="369332"/>
-            </a:xfrm>
-            <a:prstGeom prst="rect">
-              <a:avLst/>
-            </a:prstGeom>
-            <a:noFill/>
-          </p:spPr>
-          <p:txBody>
-            <a:bodyPr wrap="none" rtlCol="0">
-              <a:spAutoFit/>
-            </a:bodyPr>
-            <a:lstStyle/>
-            <a:p>
-              <a:r>
-                <a:rPr lang="en-US" dirty="0"/>
-                <a:t>memory</a:t>
-              </a:r>
-            </a:p>
-          </p:txBody>
-        </p:sp>
-        <p:cxnSp>
-          <p:nvCxnSpPr>
-            <p:cNvPr id="56" name="连接符: 曲线 55">
-              <a:extLst>
-                <a:ext uri="{FF2B5EF4-FFF2-40B4-BE49-F238E27FC236}">
-                  <a16:creationId xmlns:a16="http://schemas.microsoft.com/office/drawing/2014/main" id="{E3BF092F-944F-4EC5-86E8-5E0DAC173C1A}"/>
-                </a:ext>
-              </a:extLst>
-            </p:cNvPr>
-            <p:cNvCxnSpPr>
-              <a:cxnSpLocks/>
-            </p:cNvCxnSpPr>
-            <p:nvPr/>
-          </p:nvCxnSpPr>
-          <p:spPr>
-            <a:xfrm rot="5400000">
-              <a:off x="3569292" y="3664659"/>
-              <a:ext cx="355267" cy="196827"/>
-            </a:xfrm>
-            <a:prstGeom prst="curvedConnector3">
-              <a:avLst/>
-            </a:prstGeom>
-            <a:ln w="25400">
-              <a:solidFill>
-                <a:srgbClr val="FF0000"/>
-              </a:solidFill>
-              <a:tailEnd type="triangle"/>
-            </a:ln>
-          </p:spPr>
-          <p:style>
-            <a:lnRef idx="1">
-              <a:schemeClr val="accent1"/>
-            </a:lnRef>
-            <a:fillRef idx="0">
-              <a:schemeClr val="accent1"/>
-            </a:fillRef>
-            <a:effectRef idx="0">
-              <a:schemeClr val="accent1"/>
-            </a:effectRef>
-            <a:fontRef idx="minor">
-              <a:schemeClr val="tx1"/>
-            </a:fontRef>
-          </p:style>
-        </p:cxnSp>
-        <p:cxnSp>
-          <p:nvCxnSpPr>
-            <p:cNvPr id="66" name="直接连接符 65">
-              <a:extLst>
-                <a:ext uri="{FF2B5EF4-FFF2-40B4-BE49-F238E27FC236}">
-                  <a16:creationId xmlns:a16="http://schemas.microsoft.com/office/drawing/2014/main" id="{627D9182-A99E-4440-BD5C-CEF34653D4A0}"/>
-                </a:ext>
-              </a:extLst>
-            </p:cNvPr>
-            <p:cNvCxnSpPr>
-              <a:cxnSpLocks/>
-            </p:cNvCxnSpPr>
-            <p:nvPr/>
-          </p:nvCxnSpPr>
-          <p:spPr>
-            <a:xfrm>
-              <a:off x="3324689" y="4058937"/>
-              <a:ext cx="904875" cy="0"/>
-            </a:xfrm>
-            <a:prstGeom prst="line">
-              <a:avLst/>
-            </a:prstGeom>
-            <a:ln w="25400">
-              <a:solidFill>
-                <a:schemeClr val="tx1"/>
-              </a:solidFill>
-            </a:ln>
-          </p:spPr>
-          <p:style>
-            <a:lnRef idx="1">
-              <a:schemeClr val="accent1"/>
-            </a:lnRef>
-            <a:fillRef idx="0">
-              <a:schemeClr val="accent1"/>
-            </a:fillRef>
-            <a:effectRef idx="0">
-              <a:schemeClr val="accent1"/>
-            </a:effectRef>
-            <a:fontRef idx="minor">
-              <a:schemeClr val="tx1"/>
-            </a:fontRef>
-          </p:style>
-        </p:cxnSp>
-        <p:sp>
-          <p:nvSpPr>
-            <p:cNvPr id="91" name="矩形 90">
-              <a:extLst>
-                <a:ext uri="{FF2B5EF4-FFF2-40B4-BE49-F238E27FC236}">
-                  <a16:creationId xmlns:a16="http://schemas.microsoft.com/office/drawing/2014/main" id="{E40CA0FB-C369-4CFB-897D-E4D714CE6405}"/>
-                </a:ext>
-              </a:extLst>
-            </p:cNvPr>
-            <p:cNvSpPr/>
-            <p:nvPr/>
-          </p:nvSpPr>
-          <p:spPr>
-            <a:xfrm>
-              <a:off x="3339325" y="3947110"/>
-              <a:ext cx="874748" cy="107810"/>
-            </a:xfrm>
-            <a:prstGeom prst="rect">
-              <a:avLst/>
-            </a:prstGeom>
-            <a:pattFill prst="wdDnDiag">
-              <a:fgClr>
-                <a:schemeClr val="tx1"/>
-              </a:fgClr>
-              <a:bgClr>
-                <a:schemeClr val="bg1"/>
-              </a:bgClr>
-            </a:pattFill>
-            <a:ln>
-              <a:noFill/>
-            </a:ln>
-          </p:spPr>
-          <p:style>
-            <a:lnRef idx="2">
-              <a:schemeClr val="accent1">
-                <a:shade val="50000"/>
-              </a:schemeClr>
-            </a:lnRef>
-            <a:fillRef idx="1">
-              <a:schemeClr val="accent1"/>
-            </a:fillRef>
-            <a:effectRef idx="0">
-              <a:schemeClr val="accent1"/>
-            </a:effectRef>
-            <a:fontRef idx="minor">
-              <a:schemeClr val="lt1"/>
-            </a:fontRef>
-          </p:style>
-          <p:txBody>
-            <a:bodyPr rtlCol="0" anchor="ctr"/>
-            <a:lstStyle/>
-            <a:p>
-              <a:pPr algn="ctr"/>
-              <a:endParaRPr lang="en-US"/>
-            </a:p>
-          </p:txBody>
-        </p:sp>
-        <p:sp>
-          <p:nvSpPr>
-            <p:cNvPr id="92" name="矩形 91">
-              <a:extLst>
-                <a:ext uri="{FF2B5EF4-FFF2-40B4-BE49-F238E27FC236}">
-                  <a16:creationId xmlns:a16="http://schemas.microsoft.com/office/drawing/2014/main" id="{12AD680C-BFBB-42EB-BF1E-57099B5186A2}"/>
-                </a:ext>
-              </a:extLst>
-            </p:cNvPr>
-            <p:cNvSpPr/>
-            <p:nvPr/>
-          </p:nvSpPr>
-          <p:spPr>
-            <a:xfrm>
-              <a:off x="3339325" y="3343025"/>
-              <a:ext cx="874748" cy="206695"/>
-            </a:xfrm>
-            <a:prstGeom prst="rect">
-              <a:avLst/>
-            </a:prstGeom>
-            <a:pattFill prst="wdDnDiag">
-              <a:fgClr>
-                <a:schemeClr val="tx1"/>
-              </a:fgClr>
-              <a:bgClr>
-                <a:schemeClr val="bg1"/>
-              </a:bgClr>
-            </a:pattFill>
-            <a:ln>
-              <a:noFill/>
-            </a:ln>
-          </p:spPr>
-          <p:style>
-            <a:lnRef idx="2">
-              <a:schemeClr val="accent1">
-                <a:shade val="50000"/>
-              </a:schemeClr>
-            </a:lnRef>
-            <a:fillRef idx="1">
-              <a:schemeClr val="accent1"/>
-            </a:fillRef>
-            <a:effectRef idx="0">
-              <a:schemeClr val="accent1"/>
-            </a:effectRef>
-            <a:fontRef idx="minor">
-              <a:schemeClr val="lt1"/>
-            </a:fontRef>
-          </p:style>
-          <p:txBody>
-            <a:bodyPr rtlCol="0" anchor="ctr"/>
-            <a:lstStyle/>
-            <a:p>
-              <a:pPr algn="ctr"/>
-              <a:endParaRPr lang="en-US"/>
-            </a:p>
-          </p:txBody>
-        </p:sp>
-        <p:sp>
-          <p:nvSpPr>
-            <p:cNvPr id="93" name="矩形 92">
-              <a:extLst>
-                <a:ext uri="{FF2B5EF4-FFF2-40B4-BE49-F238E27FC236}">
-                  <a16:creationId xmlns:a16="http://schemas.microsoft.com/office/drawing/2014/main" id="{E03D8959-7875-4575-9202-64B1EC3086C6}"/>
-                </a:ext>
-              </a:extLst>
-            </p:cNvPr>
-            <p:cNvSpPr/>
-            <p:nvPr/>
-          </p:nvSpPr>
-          <p:spPr>
-            <a:xfrm>
-              <a:off x="3340119" y="4086016"/>
-              <a:ext cx="874748" cy="107810"/>
-            </a:xfrm>
-            <a:prstGeom prst="rect">
-              <a:avLst/>
-            </a:prstGeom>
-            <a:pattFill prst="wdDnDiag">
-              <a:fgClr>
-                <a:schemeClr val="tx1"/>
-              </a:fgClr>
-              <a:bgClr>
-                <a:schemeClr val="accent4">
-                  <a:lumMod val="60000"/>
-                  <a:lumOff val="40000"/>
-                </a:schemeClr>
-              </a:bgClr>
-            </a:pattFill>
-            <a:ln>
-              <a:noFill/>
-            </a:ln>
-          </p:spPr>
-          <p:style>
-            <a:lnRef idx="2">
-              <a:schemeClr val="accent1">
-                <a:shade val="50000"/>
-              </a:schemeClr>
-            </a:lnRef>
-            <a:fillRef idx="1">
-              <a:schemeClr val="accent1"/>
-            </a:fillRef>
-            <a:effectRef idx="0">
-              <a:schemeClr val="accent1"/>
-            </a:effectRef>
-            <a:fontRef idx="minor">
-              <a:schemeClr val="lt1"/>
-            </a:fontRef>
-          </p:style>
-          <p:txBody>
-            <a:bodyPr rtlCol="0" anchor="ctr"/>
-            <a:lstStyle/>
-            <a:p>
-              <a:pPr algn="ctr"/>
-              <a:endParaRPr lang="en-US" dirty="0"/>
-            </a:p>
-          </p:txBody>
-        </p:sp>
-        <p:sp>
-          <p:nvSpPr>
-            <p:cNvPr id="94" name="矩形 93">
-              <a:extLst>
-                <a:ext uri="{FF2B5EF4-FFF2-40B4-BE49-F238E27FC236}">
-                  <a16:creationId xmlns:a16="http://schemas.microsoft.com/office/drawing/2014/main" id="{C7CADDA8-285C-4E6D-939F-A20114D08F95}"/>
-                </a:ext>
-              </a:extLst>
-            </p:cNvPr>
-            <p:cNvSpPr/>
-            <p:nvPr/>
-          </p:nvSpPr>
-          <p:spPr>
-            <a:xfrm>
-              <a:off x="3336944" y="4203612"/>
-              <a:ext cx="874748" cy="128113"/>
-            </a:xfrm>
-            <a:prstGeom prst="rect">
-              <a:avLst/>
-            </a:prstGeom>
-            <a:solidFill>
-              <a:schemeClr val="accent4">
-                <a:lumMod val="60000"/>
-                <a:lumOff val="40000"/>
-              </a:schemeClr>
-            </a:solidFill>
-            <a:ln>
-              <a:noFill/>
-            </a:ln>
-          </p:spPr>
-          <p:style>
-            <a:lnRef idx="2">
-              <a:schemeClr val="accent1">
-                <a:shade val="50000"/>
-              </a:schemeClr>
-            </a:lnRef>
-            <a:fillRef idx="1">
-              <a:schemeClr val="accent1"/>
-            </a:fillRef>
-            <a:effectRef idx="0">
-              <a:schemeClr val="accent1"/>
-            </a:effectRef>
-            <a:fontRef idx="minor">
-              <a:schemeClr val="lt1"/>
-            </a:fontRef>
-          </p:style>
-          <p:txBody>
-            <a:bodyPr rtlCol="0" anchor="ctr"/>
-            <a:lstStyle/>
-            <a:p>
-              <a:pPr algn="ctr"/>
-              <a:endParaRPr lang="en-US"/>
-            </a:p>
-          </p:txBody>
-        </p:sp>
-      </p:grpSp>
-      <p:sp>
-        <p:nvSpPr>
-          <p:cNvPr id="100" name="文本框 99">
-            <a:extLst>
-              <a:ext uri="{FF2B5EF4-FFF2-40B4-BE49-F238E27FC236}">
-                <a16:creationId xmlns:a16="http://schemas.microsoft.com/office/drawing/2014/main" id="{DF3BE1D9-250C-4A17-BC2E-74D55D3D3F15}"/>
-              </a:ext>
-            </a:extLst>
-          </p:cNvPr>
-          <p:cNvSpPr txBox="1"/>
-          <p:nvPr/>
-        </p:nvSpPr>
-        <p:spPr>
-          <a:xfrm>
-            <a:off x="4800368" y="315133"/>
-            <a:ext cx="780983" cy="369332"/>
-          </a:xfrm>
-          <a:prstGeom prst="rect">
-            <a:avLst/>
-          </a:prstGeom>
-          <a:noFill/>
-        </p:spPr>
-        <p:txBody>
-          <a:bodyPr wrap="none" rtlCol="0">
-            <a:spAutoFit/>
-          </a:bodyPr>
-          <a:lstStyle/>
-          <a:p>
-            <a:r>
-              <a:rPr lang="en-US" dirty="0"/>
-              <a:t>Victim</a:t>
-            </a:r>
-          </a:p>
-        </p:txBody>
-      </p:sp>
-      <p:grpSp>
-        <p:nvGrpSpPr>
-          <p:cNvPr id="19" name="组合 18">
-            <a:extLst>
-              <a:ext uri="{FF2B5EF4-FFF2-40B4-BE49-F238E27FC236}">
-                <a16:creationId xmlns:a16="http://schemas.microsoft.com/office/drawing/2014/main" id="{BA3E8286-BB20-478D-AC7B-BB8C119E11AC}"/>
-              </a:ext>
-            </a:extLst>
-          </p:cNvPr>
-          <p:cNvGrpSpPr/>
-          <p:nvPr/>
-        </p:nvGrpSpPr>
-        <p:grpSpPr>
-          <a:xfrm>
-            <a:off x="7834340" y="2349912"/>
-            <a:ext cx="780983" cy="3161405"/>
-            <a:chOff x="7529131" y="2667976"/>
-            <a:chExt cx="780983" cy="3161405"/>
-          </a:xfrm>
-        </p:grpSpPr>
-        <p:cxnSp>
-          <p:nvCxnSpPr>
-            <p:cNvPr id="8" name="直接连接符 7">
-              <a:extLst>
-                <a:ext uri="{FF2B5EF4-FFF2-40B4-BE49-F238E27FC236}">
-                  <a16:creationId xmlns:a16="http://schemas.microsoft.com/office/drawing/2014/main" id="{A494DBA8-26DA-401C-8636-359099D213FA}"/>
-                </a:ext>
-              </a:extLst>
-            </p:cNvPr>
-            <p:cNvCxnSpPr>
-              <a:cxnSpLocks/>
-            </p:cNvCxnSpPr>
-            <p:nvPr/>
-          </p:nvCxnSpPr>
-          <p:spPr>
-            <a:xfrm>
-              <a:off x="7919623" y="2970856"/>
-              <a:ext cx="5177" cy="2538681"/>
-            </a:xfrm>
-            <a:prstGeom prst="line">
-              <a:avLst/>
-            </a:prstGeom>
-            <a:ln w="50800" cmpd="dbl">
-              <a:solidFill>
-                <a:schemeClr val="tx1"/>
-              </a:solidFill>
-              <a:prstDash val="sysDot"/>
-              <a:tailEnd type="stealth"/>
-            </a:ln>
-          </p:spPr>
-          <p:style>
-            <a:lnRef idx="1">
-              <a:schemeClr val="accent1"/>
-            </a:lnRef>
-            <a:fillRef idx="0">
-              <a:schemeClr val="accent1"/>
-            </a:fillRef>
-            <a:effectRef idx="0">
-              <a:schemeClr val="accent1"/>
-            </a:effectRef>
-            <a:fontRef idx="minor">
-              <a:schemeClr val="tx1"/>
-            </a:fontRef>
-          </p:style>
-        </p:cxnSp>
-        <p:sp>
-          <p:nvSpPr>
-            <p:cNvPr id="62" name="椭圆 61">
-              <a:extLst>
-                <a:ext uri="{FF2B5EF4-FFF2-40B4-BE49-F238E27FC236}">
-                  <a16:creationId xmlns:a16="http://schemas.microsoft.com/office/drawing/2014/main" id="{96282AB5-8399-4B76-ABAE-F53CB85D1379}"/>
-                </a:ext>
-              </a:extLst>
-            </p:cNvPr>
-            <p:cNvSpPr/>
-            <p:nvPr/>
-          </p:nvSpPr>
-          <p:spPr>
-            <a:xfrm>
-              <a:off x="7770600" y="3259457"/>
-              <a:ext cx="298047" cy="298047"/>
-            </a:xfrm>
-            <a:prstGeom prst="ellipse">
-              <a:avLst/>
-            </a:prstGeom>
-            <a:solidFill>
-              <a:schemeClr val="accent4"/>
-            </a:solidFill>
-            <a:ln>
-              <a:noFill/>
-            </a:ln>
-          </p:spPr>
-          <p:style>
-            <a:lnRef idx="2">
-              <a:schemeClr val="accent1">
-                <a:shade val="50000"/>
-              </a:schemeClr>
-            </a:lnRef>
-            <a:fillRef idx="1">
-              <a:schemeClr val="accent1"/>
-            </a:fillRef>
-            <a:effectRef idx="0">
-              <a:schemeClr val="accent1"/>
-            </a:effectRef>
-            <a:fontRef idx="minor">
-              <a:schemeClr val="lt1"/>
-            </a:fontRef>
-          </p:style>
-          <p:txBody>
-            <a:bodyPr rtlCol="0" anchor="ctr"/>
-            <a:lstStyle/>
-            <a:p>
-              <a:pPr algn="ctr"/>
-              <a:endParaRPr lang="en-US"/>
-            </a:p>
-          </p:txBody>
-        </p:sp>
-        <p:sp>
-          <p:nvSpPr>
-            <p:cNvPr id="82" name="椭圆 81">
-              <a:extLst>
-                <a:ext uri="{FF2B5EF4-FFF2-40B4-BE49-F238E27FC236}">
-                  <a16:creationId xmlns:a16="http://schemas.microsoft.com/office/drawing/2014/main" id="{532EB019-E3F3-41AA-AD1A-F46939F4AE12}"/>
-                </a:ext>
-              </a:extLst>
-            </p:cNvPr>
-            <p:cNvSpPr/>
-            <p:nvPr/>
-          </p:nvSpPr>
-          <p:spPr>
-            <a:xfrm>
-              <a:off x="7776623" y="4427506"/>
-              <a:ext cx="298047" cy="298047"/>
-            </a:xfrm>
-            <a:prstGeom prst="ellipse">
-              <a:avLst/>
-            </a:prstGeom>
-            <a:solidFill>
-              <a:schemeClr val="accent4"/>
-            </a:solidFill>
-            <a:ln>
-              <a:noFill/>
-            </a:ln>
-          </p:spPr>
-          <p:style>
-            <a:lnRef idx="2">
-              <a:schemeClr val="accent1">
-                <a:shade val="50000"/>
-              </a:schemeClr>
-            </a:lnRef>
-            <a:fillRef idx="1">
-              <a:schemeClr val="accent1"/>
-            </a:fillRef>
-            <a:effectRef idx="0">
-              <a:schemeClr val="accent1"/>
-            </a:effectRef>
-            <a:fontRef idx="minor">
-              <a:schemeClr val="lt1"/>
-            </a:fontRef>
-          </p:style>
-          <p:txBody>
-            <a:bodyPr rtlCol="0" anchor="ctr"/>
-            <a:lstStyle/>
-            <a:p>
-              <a:pPr algn="ctr"/>
-              <a:endParaRPr lang="en-US"/>
-            </a:p>
-          </p:txBody>
-        </p:sp>
-        <p:sp>
-          <p:nvSpPr>
-            <p:cNvPr id="87" name="爆炸形: 8 pt  86">
-              <a:extLst>
-                <a:ext uri="{FF2B5EF4-FFF2-40B4-BE49-F238E27FC236}">
-                  <a16:creationId xmlns:a16="http://schemas.microsoft.com/office/drawing/2014/main" id="{357668BE-A281-44AC-9F87-0A8D590BB39B}"/>
-                </a:ext>
-              </a:extLst>
-            </p:cNvPr>
-            <p:cNvSpPr/>
-            <p:nvPr/>
-          </p:nvSpPr>
-          <p:spPr>
-            <a:xfrm>
-              <a:off x="7744663" y="4943127"/>
-              <a:ext cx="351085" cy="292895"/>
-            </a:xfrm>
-            <a:prstGeom prst="irregularSeal1">
-              <a:avLst/>
-            </a:prstGeom>
-            <a:pattFill prst="pct75">
-              <a:fgClr>
-                <a:schemeClr val="tx2"/>
-              </a:fgClr>
-              <a:bgClr>
-                <a:schemeClr val="bg1"/>
-              </a:bgClr>
-            </a:pattFill>
-            <a:ln>
-              <a:noFill/>
-            </a:ln>
-          </p:spPr>
-          <p:style>
-            <a:lnRef idx="2">
-              <a:schemeClr val="accent1">
-                <a:shade val="50000"/>
-              </a:schemeClr>
-            </a:lnRef>
-            <a:fillRef idx="1">
-              <a:schemeClr val="accent1"/>
-            </a:fillRef>
-            <a:effectRef idx="0">
-              <a:schemeClr val="accent1"/>
-            </a:effectRef>
-            <a:fontRef idx="minor">
-              <a:schemeClr val="lt1"/>
-            </a:fontRef>
-          </p:style>
-          <p:txBody>
-            <a:bodyPr rtlCol="0" anchor="ctr"/>
-            <a:lstStyle/>
-            <a:p>
-              <a:pPr algn="ctr"/>
-              <a:endParaRPr lang="en-US" dirty="0"/>
-            </a:p>
-          </p:txBody>
-        </p:sp>
-        <p:sp>
-          <p:nvSpPr>
-            <p:cNvPr id="88" name="乘号 87">
-              <a:extLst>
-                <a:ext uri="{FF2B5EF4-FFF2-40B4-BE49-F238E27FC236}">
-                  <a16:creationId xmlns:a16="http://schemas.microsoft.com/office/drawing/2014/main" id="{94BECA40-7A4D-434C-8656-091CD4433734}"/>
-                </a:ext>
-              </a:extLst>
-            </p:cNvPr>
-            <p:cNvSpPr/>
-            <p:nvPr/>
-          </p:nvSpPr>
-          <p:spPr>
-            <a:xfrm>
-              <a:off x="7717868" y="5453596"/>
-              <a:ext cx="404673" cy="375785"/>
-            </a:xfrm>
-            <a:prstGeom prst="mathMultiply">
-              <a:avLst/>
-            </a:prstGeom>
-            <a:solidFill>
-              <a:srgbClr val="FF0000"/>
-            </a:solidFill>
-            <a:ln>
-              <a:noFill/>
-            </a:ln>
-          </p:spPr>
-          <p:style>
-            <a:lnRef idx="2">
-              <a:schemeClr val="accent1">
-                <a:shade val="50000"/>
-              </a:schemeClr>
-            </a:lnRef>
-            <a:fillRef idx="1">
-              <a:schemeClr val="accent1"/>
-            </a:fillRef>
-            <a:effectRef idx="0">
-              <a:schemeClr val="accent1"/>
-            </a:effectRef>
-            <a:fontRef idx="minor">
-              <a:schemeClr val="lt1"/>
-            </a:fontRef>
-          </p:style>
-          <p:txBody>
-            <a:bodyPr rtlCol="0" anchor="ctr"/>
-            <a:lstStyle/>
-            <a:p>
-              <a:pPr algn="ctr"/>
-              <a:endParaRPr lang="en-US" dirty="0"/>
-            </a:p>
-          </p:txBody>
-        </p:sp>
-        <p:sp>
-          <p:nvSpPr>
-            <p:cNvPr id="101" name="文本框 100">
-              <a:extLst>
-                <a:ext uri="{FF2B5EF4-FFF2-40B4-BE49-F238E27FC236}">
-                  <a16:creationId xmlns:a16="http://schemas.microsoft.com/office/drawing/2014/main" id="{AC8752AE-39B3-45B1-8C3C-C20AD17D7BFC}"/>
-                </a:ext>
-              </a:extLst>
-            </p:cNvPr>
-            <p:cNvSpPr txBox="1"/>
-            <p:nvPr/>
-          </p:nvSpPr>
-          <p:spPr>
-            <a:xfrm>
-              <a:off x="7529131" y="2667976"/>
-              <a:ext cx="780983" cy="369332"/>
-            </a:xfrm>
-            <a:prstGeom prst="rect">
-              <a:avLst/>
-            </a:prstGeom>
-            <a:noFill/>
-          </p:spPr>
-          <p:txBody>
-            <a:bodyPr wrap="none" rtlCol="0">
-              <a:spAutoFit/>
-            </a:bodyPr>
-            <a:lstStyle/>
-            <a:p>
-              <a:r>
-                <a:rPr lang="en-US" dirty="0"/>
-                <a:t>Victim</a:t>
-              </a:r>
-            </a:p>
-          </p:txBody>
-        </p:sp>
-      </p:grpSp>
-      <p:sp>
-        <p:nvSpPr>
-          <p:cNvPr id="102" name="文本框 101">
-            <a:extLst>
-              <a:ext uri="{FF2B5EF4-FFF2-40B4-BE49-F238E27FC236}">
-                <a16:creationId xmlns:a16="http://schemas.microsoft.com/office/drawing/2014/main" id="{4773BD6B-11B5-4E3B-A246-4C061E7C9D62}"/>
-              </a:ext>
-            </a:extLst>
-          </p:cNvPr>
-          <p:cNvSpPr txBox="1"/>
-          <p:nvPr/>
-        </p:nvSpPr>
-        <p:spPr>
-          <a:xfrm>
-            <a:off x="7480731" y="288488"/>
-            <a:ext cx="960391" cy="369332"/>
-          </a:xfrm>
-          <a:prstGeom prst="rect">
-            <a:avLst/>
-          </a:prstGeom>
-          <a:noFill/>
-        </p:spPr>
-        <p:txBody>
-          <a:bodyPr wrap="none" rtlCol="0">
-            <a:spAutoFit/>
-          </a:bodyPr>
-          <a:lstStyle/>
-          <a:p>
-            <a:r>
-              <a:rPr lang="en-US" dirty="0"/>
-              <a:t>Attacker</a:t>
-            </a:r>
-          </a:p>
-        </p:txBody>
-      </p:sp>
-      <p:cxnSp>
-        <p:nvCxnSpPr>
-          <p:cNvPr id="44" name="直接箭头连接符 43">
-            <a:extLst>
-              <a:ext uri="{FF2B5EF4-FFF2-40B4-BE49-F238E27FC236}">
-                <a16:creationId xmlns:a16="http://schemas.microsoft.com/office/drawing/2014/main" id="{8C897A22-79FE-4124-A1D1-82219654D4F1}"/>
-              </a:ext>
-            </a:extLst>
-          </p:cNvPr>
-          <p:cNvCxnSpPr>
-            <a:cxnSpLocks/>
-            <a:stCxn id="16" idx="3"/>
-          </p:cNvCxnSpPr>
-          <p:nvPr/>
-        </p:nvCxnSpPr>
-        <p:spPr>
-          <a:xfrm>
-            <a:off x="5309181" y="3653419"/>
-            <a:ext cx="1550312" cy="64867"/>
-          </a:xfrm>
-          <a:prstGeom prst="straightConnector1">
-            <a:avLst/>
-          </a:prstGeom>
-          <a:ln w="25400">
-            <a:solidFill>
-              <a:schemeClr val="tx1"/>
-            </a:solidFill>
-            <a:tailEnd type="triangle"/>
-          </a:ln>
-        </p:spPr>
-        <p:style>
-          <a:lnRef idx="1">
-            <a:schemeClr val="accent1"/>
-          </a:lnRef>
-          <a:fillRef idx="0">
-            <a:schemeClr val="accent1"/>
-          </a:fillRef>
-          <a:effectRef idx="0">
-            <a:schemeClr val="accent1"/>
-          </a:effectRef>
-          <a:fontRef idx="minor">
-            <a:schemeClr val="tx1"/>
-          </a:fontRef>
-        </p:style>
-      </p:cxnSp>
-      <p:grpSp>
-        <p:nvGrpSpPr>
-          <p:cNvPr id="52" name="组合 51">
-            <a:extLst>
-              <a:ext uri="{FF2B5EF4-FFF2-40B4-BE49-F238E27FC236}">
-                <a16:creationId xmlns:a16="http://schemas.microsoft.com/office/drawing/2014/main" id="{0D50B680-1CE9-42E5-A0FE-119F35C8120D}"/>
-              </a:ext>
-            </a:extLst>
-          </p:cNvPr>
-          <p:cNvGrpSpPr/>
-          <p:nvPr/>
-        </p:nvGrpSpPr>
-        <p:grpSpPr>
-          <a:xfrm>
-            <a:off x="4856331" y="5576584"/>
-            <a:ext cx="3591611" cy="562825"/>
-            <a:chOff x="4788268" y="5567321"/>
-            <a:chExt cx="3591611" cy="562825"/>
-          </a:xfrm>
-        </p:grpSpPr>
-        <p:sp>
-          <p:nvSpPr>
-            <p:cNvPr id="42" name="矩形 41">
-              <a:extLst>
-                <a:ext uri="{FF2B5EF4-FFF2-40B4-BE49-F238E27FC236}">
-                  <a16:creationId xmlns:a16="http://schemas.microsoft.com/office/drawing/2014/main" id="{B3BD77BE-7420-40F9-AF9A-2A53C888DD67}"/>
-                </a:ext>
-              </a:extLst>
-            </p:cNvPr>
-            <p:cNvSpPr/>
-            <p:nvPr/>
-          </p:nvSpPr>
-          <p:spPr>
-            <a:xfrm>
-              <a:off x="4788268" y="5567321"/>
-              <a:ext cx="3591611" cy="562825"/>
-            </a:xfrm>
-            <a:prstGeom prst="rect">
-              <a:avLst/>
-            </a:prstGeom>
-            <a:noFill/>
-            <a:ln w="25400">
-              <a:solidFill>
-                <a:schemeClr val="accent1">
-                  <a:shade val="50000"/>
-                </a:schemeClr>
-              </a:solidFill>
-            </a:ln>
-          </p:spPr>
-          <p:style>
-            <a:lnRef idx="2">
-              <a:schemeClr val="accent1">
-                <a:shade val="50000"/>
-              </a:schemeClr>
-            </a:lnRef>
-            <a:fillRef idx="1">
-              <a:schemeClr val="accent1"/>
-            </a:fillRef>
-            <a:effectRef idx="0">
-              <a:schemeClr val="accent1"/>
-            </a:effectRef>
-            <a:fontRef idx="minor">
-              <a:schemeClr val="lt1"/>
-            </a:fontRef>
-          </p:style>
-          <p:txBody>
-            <a:bodyPr rtlCol="0" anchor="ctr"/>
-            <a:lstStyle/>
-            <a:p>
-              <a:pPr algn="ctr"/>
-              <a:endParaRPr lang="en-US"/>
-            </a:p>
-          </p:txBody>
-        </p:sp>
-        <p:grpSp>
-          <p:nvGrpSpPr>
-            <p:cNvPr id="49" name="组合 48">
-              <a:extLst>
-                <a:ext uri="{FF2B5EF4-FFF2-40B4-BE49-F238E27FC236}">
-                  <a16:creationId xmlns:a16="http://schemas.microsoft.com/office/drawing/2014/main" id="{0132169B-A318-4156-A62D-4AC8F26FCCC6}"/>
-                </a:ext>
-              </a:extLst>
-            </p:cNvPr>
-            <p:cNvGrpSpPr/>
-            <p:nvPr/>
-          </p:nvGrpSpPr>
-          <p:grpSpPr>
-            <a:xfrm>
-              <a:off x="4996796" y="5663601"/>
-              <a:ext cx="642160" cy="370263"/>
-              <a:chOff x="4996796" y="5663601"/>
-              <a:chExt cx="642160" cy="370263"/>
-            </a:xfrm>
-          </p:grpSpPr>
-          <p:cxnSp>
-            <p:nvCxnSpPr>
-              <p:cNvPr id="70" name="直接连接符 69">
-                <a:extLst>
-                  <a:ext uri="{FF2B5EF4-FFF2-40B4-BE49-F238E27FC236}">
-                    <a16:creationId xmlns:a16="http://schemas.microsoft.com/office/drawing/2014/main" id="{909CC49C-62B0-4178-BC6B-9B04C6A35387}"/>
-                  </a:ext>
-                </a:extLst>
-              </p:cNvPr>
-              <p:cNvCxnSpPr>
-                <a:cxnSpLocks/>
-              </p:cNvCxnSpPr>
-              <p:nvPr/>
-            </p:nvCxnSpPr>
-            <p:spPr>
-              <a:xfrm>
-                <a:off x="4996796" y="5663601"/>
-                <a:ext cx="9259" cy="370263"/>
-              </a:xfrm>
-              <a:prstGeom prst="line">
-                <a:avLst/>
-              </a:prstGeom>
-              <a:ln w="50800" cmpd="dbl">
-                <a:solidFill>
-                  <a:schemeClr val="bg2">
-                    <a:lumMod val="25000"/>
-                  </a:schemeClr>
-                </a:solidFill>
-                <a:prstDash val="sysDot"/>
-                <a:tailEnd type="stealth"/>
-              </a:ln>
-            </p:spPr>
-            <p:style>
-              <a:lnRef idx="1">
-                <a:schemeClr val="accent1"/>
-              </a:lnRef>
-              <a:fillRef idx="0">
-                <a:schemeClr val="accent1"/>
-              </a:fillRef>
-              <a:effectRef idx="0">
-                <a:schemeClr val="accent1"/>
-              </a:effectRef>
-              <a:fontRef idx="minor">
-                <a:schemeClr val="tx1"/>
-              </a:fontRef>
-            </p:style>
-          </p:cxnSp>
-          <p:sp>
-            <p:nvSpPr>
-              <p:cNvPr id="46" name="文本框 45">
-                <a:extLst>
-                  <a:ext uri="{FF2B5EF4-FFF2-40B4-BE49-F238E27FC236}">
-                    <a16:creationId xmlns:a16="http://schemas.microsoft.com/office/drawing/2014/main" id="{C81C26BC-84CB-462E-A2E0-E263C695FEF8}"/>
-                  </a:ext>
-                </a:extLst>
-              </p:cNvPr>
-              <p:cNvSpPr txBox="1"/>
-              <p:nvPr/>
-            </p:nvSpPr>
-            <p:spPr>
-              <a:xfrm>
-                <a:off x="5034195" y="5663601"/>
-                <a:ext cx="604761" cy="369332"/>
-              </a:xfrm>
-              <a:prstGeom prst="rect">
-                <a:avLst/>
-              </a:prstGeom>
-              <a:noFill/>
-            </p:spPr>
-            <p:txBody>
-              <a:bodyPr wrap="square" rtlCol="0">
-                <a:spAutoFit/>
-              </a:bodyPr>
-              <a:lstStyle/>
-              <a:p>
-                <a:r>
-                  <a:rPr lang="en-US" sz="900" dirty="0"/>
-                  <a:t>Victim </a:t>
-                </a:r>
-              </a:p>
-              <a:p>
-                <a:r>
-                  <a:rPr lang="en-US" sz="900" dirty="0"/>
-                  <a:t>Thread</a:t>
-                </a:r>
-                <a:endParaRPr lang="en-US" dirty="0"/>
-              </a:p>
-            </p:txBody>
-          </p:sp>
-        </p:grpSp>
-        <p:cxnSp>
-          <p:nvCxnSpPr>
-            <p:cNvPr id="71" name="直接连接符 70">
-              <a:extLst>
-                <a:ext uri="{FF2B5EF4-FFF2-40B4-BE49-F238E27FC236}">
-                  <a16:creationId xmlns:a16="http://schemas.microsoft.com/office/drawing/2014/main" id="{D372DDEC-D6A6-49A0-A47F-3DB0367E8E7F}"/>
-                </a:ext>
-              </a:extLst>
-            </p:cNvPr>
-            <p:cNvCxnSpPr>
-              <a:cxnSpLocks/>
-            </p:cNvCxnSpPr>
-            <p:nvPr/>
-          </p:nvCxnSpPr>
-          <p:spPr>
-            <a:xfrm>
-              <a:off x="5581351" y="5669246"/>
-              <a:ext cx="0" cy="358042"/>
-            </a:xfrm>
-            <a:prstGeom prst="line">
-              <a:avLst/>
-            </a:prstGeom>
-            <a:ln w="50800" cmpd="dbl">
-              <a:solidFill>
-                <a:srgbClr val="FF0000"/>
-              </a:solidFill>
-              <a:prstDash val="solid"/>
-              <a:headEnd type="none"/>
-              <a:tailEnd type="stealth"/>
-            </a:ln>
-          </p:spPr>
-          <p:style>
-            <a:lnRef idx="1">
-              <a:schemeClr val="accent1"/>
-            </a:lnRef>
-            <a:fillRef idx="0">
-              <a:schemeClr val="accent1"/>
-            </a:fillRef>
-            <a:effectRef idx="0">
-              <a:schemeClr val="accent1"/>
-            </a:effectRef>
-            <a:fontRef idx="minor">
-              <a:schemeClr val="tx1"/>
-            </a:fontRef>
-          </p:style>
-        </p:cxnSp>
-        <p:sp>
-          <p:nvSpPr>
-            <p:cNvPr id="75" name="文本框 74">
-              <a:extLst>
-                <a:ext uri="{FF2B5EF4-FFF2-40B4-BE49-F238E27FC236}">
-                  <a16:creationId xmlns:a16="http://schemas.microsoft.com/office/drawing/2014/main" id="{B9438028-ED3C-41CF-81C6-482154815AAF}"/>
-                </a:ext>
-              </a:extLst>
-            </p:cNvPr>
-            <p:cNvSpPr txBox="1"/>
-            <p:nvPr/>
-          </p:nvSpPr>
-          <p:spPr>
-            <a:xfrm>
-              <a:off x="5609926" y="5666060"/>
-              <a:ext cx="604761" cy="369332"/>
-            </a:xfrm>
-            <a:prstGeom prst="rect">
-              <a:avLst/>
-            </a:prstGeom>
-            <a:noFill/>
-          </p:spPr>
-          <p:txBody>
-            <a:bodyPr wrap="square" rtlCol="0">
-              <a:spAutoFit/>
-            </a:bodyPr>
-            <a:lstStyle/>
-            <a:p>
-              <a:r>
-                <a:rPr lang="en-US" sz="900" dirty="0"/>
-                <a:t>Attacker </a:t>
-              </a:r>
-            </a:p>
-            <a:p>
-              <a:r>
-                <a:rPr lang="en-US" sz="900" dirty="0"/>
-                <a:t>Thread</a:t>
-              </a:r>
-              <a:endParaRPr lang="en-US" dirty="0"/>
-            </a:p>
-          </p:txBody>
-        </p:sp>
-        <p:sp>
-          <p:nvSpPr>
-            <p:cNvPr id="76" name="椭圆 75">
-              <a:extLst>
-                <a:ext uri="{FF2B5EF4-FFF2-40B4-BE49-F238E27FC236}">
-                  <a16:creationId xmlns:a16="http://schemas.microsoft.com/office/drawing/2014/main" id="{B19BF010-A2C6-4BCE-B4F0-7F10FF569839}"/>
-                </a:ext>
-              </a:extLst>
-            </p:cNvPr>
-            <p:cNvSpPr/>
-            <p:nvPr/>
-          </p:nvSpPr>
-          <p:spPr>
-            <a:xfrm>
-              <a:off x="6139691" y="5649806"/>
-              <a:ext cx="188152" cy="174516"/>
-            </a:xfrm>
-            <a:prstGeom prst="ellipse">
-              <a:avLst/>
-            </a:prstGeom>
-            <a:solidFill>
-              <a:schemeClr val="accent4"/>
-            </a:solidFill>
-            <a:ln>
-              <a:noFill/>
-            </a:ln>
-          </p:spPr>
-          <p:style>
-            <a:lnRef idx="2">
-              <a:schemeClr val="accent1">
-                <a:shade val="50000"/>
-              </a:schemeClr>
-            </a:lnRef>
-            <a:fillRef idx="1">
-              <a:schemeClr val="accent1"/>
-            </a:fillRef>
-            <a:effectRef idx="0">
-              <a:schemeClr val="accent1"/>
-            </a:effectRef>
-            <a:fontRef idx="minor">
-              <a:schemeClr val="lt1"/>
-            </a:fontRef>
-          </p:style>
-          <p:txBody>
-            <a:bodyPr rtlCol="0" anchor="ctr"/>
-            <a:lstStyle/>
-            <a:p>
-              <a:pPr algn="ctr"/>
-              <a:endParaRPr lang="en-US"/>
-            </a:p>
-          </p:txBody>
-        </p:sp>
-        <p:sp>
-          <p:nvSpPr>
-            <p:cNvPr id="77" name="文本框 76">
-              <a:extLst>
-                <a:ext uri="{FF2B5EF4-FFF2-40B4-BE49-F238E27FC236}">
-                  <a16:creationId xmlns:a16="http://schemas.microsoft.com/office/drawing/2014/main" id="{033A746A-9449-4028-9645-937D79AB9E1C}"/>
-                </a:ext>
-              </a:extLst>
-            </p:cNvPr>
-            <p:cNvSpPr txBox="1"/>
-            <p:nvPr/>
-          </p:nvSpPr>
-          <p:spPr>
-            <a:xfrm>
-              <a:off x="6327843" y="5665977"/>
-              <a:ext cx="844482" cy="184666"/>
-            </a:xfrm>
-            <a:prstGeom prst="rect">
-              <a:avLst/>
-            </a:prstGeom>
-            <a:noFill/>
-          </p:spPr>
-          <p:txBody>
-            <a:bodyPr wrap="square" rtlCol="0">
-              <a:spAutoFit/>
-            </a:bodyPr>
-            <a:lstStyle/>
-            <a:p>
-              <a:r>
-                <a:rPr lang="en-US" sz="600" dirty="0"/>
-                <a:t>Memory Access</a:t>
-              </a:r>
-              <a:endParaRPr lang="en-US" sz="1200" dirty="0"/>
-            </a:p>
-          </p:txBody>
-        </p:sp>
-        <p:sp>
-          <p:nvSpPr>
-            <p:cNvPr id="80" name="爆炸形: 8 pt  79">
-              <a:extLst>
-                <a:ext uri="{FF2B5EF4-FFF2-40B4-BE49-F238E27FC236}">
-                  <a16:creationId xmlns:a16="http://schemas.microsoft.com/office/drawing/2014/main" id="{80142A63-E9FB-4A1F-9B57-7BA8F84E6C22}"/>
-                </a:ext>
-              </a:extLst>
-            </p:cNvPr>
-            <p:cNvSpPr/>
-            <p:nvPr/>
-          </p:nvSpPr>
-          <p:spPr>
-            <a:xfrm>
-              <a:off x="6126905" y="5869229"/>
-              <a:ext cx="231843" cy="193417"/>
-            </a:xfrm>
-            <a:prstGeom prst="irregularSeal1">
-              <a:avLst/>
-            </a:prstGeom>
-            <a:pattFill prst="pct75">
-              <a:fgClr>
-                <a:schemeClr val="tx2"/>
-              </a:fgClr>
-              <a:bgClr>
-                <a:schemeClr val="bg1"/>
-              </a:bgClr>
-            </a:pattFill>
-            <a:ln>
-              <a:noFill/>
-            </a:ln>
-          </p:spPr>
-          <p:style>
-            <a:lnRef idx="2">
-              <a:schemeClr val="accent1">
-                <a:shade val="50000"/>
-              </a:schemeClr>
-            </a:lnRef>
-            <a:fillRef idx="1">
-              <a:schemeClr val="accent1"/>
-            </a:fillRef>
-            <a:effectRef idx="0">
-              <a:schemeClr val="accent1"/>
-            </a:effectRef>
-            <a:fontRef idx="minor">
-              <a:schemeClr val="lt1"/>
-            </a:fontRef>
-          </p:style>
-          <p:txBody>
-            <a:bodyPr rtlCol="0" anchor="ctr"/>
-            <a:lstStyle/>
-            <a:p>
-              <a:pPr algn="ctr"/>
-              <a:endParaRPr lang="en-US" dirty="0"/>
-            </a:p>
-          </p:txBody>
-        </p:sp>
-        <p:sp>
-          <p:nvSpPr>
-            <p:cNvPr id="84" name="文本框 83">
-              <a:extLst>
-                <a:ext uri="{FF2B5EF4-FFF2-40B4-BE49-F238E27FC236}">
-                  <a16:creationId xmlns:a16="http://schemas.microsoft.com/office/drawing/2014/main" id="{C671D481-C69C-48A5-8D21-6B6A37342656}"/>
-                </a:ext>
-              </a:extLst>
-            </p:cNvPr>
-            <p:cNvSpPr txBox="1"/>
-            <p:nvPr/>
-          </p:nvSpPr>
-          <p:spPr>
-            <a:xfrm>
-              <a:off x="6327843" y="5885218"/>
-              <a:ext cx="844482" cy="184666"/>
-            </a:xfrm>
-            <a:prstGeom prst="rect">
-              <a:avLst/>
-            </a:prstGeom>
-            <a:noFill/>
-          </p:spPr>
-          <p:txBody>
-            <a:bodyPr wrap="square" rtlCol="0">
-              <a:spAutoFit/>
-            </a:bodyPr>
-            <a:lstStyle/>
-            <a:p>
-              <a:r>
-                <a:rPr lang="en-US" sz="600" dirty="0"/>
-                <a:t>Corrupted Flow</a:t>
-              </a:r>
-              <a:endParaRPr lang="en-US" sz="1200" dirty="0"/>
-            </a:p>
-          </p:txBody>
-        </p:sp>
-        <p:sp>
-          <p:nvSpPr>
-            <p:cNvPr id="85" name="流程图: 多文档 84">
-              <a:extLst>
-                <a:ext uri="{FF2B5EF4-FFF2-40B4-BE49-F238E27FC236}">
-                  <a16:creationId xmlns:a16="http://schemas.microsoft.com/office/drawing/2014/main" id="{CB0565A8-31EA-4ECE-83DB-04C7DD9B6008}"/>
-                </a:ext>
-              </a:extLst>
-            </p:cNvPr>
-            <p:cNvSpPr/>
-            <p:nvPr/>
-          </p:nvSpPr>
-          <p:spPr>
-            <a:xfrm>
-              <a:off x="7188174" y="5653646"/>
-              <a:ext cx="185382" cy="161325"/>
-            </a:xfrm>
-            <a:prstGeom prst="flowChartMultidocument">
-              <a:avLst/>
-            </a:prstGeom>
-            <a:solidFill>
-              <a:srgbClr val="FF0000"/>
-            </a:solidFill>
-            <a:ln>
-              <a:solidFill>
-                <a:schemeClr val="tx1"/>
-              </a:solidFill>
-            </a:ln>
-          </p:spPr>
-          <p:style>
-            <a:lnRef idx="2">
-              <a:schemeClr val="accent1">
-                <a:shade val="50000"/>
-              </a:schemeClr>
-            </a:lnRef>
-            <a:fillRef idx="1">
-              <a:schemeClr val="accent1"/>
-            </a:fillRef>
-            <a:effectRef idx="0">
-              <a:schemeClr val="accent1"/>
-            </a:effectRef>
-            <a:fontRef idx="minor">
-              <a:schemeClr val="lt1"/>
-            </a:fontRef>
-          </p:style>
-          <p:txBody>
-            <a:bodyPr rtlCol="0" anchor="ctr"/>
-            <a:lstStyle/>
-            <a:p>
-              <a:pPr algn="ctr"/>
-              <a:endParaRPr lang="en-US"/>
-            </a:p>
-          </p:txBody>
-        </p:sp>
-        <p:sp>
-          <p:nvSpPr>
-            <p:cNvPr id="86" name="文本框 85">
-              <a:extLst>
-                <a:ext uri="{FF2B5EF4-FFF2-40B4-BE49-F238E27FC236}">
-                  <a16:creationId xmlns:a16="http://schemas.microsoft.com/office/drawing/2014/main" id="{09343027-F87A-4FEE-AD64-C457F5D0840E}"/>
-                </a:ext>
-              </a:extLst>
-            </p:cNvPr>
-            <p:cNvSpPr txBox="1"/>
-            <p:nvPr/>
-          </p:nvSpPr>
-          <p:spPr>
-            <a:xfrm>
-              <a:off x="7417276" y="5598564"/>
-              <a:ext cx="844482" cy="276999"/>
-            </a:xfrm>
-            <a:prstGeom prst="rect">
-              <a:avLst/>
-            </a:prstGeom>
-            <a:noFill/>
-          </p:spPr>
-          <p:txBody>
-            <a:bodyPr wrap="square" rtlCol="0">
-              <a:spAutoFit/>
-            </a:bodyPr>
-            <a:lstStyle/>
-            <a:p>
-              <a:r>
-                <a:rPr lang="en-US" sz="600" dirty="0"/>
-                <a:t>D</a:t>
-              </a:r>
-              <a:r>
-                <a:rPr lang="en-US" altLang="zh-CN" sz="600" dirty="0"/>
-                <a:t>angerous Memory Operation Function</a:t>
-              </a:r>
-              <a:endParaRPr lang="en-US" sz="1200" dirty="0"/>
-            </a:p>
-          </p:txBody>
-        </p:sp>
-        <p:sp>
-          <p:nvSpPr>
-            <p:cNvPr id="90" name="乘号 89">
-              <a:extLst>
-                <a:ext uri="{FF2B5EF4-FFF2-40B4-BE49-F238E27FC236}">
-                  <a16:creationId xmlns:a16="http://schemas.microsoft.com/office/drawing/2014/main" id="{B9C961FF-58A4-49B9-A503-314347080FFA}"/>
-                </a:ext>
-              </a:extLst>
-            </p:cNvPr>
-            <p:cNvSpPr/>
-            <p:nvPr/>
-          </p:nvSpPr>
-          <p:spPr>
-            <a:xfrm>
-              <a:off x="7145985" y="5848267"/>
-              <a:ext cx="283073" cy="262866"/>
-            </a:xfrm>
-            <a:prstGeom prst="mathMultiply">
-              <a:avLst/>
-            </a:prstGeom>
-            <a:solidFill>
-              <a:srgbClr val="FF0000"/>
-            </a:solidFill>
-            <a:ln>
-              <a:noFill/>
-            </a:ln>
-          </p:spPr>
-          <p:style>
-            <a:lnRef idx="2">
-              <a:schemeClr val="accent1">
-                <a:shade val="50000"/>
-              </a:schemeClr>
-            </a:lnRef>
-            <a:fillRef idx="1">
-              <a:schemeClr val="accent1"/>
-            </a:fillRef>
-            <a:effectRef idx="0">
-              <a:schemeClr val="accent1"/>
-            </a:effectRef>
-            <a:fontRef idx="minor">
-              <a:schemeClr val="lt1"/>
-            </a:fontRef>
-          </p:style>
-          <p:txBody>
-            <a:bodyPr rtlCol="0" anchor="ctr"/>
-            <a:lstStyle/>
-            <a:p>
-              <a:pPr algn="ctr"/>
-              <a:endParaRPr lang="en-US" dirty="0"/>
-            </a:p>
-          </p:txBody>
-        </p:sp>
-        <p:sp>
-          <p:nvSpPr>
-            <p:cNvPr id="95" name="文本框 94">
-              <a:extLst>
-                <a:ext uri="{FF2B5EF4-FFF2-40B4-BE49-F238E27FC236}">
-                  <a16:creationId xmlns:a16="http://schemas.microsoft.com/office/drawing/2014/main" id="{D4A1D061-C71D-4AAC-BABF-F78C4F0E0D29}"/>
-                </a:ext>
-              </a:extLst>
-            </p:cNvPr>
-            <p:cNvSpPr txBox="1"/>
-            <p:nvPr/>
-          </p:nvSpPr>
-          <p:spPr>
-            <a:xfrm>
-              <a:off x="7421881" y="5862653"/>
-              <a:ext cx="844482" cy="184666"/>
-            </a:xfrm>
-            <a:prstGeom prst="rect">
-              <a:avLst/>
-            </a:prstGeom>
-            <a:noFill/>
-          </p:spPr>
-          <p:txBody>
-            <a:bodyPr wrap="square" rtlCol="0">
-              <a:spAutoFit/>
-            </a:bodyPr>
-            <a:lstStyle/>
-            <a:p>
-              <a:r>
-                <a:rPr lang="en-US" sz="600" dirty="0"/>
-                <a:t>D</a:t>
-              </a:r>
-              <a:r>
-                <a:rPr lang="en-US" altLang="zh-CN" sz="600" dirty="0"/>
-                <a:t>angerous  Function</a:t>
-              </a:r>
-              <a:endParaRPr lang="en-US" sz="1200" dirty="0"/>
-            </a:p>
-          </p:txBody>
-        </p:sp>
-      </p:grpSp>
-      <p:sp>
-        <p:nvSpPr>
-          <p:cNvPr id="122" name="任意多边形: 形状 121">
-            <a:extLst>
-              <a:ext uri="{FF2B5EF4-FFF2-40B4-BE49-F238E27FC236}">
-                <a16:creationId xmlns:a16="http://schemas.microsoft.com/office/drawing/2014/main" id="{4BDA7B01-ECE8-4D02-8654-0A19676EFFCE}"/>
-              </a:ext>
-            </a:extLst>
-          </p:cNvPr>
-          <p:cNvSpPr/>
-          <p:nvPr/>
-        </p:nvSpPr>
-        <p:spPr>
-          <a:xfrm>
-            <a:off x="6103088" y="2307265"/>
-            <a:ext cx="2498652" cy="3200400"/>
-          </a:xfrm>
-          <a:custGeom>
-            <a:avLst/>
-            <a:gdLst>
-              <a:gd name="connsiteX0" fmla="*/ 2498652 w 2498652"/>
-              <a:gd name="connsiteY0" fmla="*/ 0 h 3200400"/>
-              <a:gd name="connsiteX1" fmla="*/ 1531089 w 2498652"/>
-              <a:gd name="connsiteY1" fmla="*/ 0 h 3200400"/>
-              <a:gd name="connsiteX2" fmla="*/ 0 w 2498652"/>
-              <a:gd name="connsiteY2" fmla="*/ 1116419 h 3200400"/>
-              <a:gd name="connsiteX3" fmla="*/ 0 w 2498652"/>
-              <a:gd name="connsiteY3" fmla="*/ 3200400 h 3200400"/>
-              <a:gd name="connsiteX4" fmla="*/ 2434856 w 2498652"/>
-              <a:gd name="connsiteY4" fmla="*/ 3189768 h 3200400"/>
-              <a:gd name="connsiteX5" fmla="*/ 2434856 w 2498652"/>
-              <a:gd name="connsiteY5" fmla="*/ 0 h 3200400"/>
-              <a:gd name="connsiteX6" fmla="*/ 2434856 w 2498652"/>
-              <a:gd name="connsiteY6" fmla="*/ 10633 h 3200400"/>
-              <a:gd name="connsiteX7" fmla="*/ 2498652 w 2498652"/>
-              <a:gd name="connsiteY7" fmla="*/ 0 h 3200400"/>
-            </a:gdLst>
-            <a:ahLst/>
-            <a:cxnLst>
-              <a:cxn ang="0">
-                <a:pos x="connsiteX0" y="connsiteY0"/>
-              </a:cxn>
-              <a:cxn ang="0">
-                <a:pos x="connsiteX1" y="connsiteY1"/>
-              </a:cxn>
-              <a:cxn ang="0">
-                <a:pos x="connsiteX2" y="connsiteY2"/>
-              </a:cxn>
-              <a:cxn ang="0">
-                <a:pos x="connsiteX3" y="connsiteY3"/>
-              </a:cxn>
-              <a:cxn ang="0">
-                <a:pos x="connsiteX4" y="connsiteY4"/>
-              </a:cxn>
-              <a:cxn ang="0">
-                <a:pos x="connsiteX5" y="connsiteY5"/>
-              </a:cxn>
-              <a:cxn ang="0">
-                <a:pos x="connsiteX6" y="connsiteY6"/>
-              </a:cxn>
-              <a:cxn ang="0">
-                <a:pos x="connsiteX7" y="connsiteY7"/>
-              </a:cxn>
-            </a:cxnLst>
-            <a:rect l="l" t="t" r="r" b="b"/>
-            <a:pathLst>
-              <a:path w="2498652" h="3200400">
-                <a:moveTo>
-                  <a:pt x="2498652" y="0"/>
-                </a:moveTo>
-                <a:lnTo>
-                  <a:pt x="1531089" y="0"/>
-                </a:lnTo>
-                <a:lnTo>
-                  <a:pt x="0" y="1116419"/>
-                </a:lnTo>
-                <a:lnTo>
-                  <a:pt x="0" y="3200400"/>
-                </a:lnTo>
-                <a:lnTo>
-                  <a:pt x="2434856" y="3189768"/>
-                </a:lnTo>
-                <a:lnTo>
-                  <a:pt x="2434856" y="0"/>
-                </a:lnTo>
-                <a:lnTo>
-                  <a:pt x="2434856" y="10633"/>
-                </a:lnTo>
-                <a:lnTo>
-                  <a:pt x="2498652" y="0"/>
-                </a:lnTo>
-                <a:close/>
-              </a:path>
-            </a:pathLst>
-          </a:custGeom>
-          <a:solidFill>
-            <a:schemeClr val="accent6">
-              <a:lumMod val="75000"/>
-              <a:alpha val="20000"/>
-            </a:schemeClr>
-          </a:solidFill>
-          <a:ln>
-            <a:noFill/>
-          </a:ln>
-        </p:spPr>
-        <p:style>
-          <a:lnRef idx="2">
-            <a:schemeClr val="accent1">
-              <a:shade val="50000"/>
-            </a:schemeClr>
-          </a:lnRef>
-          <a:fillRef idx="1">
-            <a:schemeClr val="accent1"/>
-          </a:fillRef>
-          <a:effectRef idx="0">
-            <a:schemeClr val="accent1"/>
-          </a:effectRef>
-          <a:fontRef idx="minor">
-            <a:schemeClr val="lt1"/>
-          </a:fontRef>
-        </p:style>
-        <p:txBody>
-          <a:bodyPr rtlCol="0" anchor="ctr"/>
-          <a:lstStyle/>
-          <a:p>
-            <a:pPr algn="ctr"/>
-            <a:endParaRPr lang="en-US"/>
-          </a:p>
-        </p:txBody>
-      </p:sp>
-    </p:spTree>
-    <p:extLst>
-      <p:ext uri="{BB962C8B-B14F-4D97-AF65-F5344CB8AC3E}">
-        <p14:creationId xmlns:p14="http://schemas.microsoft.com/office/powerpoint/2010/main" val="3239943103"/>
-      </p:ext>
-    </p:extLst>
-  </p:cSld>
-  <p:clrMapOvr>
-    <a:masterClrMapping/>
-  </p:clrMapOvr>
-</p:sld>
-</file>
-
 <file path=ppt/theme/theme1.xml><?xml version="1.0" encoding="utf-8"?>
 <a:theme xmlns:a="http://schemas.openxmlformats.org/drawingml/2006/main" name="Office 主题​​">
   <a:themeElements>

--- a/raw_ppt/model.pptx
+++ b/raw_ppt/model.pptx
@@ -4072,10 +4072,7 @@
               </a:prstGeom>
               <a:pattFill prst="wdDnDiag">
                 <a:fgClr>
-                  <a:schemeClr val="tx1">
-                    <a:lumMod val="50000"/>
-                    <a:lumOff val="50000"/>
-                  </a:schemeClr>
+                  <a:schemeClr val="tx1"/>
                 </a:fgClr>
                 <a:bgClr>
                   <a:schemeClr val="bg1"/>

--- a/raw_ppt/model.pptx
+++ b/raw_ppt/model.pptx
@@ -6,9 +6,10 @@
   </p:sldMasterIdLst>
   <p:sldIdLst>
     <p:sldId id="259" r:id="rId2"/>
-    <p:sldId id="256" r:id="rId3"/>
-    <p:sldId id="257" r:id="rId4"/>
-    <p:sldId id="258" r:id="rId5"/>
+    <p:sldId id="260" r:id="rId3"/>
+    <p:sldId id="256" r:id="rId4"/>
+    <p:sldId id="257" r:id="rId5"/>
+    <p:sldId id="258" r:id="rId6"/>
   </p:sldIdLst>
   <p:sldSz cx="12192000" cy="6858000"/>
   <p:notesSz cx="6858000" cy="9144000"/>
@@ -279,7 +280,7 @@
           <a:p>
             <a:fld id="{6A97F5A2-4625-40AA-9E11-5919015A98E5}" type="datetimeFigureOut">
               <a:rPr lang="en-US" smtClean="0"/>
-              <a:t>10/8/2017</a:t>
+              <a:t>10/15/2017</a:t>
             </a:fld>
             <a:endParaRPr lang="en-US"/>
           </a:p>
@@ -479,7 +480,7 @@
           <a:p>
             <a:fld id="{6A97F5A2-4625-40AA-9E11-5919015A98E5}" type="datetimeFigureOut">
               <a:rPr lang="en-US" smtClean="0"/>
-              <a:t>10/8/2017</a:t>
+              <a:t>10/15/2017</a:t>
             </a:fld>
             <a:endParaRPr lang="en-US"/>
           </a:p>
@@ -689,7 +690,7 @@
           <a:p>
             <a:fld id="{6A97F5A2-4625-40AA-9E11-5919015A98E5}" type="datetimeFigureOut">
               <a:rPr lang="en-US" smtClean="0"/>
-              <a:t>10/8/2017</a:t>
+              <a:t>10/15/2017</a:t>
             </a:fld>
             <a:endParaRPr lang="en-US"/>
           </a:p>
@@ -889,7 +890,7 @@
           <a:p>
             <a:fld id="{6A97F5A2-4625-40AA-9E11-5919015A98E5}" type="datetimeFigureOut">
               <a:rPr lang="en-US" smtClean="0"/>
-              <a:t>10/8/2017</a:t>
+              <a:t>10/15/2017</a:t>
             </a:fld>
             <a:endParaRPr lang="en-US"/>
           </a:p>
@@ -1165,7 +1166,7 @@
           <a:p>
             <a:fld id="{6A97F5A2-4625-40AA-9E11-5919015A98E5}" type="datetimeFigureOut">
               <a:rPr lang="en-US" smtClean="0"/>
-              <a:t>10/8/2017</a:t>
+              <a:t>10/15/2017</a:t>
             </a:fld>
             <a:endParaRPr lang="en-US"/>
           </a:p>
@@ -1433,7 +1434,7 @@
           <a:p>
             <a:fld id="{6A97F5A2-4625-40AA-9E11-5919015A98E5}" type="datetimeFigureOut">
               <a:rPr lang="en-US" smtClean="0"/>
-              <a:t>10/8/2017</a:t>
+              <a:t>10/15/2017</a:t>
             </a:fld>
             <a:endParaRPr lang="en-US"/>
           </a:p>
@@ -1848,7 +1849,7 @@
           <a:p>
             <a:fld id="{6A97F5A2-4625-40AA-9E11-5919015A98E5}" type="datetimeFigureOut">
               <a:rPr lang="en-US" smtClean="0"/>
-              <a:t>10/8/2017</a:t>
+              <a:t>10/15/2017</a:t>
             </a:fld>
             <a:endParaRPr lang="en-US"/>
           </a:p>
@@ -1990,7 +1991,7 @@
           <a:p>
             <a:fld id="{6A97F5A2-4625-40AA-9E11-5919015A98E5}" type="datetimeFigureOut">
               <a:rPr lang="en-US" smtClean="0"/>
-              <a:t>10/8/2017</a:t>
+              <a:t>10/15/2017</a:t>
             </a:fld>
             <a:endParaRPr lang="en-US"/>
           </a:p>
@@ -2103,7 +2104,7 @@
           <a:p>
             <a:fld id="{6A97F5A2-4625-40AA-9E11-5919015A98E5}" type="datetimeFigureOut">
               <a:rPr lang="en-US" smtClean="0"/>
-              <a:t>10/8/2017</a:t>
+              <a:t>10/15/2017</a:t>
             </a:fld>
             <a:endParaRPr lang="en-US"/>
           </a:p>
@@ -2416,7 +2417,7 @@
           <a:p>
             <a:fld id="{6A97F5A2-4625-40AA-9E11-5919015A98E5}" type="datetimeFigureOut">
               <a:rPr lang="en-US" smtClean="0"/>
-              <a:t>10/8/2017</a:t>
+              <a:t>10/15/2017</a:t>
             </a:fld>
             <a:endParaRPr lang="en-US"/>
           </a:p>
@@ -2705,7 +2706,7 @@
           <a:p>
             <a:fld id="{6A97F5A2-4625-40AA-9E11-5919015A98E5}" type="datetimeFigureOut">
               <a:rPr lang="en-US" smtClean="0"/>
-              <a:t>10/8/2017</a:t>
+              <a:t>10/15/2017</a:t>
             </a:fld>
             <a:endParaRPr lang="en-US"/>
           </a:p>
@@ -2948,7 +2949,7 @@
           <a:p>
             <a:fld id="{6A97F5A2-4625-40AA-9E11-5919015A98E5}" type="datetimeFigureOut">
               <a:rPr lang="en-US" smtClean="0"/>
-              <a:t>10/8/2017</a:t>
+              <a:t>10/15/2017</a:t>
             </a:fld>
             <a:endParaRPr lang="en-US"/>
           </a:p>
@@ -6439,6 +6440,3076 @@
           <a:chExt cx="0" cy="0"/>
         </a:xfrm>
       </p:grpSpPr>
+      <p:sp>
+        <p:nvSpPr>
+          <p:cNvPr id="122" name="任意多边形: 形状 121">
+            <a:extLst>
+              <a:ext uri="{FF2B5EF4-FFF2-40B4-BE49-F238E27FC236}">
+                <a16:creationId xmlns:a16="http://schemas.microsoft.com/office/drawing/2014/main" id="{4BDA7B01-ECE8-4D02-8654-0A19676EFFCE}"/>
+              </a:ext>
+            </a:extLst>
+          </p:cNvPr>
+          <p:cNvSpPr/>
+          <p:nvPr/>
+        </p:nvSpPr>
+        <p:spPr>
+          <a:xfrm>
+            <a:off x="5611412" y="1887664"/>
+            <a:ext cx="3417331" cy="3155150"/>
+          </a:xfrm>
+          <a:custGeom>
+            <a:avLst/>
+            <a:gdLst>
+              <a:gd name="connsiteX0" fmla="*/ 2498652 w 2498652"/>
+              <a:gd name="connsiteY0" fmla="*/ 0 h 3200400"/>
+              <a:gd name="connsiteX1" fmla="*/ 1531089 w 2498652"/>
+              <a:gd name="connsiteY1" fmla="*/ 0 h 3200400"/>
+              <a:gd name="connsiteX2" fmla="*/ 0 w 2498652"/>
+              <a:gd name="connsiteY2" fmla="*/ 1116419 h 3200400"/>
+              <a:gd name="connsiteX3" fmla="*/ 0 w 2498652"/>
+              <a:gd name="connsiteY3" fmla="*/ 3200400 h 3200400"/>
+              <a:gd name="connsiteX4" fmla="*/ 2434856 w 2498652"/>
+              <a:gd name="connsiteY4" fmla="*/ 3189768 h 3200400"/>
+              <a:gd name="connsiteX5" fmla="*/ 2434856 w 2498652"/>
+              <a:gd name="connsiteY5" fmla="*/ 0 h 3200400"/>
+              <a:gd name="connsiteX6" fmla="*/ 2434856 w 2498652"/>
+              <a:gd name="connsiteY6" fmla="*/ 10633 h 3200400"/>
+              <a:gd name="connsiteX7" fmla="*/ 2498652 w 2498652"/>
+              <a:gd name="connsiteY7" fmla="*/ 0 h 3200400"/>
+            </a:gdLst>
+            <a:ahLst/>
+            <a:cxnLst>
+              <a:cxn ang="0">
+                <a:pos x="connsiteX0" y="connsiteY0"/>
+              </a:cxn>
+              <a:cxn ang="0">
+                <a:pos x="connsiteX1" y="connsiteY1"/>
+              </a:cxn>
+              <a:cxn ang="0">
+                <a:pos x="connsiteX2" y="connsiteY2"/>
+              </a:cxn>
+              <a:cxn ang="0">
+                <a:pos x="connsiteX3" y="connsiteY3"/>
+              </a:cxn>
+              <a:cxn ang="0">
+                <a:pos x="connsiteX4" y="connsiteY4"/>
+              </a:cxn>
+              <a:cxn ang="0">
+                <a:pos x="connsiteX5" y="connsiteY5"/>
+              </a:cxn>
+              <a:cxn ang="0">
+                <a:pos x="connsiteX6" y="connsiteY6"/>
+              </a:cxn>
+              <a:cxn ang="0">
+                <a:pos x="connsiteX7" y="connsiteY7"/>
+              </a:cxn>
+            </a:cxnLst>
+            <a:rect l="l" t="t" r="r" b="b"/>
+            <a:pathLst>
+              <a:path w="2498652" h="3200400">
+                <a:moveTo>
+                  <a:pt x="2498652" y="0"/>
+                </a:moveTo>
+                <a:lnTo>
+                  <a:pt x="1531089" y="0"/>
+                </a:lnTo>
+                <a:lnTo>
+                  <a:pt x="0" y="1116419"/>
+                </a:lnTo>
+                <a:lnTo>
+                  <a:pt x="0" y="3200400"/>
+                </a:lnTo>
+                <a:lnTo>
+                  <a:pt x="2434856" y="3189768"/>
+                </a:lnTo>
+                <a:lnTo>
+                  <a:pt x="2434856" y="0"/>
+                </a:lnTo>
+                <a:lnTo>
+                  <a:pt x="2434856" y="10633"/>
+                </a:lnTo>
+                <a:lnTo>
+                  <a:pt x="2498652" y="0"/>
+                </a:lnTo>
+                <a:close/>
+              </a:path>
+            </a:pathLst>
+          </a:custGeom>
+          <a:solidFill>
+            <a:schemeClr val="accent6">
+              <a:lumMod val="75000"/>
+              <a:alpha val="20000"/>
+            </a:schemeClr>
+          </a:solidFill>
+          <a:ln>
+            <a:noFill/>
+          </a:ln>
+        </p:spPr>
+        <p:style>
+          <a:lnRef idx="2">
+            <a:schemeClr val="accent1">
+              <a:shade val="50000"/>
+            </a:schemeClr>
+          </a:lnRef>
+          <a:fillRef idx="1">
+            <a:schemeClr val="accent1"/>
+          </a:fillRef>
+          <a:effectRef idx="0">
+            <a:schemeClr val="accent1"/>
+          </a:effectRef>
+          <a:fontRef idx="minor">
+            <a:schemeClr val="lt1"/>
+          </a:fontRef>
+        </p:style>
+        <p:txBody>
+          <a:bodyPr rtlCol="0" anchor="ctr"/>
+          <a:lstStyle/>
+          <a:p>
+            <a:pPr algn="ctr"/>
+            <a:endParaRPr lang="en-US" dirty="0"/>
+          </a:p>
+        </p:txBody>
+      </p:sp>
+      <p:cxnSp>
+        <p:nvCxnSpPr>
+          <p:cNvPr id="5" name="直接连接符 4">
+            <a:extLst>
+              <a:ext uri="{FF2B5EF4-FFF2-40B4-BE49-F238E27FC236}">
+                <a16:creationId xmlns:a16="http://schemas.microsoft.com/office/drawing/2014/main" id="{81520D02-37D8-4A51-8B5C-0589BE087133}"/>
+              </a:ext>
+            </a:extLst>
+          </p:cNvPr>
+          <p:cNvCxnSpPr>
+            <a:cxnSpLocks/>
+            <a:stCxn id="100" idx="2"/>
+          </p:cNvCxnSpPr>
+          <p:nvPr/>
+        </p:nvCxnSpPr>
+        <p:spPr>
+          <a:xfrm flipH="1">
+            <a:off x="3521347" y="1221360"/>
+            <a:ext cx="104" cy="1783778"/>
+          </a:xfrm>
+          <a:prstGeom prst="line">
+            <a:avLst/>
+          </a:prstGeom>
+          <a:ln w="50800" cmpd="dbl">
+            <a:solidFill>
+              <a:schemeClr val="tx1"/>
+            </a:solidFill>
+            <a:prstDash val="sysDot"/>
+            <a:tailEnd type="oval"/>
+          </a:ln>
+        </p:spPr>
+        <p:style>
+          <a:lnRef idx="1">
+            <a:schemeClr val="accent1"/>
+          </a:lnRef>
+          <a:fillRef idx="0">
+            <a:schemeClr val="accent1"/>
+          </a:fillRef>
+          <a:effectRef idx="0">
+            <a:schemeClr val="accent1"/>
+          </a:effectRef>
+          <a:fontRef idx="minor">
+            <a:schemeClr val="tx1"/>
+          </a:fontRef>
+        </p:style>
+      </p:cxnSp>
+      <p:cxnSp>
+        <p:nvCxnSpPr>
+          <p:cNvPr id="7" name="直接连接符 6">
+            <a:extLst>
+              <a:ext uri="{FF2B5EF4-FFF2-40B4-BE49-F238E27FC236}">
+                <a16:creationId xmlns:a16="http://schemas.microsoft.com/office/drawing/2014/main" id="{A24DDF2D-7EB1-4DFB-A1E9-2C879C43C8CD}"/>
+              </a:ext>
+            </a:extLst>
+          </p:cNvPr>
+          <p:cNvCxnSpPr>
+            <a:cxnSpLocks/>
+          </p:cNvCxnSpPr>
+          <p:nvPr/>
+        </p:nvCxnSpPr>
+        <p:spPr>
+          <a:xfrm>
+            <a:off x="6255391" y="1251268"/>
+            <a:ext cx="0" cy="1077466"/>
+          </a:xfrm>
+          <a:prstGeom prst="line">
+            <a:avLst/>
+          </a:prstGeom>
+          <a:ln w="50800" cmpd="dbl">
+            <a:solidFill>
+              <a:schemeClr val="tx1"/>
+            </a:solidFill>
+            <a:prstDash val="solid"/>
+            <a:headEnd type="none"/>
+            <a:tailEnd type="stealth"/>
+          </a:ln>
+        </p:spPr>
+        <p:style>
+          <a:lnRef idx="1">
+            <a:schemeClr val="accent1"/>
+          </a:lnRef>
+          <a:fillRef idx="0">
+            <a:schemeClr val="accent1"/>
+          </a:fillRef>
+          <a:effectRef idx="0">
+            <a:schemeClr val="accent1"/>
+          </a:effectRef>
+          <a:fontRef idx="minor">
+            <a:schemeClr val="tx1"/>
+          </a:fontRef>
+        </p:style>
+      </p:cxnSp>
+      <p:cxnSp>
+        <p:nvCxnSpPr>
+          <p:cNvPr id="34" name="直接箭头连接符 33">
+            <a:extLst>
+              <a:ext uri="{FF2B5EF4-FFF2-40B4-BE49-F238E27FC236}">
+                <a16:creationId xmlns:a16="http://schemas.microsoft.com/office/drawing/2014/main" id="{7EC2455B-BA5D-4BF1-B6DD-67088C7AE33B}"/>
+              </a:ext>
+            </a:extLst>
+          </p:cNvPr>
+          <p:cNvCxnSpPr>
+            <a:cxnSpLocks/>
+            <a:stCxn id="2" idx="6"/>
+            <a:endCxn id="53" idx="1"/>
+          </p:cNvCxnSpPr>
+          <p:nvPr/>
+        </p:nvCxnSpPr>
+        <p:spPr>
+          <a:xfrm>
+            <a:off x="3675068" y="1641852"/>
+            <a:ext cx="805252" cy="250813"/>
+          </a:xfrm>
+          <a:prstGeom prst="straightConnector1">
+            <a:avLst/>
+          </a:prstGeom>
+          <a:ln w="25400">
+            <a:solidFill>
+              <a:schemeClr val="tx1"/>
+            </a:solidFill>
+            <a:tailEnd type="triangle"/>
+          </a:ln>
+        </p:spPr>
+        <p:style>
+          <a:lnRef idx="1">
+            <a:schemeClr val="accent1"/>
+          </a:lnRef>
+          <a:fillRef idx="0">
+            <a:schemeClr val="accent1"/>
+          </a:fillRef>
+          <a:effectRef idx="0">
+            <a:schemeClr val="accent1"/>
+          </a:effectRef>
+          <a:fontRef idx="minor">
+            <a:schemeClr val="tx1"/>
+          </a:fontRef>
+        </p:style>
+      </p:cxnSp>
+      <p:cxnSp>
+        <p:nvCxnSpPr>
+          <p:cNvPr id="41" name="直接箭头连接符 40">
+            <a:extLst>
+              <a:ext uri="{FF2B5EF4-FFF2-40B4-BE49-F238E27FC236}">
+                <a16:creationId xmlns:a16="http://schemas.microsoft.com/office/drawing/2014/main" id="{683F44FA-5986-4BCF-835A-A24B028623B8}"/>
+              </a:ext>
+            </a:extLst>
+          </p:cNvPr>
+          <p:cNvCxnSpPr>
+            <a:cxnSpLocks/>
+            <a:stCxn id="37" idx="2"/>
+            <a:endCxn id="53" idx="3"/>
+          </p:cNvCxnSpPr>
+          <p:nvPr/>
+        </p:nvCxnSpPr>
+        <p:spPr>
+          <a:xfrm flipH="1">
+            <a:off x="5335188" y="1878629"/>
+            <a:ext cx="786525" cy="14036"/>
+          </a:xfrm>
+          <a:prstGeom prst="straightConnector1">
+            <a:avLst/>
+          </a:prstGeom>
+          <a:ln w="25400">
+            <a:solidFill>
+              <a:schemeClr val="tx1"/>
+            </a:solidFill>
+            <a:tailEnd type="triangle"/>
+          </a:ln>
+        </p:spPr>
+        <p:style>
+          <a:lnRef idx="1">
+            <a:schemeClr val="accent1"/>
+          </a:lnRef>
+          <a:fillRef idx="0">
+            <a:schemeClr val="accent1"/>
+          </a:fillRef>
+          <a:effectRef idx="0">
+            <a:schemeClr val="accent1"/>
+          </a:effectRef>
+          <a:fontRef idx="minor">
+            <a:schemeClr val="tx1"/>
+          </a:fontRef>
+        </p:style>
+      </p:cxnSp>
+      <p:cxnSp>
+        <p:nvCxnSpPr>
+          <p:cNvPr id="45" name="直接箭头连接符 44">
+            <a:extLst>
+              <a:ext uri="{FF2B5EF4-FFF2-40B4-BE49-F238E27FC236}">
+                <a16:creationId xmlns:a16="http://schemas.microsoft.com/office/drawing/2014/main" id="{30C4CE4E-228C-46C5-B759-637605482125}"/>
+              </a:ext>
+            </a:extLst>
+          </p:cNvPr>
+          <p:cNvCxnSpPr>
+            <a:cxnSpLocks/>
+            <a:endCxn id="36" idx="6"/>
+          </p:cNvCxnSpPr>
+          <p:nvPr/>
+        </p:nvCxnSpPr>
+        <p:spPr>
+          <a:xfrm flipH="1">
+            <a:off x="3662259" y="1902774"/>
+            <a:ext cx="770622" cy="363995"/>
+          </a:xfrm>
+          <a:prstGeom prst="straightConnector1">
+            <a:avLst/>
+          </a:prstGeom>
+          <a:ln w="25400">
+            <a:solidFill>
+              <a:schemeClr val="tx1"/>
+            </a:solidFill>
+            <a:tailEnd type="triangle"/>
+          </a:ln>
+        </p:spPr>
+        <p:style>
+          <a:lnRef idx="1">
+            <a:schemeClr val="accent1"/>
+          </a:lnRef>
+          <a:fillRef idx="0">
+            <a:schemeClr val="accent1"/>
+          </a:fillRef>
+          <a:effectRef idx="0">
+            <a:schemeClr val="accent1"/>
+          </a:effectRef>
+          <a:fontRef idx="minor">
+            <a:schemeClr val="tx1"/>
+          </a:fontRef>
+        </p:style>
+      </p:cxnSp>
+      <p:grpSp>
+        <p:nvGrpSpPr>
+          <p:cNvPr id="99" name="组合 98">
+            <a:extLst>
+              <a:ext uri="{FF2B5EF4-FFF2-40B4-BE49-F238E27FC236}">
+                <a16:creationId xmlns:a16="http://schemas.microsoft.com/office/drawing/2014/main" id="{1BB7EBCC-600E-461E-BDEC-A55020832422}"/>
+              </a:ext>
+            </a:extLst>
+          </p:cNvPr>
+          <p:cNvGrpSpPr/>
+          <p:nvPr/>
+        </p:nvGrpSpPr>
+        <p:grpSpPr>
+          <a:xfrm>
+            <a:off x="4404223" y="1384024"/>
+            <a:ext cx="976101" cy="1826366"/>
+            <a:chOff x="6053242" y="985888"/>
+            <a:chExt cx="976101" cy="1826366"/>
+          </a:xfrm>
+        </p:grpSpPr>
+        <p:grpSp>
+          <p:nvGrpSpPr>
+            <p:cNvPr id="54" name="组合 53">
+              <a:extLst>
+                <a:ext uri="{FF2B5EF4-FFF2-40B4-BE49-F238E27FC236}">
+                  <a16:creationId xmlns:a16="http://schemas.microsoft.com/office/drawing/2014/main" id="{F9EEABF7-36CB-4875-AA06-E2A3AE7C2D9A}"/>
+                </a:ext>
+              </a:extLst>
+            </p:cNvPr>
+            <p:cNvGrpSpPr/>
+            <p:nvPr/>
+          </p:nvGrpSpPr>
+          <p:grpSpPr>
+            <a:xfrm>
+              <a:off x="6100763" y="1369215"/>
+              <a:ext cx="904875" cy="1443039"/>
+              <a:chOff x="6100763" y="1369215"/>
+              <a:chExt cx="904875" cy="1443039"/>
+            </a:xfrm>
+          </p:grpSpPr>
+          <p:grpSp>
+            <p:nvGrpSpPr>
+              <p:cNvPr id="24" name="组合 23">
+                <a:extLst>
+                  <a:ext uri="{FF2B5EF4-FFF2-40B4-BE49-F238E27FC236}">
+                    <a16:creationId xmlns:a16="http://schemas.microsoft.com/office/drawing/2014/main" id="{A6D7FD3E-8AF9-42D7-BFF6-0D1128036F9F}"/>
+                  </a:ext>
+                </a:extLst>
+              </p:cNvPr>
+              <p:cNvGrpSpPr/>
+              <p:nvPr/>
+            </p:nvGrpSpPr>
+            <p:grpSpPr>
+              <a:xfrm>
+                <a:off x="6100763" y="1369215"/>
+                <a:ext cx="904875" cy="1443039"/>
+                <a:chOff x="4271963" y="1500186"/>
+                <a:chExt cx="904875" cy="1443039"/>
+              </a:xfrm>
+            </p:grpSpPr>
+            <p:sp>
+              <p:nvSpPr>
+                <p:cNvPr id="12" name="矩形 11">
+                  <a:extLst>
+                    <a:ext uri="{FF2B5EF4-FFF2-40B4-BE49-F238E27FC236}">
+                      <a16:creationId xmlns:a16="http://schemas.microsoft.com/office/drawing/2014/main" id="{1D3D1053-66E0-46A8-901E-71F5B59A94C8}"/>
+                    </a:ext>
+                  </a:extLst>
+                </p:cNvPr>
+                <p:cNvSpPr/>
+                <p:nvPr/>
+              </p:nvSpPr>
+              <p:spPr>
+                <a:xfrm>
+                  <a:off x="4271963" y="1500186"/>
+                  <a:ext cx="904875" cy="1443039"/>
+                </a:xfrm>
+                <a:prstGeom prst="rect">
+                  <a:avLst/>
+                </a:prstGeom>
+                <a:solidFill>
+                  <a:schemeClr val="bg1"/>
+                </a:solidFill>
+                <a:ln w="31750">
+                  <a:solidFill>
+                    <a:schemeClr val="tx1"/>
+                  </a:solidFill>
+                </a:ln>
+              </p:spPr>
+              <p:style>
+                <a:lnRef idx="2">
+                  <a:schemeClr val="accent1">
+                    <a:shade val="50000"/>
+                  </a:schemeClr>
+                </a:lnRef>
+                <a:fillRef idx="1">
+                  <a:schemeClr val="accent1"/>
+                </a:fillRef>
+                <a:effectRef idx="0">
+                  <a:schemeClr val="accent1"/>
+                </a:effectRef>
+                <a:fontRef idx="minor">
+                  <a:schemeClr val="lt1"/>
+                </a:fontRef>
+              </p:style>
+              <p:txBody>
+                <a:bodyPr rtlCol="0" anchor="ctr"/>
+                <a:lstStyle/>
+                <a:p>
+                  <a:pPr algn="ctr"/>
+                  <a:endParaRPr lang="en-US" dirty="0"/>
+                </a:p>
+              </p:txBody>
+            </p:sp>
+            <p:cxnSp>
+              <p:nvCxnSpPr>
+                <p:cNvPr id="14" name="直接连接符 13">
+                  <a:extLst>
+                    <a:ext uri="{FF2B5EF4-FFF2-40B4-BE49-F238E27FC236}">
+                      <a16:creationId xmlns:a16="http://schemas.microsoft.com/office/drawing/2014/main" id="{F721676B-C878-47FB-8CF9-6A94DC7B374F}"/>
+                    </a:ext>
+                  </a:extLst>
+                </p:cNvPr>
+                <p:cNvCxnSpPr>
+                  <a:cxnSpLocks/>
+                </p:cNvCxnSpPr>
+                <p:nvPr/>
+              </p:nvCxnSpPr>
+              <p:spPr>
+                <a:xfrm>
+                  <a:off x="4271963" y="1752600"/>
+                  <a:ext cx="904875" cy="0"/>
+                </a:xfrm>
+                <a:prstGeom prst="line">
+                  <a:avLst/>
+                </a:prstGeom>
+                <a:ln w="31750">
+                  <a:solidFill>
+                    <a:schemeClr val="tx1"/>
+                  </a:solidFill>
+                </a:ln>
+              </p:spPr>
+              <p:style>
+                <a:lnRef idx="1">
+                  <a:schemeClr val="accent1"/>
+                </a:lnRef>
+                <a:fillRef idx="0">
+                  <a:schemeClr val="accent1"/>
+                </a:fillRef>
+                <a:effectRef idx="0">
+                  <a:schemeClr val="accent1"/>
+                </a:effectRef>
+                <a:fontRef idx="minor">
+                  <a:schemeClr val="tx1"/>
+                </a:fontRef>
+              </p:style>
+            </p:cxnSp>
+            <p:cxnSp>
+              <p:nvCxnSpPr>
+                <p:cNvPr id="20" name="直接连接符 19">
+                  <a:extLst>
+                    <a:ext uri="{FF2B5EF4-FFF2-40B4-BE49-F238E27FC236}">
+                      <a16:creationId xmlns:a16="http://schemas.microsoft.com/office/drawing/2014/main" id="{0A5E68E1-06F1-47A0-91B5-5DBCE0CE1611}"/>
+                    </a:ext>
+                  </a:extLst>
+                </p:cNvPr>
+                <p:cNvCxnSpPr>
+                  <a:cxnSpLocks/>
+                </p:cNvCxnSpPr>
+                <p:nvPr/>
+              </p:nvCxnSpPr>
+              <p:spPr>
+                <a:xfrm>
+                  <a:off x="4271963" y="2000250"/>
+                  <a:ext cx="904875" cy="0"/>
+                </a:xfrm>
+                <a:prstGeom prst="line">
+                  <a:avLst/>
+                </a:prstGeom>
+                <a:ln w="31750">
+                  <a:solidFill>
+                    <a:schemeClr val="tx1"/>
+                  </a:solidFill>
+                </a:ln>
+              </p:spPr>
+              <p:style>
+                <a:lnRef idx="1">
+                  <a:schemeClr val="accent1"/>
+                </a:lnRef>
+                <a:fillRef idx="0">
+                  <a:schemeClr val="accent1"/>
+                </a:fillRef>
+                <a:effectRef idx="0">
+                  <a:schemeClr val="accent1"/>
+                </a:effectRef>
+                <a:fontRef idx="minor">
+                  <a:schemeClr val="tx1"/>
+                </a:fontRef>
+              </p:style>
+            </p:cxnSp>
+            <p:cxnSp>
+              <p:nvCxnSpPr>
+                <p:cNvPr id="21" name="直接连接符 20">
+                  <a:extLst>
+                    <a:ext uri="{FF2B5EF4-FFF2-40B4-BE49-F238E27FC236}">
+                      <a16:creationId xmlns:a16="http://schemas.microsoft.com/office/drawing/2014/main" id="{4EEF32B2-BA27-40DD-8AF0-FEBA01F01D3B}"/>
+                    </a:ext>
+                  </a:extLst>
+                </p:cNvPr>
+                <p:cNvCxnSpPr>
+                  <a:cxnSpLocks/>
+                </p:cNvCxnSpPr>
+                <p:nvPr/>
+              </p:nvCxnSpPr>
+              <p:spPr>
+                <a:xfrm>
+                  <a:off x="4271963" y="2247900"/>
+                  <a:ext cx="904875" cy="0"/>
+                </a:xfrm>
+                <a:prstGeom prst="line">
+                  <a:avLst/>
+                </a:prstGeom>
+                <a:ln w="31750">
+                  <a:solidFill>
+                    <a:schemeClr val="tx1"/>
+                  </a:solidFill>
+                </a:ln>
+              </p:spPr>
+              <p:style>
+                <a:lnRef idx="1">
+                  <a:schemeClr val="accent1"/>
+                </a:lnRef>
+                <a:fillRef idx="0">
+                  <a:schemeClr val="accent1"/>
+                </a:fillRef>
+                <a:effectRef idx="0">
+                  <a:schemeClr val="accent1"/>
+                </a:effectRef>
+                <a:fontRef idx="minor">
+                  <a:schemeClr val="tx1"/>
+                </a:fontRef>
+              </p:style>
+            </p:cxnSp>
+            <p:cxnSp>
+              <p:nvCxnSpPr>
+                <p:cNvPr id="22" name="直接连接符 21">
+                  <a:extLst>
+                    <a:ext uri="{FF2B5EF4-FFF2-40B4-BE49-F238E27FC236}">
+                      <a16:creationId xmlns:a16="http://schemas.microsoft.com/office/drawing/2014/main" id="{24149322-B243-42DE-AD9D-EB68A6507DAC}"/>
+                    </a:ext>
+                  </a:extLst>
+                </p:cNvPr>
+                <p:cNvCxnSpPr>
+                  <a:cxnSpLocks/>
+                </p:cNvCxnSpPr>
+                <p:nvPr/>
+              </p:nvCxnSpPr>
+              <p:spPr>
+                <a:xfrm>
+                  <a:off x="4271963" y="2524125"/>
+                  <a:ext cx="904875" cy="0"/>
+                </a:xfrm>
+                <a:prstGeom prst="line">
+                  <a:avLst/>
+                </a:prstGeom>
+                <a:ln w="31750">
+                  <a:solidFill>
+                    <a:schemeClr val="tx1"/>
+                  </a:solidFill>
+                </a:ln>
+              </p:spPr>
+              <p:style>
+                <a:lnRef idx="1">
+                  <a:schemeClr val="accent1"/>
+                </a:lnRef>
+                <a:fillRef idx="0">
+                  <a:schemeClr val="accent1"/>
+                </a:fillRef>
+                <a:effectRef idx="0">
+                  <a:schemeClr val="accent1"/>
+                </a:effectRef>
+                <a:fontRef idx="minor">
+                  <a:schemeClr val="tx1"/>
+                </a:fontRef>
+              </p:style>
+            </p:cxnSp>
+            <p:sp>
+              <p:nvSpPr>
+                <p:cNvPr id="23" name="文本框 22">
+                  <a:extLst>
+                    <a:ext uri="{FF2B5EF4-FFF2-40B4-BE49-F238E27FC236}">
+                      <a16:creationId xmlns:a16="http://schemas.microsoft.com/office/drawing/2014/main" id="{E9CE8203-383E-4A2B-AA88-9D14F73B75A8}"/>
+                    </a:ext>
+                  </a:extLst>
+                </p:cNvPr>
+                <p:cNvSpPr txBox="1"/>
+                <p:nvPr/>
+              </p:nvSpPr>
+              <p:spPr>
+                <a:xfrm>
+                  <a:off x="4526756" y="2428875"/>
+                  <a:ext cx="395287" cy="461665"/>
+                </a:xfrm>
+                <a:prstGeom prst="rect">
+                  <a:avLst/>
+                </a:prstGeom>
+                <a:noFill/>
+              </p:spPr>
+              <p:txBody>
+                <a:bodyPr wrap="square" rtlCol="0">
+                  <a:spAutoFit/>
+                </a:bodyPr>
+                <a:lstStyle/>
+                <a:p>
+                  <a:r>
+                    <a:rPr lang="en-US" sz="2400" b="1" dirty="0"/>
+                    <a:t>…</a:t>
+                  </a:r>
+                  <a:endParaRPr lang="en-US" b="1" dirty="0"/>
+                </a:p>
+              </p:txBody>
+            </p:sp>
+          </p:grpSp>
+          <p:sp>
+            <p:nvSpPr>
+              <p:cNvPr id="53" name="矩形 52">
+                <a:extLst>
+                  <a:ext uri="{FF2B5EF4-FFF2-40B4-BE49-F238E27FC236}">
+                    <a16:creationId xmlns:a16="http://schemas.microsoft.com/office/drawing/2014/main" id="{30B400AE-DF84-47BB-9ED1-A7EF89A617EF}"/>
+                  </a:ext>
+                </a:extLst>
+              </p:cNvPr>
+              <p:cNvSpPr/>
+              <p:nvPr/>
+            </p:nvSpPr>
+            <p:spPr>
+              <a:xfrm>
+                <a:off x="6129339" y="1404938"/>
+                <a:ext cx="854868" cy="179181"/>
+              </a:xfrm>
+              <a:prstGeom prst="rect">
+                <a:avLst/>
+              </a:prstGeom>
+              <a:pattFill prst="wdDnDiag">
+                <a:fgClr>
+                  <a:schemeClr val="tx1"/>
+                </a:fgClr>
+                <a:bgClr>
+                  <a:schemeClr val="bg1"/>
+                </a:bgClr>
+              </a:pattFill>
+              <a:ln>
+                <a:noFill/>
+              </a:ln>
+            </p:spPr>
+            <p:style>
+              <a:lnRef idx="2">
+                <a:schemeClr val="accent1">
+                  <a:shade val="50000"/>
+                </a:schemeClr>
+              </a:lnRef>
+              <a:fillRef idx="1">
+                <a:schemeClr val="accent1"/>
+              </a:fillRef>
+              <a:effectRef idx="0">
+                <a:schemeClr val="accent1"/>
+              </a:effectRef>
+              <a:fontRef idx="minor">
+                <a:schemeClr val="lt1"/>
+              </a:fontRef>
+            </p:style>
+            <p:txBody>
+              <a:bodyPr rtlCol="0" anchor="ctr"/>
+              <a:lstStyle/>
+              <a:p>
+                <a:pPr algn="ctr"/>
+                <a:endParaRPr lang="en-US" dirty="0"/>
+              </a:p>
+            </p:txBody>
+          </p:sp>
+        </p:grpSp>
+        <p:sp>
+          <p:nvSpPr>
+            <p:cNvPr id="68" name="文本框 67">
+              <a:extLst>
+                <a:ext uri="{FF2B5EF4-FFF2-40B4-BE49-F238E27FC236}">
+                  <a16:creationId xmlns:a16="http://schemas.microsoft.com/office/drawing/2014/main" id="{8B6DC65D-3336-46AA-BD28-29DCD9D43F3C}"/>
+                </a:ext>
+              </a:extLst>
+            </p:cNvPr>
+            <p:cNvSpPr txBox="1"/>
+            <p:nvPr/>
+          </p:nvSpPr>
+          <p:spPr>
+            <a:xfrm>
+              <a:off x="6053242" y="985888"/>
+              <a:ext cx="976101" cy="369332"/>
+            </a:xfrm>
+            <a:prstGeom prst="rect">
+              <a:avLst/>
+            </a:prstGeom>
+            <a:noFill/>
+          </p:spPr>
+          <p:txBody>
+            <a:bodyPr wrap="none" rtlCol="0">
+              <a:spAutoFit/>
+            </a:bodyPr>
+            <a:lstStyle/>
+            <a:p>
+              <a:r>
+                <a:rPr lang="en-US" dirty="0"/>
+                <a:t>memory</a:t>
+              </a:r>
+            </a:p>
+          </p:txBody>
+        </p:sp>
+      </p:grpSp>
+      <p:sp>
+        <p:nvSpPr>
+          <p:cNvPr id="2" name="椭圆 1">
+            <a:extLst>
+              <a:ext uri="{FF2B5EF4-FFF2-40B4-BE49-F238E27FC236}">
+                <a16:creationId xmlns:a16="http://schemas.microsoft.com/office/drawing/2014/main" id="{0EF8B901-97B8-42C9-8F7F-C42D4C6343A2}"/>
+              </a:ext>
+            </a:extLst>
+          </p:cNvPr>
+          <p:cNvSpPr/>
+          <p:nvPr/>
+        </p:nvSpPr>
+        <p:spPr>
+          <a:xfrm>
+            <a:off x="3377021" y="1492828"/>
+            <a:ext cx="298047" cy="298047"/>
+          </a:xfrm>
+          <a:prstGeom prst="ellipse">
+            <a:avLst/>
+          </a:prstGeom>
+          <a:solidFill>
+            <a:schemeClr val="tx2"/>
+          </a:solidFill>
+          <a:ln>
+            <a:noFill/>
+          </a:ln>
+        </p:spPr>
+        <p:style>
+          <a:lnRef idx="2">
+            <a:schemeClr val="accent1">
+              <a:shade val="50000"/>
+            </a:schemeClr>
+          </a:lnRef>
+          <a:fillRef idx="1">
+            <a:schemeClr val="accent1"/>
+          </a:fillRef>
+          <a:effectRef idx="0">
+            <a:schemeClr val="accent1"/>
+          </a:effectRef>
+          <a:fontRef idx="minor">
+            <a:schemeClr val="lt1"/>
+          </a:fontRef>
+        </p:style>
+        <p:txBody>
+          <a:bodyPr rtlCol="0" anchor="ctr"/>
+          <a:lstStyle/>
+          <a:p>
+            <a:pPr algn="ctr"/>
+            <a:endParaRPr lang="en-US"/>
+          </a:p>
+        </p:txBody>
+      </p:sp>
+      <p:sp>
+        <p:nvSpPr>
+          <p:cNvPr id="36" name="椭圆 35">
+            <a:extLst>
+              <a:ext uri="{FF2B5EF4-FFF2-40B4-BE49-F238E27FC236}">
+                <a16:creationId xmlns:a16="http://schemas.microsoft.com/office/drawing/2014/main" id="{3B9C1F68-750E-40F1-9047-BC0C948B47D8}"/>
+              </a:ext>
+            </a:extLst>
+          </p:cNvPr>
+          <p:cNvSpPr/>
+          <p:nvPr/>
+        </p:nvSpPr>
+        <p:spPr>
+          <a:xfrm>
+            <a:off x="3364212" y="2117745"/>
+            <a:ext cx="298047" cy="298047"/>
+          </a:xfrm>
+          <a:prstGeom prst="ellipse">
+            <a:avLst/>
+          </a:prstGeom>
+          <a:solidFill>
+            <a:schemeClr val="tx2"/>
+          </a:solidFill>
+          <a:ln>
+            <a:noFill/>
+          </a:ln>
+        </p:spPr>
+        <p:style>
+          <a:lnRef idx="2">
+            <a:schemeClr val="accent1">
+              <a:shade val="50000"/>
+            </a:schemeClr>
+          </a:lnRef>
+          <a:fillRef idx="1">
+            <a:schemeClr val="accent1"/>
+          </a:fillRef>
+          <a:effectRef idx="0">
+            <a:schemeClr val="accent1"/>
+          </a:effectRef>
+          <a:fontRef idx="minor">
+            <a:schemeClr val="lt1"/>
+          </a:fontRef>
+        </p:style>
+        <p:txBody>
+          <a:bodyPr rtlCol="0" anchor="ctr"/>
+          <a:lstStyle/>
+          <a:p>
+            <a:pPr algn="ctr"/>
+            <a:endParaRPr lang="en-US"/>
+          </a:p>
+        </p:txBody>
+      </p:sp>
+      <p:sp>
+        <p:nvSpPr>
+          <p:cNvPr id="37" name="椭圆 36">
+            <a:extLst>
+              <a:ext uri="{FF2B5EF4-FFF2-40B4-BE49-F238E27FC236}">
+                <a16:creationId xmlns:a16="http://schemas.microsoft.com/office/drawing/2014/main" id="{1930DDA6-F497-4460-9FC2-54560555D911}"/>
+              </a:ext>
+            </a:extLst>
+          </p:cNvPr>
+          <p:cNvSpPr/>
+          <p:nvPr/>
+        </p:nvSpPr>
+        <p:spPr>
+          <a:xfrm>
+            <a:off x="6121713" y="1729605"/>
+            <a:ext cx="298047" cy="298047"/>
+          </a:xfrm>
+          <a:prstGeom prst="ellipse">
+            <a:avLst/>
+          </a:prstGeom>
+          <a:solidFill>
+            <a:schemeClr val="tx2"/>
+          </a:solidFill>
+          <a:ln>
+            <a:noFill/>
+          </a:ln>
+        </p:spPr>
+        <p:style>
+          <a:lnRef idx="2">
+            <a:schemeClr val="accent1">
+              <a:shade val="50000"/>
+            </a:schemeClr>
+          </a:lnRef>
+          <a:fillRef idx="1">
+            <a:schemeClr val="accent1"/>
+          </a:fillRef>
+          <a:effectRef idx="0">
+            <a:schemeClr val="accent1"/>
+          </a:effectRef>
+          <a:fontRef idx="minor">
+            <a:schemeClr val="lt1"/>
+          </a:fontRef>
+        </p:style>
+        <p:txBody>
+          <a:bodyPr rtlCol="0" anchor="ctr"/>
+          <a:lstStyle/>
+          <a:p>
+            <a:pPr algn="ctr"/>
+            <a:endParaRPr lang="en-US"/>
+          </a:p>
+        </p:txBody>
+      </p:sp>
+      <p:sp>
+        <p:nvSpPr>
+          <p:cNvPr id="15" name="乘号 14">
+            <a:extLst>
+              <a:ext uri="{FF2B5EF4-FFF2-40B4-BE49-F238E27FC236}">
+                <a16:creationId xmlns:a16="http://schemas.microsoft.com/office/drawing/2014/main" id="{2B8D22A7-8F70-4A98-BC33-ABDA7143713A}"/>
+              </a:ext>
+            </a:extLst>
+          </p:cNvPr>
+          <p:cNvSpPr/>
+          <p:nvPr/>
+        </p:nvSpPr>
+        <p:spPr>
+          <a:xfrm>
+            <a:off x="2887425" y="3876671"/>
+            <a:ext cx="404673" cy="375785"/>
+          </a:xfrm>
+          <a:prstGeom prst="mathMultiply">
+            <a:avLst/>
+          </a:prstGeom>
+          <a:solidFill>
+            <a:schemeClr val="tx1">
+              <a:lumMod val="50000"/>
+              <a:lumOff val="50000"/>
+            </a:schemeClr>
+          </a:solidFill>
+          <a:ln>
+            <a:noFill/>
+          </a:ln>
+        </p:spPr>
+        <p:style>
+          <a:lnRef idx="2">
+            <a:schemeClr val="accent1">
+              <a:shade val="50000"/>
+            </a:schemeClr>
+          </a:lnRef>
+          <a:fillRef idx="1">
+            <a:schemeClr val="accent1"/>
+          </a:fillRef>
+          <a:effectRef idx="0">
+            <a:schemeClr val="accent1"/>
+          </a:effectRef>
+          <a:fontRef idx="minor">
+            <a:schemeClr val="lt1"/>
+          </a:fontRef>
+        </p:style>
+        <p:txBody>
+          <a:bodyPr rtlCol="0" anchor="ctr"/>
+          <a:lstStyle/>
+          <a:p>
+            <a:pPr algn="ctr"/>
+            <a:endParaRPr lang="en-US" dirty="0"/>
+          </a:p>
+        </p:txBody>
+      </p:sp>
+      <p:sp>
+        <p:nvSpPr>
+          <p:cNvPr id="16" name="流程图: 多文档 15">
+            <a:extLst>
+              <a:ext uri="{FF2B5EF4-FFF2-40B4-BE49-F238E27FC236}">
+                <a16:creationId xmlns:a16="http://schemas.microsoft.com/office/drawing/2014/main" id="{BD8B793E-65C3-41BA-8016-EFB4EC5E0896}"/>
+              </a:ext>
+            </a:extLst>
+          </p:cNvPr>
+          <p:cNvSpPr/>
+          <p:nvPr/>
+        </p:nvSpPr>
+        <p:spPr>
+          <a:xfrm>
+            <a:off x="3904976" y="3256783"/>
+            <a:ext cx="291425" cy="253607"/>
+          </a:xfrm>
+          <a:prstGeom prst="flowChartMultidocument">
+            <a:avLst/>
+          </a:prstGeom>
+          <a:pattFill prst="pct75">
+            <a:fgClr>
+              <a:schemeClr val="tx2"/>
+            </a:fgClr>
+            <a:bgClr>
+              <a:schemeClr val="bg1"/>
+            </a:bgClr>
+          </a:pattFill>
+          <a:ln>
+            <a:solidFill>
+              <a:schemeClr val="tx1"/>
+            </a:solidFill>
+          </a:ln>
+        </p:spPr>
+        <p:style>
+          <a:lnRef idx="2">
+            <a:schemeClr val="accent1">
+              <a:shade val="50000"/>
+            </a:schemeClr>
+          </a:lnRef>
+          <a:fillRef idx="1">
+            <a:schemeClr val="accent1"/>
+          </a:fillRef>
+          <a:effectRef idx="0">
+            <a:schemeClr val="accent1"/>
+          </a:effectRef>
+          <a:fontRef idx="minor">
+            <a:schemeClr val="lt1"/>
+          </a:fontRef>
+        </p:style>
+        <p:txBody>
+          <a:bodyPr rtlCol="0" anchor="ctr"/>
+          <a:lstStyle/>
+          <a:p>
+            <a:pPr algn="ctr"/>
+            <a:endParaRPr lang="en-US"/>
+          </a:p>
+        </p:txBody>
+      </p:sp>
+      <p:sp>
+        <p:nvSpPr>
+          <p:cNvPr id="58" name="爆炸形: 8 pt  57">
+            <a:extLst>
+              <a:ext uri="{FF2B5EF4-FFF2-40B4-BE49-F238E27FC236}">
+                <a16:creationId xmlns:a16="http://schemas.microsoft.com/office/drawing/2014/main" id="{24AC57A3-9BB2-49CC-8450-9008882C9918}"/>
+              </a:ext>
+            </a:extLst>
+          </p:cNvPr>
+          <p:cNvSpPr/>
+          <p:nvPr/>
+        </p:nvSpPr>
+        <p:spPr>
+          <a:xfrm>
+            <a:off x="2869523" y="3256783"/>
+            <a:ext cx="351085" cy="292895"/>
+          </a:xfrm>
+          <a:prstGeom prst="irregularSeal1">
+            <a:avLst/>
+          </a:prstGeom>
+          <a:pattFill prst="pct75">
+            <a:fgClr>
+              <a:schemeClr val="tx2"/>
+            </a:fgClr>
+            <a:bgClr>
+              <a:schemeClr val="bg1"/>
+            </a:bgClr>
+          </a:pattFill>
+          <a:ln>
+            <a:solidFill>
+              <a:schemeClr val="tx1"/>
+            </a:solidFill>
+          </a:ln>
+        </p:spPr>
+        <p:style>
+          <a:lnRef idx="2">
+            <a:schemeClr val="accent1">
+              <a:shade val="50000"/>
+            </a:schemeClr>
+          </a:lnRef>
+          <a:fillRef idx="1">
+            <a:schemeClr val="accent1"/>
+          </a:fillRef>
+          <a:effectRef idx="0">
+            <a:schemeClr val="accent1"/>
+          </a:effectRef>
+          <a:fontRef idx="minor">
+            <a:schemeClr val="lt1"/>
+          </a:fontRef>
+        </p:style>
+        <p:txBody>
+          <a:bodyPr rtlCol="0" anchor="ctr"/>
+          <a:lstStyle/>
+          <a:p>
+            <a:pPr algn="ctr"/>
+            <a:endParaRPr lang="en-US"/>
+          </a:p>
+        </p:txBody>
+      </p:sp>
+      <p:cxnSp>
+        <p:nvCxnSpPr>
+          <p:cNvPr id="60" name="直接连接符 59">
+            <a:extLst>
+              <a:ext uri="{FF2B5EF4-FFF2-40B4-BE49-F238E27FC236}">
+                <a16:creationId xmlns:a16="http://schemas.microsoft.com/office/drawing/2014/main" id="{B26F5A2D-FF61-45DE-8E3F-F863C28957F0}"/>
+              </a:ext>
+            </a:extLst>
+          </p:cNvPr>
+          <p:cNvCxnSpPr>
+            <a:cxnSpLocks/>
+          </p:cNvCxnSpPr>
+          <p:nvPr/>
+        </p:nvCxnSpPr>
+        <p:spPr>
+          <a:xfrm>
+            <a:off x="3080503" y="3588430"/>
+            <a:ext cx="9259" cy="370263"/>
+          </a:xfrm>
+          <a:prstGeom prst="line">
+            <a:avLst/>
+          </a:prstGeom>
+          <a:ln w="50800" cmpd="dbl">
+            <a:solidFill>
+              <a:schemeClr val="bg2">
+                <a:lumMod val="25000"/>
+              </a:schemeClr>
+            </a:solidFill>
+            <a:prstDash val="sysDot"/>
+            <a:tailEnd type="stealth"/>
+          </a:ln>
+        </p:spPr>
+        <p:style>
+          <a:lnRef idx="1">
+            <a:schemeClr val="accent1"/>
+          </a:lnRef>
+          <a:fillRef idx="0">
+            <a:schemeClr val="accent1"/>
+          </a:fillRef>
+          <a:effectRef idx="0">
+            <a:schemeClr val="accent1"/>
+          </a:effectRef>
+          <a:fontRef idx="minor">
+            <a:schemeClr val="tx1"/>
+          </a:fontRef>
+        </p:style>
+      </p:cxnSp>
+      <p:cxnSp>
+        <p:nvCxnSpPr>
+          <p:cNvPr id="78" name="直接箭头连接符 77">
+            <a:extLst>
+              <a:ext uri="{FF2B5EF4-FFF2-40B4-BE49-F238E27FC236}">
+                <a16:creationId xmlns:a16="http://schemas.microsoft.com/office/drawing/2014/main" id="{45571CD2-795F-4A58-B5A6-0BB17EBE5573}"/>
+              </a:ext>
+            </a:extLst>
+          </p:cNvPr>
+          <p:cNvCxnSpPr>
+            <a:cxnSpLocks/>
+            <a:endCxn id="82" idx="2"/>
+          </p:cNvCxnSpPr>
+          <p:nvPr/>
+        </p:nvCxnSpPr>
+        <p:spPr>
+          <a:xfrm>
+            <a:off x="7025544" y="3824024"/>
+            <a:ext cx="1094761" cy="6108"/>
+          </a:xfrm>
+          <a:prstGeom prst="straightConnector1">
+            <a:avLst/>
+          </a:prstGeom>
+          <a:ln w="25400">
+            <a:solidFill>
+              <a:schemeClr val="tx1"/>
+            </a:solidFill>
+            <a:tailEnd type="triangle"/>
+          </a:ln>
+        </p:spPr>
+        <p:style>
+          <a:lnRef idx="1">
+            <a:schemeClr val="accent1"/>
+          </a:lnRef>
+          <a:fillRef idx="0">
+            <a:schemeClr val="accent1"/>
+          </a:fillRef>
+          <a:effectRef idx="0">
+            <a:schemeClr val="accent1"/>
+          </a:effectRef>
+          <a:fontRef idx="minor">
+            <a:schemeClr val="tx1"/>
+          </a:fontRef>
+        </p:style>
+      </p:cxnSp>
+      <p:cxnSp>
+        <p:nvCxnSpPr>
+          <p:cNvPr id="83" name="直接箭头连接符 82">
+            <a:extLst>
+              <a:ext uri="{FF2B5EF4-FFF2-40B4-BE49-F238E27FC236}">
+                <a16:creationId xmlns:a16="http://schemas.microsoft.com/office/drawing/2014/main" id="{C15DF3A5-D42C-48EF-8007-9F850CDFAED3}"/>
+              </a:ext>
+            </a:extLst>
+          </p:cNvPr>
+          <p:cNvCxnSpPr>
+            <a:cxnSpLocks/>
+            <a:stCxn id="62" idx="2"/>
+            <a:endCxn id="94" idx="3"/>
+          </p:cNvCxnSpPr>
+          <p:nvPr/>
+        </p:nvCxnSpPr>
+        <p:spPr>
+          <a:xfrm flipH="1">
+            <a:off x="6923527" y="2662083"/>
+            <a:ext cx="1190755" cy="1214589"/>
+          </a:xfrm>
+          <a:prstGeom prst="straightConnector1">
+            <a:avLst/>
+          </a:prstGeom>
+          <a:ln w="25400">
+            <a:solidFill>
+              <a:schemeClr val="tx1"/>
+            </a:solidFill>
+            <a:tailEnd type="triangle"/>
+          </a:ln>
+        </p:spPr>
+        <p:style>
+          <a:lnRef idx="1">
+            <a:schemeClr val="accent1"/>
+          </a:lnRef>
+          <a:fillRef idx="0">
+            <a:schemeClr val="accent1"/>
+          </a:fillRef>
+          <a:effectRef idx="0">
+            <a:schemeClr val="accent1"/>
+          </a:effectRef>
+          <a:fontRef idx="minor">
+            <a:schemeClr val="tx1"/>
+          </a:fontRef>
+        </p:style>
+      </p:cxnSp>
+      <p:grpSp>
+        <p:nvGrpSpPr>
+          <p:cNvPr id="98" name="组合 97">
+            <a:extLst>
+              <a:ext uri="{FF2B5EF4-FFF2-40B4-BE49-F238E27FC236}">
+                <a16:creationId xmlns:a16="http://schemas.microsoft.com/office/drawing/2014/main" id="{ABC4083C-E2E0-44A7-80F5-A376C9EE1FD1}"/>
+              </a:ext>
+            </a:extLst>
+          </p:cNvPr>
+          <p:cNvGrpSpPr/>
+          <p:nvPr/>
+        </p:nvGrpSpPr>
+        <p:grpSpPr>
+          <a:xfrm>
+            <a:off x="6000909" y="2585614"/>
+            <a:ext cx="976101" cy="1784795"/>
+            <a:chOff x="3289074" y="2976611"/>
+            <a:chExt cx="976101" cy="1784795"/>
+          </a:xfrm>
+        </p:grpSpPr>
+        <p:grpSp>
+          <p:nvGrpSpPr>
+            <p:cNvPr id="25" name="组合 24">
+              <a:extLst>
+                <a:ext uri="{FF2B5EF4-FFF2-40B4-BE49-F238E27FC236}">
+                  <a16:creationId xmlns:a16="http://schemas.microsoft.com/office/drawing/2014/main" id="{A5111B41-FAC8-4F00-AD2F-5CA9DF128FAE}"/>
+                </a:ext>
+              </a:extLst>
+            </p:cNvPr>
+            <p:cNvGrpSpPr/>
+            <p:nvPr/>
+          </p:nvGrpSpPr>
+          <p:grpSpPr>
+            <a:xfrm>
+              <a:off x="3324689" y="3318367"/>
+              <a:ext cx="904875" cy="1443039"/>
+              <a:chOff x="4271963" y="1500186"/>
+              <a:chExt cx="904875" cy="1443039"/>
+            </a:xfrm>
+          </p:grpSpPr>
+          <p:sp>
+            <p:nvSpPr>
+              <p:cNvPr id="26" name="矩形 25">
+                <a:extLst>
+                  <a:ext uri="{FF2B5EF4-FFF2-40B4-BE49-F238E27FC236}">
+                    <a16:creationId xmlns:a16="http://schemas.microsoft.com/office/drawing/2014/main" id="{5A026884-AB90-4EE4-8CE0-D3522F8A1CE3}"/>
+                  </a:ext>
+                </a:extLst>
+              </p:cNvPr>
+              <p:cNvSpPr/>
+              <p:nvPr/>
+            </p:nvSpPr>
+            <p:spPr>
+              <a:xfrm>
+                <a:off x="4271963" y="1500186"/>
+                <a:ext cx="904875" cy="1443039"/>
+              </a:xfrm>
+              <a:prstGeom prst="rect">
+                <a:avLst/>
+              </a:prstGeom>
+              <a:solidFill>
+                <a:schemeClr val="bg1"/>
+              </a:solidFill>
+              <a:ln w="31750">
+                <a:solidFill>
+                  <a:schemeClr val="tx1"/>
+                </a:solidFill>
+              </a:ln>
+            </p:spPr>
+            <p:style>
+              <a:lnRef idx="2">
+                <a:schemeClr val="accent1">
+                  <a:shade val="50000"/>
+                </a:schemeClr>
+              </a:lnRef>
+              <a:fillRef idx="1">
+                <a:schemeClr val="accent1"/>
+              </a:fillRef>
+              <a:effectRef idx="0">
+                <a:schemeClr val="accent1"/>
+              </a:effectRef>
+              <a:fontRef idx="minor">
+                <a:schemeClr val="lt1"/>
+              </a:fontRef>
+            </p:style>
+            <p:txBody>
+              <a:bodyPr rtlCol="0" anchor="ctr"/>
+              <a:lstStyle/>
+              <a:p>
+                <a:pPr algn="ctr"/>
+                <a:endParaRPr lang="en-US" dirty="0"/>
+              </a:p>
+            </p:txBody>
+          </p:sp>
+          <p:cxnSp>
+            <p:nvCxnSpPr>
+              <p:cNvPr id="27" name="直接连接符 26">
+                <a:extLst>
+                  <a:ext uri="{FF2B5EF4-FFF2-40B4-BE49-F238E27FC236}">
+                    <a16:creationId xmlns:a16="http://schemas.microsoft.com/office/drawing/2014/main" id="{61FF08E5-E6B1-4886-AF8A-A9062CD815FD}"/>
+                  </a:ext>
+                </a:extLst>
+              </p:cNvPr>
+              <p:cNvCxnSpPr>
+                <a:cxnSpLocks/>
+              </p:cNvCxnSpPr>
+              <p:nvPr/>
+            </p:nvCxnSpPr>
+            <p:spPr>
+              <a:xfrm>
+                <a:off x="4271963" y="1752600"/>
+                <a:ext cx="904875" cy="0"/>
+              </a:xfrm>
+              <a:prstGeom prst="line">
+                <a:avLst/>
+              </a:prstGeom>
+              <a:ln w="31750">
+                <a:solidFill>
+                  <a:schemeClr val="tx1"/>
+                </a:solidFill>
+              </a:ln>
+            </p:spPr>
+            <p:style>
+              <a:lnRef idx="1">
+                <a:schemeClr val="accent1"/>
+              </a:lnRef>
+              <a:fillRef idx="0">
+                <a:schemeClr val="accent1"/>
+              </a:fillRef>
+              <a:effectRef idx="0">
+                <a:schemeClr val="accent1"/>
+              </a:effectRef>
+              <a:fontRef idx="minor">
+                <a:schemeClr val="tx1"/>
+              </a:fontRef>
+            </p:style>
+          </p:cxnSp>
+          <p:cxnSp>
+            <p:nvCxnSpPr>
+              <p:cNvPr id="28" name="直接连接符 27">
+                <a:extLst>
+                  <a:ext uri="{FF2B5EF4-FFF2-40B4-BE49-F238E27FC236}">
+                    <a16:creationId xmlns:a16="http://schemas.microsoft.com/office/drawing/2014/main" id="{C9ACC8CE-63F6-4DE3-9DDA-13C2D22C111B}"/>
+                  </a:ext>
+                </a:extLst>
+              </p:cNvPr>
+              <p:cNvCxnSpPr>
+                <a:cxnSpLocks/>
+              </p:cNvCxnSpPr>
+              <p:nvPr/>
+            </p:nvCxnSpPr>
+            <p:spPr>
+              <a:xfrm>
+                <a:off x="4271963" y="2000250"/>
+                <a:ext cx="904875" cy="0"/>
+              </a:xfrm>
+              <a:prstGeom prst="line">
+                <a:avLst/>
+              </a:prstGeom>
+              <a:ln w="31750">
+                <a:solidFill>
+                  <a:schemeClr val="tx1"/>
+                </a:solidFill>
+              </a:ln>
+            </p:spPr>
+            <p:style>
+              <a:lnRef idx="1">
+                <a:schemeClr val="accent1"/>
+              </a:lnRef>
+              <a:fillRef idx="0">
+                <a:schemeClr val="accent1"/>
+              </a:fillRef>
+              <a:effectRef idx="0">
+                <a:schemeClr val="accent1"/>
+              </a:effectRef>
+              <a:fontRef idx="minor">
+                <a:schemeClr val="tx1"/>
+              </a:fontRef>
+            </p:style>
+          </p:cxnSp>
+          <p:cxnSp>
+            <p:nvCxnSpPr>
+              <p:cNvPr id="29" name="直接连接符 28">
+                <a:extLst>
+                  <a:ext uri="{FF2B5EF4-FFF2-40B4-BE49-F238E27FC236}">
+                    <a16:creationId xmlns:a16="http://schemas.microsoft.com/office/drawing/2014/main" id="{ACD5B53C-3846-4432-92C8-9485699C4262}"/>
+                  </a:ext>
+                </a:extLst>
+              </p:cNvPr>
+              <p:cNvCxnSpPr>
+                <a:cxnSpLocks/>
+              </p:cNvCxnSpPr>
+              <p:nvPr/>
+            </p:nvCxnSpPr>
+            <p:spPr>
+              <a:xfrm>
+                <a:off x="4271963" y="2247900"/>
+                <a:ext cx="904875" cy="0"/>
+              </a:xfrm>
+              <a:prstGeom prst="line">
+                <a:avLst/>
+              </a:prstGeom>
+              <a:ln w="31750">
+                <a:solidFill>
+                  <a:schemeClr val="tx1"/>
+                </a:solidFill>
+              </a:ln>
+            </p:spPr>
+            <p:style>
+              <a:lnRef idx="1">
+                <a:schemeClr val="accent1"/>
+              </a:lnRef>
+              <a:fillRef idx="0">
+                <a:schemeClr val="accent1"/>
+              </a:fillRef>
+              <a:effectRef idx="0">
+                <a:schemeClr val="accent1"/>
+              </a:effectRef>
+              <a:fontRef idx="minor">
+                <a:schemeClr val="tx1"/>
+              </a:fontRef>
+            </p:style>
+          </p:cxnSp>
+          <p:cxnSp>
+            <p:nvCxnSpPr>
+              <p:cNvPr id="30" name="直接连接符 29">
+                <a:extLst>
+                  <a:ext uri="{FF2B5EF4-FFF2-40B4-BE49-F238E27FC236}">
+                    <a16:creationId xmlns:a16="http://schemas.microsoft.com/office/drawing/2014/main" id="{0582DFF1-11B8-4420-B23A-4A6B33937EA1}"/>
+                  </a:ext>
+                </a:extLst>
+              </p:cNvPr>
+              <p:cNvCxnSpPr>
+                <a:cxnSpLocks/>
+              </p:cNvCxnSpPr>
+              <p:nvPr/>
+            </p:nvCxnSpPr>
+            <p:spPr>
+              <a:xfrm>
+                <a:off x="4271963" y="2524125"/>
+                <a:ext cx="904875" cy="0"/>
+              </a:xfrm>
+              <a:prstGeom prst="line">
+                <a:avLst/>
+              </a:prstGeom>
+              <a:ln w="31750">
+                <a:solidFill>
+                  <a:schemeClr val="tx1"/>
+                </a:solidFill>
+              </a:ln>
+            </p:spPr>
+            <p:style>
+              <a:lnRef idx="1">
+                <a:schemeClr val="accent1"/>
+              </a:lnRef>
+              <a:fillRef idx="0">
+                <a:schemeClr val="accent1"/>
+              </a:fillRef>
+              <a:effectRef idx="0">
+                <a:schemeClr val="accent1"/>
+              </a:effectRef>
+              <a:fontRef idx="minor">
+                <a:schemeClr val="tx1"/>
+              </a:fontRef>
+            </p:style>
+          </p:cxnSp>
+          <p:sp>
+            <p:nvSpPr>
+              <p:cNvPr id="31" name="文本框 30">
+                <a:extLst>
+                  <a:ext uri="{FF2B5EF4-FFF2-40B4-BE49-F238E27FC236}">
+                    <a16:creationId xmlns:a16="http://schemas.microsoft.com/office/drawing/2014/main" id="{F1198496-8EEC-4D54-82DE-0D7B6855EF82}"/>
+                  </a:ext>
+                </a:extLst>
+              </p:cNvPr>
+              <p:cNvSpPr txBox="1"/>
+              <p:nvPr/>
+            </p:nvSpPr>
+            <p:spPr>
+              <a:xfrm>
+                <a:off x="4526756" y="2428875"/>
+                <a:ext cx="395287" cy="461665"/>
+              </a:xfrm>
+              <a:prstGeom prst="rect">
+                <a:avLst/>
+              </a:prstGeom>
+              <a:noFill/>
+            </p:spPr>
+            <p:txBody>
+              <a:bodyPr wrap="square" rtlCol="0">
+                <a:spAutoFit/>
+              </a:bodyPr>
+              <a:lstStyle/>
+              <a:p>
+                <a:r>
+                  <a:rPr lang="en-US" sz="2400" b="1" dirty="0"/>
+                  <a:t>…</a:t>
+                </a:r>
+                <a:endParaRPr lang="en-US" b="1" dirty="0"/>
+              </a:p>
+            </p:txBody>
+          </p:sp>
+        </p:grpSp>
+        <p:sp>
+          <p:nvSpPr>
+            <p:cNvPr id="69" name="文本框 68">
+              <a:extLst>
+                <a:ext uri="{FF2B5EF4-FFF2-40B4-BE49-F238E27FC236}">
+                  <a16:creationId xmlns:a16="http://schemas.microsoft.com/office/drawing/2014/main" id="{D3245029-1EF7-4E38-8949-421EB0420DE1}"/>
+                </a:ext>
+              </a:extLst>
+            </p:cNvPr>
+            <p:cNvSpPr txBox="1"/>
+            <p:nvPr/>
+          </p:nvSpPr>
+          <p:spPr>
+            <a:xfrm>
+              <a:off x="3289074" y="2976611"/>
+              <a:ext cx="976101" cy="369332"/>
+            </a:xfrm>
+            <a:prstGeom prst="rect">
+              <a:avLst/>
+            </a:prstGeom>
+            <a:noFill/>
+          </p:spPr>
+          <p:txBody>
+            <a:bodyPr wrap="none" rtlCol="0">
+              <a:spAutoFit/>
+            </a:bodyPr>
+            <a:lstStyle/>
+            <a:p>
+              <a:r>
+                <a:rPr lang="en-US" dirty="0"/>
+                <a:t>memory</a:t>
+              </a:r>
+            </a:p>
+          </p:txBody>
+        </p:sp>
+        <p:cxnSp>
+          <p:nvCxnSpPr>
+            <p:cNvPr id="56" name="连接符: 曲线 55">
+              <a:extLst>
+                <a:ext uri="{FF2B5EF4-FFF2-40B4-BE49-F238E27FC236}">
+                  <a16:creationId xmlns:a16="http://schemas.microsoft.com/office/drawing/2014/main" id="{E3BF092F-944F-4EC5-86E8-5E0DAC173C1A}"/>
+                </a:ext>
+              </a:extLst>
+            </p:cNvPr>
+            <p:cNvCxnSpPr>
+              <a:cxnSpLocks/>
+            </p:cNvCxnSpPr>
+            <p:nvPr/>
+          </p:nvCxnSpPr>
+          <p:spPr>
+            <a:xfrm rot="5400000">
+              <a:off x="3569292" y="3664659"/>
+              <a:ext cx="355267" cy="196827"/>
+            </a:xfrm>
+            <a:prstGeom prst="curvedConnector3">
+              <a:avLst/>
+            </a:prstGeom>
+            <a:ln w="25400">
+              <a:solidFill>
+                <a:schemeClr val="tx1"/>
+              </a:solidFill>
+              <a:tailEnd type="triangle"/>
+            </a:ln>
+          </p:spPr>
+          <p:style>
+            <a:lnRef idx="1">
+              <a:schemeClr val="accent1"/>
+            </a:lnRef>
+            <a:fillRef idx="0">
+              <a:schemeClr val="accent1"/>
+            </a:fillRef>
+            <a:effectRef idx="0">
+              <a:schemeClr val="accent1"/>
+            </a:effectRef>
+            <a:fontRef idx="minor">
+              <a:schemeClr val="tx1"/>
+            </a:fontRef>
+          </p:style>
+        </p:cxnSp>
+        <p:cxnSp>
+          <p:nvCxnSpPr>
+            <p:cNvPr id="66" name="直接连接符 65">
+              <a:extLst>
+                <a:ext uri="{FF2B5EF4-FFF2-40B4-BE49-F238E27FC236}">
+                  <a16:creationId xmlns:a16="http://schemas.microsoft.com/office/drawing/2014/main" id="{627D9182-A99E-4440-BD5C-CEF34653D4A0}"/>
+                </a:ext>
+              </a:extLst>
+            </p:cNvPr>
+            <p:cNvCxnSpPr>
+              <a:cxnSpLocks/>
+            </p:cNvCxnSpPr>
+            <p:nvPr/>
+          </p:nvCxnSpPr>
+          <p:spPr>
+            <a:xfrm>
+              <a:off x="3324689" y="4058937"/>
+              <a:ext cx="904875" cy="0"/>
+            </a:xfrm>
+            <a:prstGeom prst="line">
+              <a:avLst/>
+            </a:prstGeom>
+            <a:ln w="25400">
+              <a:solidFill>
+                <a:schemeClr val="tx1"/>
+              </a:solidFill>
+            </a:ln>
+          </p:spPr>
+          <p:style>
+            <a:lnRef idx="1">
+              <a:schemeClr val="accent1"/>
+            </a:lnRef>
+            <a:fillRef idx="0">
+              <a:schemeClr val="accent1"/>
+            </a:fillRef>
+            <a:effectRef idx="0">
+              <a:schemeClr val="accent1"/>
+            </a:effectRef>
+            <a:fontRef idx="minor">
+              <a:schemeClr val="tx1"/>
+            </a:fontRef>
+          </p:style>
+        </p:cxnSp>
+        <p:sp>
+          <p:nvSpPr>
+            <p:cNvPr id="91" name="矩形 90">
+              <a:extLst>
+                <a:ext uri="{FF2B5EF4-FFF2-40B4-BE49-F238E27FC236}">
+                  <a16:creationId xmlns:a16="http://schemas.microsoft.com/office/drawing/2014/main" id="{E40CA0FB-C369-4CFB-897D-E4D714CE6405}"/>
+                </a:ext>
+              </a:extLst>
+            </p:cNvPr>
+            <p:cNvSpPr/>
+            <p:nvPr/>
+          </p:nvSpPr>
+          <p:spPr>
+            <a:xfrm>
+              <a:off x="3339325" y="3947110"/>
+              <a:ext cx="874748" cy="107810"/>
+            </a:xfrm>
+            <a:prstGeom prst="rect">
+              <a:avLst/>
+            </a:prstGeom>
+            <a:pattFill prst="wdDnDiag">
+              <a:fgClr>
+                <a:schemeClr val="tx1"/>
+              </a:fgClr>
+              <a:bgClr>
+                <a:schemeClr val="bg1"/>
+              </a:bgClr>
+            </a:pattFill>
+            <a:ln>
+              <a:noFill/>
+            </a:ln>
+          </p:spPr>
+          <p:style>
+            <a:lnRef idx="2">
+              <a:schemeClr val="accent1">
+                <a:shade val="50000"/>
+              </a:schemeClr>
+            </a:lnRef>
+            <a:fillRef idx="1">
+              <a:schemeClr val="accent1"/>
+            </a:fillRef>
+            <a:effectRef idx="0">
+              <a:schemeClr val="accent1"/>
+            </a:effectRef>
+            <a:fontRef idx="minor">
+              <a:schemeClr val="lt1"/>
+            </a:fontRef>
+          </p:style>
+          <p:txBody>
+            <a:bodyPr rtlCol="0" anchor="ctr"/>
+            <a:lstStyle/>
+            <a:p>
+              <a:pPr algn="ctr"/>
+              <a:endParaRPr lang="en-US"/>
+            </a:p>
+          </p:txBody>
+        </p:sp>
+        <p:sp>
+          <p:nvSpPr>
+            <p:cNvPr id="92" name="矩形 91">
+              <a:extLst>
+                <a:ext uri="{FF2B5EF4-FFF2-40B4-BE49-F238E27FC236}">
+                  <a16:creationId xmlns:a16="http://schemas.microsoft.com/office/drawing/2014/main" id="{12AD680C-BFBB-42EB-BF1E-57099B5186A2}"/>
+                </a:ext>
+              </a:extLst>
+            </p:cNvPr>
+            <p:cNvSpPr/>
+            <p:nvPr/>
+          </p:nvSpPr>
+          <p:spPr>
+            <a:xfrm>
+              <a:off x="3339325" y="3343025"/>
+              <a:ext cx="874748" cy="206695"/>
+            </a:xfrm>
+            <a:prstGeom prst="rect">
+              <a:avLst/>
+            </a:prstGeom>
+            <a:pattFill prst="wdDnDiag">
+              <a:fgClr>
+                <a:schemeClr val="tx1"/>
+              </a:fgClr>
+              <a:bgClr>
+                <a:schemeClr val="bg1"/>
+              </a:bgClr>
+            </a:pattFill>
+            <a:ln>
+              <a:noFill/>
+            </a:ln>
+          </p:spPr>
+          <p:style>
+            <a:lnRef idx="2">
+              <a:schemeClr val="accent1">
+                <a:shade val="50000"/>
+              </a:schemeClr>
+            </a:lnRef>
+            <a:fillRef idx="1">
+              <a:schemeClr val="accent1"/>
+            </a:fillRef>
+            <a:effectRef idx="0">
+              <a:schemeClr val="accent1"/>
+            </a:effectRef>
+            <a:fontRef idx="minor">
+              <a:schemeClr val="lt1"/>
+            </a:fontRef>
+          </p:style>
+          <p:txBody>
+            <a:bodyPr rtlCol="0" anchor="ctr"/>
+            <a:lstStyle/>
+            <a:p>
+              <a:pPr algn="ctr"/>
+              <a:endParaRPr lang="en-US"/>
+            </a:p>
+          </p:txBody>
+        </p:sp>
+        <p:sp>
+          <p:nvSpPr>
+            <p:cNvPr id="93" name="矩形 92">
+              <a:extLst>
+                <a:ext uri="{FF2B5EF4-FFF2-40B4-BE49-F238E27FC236}">
+                  <a16:creationId xmlns:a16="http://schemas.microsoft.com/office/drawing/2014/main" id="{E03D8959-7875-4575-9202-64B1EC3086C6}"/>
+                </a:ext>
+              </a:extLst>
+            </p:cNvPr>
+            <p:cNvSpPr/>
+            <p:nvPr/>
+          </p:nvSpPr>
+          <p:spPr>
+            <a:xfrm>
+              <a:off x="3340119" y="4086016"/>
+              <a:ext cx="874748" cy="107810"/>
+            </a:xfrm>
+            <a:prstGeom prst="rect">
+              <a:avLst/>
+            </a:prstGeom>
+            <a:pattFill prst="wdDnDiag">
+              <a:fgClr>
+                <a:schemeClr val="tx1"/>
+              </a:fgClr>
+              <a:bgClr>
+                <a:schemeClr val="tx1">
+                  <a:lumMod val="50000"/>
+                  <a:lumOff val="50000"/>
+                </a:schemeClr>
+              </a:bgClr>
+            </a:pattFill>
+            <a:ln>
+              <a:noFill/>
+            </a:ln>
+          </p:spPr>
+          <p:style>
+            <a:lnRef idx="2">
+              <a:schemeClr val="accent1">
+                <a:shade val="50000"/>
+              </a:schemeClr>
+            </a:lnRef>
+            <a:fillRef idx="1">
+              <a:schemeClr val="accent1"/>
+            </a:fillRef>
+            <a:effectRef idx="0">
+              <a:schemeClr val="accent1"/>
+            </a:effectRef>
+            <a:fontRef idx="minor">
+              <a:schemeClr val="lt1"/>
+            </a:fontRef>
+          </p:style>
+          <p:txBody>
+            <a:bodyPr rtlCol="0" anchor="ctr"/>
+            <a:lstStyle/>
+            <a:p>
+              <a:pPr algn="ctr"/>
+              <a:endParaRPr lang="en-US" dirty="0"/>
+            </a:p>
+          </p:txBody>
+        </p:sp>
+        <p:sp>
+          <p:nvSpPr>
+            <p:cNvPr id="94" name="矩形 93">
+              <a:extLst>
+                <a:ext uri="{FF2B5EF4-FFF2-40B4-BE49-F238E27FC236}">
+                  <a16:creationId xmlns:a16="http://schemas.microsoft.com/office/drawing/2014/main" id="{C7CADDA8-285C-4E6D-939F-A20114D08F95}"/>
+                </a:ext>
+              </a:extLst>
+            </p:cNvPr>
+            <p:cNvSpPr/>
+            <p:nvPr/>
+          </p:nvSpPr>
+          <p:spPr>
+            <a:xfrm>
+              <a:off x="3336944" y="4203612"/>
+              <a:ext cx="874748" cy="128113"/>
+            </a:xfrm>
+            <a:prstGeom prst="rect">
+              <a:avLst/>
+            </a:prstGeom>
+            <a:solidFill>
+              <a:schemeClr val="tx1">
+                <a:lumMod val="50000"/>
+                <a:lumOff val="50000"/>
+              </a:schemeClr>
+            </a:solidFill>
+            <a:ln>
+              <a:noFill/>
+            </a:ln>
+          </p:spPr>
+          <p:style>
+            <a:lnRef idx="2">
+              <a:schemeClr val="accent1">
+                <a:shade val="50000"/>
+              </a:schemeClr>
+            </a:lnRef>
+            <a:fillRef idx="1">
+              <a:schemeClr val="accent1"/>
+            </a:fillRef>
+            <a:effectRef idx="0">
+              <a:schemeClr val="accent1"/>
+            </a:effectRef>
+            <a:fontRef idx="minor">
+              <a:schemeClr val="lt1"/>
+            </a:fontRef>
+          </p:style>
+          <p:txBody>
+            <a:bodyPr rtlCol="0" anchor="ctr"/>
+            <a:lstStyle/>
+            <a:p>
+              <a:pPr algn="ctr"/>
+              <a:endParaRPr lang="en-US"/>
+            </a:p>
+          </p:txBody>
+        </p:sp>
+      </p:grpSp>
+      <p:sp>
+        <p:nvSpPr>
+          <p:cNvPr id="100" name="文本框 99">
+            <a:extLst>
+              <a:ext uri="{FF2B5EF4-FFF2-40B4-BE49-F238E27FC236}">
+                <a16:creationId xmlns:a16="http://schemas.microsoft.com/office/drawing/2014/main" id="{DF3BE1D9-250C-4A17-BC2E-74D55D3D3F15}"/>
+              </a:ext>
+            </a:extLst>
+          </p:cNvPr>
+          <p:cNvSpPr txBox="1"/>
+          <p:nvPr/>
+        </p:nvSpPr>
+        <p:spPr>
+          <a:xfrm>
+            <a:off x="3130959" y="852028"/>
+            <a:ext cx="780983" cy="369332"/>
+          </a:xfrm>
+          <a:prstGeom prst="rect">
+            <a:avLst/>
+          </a:prstGeom>
+          <a:noFill/>
+        </p:spPr>
+        <p:txBody>
+          <a:bodyPr wrap="none" rtlCol="0">
+            <a:spAutoFit/>
+          </a:bodyPr>
+          <a:lstStyle/>
+          <a:p>
+            <a:r>
+              <a:rPr lang="en-US" dirty="0"/>
+              <a:t>Victim</a:t>
+            </a:r>
+          </a:p>
+        </p:txBody>
+      </p:sp>
+      <p:grpSp>
+        <p:nvGrpSpPr>
+          <p:cNvPr id="19" name="组合 18">
+            <a:extLst>
+              <a:ext uri="{FF2B5EF4-FFF2-40B4-BE49-F238E27FC236}">
+                <a16:creationId xmlns:a16="http://schemas.microsoft.com/office/drawing/2014/main" id="{BA3E8286-BB20-478D-AC7B-BB8C119E11AC}"/>
+              </a:ext>
+            </a:extLst>
+          </p:cNvPr>
+          <p:cNvGrpSpPr/>
+          <p:nvPr/>
+        </p:nvGrpSpPr>
+        <p:grpSpPr>
+          <a:xfrm>
+            <a:off x="7872813" y="1921578"/>
+            <a:ext cx="780983" cy="3161405"/>
+            <a:chOff x="7529131" y="2667976"/>
+            <a:chExt cx="780983" cy="3161405"/>
+          </a:xfrm>
+        </p:grpSpPr>
+        <p:cxnSp>
+          <p:nvCxnSpPr>
+            <p:cNvPr id="8" name="直接连接符 7">
+              <a:extLst>
+                <a:ext uri="{FF2B5EF4-FFF2-40B4-BE49-F238E27FC236}">
+                  <a16:creationId xmlns:a16="http://schemas.microsoft.com/office/drawing/2014/main" id="{A494DBA8-26DA-401C-8636-359099D213FA}"/>
+                </a:ext>
+              </a:extLst>
+            </p:cNvPr>
+            <p:cNvCxnSpPr>
+              <a:cxnSpLocks/>
+            </p:cNvCxnSpPr>
+            <p:nvPr/>
+          </p:nvCxnSpPr>
+          <p:spPr>
+            <a:xfrm>
+              <a:off x="7919623" y="2970856"/>
+              <a:ext cx="5177" cy="2538681"/>
+            </a:xfrm>
+            <a:prstGeom prst="line">
+              <a:avLst/>
+            </a:prstGeom>
+            <a:ln w="50800" cmpd="dbl">
+              <a:solidFill>
+                <a:schemeClr val="tx1"/>
+              </a:solidFill>
+              <a:prstDash val="sysDot"/>
+              <a:tailEnd type="stealth"/>
+            </a:ln>
+          </p:spPr>
+          <p:style>
+            <a:lnRef idx="1">
+              <a:schemeClr val="accent1"/>
+            </a:lnRef>
+            <a:fillRef idx="0">
+              <a:schemeClr val="accent1"/>
+            </a:fillRef>
+            <a:effectRef idx="0">
+              <a:schemeClr val="accent1"/>
+            </a:effectRef>
+            <a:fontRef idx="minor">
+              <a:schemeClr val="tx1"/>
+            </a:fontRef>
+          </p:style>
+        </p:cxnSp>
+        <p:sp>
+          <p:nvSpPr>
+            <p:cNvPr id="62" name="椭圆 61">
+              <a:extLst>
+                <a:ext uri="{FF2B5EF4-FFF2-40B4-BE49-F238E27FC236}">
+                  <a16:creationId xmlns:a16="http://schemas.microsoft.com/office/drawing/2014/main" id="{96282AB5-8399-4B76-ABAE-F53CB85D1379}"/>
+                </a:ext>
+              </a:extLst>
+            </p:cNvPr>
+            <p:cNvSpPr/>
+            <p:nvPr/>
+          </p:nvSpPr>
+          <p:spPr>
+            <a:xfrm>
+              <a:off x="7770600" y="3259457"/>
+              <a:ext cx="298047" cy="298047"/>
+            </a:xfrm>
+            <a:prstGeom prst="ellipse">
+              <a:avLst/>
+            </a:prstGeom>
+            <a:solidFill>
+              <a:schemeClr val="tx2"/>
+            </a:solidFill>
+            <a:ln>
+              <a:noFill/>
+            </a:ln>
+          </p:spPr>
+          <p:style>
+            <a:lnRef idx="2">
+              <a:schemeClr val="accent1">
+                <a:shade val="50000"/>
+              </a:schemeClr>
+            </a:lnRef>
+            <a:fillRef idx="1">
+              <a:schemeClr val="accent1"/>
+            </a:fillRef>
+            <a:effectRef idx="0">
+              <a:schemeClr val="accent1"/>
+            </a:effectRef>
+            <a:fontRef idx="minor">
+              <a:schemeClr val="lt1"/>
+            </a:fontRef>
+          </p:style>
+          <p:txBody>
+            <a:bodyPr rtlCol="0" anchor="ctr"/>
+            <a:lstStyle/>
+            <a:p>
+              <a:pPr algn="ctr"/>
+              <a:endParaRPr lang="en-US"/>
+            </a:p>
+          </p:txBody>
+        </p:sp>
+        <p:sp>
+          <p:nvSpPr>
+            <p:cNvPr id="82" name="椭圆 81">
+              <a:extLst>
+                <a:ext uri="{FF2B5EF4-FFF2-40B4-BE49-F238E27FC236}">
+                  <a16:creationId xmlns:a16="http://schemas.microsoft.com/office/drawing/2014/main" id="{532EB019-E3F3-41AA-AD1A-F46939F4AE12}"/>
+                </a:ext>
+              </a:extLst>
+            </p:cNvPr>
+            <p:cNvSpPr/>
+            <p:nvPr/>
+          </p:nvSpPr>
+          <p:spPr>
+            <a:xfrm>
+              <a:off x="7776623" y="4427506"/>
+              <a:ext cx="298047" cy="298047"/>
+            </a:xfrm>
+            <a:prstGeom prst="ellipse">
+              <a:avLst/>
+            </a:prstGeom>
+            <a:solidFill>
+              <a:schemeClr val="tx2"/>
+            </a:solidFill>
+            <a:ln>
+              <a:noFill/>
+            </a:ln>
+          </p:spPr>
+          <p:style>
+            <a:lnRef idx="2">
+              <a:schemeClr val="accent1">
+                <a:shade val="50000"/>
+              </a:schemeClr>
+            </a:lnRef>
+            <a:fillRef idx="1">
+              <a:schemeClr val="accent1"/>
+            </a:fillRef>
+            <a:effectRef idx="0">
+              <a:schemeClr val="accent1"/>
+            </a:effectRef>
+            <a:fontRef idx="minor">
+              <a:schemeClr val="lt1"/>
+            </a:fontRef>
+          </p:style>
+          <p:txBody>
+            <a:bodyPr rtlCol="0" anchor="ctr"/>
+            <a:lstStyle/>
+            <a:p>
+              <a:pPr algn="ctr"/>
+              <a:endParaRPr lang="en-US"/>
+            </a:p>
+          </p:txBody>
+        </p:sp>
+        <p:sp>
+          <p:nvSpPr>
+            <p:cNvPr id="87" name="爆炸形: 8 pt  86">
+              <a:extLst>
+                <a:ext uri="{FF2B5EF4-FFF2-40B4-BE49-F238E27FC236}">
+                  <a16:creationId xmlns:a16="http://schemas.microsoft.com/office/drawing/2014/main" id="{357668BE-A281-44AC-9F87-0A8D590BB39B}"/>
+                </a:ext>
+              </a:extLst>
+            </p:cNvPr>
+            <p:cNvSpPr/>
+            <p:nvPr/>
+          </p:nvSpPr>
+          <p:spPr>
+            <a:xfrm>
+              <a:off x="7744663" y="4943127"/>
+              <a:ext cx="351085" cy="292895"/>
+            </a:xfrm>
+            <a:prstGeom prst="irregularSeal1">
+              <a:avLst/>
+            </a:prstGeom>
+            <a:pattFill prst="pct75">
+              <a:fgClr>
+                <a:schemeClr val="tx2"/>
+              </a:fgClr>
+              <a:bgClr>
+                <a:schemeClr val="bg1"/>
+              </a:bgClr>
+            </a:pattFill>
+            <a:ln>
+              <a:noFill/>
+            </a:ln>
+          </p:spPr>
+          <p:style>
+            <a:lnRef idx="2">
+              <a:schemeClr val="accent1">
+                <a:shade val="50000"/>
+              </a:schemeClr>
+            </a:lnRef>
+            <a:fillRef idx="1">
+              <a:schemeClr val="accent1"/>
+            </a:fillRef>
+            <a:effectRef idx="0">
+              <a:schemeClr val="accent1"/>
+            </a:effectRef>
+            <a:fontRef idx="minor">
+              <a:schemeClr val="lt1"/>
+            </a:fontRef>
+          </p:style>
+          <p:txBody>
+            <a:bodyPr rtlCol="0" anchor="ctr"/>
+            <a:lstStyle/>
+            <a:p>
+              <a:pPr algn="ctr"/>
+              <a:endParaRPr lang="en-US" dirty="0"/>
+            </a:p>
+          </p:txBody>
+        </p:sp>
+        <p:sp>
+          <p:nvSpPr>
+            <p:cNvPr id="88" name="乘号 87">
+              <a:extLst>
+                <a:ext uri="{FF2B5EF4-FFF2-40B4-BE49-F238E27FC236}">
+                  <a16:creationId xmlns:a16="http://schemas.microsoft.com/office/drawing/2014/main" id="{94BECA40-7A4D-434C-8656-091CD4433734}"/>
+                </a:ext>
+              </a:extLst>
+            </p:cNvPr>
+            <p:cNvSpPr/>
+            <p:nvPr/>
+          </p:nvSpPr>
+          <p:spPr>
+            <a:xfrm>
+              <a:off x="7717868" y="5453596"/>
+              <a:ext cx="404673" cy="375785"/>
+            </a:xfrm>
+            <a:prstGeom prst="mathMultiply">
+              <a:avLst/>
+            </a:prstGeom>
+            <a:solidFill>
+              <a:schemeClr val="tx2"/>
+            </a:solidFill>
+            <a:ln>
+              <a:noFill/>
+            </a:ln>
+          </p:spPr>
+          <p:style>
+            <a:lnRef idx="2">
+              <a:schemeClr val="accent1">
+                <a:shade val="50000"/>
+              </a:schemeClr>
+            </a:lnRef>
+            <a:fillRef idx="1">
+              <a:schemeClr val="accent1"/>
+            </a:fillRef>
+            <a:effectRef idx="0">
+              <a:schemeClr val="accent1"/>
+            </a:effectRef>
+            <a:fontRef idx="minor">
+              <a:schemeClr val="lt1"/>
+            </a:fontRef>
+          </p:style>
+          <p:txBody>
+            <a:bodyPr rtlCol="0" anchor="ctr"/>
+            <a:lstStyle/>
+            <a:p>
+              <a:pPr algn="ctr"/>
+              <a:endParaRPr lang="en-US" dirty="0"/>
+            </a:p>
+          </p:txBody>
+        </p:sp>
+        <p:sp>
+          <p:nvSpPr>
+            <p:cNvPr id="101" name="文本框 100">
+              <a:extLst>
+                <a:ext uri="{FF2B5EF4-FFF2-40B4-BE49-F238E27FC236}">
+                  <a16:creationId xmlns:a16="http://schemas.microsoft.com/office/drawing/2014/main" id="{AC8752AE-39B3-45B1-8C3C-C20AD17D7BFC}"/>
+                </a:ext>
+              </a:extLst>
+            </p:cNvPr>
+            <p:cNvSpPr txBox="1"/>
+            <p:nvPr/>
+          </p:nvSpPr>
+          <p:spPr>
+            <a:xfrm>
+              <a:off x="7529131" y="2667976"/>
+              <a:ext cx="780983" cy="369332"/>
+            </a:xfrm>
+            <a:prstGeom prst="rect">
+              <a:avLst/>
+            </a:prstGeom>
+            <a:noFill/>
+          </p:spPr>
+          <p:txBody>
+            <a:bodyPr wrap="none" rtlCol="0">
+              <a:spAutoFit/>
+            </a:bodyPr>
+            <a:lstStyle/>
+            <a:p>
+              <a:r>
+                <a:rPr lang="en-US" dirty="0"/>
+                <a:t>Victim</a:t>
+              </a:r>
+            </a:p>
+          </p:txBody>
+        </p:sp>
+      </p:grpSp>
+      <p:sp>
+        <p:nvSpPr>
+          <p:cNvPr id="102" name="文本框 101">
+            <a:extLst>
+              <a:ext uri="{FF2B5EF4-FFF2-40B4-BE49-F238E27FC236}">
+                <a16:creationId xmlns:a16="http://schemas.microsoft.com/office/drawing/2014/main" id="{4773BD6B-11B5-4E3B-A246-4C061E7C9D62}"/>
+              </a:ext>
+            </a:extLst>
+          </p:cNvPr>
+          <p:cNvSpPr txBox="1"/>
+          <p:nvPr/>
+        </p:nvSpPr>
+        <p:spPr>
+          <a:xfrm>
+            <a:off x="5811322" y="825383"/>
+            <a:ext cx="960391" cy="369332"/>
+          </a:xfrm>
+          <a:prstGeom prst="rect">
+            <a:avLst/>
+          </a:prstGeom>
+          <a:noFill/>
+        </p:spPr>
+        <p:txBody>
+          <a:bodyPr wrap="none" rtlCol="0">
+            <a:spAutoFit/>
+          </a:bodyPr>
+          <a:lstStyle/>
+          <a:p>
+            <a:r>
+              <a:rPr lang="en-US" dirty="0"/>
+              <a:t>Attacker</a:t>
+            </a:r>
+          </a:p>
+        </p:txBody>
+      </p:sp>
+      <p:cxnSp>
+        <p:nvCxnSpPr>
+          <p:cNvPr id="44" name="直接箭头连接符 43">
+            <a:extLst>
+              <a:ext uri="{FF2B5EF4-FFF2-40B4-BE49-F238E27FC236}">
+                <a16:creationId xmlns:a16="http://schemas.microsoft.com/office/drawing/2014/main" id="{8C897A22-79FE-4124-A1D1-82219654D4F1}"/>
+              </a:ext>
+            </a:extLst>
+          </p:cNvPr>
+          <p:cNvCxnSpPr>
+            <a:cxnSpLocks/>
+          </p:cNvCxnSpPr>
+          <p:nvPr/>
+        </p:nvCxnSpPr>
+        <p:spPr>
+          <a:xfrm flipV="1">
+            <a:off x="4232016" y="3358725"/>
+            <a:ext cx="2187744" cy="6190"/>
+          </a:xfrm>
+          <a:prstGeom prst="straightConnector1">
+            <a:avLst/>
+          </a:prstGeom>
+          <a:ln w="50800" cmpd="dbl">
+            <a:solidFill>
+              <a:schemeClr val="tx1"/>
+            </a:solidFill>
+            <a:prstDash val="sysDot"/>
+            <a:tailEnd type="triangle"/>
+          </a:ln>
+        </p:spPr>
+        <p:style>
+          <a:lnRef idx="1">
+            <a:schemeClr val="accent1"/>
+          </a:lnRef>
+          <a:fillRef idx="0">
+            <a:schemeClr val="accent1"/>
+          </a:fillRef>
+          <a:effectRef idx="0">
+            <a:schemeClr val="accent1"/>
+          </a:effectRef>
+          <a:fontRef idx="minor">
+            <a:schemeClr val="tx1"/>
+          </a:fontRef>
+        </p:style>
+      </p:cxnSp>
+      <p:sp>
+        <p:nvSpPr>
+          <p:cNvPr id="42" name="矩形 41">
+            <a:extLst>
+              <a:ext uri="{FF2B5EF4-FFF2-40B4-BE49-F238E27FC236}">
+                <a16:creationId xmlns:a16="http://schemas.microsoft.com/office/drawing/2014/main" id="{B3BD77BE-7420-40F9-AF9A-2A53C888DD67}"/>
+              </a:ext>
+            </a:extLst>
+          </p:cNvPr>
+          <p:cNvSpPr/>
+          <p:nvPr/>
+        </p:nvSpPr>
+        <p:spPr>
+          <a:xfrm>
+            <a:off x="6796093" y="724484"/>
+            <a:ext cx="2167618" cy="1001948"/>
+          </a:xfrm>
+          <a:prstGeom prst="rect">
+            <a:avLst/>
+          </a:prstGeom>
+          <a:noFill/>
+          <a:ln w="25400">
+            <a:solidFill>
+              <a:schemeClr val="accent1">
+                <a:shade val="50000"/>
+              </a:schemeClr>
+            </a:solidFill>
+          </a:ln>
+        </p:spPr>
+        <p:style>
+          <a:lnRef idx="2">
+            <a:schemeClr val="accent1">
+              <a:shade val="50000"/>
+            </a:schemeClr>
+          </a:lnRef>
+          <a:fillRef idx="1">
+            <a:schemeClr val="accent1"/>
+          </a:fillRef>
+          <a:effectRef idx="0">
+            <a:schemeClr val="accent1"/>
+          </a:effectRef>
+          <a:fontRef idx="minor">
+            <a:schemeClr val="lt1"/>
+          </a:fontRef>
+        </p:style>
+        <p:txBody>
+          <a:bodyPr rtlCol="0" anchor="ctr"/>
+          <a:lstStyle/>
+          <a:p>
+            <a:pPr algn="ctr"/>
+            <a:endParaRPr lang="en-US"/>
+          </a:p>
+        </p:txBody>
+      </p:sp>
+      <p:grpSp>
+        <p:nvGrpSpPr>
+          <p:cNvPr id="49" name="组合 48">
+            <a:extLst>
+              <a:ext uri="{FF2B5EF4-FFF2-40B4-BE49-F238E27FC236}">
+                <a16:creationId xmlns:a16="http://schemas.microsoft.com/office/drawing/2014/main" id="{0132169B-A318-4156-A62D-4AC8F26FCCC6}"/>
+              </a:ext>
+            </a:extLst>
+          </p:cNvPr>
+          <p:cNvGrpSpPr/>
+          <p:nvPr/>
+        </p:nvGrpSpPr>
+        <p:grpSpPr>
+          <a:xfrm>
+            <a:off x="7004620" y="820763"/>
+            <a:ext cx="642160" cy="370263"/>
+            <a:chOff x="4996796" y="5663601"/>
+            <a:chExt cx="642160" cy="370263"/>
+          </a:xfrm>
+        </p:grpSpPr>
+        <p:cxnSp>
+          <p:nvCxnSpPr>
+            <p:cNvPr id="70" name="直接连接符 69">
+              <a:extLst>
+                <a:ext uri="{FF2B5EF4-FFF2-40B4-BE49-F238E27FC236}">
+                  <a16:creationId xmlns:a16="http://schemas.microsoft.com/office/drawing/2014/main" id="{909CC49C-62B0-4178-BC6B-9B04C6A35387}"/>
+                </a:ext>
+              </a:extLst>
+            </p:cNvPr>
+            <p:cNvCxnSpPr>
+              <a:cxnSpLocks/>
+            </p:cNvCxnSpPr>
+            <p:nvPr/>
+          </p:nvCxnSpPr>
+          <p:spPr>
+            <a:xfrm>
+              <a:off x="4996796" y="5663601"/>
+              <a:ext cx="9259" cy="370263"/>
+            </a:xfrm>
+            <a:prstGeom prst="line">
+              <a:avLst/>
+            </a:prstGeom>
+            <a:ln w="50800" cmpd="dbl">
+              <a:solidFill>
+                <a:schemeClr val="bg2">
+                  <a:lumMod val="25000"/>
+                </a:schemeClr>
+              </a:solidFill>
+              <a:prstDash val="sysDot"/>
+              <a:tailEnd type="stealth"/>
+            </a:ln>
+          </p:spPr>
+          <p:style>
+            <a:lnRef idx="1">
+              <a:schemeClr val="accent1"/>
+            </a:lnRef>
+            <a:fillRef idx="0">
+              <a:schemeClr val="accent1"/>
+            </a:fillRef>
+            <a:effectRef idx="0">
+              <a:schemeClr val="accent1"/>
+            </a:effectRef>
+            <a:fontRef idx="minor">
+              <a:schemeClr val="tx1"/>
+            </a:fontRef>
+          </p:style>
+        </p:cxnSp>
+        <p:sp>
+          <p:nvSpPr>
+            <p:cNvPr id="46" name="文本框 45">
+              <a:extLst>
+                <a:ext uri="{FF2B5EF4-FFF2-40B4-BE49-F238E27FC236}">
+                  <a16:creationId xmlns:a16="http://schemas.microsoft.com/office/drawing/2014/main" id="{C81C26BC-84CB-462E-A2E0-E263C695FEF8}"/>
+                </a:ext>
+              </a:extLst>
+            </p:cNvPr>
+            <p:cNvSpPr txBox="1"/>
+            <p:nvPr/>
+          </p:nvSpPr>
+          <p:spPr>
+            <a:xfrm>
+              <a:off x="5034195" y="5663601"/>
+              <a:ext cx="604761" cy="369332"/>
+            </a:xfrm>
+            <a:prstGeom prst="rect">
+              <a:avLst/>
+            </a:prstGeom>
+            <a:noFill/>
+          </p:spPr>
+          <p:txBody>
+            <a:bodyPr wrap="square" rtlCol="0">
+              <a:spAutoFit/>
+            </a:bodyPr>
+            <a:lstStyle/>
+            <a:p>
+              <a:r>
+                <a:rPr lang="en-US" sz="900" dirty="0"/>
+                <a:t>Victim </a:t>
+              </a:r>
+            </a:p>
+            <a:p>
+              <a:r>
+                <a:rPr lang="en-US" sz="900" dirty="0"/>
+                <a:t>Thread</a:t>
+              </a:r>
+              <a:endParaRPr lang="en-US" dirty="0"/>
+            </a:p>
+          </p:txBody>
+        </p:sp>
+      </p:grpSp>
+      <p:cxnSp>
+        <p:nvCxnSpPr>
+          <p:cNvPr id="71" name="直接连接符 70">
+            <a:extLst>
+              <a:ext uri="{FF2B5EF4-FFF2-40B4-BE49-F238E27FC236}">
+                <a16:creationId xmlns:a16="http://schemas.microsoft.com/office/drawing/2014/main" id="{D372DDEC-D6A6-49A0-A47F-3DB0367E8E7F}"/>
+              </a:ext>
+            </a:extLst>
+          </p:cNvPr>
+          <p:cNvCxnSpPr>
+            <a:cxnSpLocks/>
+          </p:cNvCxnSpPr>
+          <p:nvPr/>
+        </p:nvCxnSpPr>
+        <p:spPr>
+          <a:xfrm>
+            <a:off x="7589175" y="826408"/>
+            <a:ext cx="0" cy="358042"/>
+          </a:xfrm>
+          <a:prstGeom prst="line">
+            <a:avLst/>
+          </a:prstGeom>
+          <a:ln w="50800" cmpd="dbl">
+            <a:solidFill>
+              <a:schemeClr val="tx1"/>
+            </a:solidFill>
+            <a:prstDash val="solid"/>
+            <a:headEnd type="none"/>
+            <a:tailEnd type="stealth"/>
+          </a:ln>
+        </p:spPr>
+        <p:style>
+          <a:lnRef idx="1">
+            <a:schemeClr val="accent1"/>
+          </a:lnRef>
+          <a:fillRef idx="0">
+            <a:schemeClr val="accent1"/>
+          </a:fillRef>
+          <a:effectRef idx="0">
+            <a:schemeClr val="accent1"/>
+          </a:effectRef>
+          <a:fontRef idx="minor">
+            <a:schemeClr val="tx1"/>
+          </a:fontRef>
+        </p:style>
+      </p:cxnSp>
+      <p:sp>
+        <p:nvSpPr>
+          <p:cNvPr id="75" name="文本框 74">
+            <a:extLst>
+              <a:ext uri="{FF2B5EF4-FFF2-40B4-BE49-F238E27FC236}">
+                <a16:creationId xmlns:a16="http://schemas.microsoft.com/office/drawing/2014/main" id="{B9438028-ED3C-41CF-81C6-482154815AAF}"/>
+              </a:ext>
+            </a:extLst>
+          </p:cNvPr>
+          <p:cNvSpPr txBox="1"/>
+          <p:nvPr/>
+        </p:nvSpPr>
+        <p:spPr>
+          <a:xfrm>
+            <a:off x="7617750" y="823222"/>
+            <a:ext cx="604761" cy="369332"/>
+          </a:xfrm>
+          <a:prstGeom prst="rect">
+            <a:avLst/>
+          </a:prstGeom>
+          <a:noFill/>
+        </p:spPr>
+        <p:txBody>
+          <a:bodyPr wrap="square" rtlCol="0">
+            <a:spAutoFit/>
+          </a:bodyPr>
+          <a:lstStyle/>
+          <a:p>
+            <a:r>
+              <a:rPr lang="en-US" sz="900" dirty="0"/>
+              <a:t>Attacker </a:t>
+            </a:r>
+          </a:p>
+          <a:p>
+            <a:r>
+              <a:rPr lang="en-US" sz="900" dirty="0"/>
+              <a:t>Thread</a:t>
+            </a:r>
+            <a:endParaRPr lang="en-US" dirty="0"/>
+          </a:p>
+        </p:txBody>
+      </p:sp>
+      <p:sp>
+        <p:nvSpPr>
+          <p:cNvPr id="76" name="椭圆 75">
+            <a:extLst>
+              <a:ext uri="{FF2B5EF4-FFF2-40B4-BE49-F238E27FC236}">
+                <a16:creationId xmlns:a16="http://schemas.microsoft.com/office/drawing/2014/main" id="{B19BF010-A2C6-4BCE-B4F0-7F10FF569839}"/>
+              </a:ext>
+            </a:extLst>
+          </p:cNvPr>
+          <p:cNvSpPr/>
+          <p:nvPr/>
+        </p:nvSpPr>
+        <p:spPr>
+          <a:xfrm>
+            <a:off x="8147515" y="806968"/>
+            <a:ext cx="188152" cy="174516"/>
+          </a:xfrm>
+          <a:prstGeom prst="ellipse">
+            <a:avLst/>
+          </a:prstGeom>
+          <a:solidFill>
+            <a:schemeClr val="tx2"/>
+          </a:solidFill>
+          <a:ln>
+            <a:noFill/>
+          </a:ln>
+        </p:spPr>
+        <p:style>
+          <a:lnRef idx="2">
+            <a:schemeClr val="accent1">
+              <a:shade val="50000"/>
+            </a:schemeClr>
+          </a:lnRef>
+          <a:fillRef idx="1">
+            <a:schemeClr val="accent1"/>
+          </a:fillRef>
+          <a:effectRef idx="0">
+            <a:schemeClr val="accent1"/>
+          </a:effectRef>
+          <a:fontRef idx="minor">
+            <a:schemeClr val="lt1"/>
+          </a:fontRef>
+        </p:style>
+        <p:txBody>
+          <a:bodyPr rtlCol="0" anchor="ctr"/>
+          <a:lstStyle/>
+          <a:p>
+            <a:pPr algn="ctr"/>
+            <a:endParaRPr lang="en-US"/>
+          </a:p>
+        </p:txBody>
+      </p:sp>
+      <p:sp>
+        <p:nvSpPr>
+          <p:cNvPr id="77" name="文本框 76">
+            <a:extLst>
+              <a:ext uri="{FF2B5EF4-FFF2-40B4-BE49-F238E27FC236}">
+                <a16:creationId xmlns:a16="http://schemas.microsoft.com/office/drawing/2014/main" id="{033A746A-9449-4028-9645-937D79AB9E1C}"/>
+              </a:ext>
+            </a:extLst>
+          </p:cNvPr>
+          <p:cNvSpPr txBox="1"/>
+          <p:nvPr/>
+        </p:nvSpPr>
+        <p:spPr>
+          <a:xfrm>
+            <a:off x="8335667" y="823139"/>
+            <a:ext cx="844482" cy="184666"/>
+          </a:xfrm>
+          <a:prstGeom prst="rect">
+            <a:avLst/>
+          </a:prstGeom>
+          <a:noFill/>
+        </p:spPr>
+        <p:txBody>
+          <a:bodyPr wrap="square" rtlCol="0">
+            <a:spAutoFit/>
+          </a:bodyPr>
+          <a:lstStyle/>
+          <a:p>
+            <a:r>
+              <a:rPr lang="en-US" sz="600" dirty="0"/>
+              <a:t>Memory Access</a:t>
+            </a:r>
+            <a:endParaRPr lang="en-US" sz="1200" dirty="0"/>
+          </a:p>
+        </p:txBody>
+      </p:sp>
+      <p:sp>
+        <p:nvSpPr>
+          <p:cNvPr id="80" name="爆炸形: 8 pt  79">
+            <a:extLst>
+              <a:ext uri="{FF2B5EF4-FFF2-40B4-BE49-F238E27FC236}">
+                <a16:creationId xmlns:a16="http://schemas.microsoft.com/office/drawing/2014/main" id="{80142A63-E9FB-4A1F-9B57-7BA8F84E6C22}"/>
+              </a:ext>
+            </a:extLst>
+          </p:cNvPr>
+          <p:cNvSpPr/>
+          <p:nvPr/>
+        </p:nvSpPr>
+        <p:spPr>
+          <a:xfrm>
+            <a:off x="8134729" y="1026391"/>
+            <a:ext cx="231843" cy="193417"/>
+          </a:xfrm>
+          <a:prstGeom prst="irregularSeal1">
+            <a:avLst/>
+          </a:prstGeom>
+          <a:pattFill prst="pct75">
+            <a:fgClr>
+              <a:schemeClr val="tx2"/>
+            </a:fgClr>
+            <a:bgClr>
+              <a:schemeClr val="bg1"/>
+            </a:bgClr>
+          </a:pattFill>
+          <a:ln>
+            <a:noFill/>
+          </a:ln>
+        </p:spPr>
+        <p:style>
+          <a:lnRef idx="2">
+            <a:schemeClr val="accent1">
+              <a:shade val="50000"/>
+            </a:schemeClr>
+          </a:lnRef>
+          <a:fillRef idx="1">
+            <a:schemeClr val="accent1"/>
+          </a:fillRef>
+          <a:effectRef idx="0">
+            <a:schemeClr val="accent1"/>
+          </a:effectRef>
+          <a:fontRef idx="minor">
+            <a:schemeClr val="lt1"/>
+          </a:fontRef>
+        </p:style>
+        <p:txBody>
+          <a:bodyPr rtlCol="0" anchor="ctr"/>
+          <a:lstStyle/>
+          <a:p>
+            <a:pPr algn="ctr"/>
+            <a:endParaRPr lang="en-US" dirty="0"/>
+          </a:p>
+        </p:txBody>
+      </p:sp>
+      <p:sp>
+        <p:nvSpPr>
+          <p:cNvPr id="84" name="文本框 83">
+            <a:extLst>
+              <a:ext uri="{FF2B5EF4-FFF2-40B4-BE49-F238E27FC236}">
+                <a16:creationId xmlns:a16="http://schemas.microsoft.com/office/drawing/2014/main" id="{C671D481-C69C-48A5-8D21-6B6A37342656}"/>
+              </a:ext>
+            </a:extLst>
+          </p:cNvPr>
+          <p:cNvSpPr txBox="1"/>
+          <p:nvPr/>
+        </p:nvSpPr>
+        <p:spPr>
+          <a:xfrm>
+            <a:off x="8335667" y="1042380"/>
+            <a:ext cx="844482" cy="184666"/>
+          </a:xfrm>
+          <a:prstGeom prst="rect">
+            <a:avLst/>
+          </a:prstGeom>
+          <a:noFill/>
+        </p:spPr>
+        <p:txBody>
+          <a:bodyPr wrap="square" rtlCol="0">
+            <a:spAutoFit/>
+          </a:bodyPr>
+          <a:lstStyle/>
+          <a:p>
+            <a:r>
+              <a:rPr lang="en-US" sz="600" dirty="0"/>
+              <a:t>Corrupted Flow</a:t>
+            </a:r>
+            <a:endParaRPr lang="en-US" sz="1200" dirty="0"/>
+          </a:p>
+        </p:txBody>
+      </p:sp>
+      <p:sp>
+        <p:nvSpPr>
+          <p:cNvPr id="85" name="流程图: 多文档 84">
+            <a:extLst>
+              <a:ext uri="{FF2B5EF4-FFF2-40B4-BE49-F238E27FC236}">
+                <a16:creationId xmlns:a16="http://schemas.microsoft.com/office/drawing/2014/main" id="{CB0565A8-31EA-4ECE-83DB-04C7DD9B6008}"/>
+              </a:ext>
+            </a:extLst>
+          </p:cNvPr>
+          <p:cNvSpPr/>
+          <p:nvPr/>
+        </p:nvSpPr>
+        <p:spPr>
+          <a:xfrm>
+            <a:off x="6899812" y="1397145"/>
+            <a:ext cx="185382" cy="161325"/>
+          </a:xfrm>
+          <a:prstGeom prst="flowChartMultidocument">
+            <a:avLst/>
+          </a:prstGeom>
+          <a:solidFill>
+            <a:schemeClr val="tx2"/>
+          </a:solidFill>
+          <a:ln>
+            <a:solidFill>
+              <a:schemeClr val="tx1"/>
+            </a:solidFill>
+          </a:ln>
+        </p:spPr>
+        <p:style>
+          <a:lnRef idx="2">
+            <a:schemeClr val="accent1">
+              <a:shade val="50000"/>
+            </a:schemeClr>
+          </a:lnRef>
+          <a:fillRef idx="1">
+            <a:schemeClr val="accent1"/>
+          </a:fillRef>
+          <a:effectRef idx="0">
+            <a:schemeClr val="accent1"/>
+          </a:effectRef>
+          <a:fontRef idx="minor">
+            <a:schemeClr val="lt1"/>
+          </a:fontRef>
+        </p:style>
+        <p:txBody>
+          <a:bodyPr rtlCol="0" anchor="ctr"/>
+          <a:lstStyle/>
+          <a:p>
+            <a:pPr algn="ctr"/>
+            <a:endParaRPr lang="en-US"/>
+          </a:p>
+        </p:txBody>
+      </p:sp>
+      <p:sp>
+        <p:nvSpPr>
+          <p:cNvPr id="86" name="文本框 85">
+            <a:extLst>
+              <a:ext uri="{FF2B5EF4-FFF2-40B4-BE49-F238E27FC236}">
+                <a16:creationId xmlns:a16="http://schemas.microsoft.com/office/drawing/2014/main" id="{09343027-F87A-4FEE-AD64-C457F5D0840E}"/>
+              </a:ext>
+            </a:extLst>
+          </p:cNvPr>
+          <p:cNvSpPr txBox="1"/>
+          <p:nvPr/>
+        </p:nvSpPr>
+        <p:spPr>
+          <a:xfrm>
+            <a:off x="7128914" y="1342063"/>
+            <a:ext cx="844482" cy="276999"/>
+          </a:xfrm>
+          <a:prstGeom prst="rect">
+            <a:avLst/>
+          </a:prstGeom>
+          <a:noFill/>
+        </p:spPr>
+        <p:txBody>
+          <a:bodyPr wrap="square" rtlCol="0">
+            <a:spAutoFit/>
+          </a:bodyPr>
+          <a:lstStyle/>
+          <a:p>
+            <a:r>
+              <a:rPr lang="en-US" sz="600" dirty="0"/>
+              <a:t>D</a:t>
+            </a:r>
+            <a:r>
+              <a:rPr lang="en-US" altLang="zh-CN" sz="600" dirty="0"/>
+              <a:t>angerous Memory Operation Function</a:t>
+            </a:r>
+            <a:endParaRPr lang="en-US" sz="1200" dirty="0"/>
+          </a:p>
+        </p:txBody>
+      </p:sp>
+      <p:sp>
+        <p:nvSpPr>
+          <p:cNvPr id="90" name="乘号 89">
+            <a:extLst>
+              <a:ext uri="{FF2B5EF4-FFF2-40B4-BE49-F238E27FC236}">
+                <a16:creationId xmlns:a16="http://schemas.microsoft.com/office/drawing/2014/main" id="{B9C961FF-58A4-49B9-A503-314347080FFA}"/>
+              </a:ext>
+            </a:extLst>
+          </p:cNvPr>
+          <p:cNvSpPr/>
+          <p:nvPr/>
+        </p:nvSpPr>
+        <p:spPr>
+          <a:xfrm>
+            <a:off x="7908365" y="1366654"/>
+            <a:ext cx="283073" cy="262866"/>
+          </a:xfrm>
+          <a:prstGeom prst="mathMultiply">
+            <a:avLst/>
+          </a:prstGeom>
+          <a:solidFill>
+            <a:schemeClr val="tx2"/>
+          </a:solidFill>
+          <a:ln>
+            <a:noFill/>
+          </a:ln>
+        </p:spPr>
+        <p:style>
+          <a:lnRef idx="2">
+            <a:schemeClr val="accent1">
+              <a:shade val="50000"/>
+            </a:schemeClr>
+          </a:lnRef>
+          <a:fillRef idx="1">
+            <a:schemeClr val="accent1"/>
+          </a:fillRef>
+          <a:effectRef idx="0">
+            <a:schemeClr val="accent1"/>
+          </a:effectRef>
+          <a:fontRef idx="minor">
+            <a:schemeClr val="lt1"/>
+          </a:fontRef>
+        </p:style>
+        <p:txBody>
+          <a:bodyPr rtlCol="0" anchor="ctr"/>
+          <a:lstStyle/>
+          <a:p>
+            <a:pPr algn="ctr"/>
+            <a:endParaRPr lang="en-US" dirty="0"/>
+          </a:p>
+        </p:txBody>
+      </p:sp>
+      <p:sp>
+        <p:nvSpPr>
+          <p:cNvPr id="95" name="文本框 94">
+            <a:extLst>
+              <a:ext uri="{FF2B5EF4-FFF2-40B4-BE49-F238E27FC236}">
+                <a16:creationId xmlns:a16="http://schemas.microsoft.com/office/drawing/2014/main" id="{D4A1D061-C71D-4AAC-BABF-F78C4F0E0D29}"/>
+              </a:ext>
+            </a:extLst>
+          </p:cNvPr>
+          <p:cNvSpPr txBox="1"/>
+          <p:nvPr/>
+        </p:nvSpPr>
+        <p:spPr>
+          <a:xfrm>
+            <a:off x="8184261" y="1381040"/>
+            <a:ext cx="844482" cy="184666"/>
+          </a:xfrm>
+          <a:prstGeom prst="rect">
+            <a:avLst/>
+          </a:prstGeom>
+          <a:noFill/>
+        </p:spPr>
+        <p:txBody>
+          <a:bodyPr wrap="square" rtlCol="0">
+            <a:spAutoFit/>
+          </a:bodyPr>
+          <a:lstStyle/>
+          <a:p>
+            <a:r>
+              <a:rPr lang="en-US" sz="600" dirty="0"/>
+              <a:t>D</a:t>
+            </a:r>
+            <a:r>
+              <a:rPr lang="en-US" altLang="zh-CN" sz="600" dirty="0"/>
+              <a:t>angerous  Function</a:t>
+            </a:r>
+            <a:endParaRPr lang="en-US" sz="1200" dirty="0"/>
+          </a:p>
+        </p:txBody>
+      </p:sp>
+      <p:cxnSp>
+        <p:nvCxnSpPr>
+          <p:cNvPr id="17" name="连接符: 曲线 16">
+            <a:extLst>
+              <a:ext uri="{FF2B5EF4-FFF2-40B4-BE49-F238E27FC236}">
+                <a16:creationId xmlns:a16="http://schemas.microsoft.com/office/drawing/2014/main" id="{D91CF941-6F53-4F51-AC38-FB693A5653B4}"/>
+              </a:ext>
+            </a:extLst>
+          </p:cNvPr>
+          <p:cNvCxnSpPr>
+            <a:cxnSpLocks/>
+          </p:cNvCxnSpPr>
+          <p:nvPr/>
+        </p:nvCxnSpPr>
+        <p:spPr>
+          <a:xfrm rot="10800000" flipV="1">
+            <a:off x="3033713" y="3005138"/>
+            <a:ext cx="400052" cy="271290"/>
+          </a:xfrm>
+          <a:prstGeom prst="curvedConnector3">
+            <a:avLst>
+              <a:gd name="adj1" fmla="val 95238"/>
+            </a:avLst>
+          </a:prstGeom>
+          <a:ln w="50800" cmpd="dbl">
+            <a:solidFill>
+              <a:schemeClr val="tx1"/>
+            </a:solidFill>
+            <a:prstDash val="sysDot"/>
+            <a:tailEnd type="triangle"/>
+          </a:ln>
+        </p:spPr>
+        <p:style>
+          <a:lnRef idx="1">
+            <a:schemeClr val="accent1"/>
+          </a:lnRef>
+          <a:fillRef idx="0">
+            <a:schemeClr val="accent1"/>
+          </a:fillRef>
+          <a:effectRef idx="0">
+            <a:schemeClr val="accent1"/>
+          </a:effectRef>
+          <a:fontRef idx="minor">
+            <a:schemeClr val="tx1"/>
+          </a:fontRef>
+        </p:style>
+      </p:cxnSp>
+      <p:cxnSp>
+        <p:nvCxnSpPr>
+          <p:cNvPr id="81" name="连接符: 曲线 80">
+            <a:extLst>
+              <a:ext uri="{FF2B5EF4-FFF2-40B4-BE49-F238E27FC236}">
+                <a16:creationId xmlns:a16="http://schemas.microsoft.com/office/drawing/2014/main" id="{007E3A3B-7CD5-42FC-B173-95ACEFE8BEA3}"/>
+              </a:ext>
+            </a:extLst>
+          </p:cNvPr>
+          <p:cNvCxnSpPr>
+            <a:cxnSpLocks/>
+          </p:cNvCxnSpPr>
+          <p:nvPr/>
+        </p:nvCxnSpPr>
+        <p:spPr>
+          <a:xfrm>
+            <a:off x="3649649" y="3005138"/>
+            <a:ext cx="449734" cy="205252"/>
+          </a:xfrm>
+          <a:prstGeom prst="curvedConnector3">
+            <a:avLst>
+              <a:gd name="adj1" fmla="val 110360"/>
+            </a:avLst>
+          </a:prstGeom>
+          <a:ln w="50800" cmpd="dbl">
+            <a:solidFill>
+              <a:schemeClr val="tx1"/>
+            </a:solidFill>
+            <a:prstDash val="sysDot"/>
+            <a:tailEnd type="triangle"/>
+          </a:ln>
+        </p:spPr>
+        <p:style>
+          <a:lnRef idx="1">
+            <a:schemeClr val="accent1"/>
+          </a:lnRef>
+          <a:fillRef idx="0">
+            <a:schemeClr val="accent1"/>
+          </a:fillRef>
+          <a:effectRef idx="0">
+            <a:schemeClr val="accent1"/>
+          </a:effectRef>
+          <a:fontRef idx="minor">
+            <a:schemeClr val="tx1"/>
+          </a:fontRef>
+        </p:style>
+      </p:cxnSp>
+    </p:spTree>
+    <p:extLst>
+      <p:ext uri="{BB962C8B-B14F-4D97-AF65-F5344CB8AC3E}">
+        <p14:creationId xmlns:p14="http://schemas.microsoft.com/office/powerpoint/2010/main" val="773009366"/>
+      </p:ext>
+    </p:extLst>
+  </p:cSld>
+  <p:clrMapOvr>
+    <a:masterClrMapping/>
+  </p:clrMapOvr>
+</p:sld>
+</file>
+
+<file path=ppt/slides/slide3.xml><?xml version="1.0" encoding="utf-8"?>
+<p:sld xmlns:a="http://schemas.openxmlformats.org/drawingml/2006/main" xmlns:r="http://schemas.openxmlformats.org/officeDocument/2006/relationships" xmlns:p="http://schemas.openxmlformats.org/presentationml/2006/main">
+  <p:cSld>
+    <p:spTree>
+      <p:nvGrpSpPr>
+        <p:cNvPr id="1" name=""/>
+        <p:cNvGrpSpPr/>
+        <p:nvPr/>
+      </p:nvGrpSpPr>
+      <p:grpSpPr>
+        <a:xfrm>
+          <a:off x="0" y="0"/>
+          <a:ext cx="0" cy="0"/>
+          <a:chOff x="0" y="0"/>
+          <a:chExt cx="0" cy="0"/>
+        </a:xfrm>
+      </p:grpSpPr>
       <p:cxnSp>
         <p:nvCxnSpPr>
           <p:cNvPr id="5" name="直接连接符 4">
@@ -7842,7 +10913,7 @@
 </p:sld>
 </file>
 
-<file path=ppt/slides/slide3.xml><?xml version="1.0" encoding="utf-8"?>
+<file path=ppt/slides/slide4.xml><?xml version="1.0" encoding="utf-8"?>
 <p:sld xmlns:a="http://schemas.openxmlformats.org/drawingml/2006/main" xmlns:r="http://schemas.openxmlformats.org/officeDocument/2006/relationships" xmlns:p="http://schemas.openxmlformats.org/presentationml/2006/main">
   <p:cSld>
     <p:spTree>
@@ -9526,7 +12597,7 @@
 </p:sld>
 </file>
 
-<file path=ppt/slides/slide4.xml><?xml version="1.0" encoding="utf-8"?>
+<file path=ppt/slides/slide5.xml><?xml version="1.0" encoding="utf-8"?>
 <p:sld xmlns:a="http://schemas.openxmlformats.org/drawingml/2006/main" xmlns:r="http://schemas.openxmlformats.org/officeDocument/2006/relationships" xmlns:p="http://schemas.openxmlformats.org/presentationml/2006/main">
   <p:cSld>
     <p:spTree>

--- a/raw_ppt/model.pptx
+++ b/raw_ppt/model.pptx
@@ -7,9 +7,10 @@
   <p:sldIdLst>
     <p:sldId id="259" r:id="rId2"/>
     <p:sldId id="260" r:id="rId3"/>
-    <p:sldId id="256" r:id="rId4"/>
-    <p:sldId id="257" r:id="rId5"/>
-    <p:sldId id="258" r:id="rId6"/>
+    <p:sldId id="261" r:id="rId4"/>
+    <p:sldId id="256" r:id="rId5"/>
+    <p:sldId id="257" r:id="rId6"/>
+    <p:sldId id="258" r:id="rId7"/>
   </p:sldIdLst>
   <p:sldSz cx="12192000" cy="6858000"/>
   <p:notesSz cx="6858000" cy="9144000"/>
@@ -280,7 +281,7 @@
           <a:p>
             <a:fld id="{6A97F5A2-4625-40AA-9E11-5919015A98E5}" type="datetimeFigureOut">
               <a:rPr lang="en-US" smtClean="0"/>
-              <a:t>10/15/2017</a:t>
+              <a:t>10/20/2017</a:t>
             </a:fld>
             <a:endParaRPr lang="en-US"/>
           </a:p>
@@ -480,7 +481,7 @@
           <a:p>
             <a:fld id="{6A97F5A2-4625-40AA-9E11-5919015A98E5}" type="datetimeFigureOut">
               <a:rPr lang="en-US" smtClean="0"/>
-              <a:t>10/15/2017</a:t>
+              <a:t>10/20/2017</a:t>
             </a:fld>
             <a:endParaRPr lang="en-US"/>
           </a:p>
@@ -690,7 +691,7 @@
           <a:p>
             <a:fld id="{6A97F5A2-4625-40AA-9E11-5919015A98E5}" type="datetimeFigureOut">
               <a:rPr lang="en-US" smtClean="0"/>
-              <a:t>10/15/2017</a:t>
+              <a:t>10/20/2017</a:t>
             </a:fld>
             <a:endParaRPr lang="en-US"/>
           </a:p>
@@ -890,7 +891,7 @@
           <a:p>
             <a:fld id="{6A97F5A2-4625-40AA-9E11-5919015A98E5}" type="datetimeFigureOut">
               <a:rPr lang="en-US" smtClean="0"/>
-              <a:t>10/15/2017</a:t>
+              <a:t>10/20/2017</a:t>
             </a:fld>
             <a:endParaRPr lang="en-US"/>
           </a:p>
@@ -1166,7 +1167,7 @@
           <a:p>
             <a:fld id="{6A97F5A2-4625-40AA-9E11-5919015A98E5}" type="datetimeFigureOut">
               <a:rPr lang="en-US" smtClean="0"/>
-              <a:t>10/15/2017</a:t>
+              <a:t>10/20/2017</a:t>
             </a:fld>
             <a:endParaRPr lang="en-US"/>
           </a:p>
@@ -1434,7 +1435,7 @@
           <a:p>
             <a:fld id="{6A97F5A2-4625-40AA-9E11-5919015A98E5}" type="datetimeFigureOut">
               <a:rPr lang="en-US" smtClean="0"/>
-              <a:t>10/15/2017</a:t>
+              <a:t>10/20/2017</a:t>
             </a:fld>
             <a:endParaRPr lang="en-US"/>
           </a:p>
@@ -1849,7 +1850,7 @@
           <a:p>
             <a:fld id="{6A97F5A2-4625-40AA-9E11-5919015A98E5}" type="datetimeFigureOut">
               <a:rPr lang="en-US" smtClean="0"/>
-              <a:t>10/15/2017</a:t>
+              <a:t>10/20/2017</a:t>
             </a:fld>
             <a:endParaRPr lang="en-US"/>
           </a:p>
@@ -1991,7 +1992,7 @@
           <a:p>
             <a:fld id="{6A97F5A2-4625-40AA-9E11-5919015A98E5}" type="datetimeFigureOut">
               <a:rPr lang="en-US" smtClean="0"/>
-              <a:t>10/15/2017</a:t>
+              <a:t>10/20/2017</a:t>
             </a:fld>
             <a:endParaRPr lang="en-US"/>
           </a:p>
@@ -2104,7 +2105,7 @@
           <a:p>
             <a:fld id="{6A97F5A2-4625-40AA-9E11-5919015A98E5}" type="datetimeFigureOut">
               <a:rPr lang="en-US" smtClean="0"/>
-              <a:t>10/15/2017</a:t>
+              <a:t>10/20/2017</a:t>
             </a:fld>
             <a:endParaRPr lang="en-US"/>
           </a:p>
@@ -2417,7 +2418,7 @@
           <a:p>
             <a:fld id="{6A97F5A2-4625-40AA-9E11-5919015A98E5}" type="datetimeFigureOut">
               <a:rPr lang="en-US" smtClean="0"/>
-              <a:t>10/15/2017</a:t>
+              <a:t>10/20/2017</a:t>
             </a:fld>
             <a:endParaRPr lang="en-US"/>
           </a:p>
@@ -2706,7 +2707,7 @@
           <a:p>
             <a:fld id="{6A97F5A2-4625-40AA-9E11-5919015A98E5}" type="datetimeFigureOut">
               <a:rPr lang="en-US" smtClean="0"/>
-              <a:t>10/15/2017</a:t>
+              <a:t>10/20/2017</a:t>
             </a:fld>
             <a:endParaRPr lang="en-US"/>
           </a:p>
@@ -2949,7 +2950,7 @@
           <a:p>
             <a:fld id="{6A97F5A2-4625-40AA-9E11-5919015A98E5}" type="datetimeFigureOut">
               <a:rPr lang="en-US" smtClean="0"/>
-              <a:t>10/15/2017</a:t>
+              <a:t>10/20/2017</a:t>
             </a:fld>
             <a:endParaRPr lang="en-US"/>
           </a:p>
@@ -6586,9 +6587,9 @@
           <p:nvPr/>
         </p:nvCxnSpPr>
         <p:spPr>
-          <a:xfrm flipH="1">
-            <a:off x="3521347" y="1221360"/>
-            <a:ext cx="104" cy="1783778"/>
+          <a:xfrm>
+            <a:off x="3495803" y="1221360"/>
+            <a:ext cx="25545" cy="1783778"/>
           </a:xfrm>
           <a:prstGeom prst="line">
             <a:avLst/>
@@ -8353,7 +8354,7 @@
         <p:spPr>
           <a:xfrm>
             <a:off x="3130959" y="852028"/>
-            <a:ext cx="780983" cy="369332"/>
+            <a:ext cx="729687" cy="369332"/>
           </a:xfrm>
           <a:prstGeom prst="rect">
             <a:avLst/>
@@ -8368,8 +8369,13 @@
           <a:p>
             <a:r>
               <a:rPr lang="en-US" dirty="0"/>
-              <a:t>Victim</a:t>
+              <a:t>T</a:t>
             </a:r>
+            <a:r>
+              <a:rPr lang="en-US" altLang="zh-CN" dirty="0"/>
+              <a:t>1(I1)</a:t>
+            </a:r>
+            <a:endParaRPr lang="en-US" dirty="0"/>
           </a:p>
         </p:txBody>
       </p:sp>
@@ -8388,9 +8394,9 @@
         <p:grpSpPr>
           <a:xfrm>
             <a:off x="7872813" y="1921578"/>
-            <a:ext cx="780983" cy="3161405"/>
+            <a:ext cx="684290" cy="3161405"/>
             <a:chOff x="7529131" y="2667976"/>
-            <a:chExt cx="780983" cy="3161405"/>
+            <a:chExt cx="684290" cy="3161405"/>
           </a:xfrm>
         </p:grpSpPr>
         <p:cxnSp>
@@ -8666,7 +8672,7 @@
           <p:spPr>
             <a:xfrm>
               <a:off x="7529131" y="2667976"/>
-              <a:ext cx="780983" cy="369332"/>
+              <a:ext cx="684290" cy="369332"/>
             </a:xfrm>
             <a:prstGeom prst="rect">
               <a:avLst/>
@@ -8680,8 +8686,12 @@
             <a:lstStyle/>
             <a:p>
               <a:r>
+                <a:rPr lang="en-US" dirty="0" err="1"/>
+                <a:t>Tx</a:t>
+              </a:r>
+              <a:r>
                 <a:rPr lang="en-US" dirty="0"/>
-                <a:t>Victim</a:t>
+                <a:t>(Ix)</a:t>
               </a:r>
             </a:p>
           </p:txBody>
@@ -8702,7 +8712,7 @@
         <p:spPr>
           <a:xfrm>
             <a:off x="5811322" y="825383"/>
-            <a:ext cx="960391" cy="369332"/>
+            <a:ext cx="729687" cy="369332"/>
           </a:xfrm>
           <a:prstGeom prst="rect">
             <a:avLst/>
@@ -8717,7 +8727,7 @@
           <a:p>
             <a:r>
               <a:rPr lang="en-US" dirty="0"/>
-              <a:t>Attacker</a:t>
+              <a:t>T2(I2)</a:t>
             </a:r>
           </a:p>
         </p:txBody>
@@ -9494,6 +9504,2385 @@
 </file>
 
 <file path=ppt/slides/slide3.xml><?xml version="1.0" encoding="utf-8"?>
+<p:sld xmlns:a="http://schemas.openxmlformats.org/drawingml/2006/main" xmlns:r="http://schemas.openxmlformats.org/officeDocument/2006/relationships" xmlns:p="http://schemas.openxmlformats.org/presentationml/2006/main">
+  <p:cSld>
+    <p:spTree>
+      <p:nvGrpSpPr>
+        <p:cNvPr id="1" name=""/>
+        <p:cNvGrpSpPr/>
+        <p:nvPr/>
+      </p:nvGrpSpPr>
+      <p:grpSpPr>
+        <a:xfrm>
+          <a:off x="0" y="0"/>
+          <a:ext cx="0" cy="0"/>
+          <a:chOff x="0" y="0"/>
+          <a:chExt cx="0" cy="0"/>
+        </a:xfrm>
+      </p:grpSpPr>
+      <p:cxnSp>
+        <p:nvCxnSpPr>
+          <p:cNvPr id="5" name="直接连接符 4">
+            <a:extLst>
+              <a:ext uri="{FF2B5EF4-FFF2-40B4-BE49-F238E27FC236}">
+                <a16:creationId xmlns:a16="http://schemas.microsoft.com/office/drawing/2014/main" id="{81520D02-37D8-4A51-8B5C-0589BE087133}"/>
+              </a:ext>
+            </a:extLst>
+          </p:cNvPr>
+          <p:cNvCxnSpPr>
+            <a:cxnSpLocks/>
+            <a:stCxn id="100" idx="2"/>
+          </p:cNvCxnSpPr>
+          <p:nvPr/>
+        </p:nvCxnSpPr>
+        <p:spPr>
+          <a:xfrm>
+            <a:off x="3495803" y="1221360"/>
+            <a:ext cx="25545" cy="1783778"/>
+          </a:xfrm>
+          <a:prstGeom prst="line">
+            <a:avLst/>
+          </a:prstGeom>
+          <a:ln w="50800" cmpd="dbl">
+            <a:solidFill>
+              <a:schemeClr val="tx1"/>
+            </a:solidFill>
+            <a:prstDash val="sysDot"/>
+            <a:tailEnd type="diamond"/>
+          </a:ln>
+        </p:spPr>
+        <p:style>
+          <a:lnRef idx="1">
+            <a:schemeClr val="accent1"/>
+          </a:lnRef>
+          <a:fillRef idx="0">
+            <a:schemeClr val="accent1"/>
+          </a:fillRef>
+          <a:effectRef idx="0">
+            <a:schemeClr val="accent1"/>
+          </a:effectRef>
+          <a:fontRef idx="minor">
+            <a:schemeClr val="tx1"/>
+          </a:fontRef>
+        </p:style>
+      </p:cxnSp>
+      <p:cxnSp>
+        <p:nvCxnSpPr>
+          <p:cNvPr id="7" name="直接连接符 6">
+            <a:extLst>
+              <a:ext uri="{FF2B5EF4-FFF2-40B4-BE49-F238E27FC236}">
+                <a16:creationId xmlns:a16="http://schemas.microsoft.com/office/drawing/2014/main" id="{A24DDF2D-7EB1-4DFB-A1E9-2C879C43C8CD}"/>
+              </a:ext>
+            </a:extLst>
+          </p:cNvPr>
+          <p:cNvCxnSpPr>
+            <a:cxnSpLocks/>
+          </p:cNvCxnSpPr>
+          <p:nvPr/>
+        </p:nvCxnSpPr>
+        <p:spPr>
+          <a:xfrm>
+            <a:off x="6255391" y="1251268"/>
+            <a:ext cx="0" cy="1077466"/>
+          </a:xfrm>
+          <a:prstGeom prst="line">
+            <a:avLst/>
+          </a:prstGeom>
+          <a:ln w="50800" cmpd="dbl">
+            <a:solidFill>
+              <a:schemeClr val="tx1"/>
+            </a:solidFill>
+            <a:prstDash val="solid"/>
+            <a:headEnd type="none"/>
+            <a:tailEnd type="stealth"/>
+          </a:ln>
+        </p:spPr>
+        <p:style>
+          <a:lnRef idx="1">
+            <a:schemeClr val="accent1"/>
+          </a:lnRef>
+          <a:fillRef idx="0">
+            <a:schemeClr val="accent1"/>
+          </a:fillRef>
+          <a:effectRef idx="0">
+            <a:schemeClr val="accent1"/>
+          </a:effectRef>
+          <a:fontRef idx="minor">
+            <a:schemeClr val="tx1"/>
+          </a:fontRef>
+        </p:style>
+      </p:cxnSp>
+      <p:cxnSp>
+        <p:nvCxnSpPr>
+          <p:cNvPr id="34" name="直接箭头连接符 33">
+            <a:extLst>
+              <a:ext uri="{FF2B5EF4-FFF2-40B4-BE49-F238E27FC236}">
+                <a16:creationId xmlns:a16="http://schemas.microsoft.com/office/drawing/2014/main" id="{7EC2455B-BA5D-4BF1-B6DD-67088C7AE33B}"/>
+              </a:ext>
+            </a:extLst>
+          </p:cNvPr>
+          <p:cNvCxnSpPr>
+            <a:cxnSpLocks/>
+            <a:stCxn id="2" idx="6"/>
+            <a:endCxn id="37" idx="2"/>
+          </p:cNvCxnSpPr>
+          <p:nvPr/>
+        </p:nvCxnSpPr>
+        <p:spPr>
+          <a:xfrm>
+            <a:off x="3675068" y="1641852"/>
+            <a:ext cx="2446645" cy="236777"/>
+          </a:xfrm>
+          <a:prstGeom prst="straightConnector1">
+            <a:avLst/>
+          </a:prstGeom>
+          <a:ln w="25400">
+            <a:solidFill>
+              <a:schemeClr val="tx1"/>
+            </a:solidFill>
+            <a:tailEnd type="triangle" w="lg" len="lg"/>
+          </a:ln>
+        </p:spPr>
+        <p:style>
+          <a:lnRef idx="1">
+            <a:schemeClr val="accent1"/>
+          </a:lnRef>
+          <a:fillRef idx="0">
+            <a:schemeClr val="accent1"/>
+          </a:fillRef>
+          <a:effectRef idx="0">
+            <a:schemeClr val="accent1"/>
+          </a:effectRef>
+          <a:fontRef idx="minor">
+            <a:schemeClr val="tx1"/>
+          </a:fontRef>
+        </p:style>
+      </p:cxnSp>
+      <p:cxnSp>
+        <p:nvCxnSpPr>
+          <p:cNvPr id="45" name="直接箭头连接符 44">
+            <a:extLst>
+              <a:ext uri="{FF2B5EF4-FFF2-40B4-BE49-F238E27FC236}">
+                <a16:creationId xmlns:a16="http://schemas.microsoft.com/office/drawing/2014/main" id="{30C4CE4E-228C-46C5-B759-637605482125}"/>
+              </a:ext>
+            </a:extLst>
+          </p:cNvPr>
+          <p:cNvCxnSpPr>
+            <a:cxnSpLocks/>
+            <a:stCxn id="37" idx="2"/>
+            <a:endCxn id="36" idx="6"/>
+          </p:cNvCxnSpPr>
+          <p:nvPr/>
+        </p:nvCxnSpPr>
+        <p:spPr>
+          <a:xfrm flipH="1">
+            <a:off x="3662259" y="1878629"/>
+            <a:ext cx="2459454" cy="388140"/>
+          </a:xfrm>
+          <a:prstGeom prst="straightConnector1">
+            <a:avLst/>
+          </a:prstGeom>
+          <a:ln w="25400">
+            <a:solidFill>
+              <a:schemeClr val="tx1"/>
+            </a:solidFill>
+            <a:tailEnd type="triangle" w="lg" len="lg"/>
+          </a:ln>
+        </p:spPr>
+        <p:style>
+          <a:lnRef idx="1">
+            <a:schemeClr val="accent1"/>
+          </a:lnRef>
+          <a:fillRef idx="0">
+            <a:schemeClr val="accent1"/>
+          </a:fillRef>
+          <a:effectRef idx="0">
+            <a:schemeClr val="accent1"/>
+          </a:effectRef>
+          <a:fontRef idx="minor">
+            <a:schemeClr val="tx1"/>
+          </a:fontRef>
+        </p:style>
+      </p:cxnSp>
+      <p:sp>
+        <p:nvSpPr>
+          <p:cNvPr id="2" name="椭圆 1">
+            <a:extLst>
+              <a:ext uri="{FF2B5EF4-FFF2-40B4-BE49-F238E27FC236}">
+                <a16:creationId xmlns:a16="http://schemas.microsoft.com/office/drawing/2014/main" id="{0EF8B901-97B8-42C9-8F7F-C42D4C6343A2}"/>
+              </a:ext>
+            </a:extLst>
+          </p:cNvPr>
+          <p:cNvSpPr/>
+          <p:nvPr/>
+        </p:nvSpPr>
+        <p:spPr>
+          <a:xfrm>
+            <a:off x="3377021" y="1492828"/>
+            <a:ext cx="298047" cy="298047"/>
+          </a:xfrm>
+          <a:prstGeom prst="ellipse">
+            <a:avLst/>
+          </a:prstGeom>
+          <a:solidFill>
+            <a:schemeClr val="tx1"/>
+          </a:solidFill>
+          <a:ln>
+            <a:noFill/>
+          </a:ln>
+        </p:spPr>
+        <p:style>
+          <a:lnRef idx="2">
+            <a:schemeClr val="accent1">
+              <a:shade val="50000"/>
+            </a:schemeClr>
+          </a:lnRef>
+          <a:fillRef idx="1">
+            <a:schemeClr val="accent1"/>
+          </a:fillRef>
+          <a:effectRef idx="0">
+            <a:schemeClr val="accent1"/>
+          </a:effectRef>
+          <a:fontRef idx="minor">
+            <a:schemeClr val="lt1"/>
+          </a:fontRef>
+        </p:style>
+        <p:txBody>
+          <a:bodyPr rtlCol="0" anchor="ctr"/>
+          <a:lstStyle/>
+          <a:p>
+            <a:pPr algn="ctr"/>
+            <a:endParaRPr lang="en-US"/>
+          </a:p>
+        </p:txBody>
+      </p:sp>
+      <p:sp>
+        <p:nvSpPr>
+          <p:cNvPr id="36" name="椭圆 35">
+            <a:extLst>
+              <a:ext uri="{FF2B5EF4-FFF2-40B4-BE49-F238E27FC236}">
+                <a16:creationId xmlns:a16="http://schemas.microsoft.com/office/drawing/2014/main" id="{3B9C1F68-750E-40F1-9047-BC0C948B47D8}"/>
+              </a:ext>
+            </a:extLst>
+          </p:cNvPr>
+          <p:cNvSpPr/>
+          <p:nvPr/>
+        </p:nvSpPr>
+        <p:spPr>
+          <a:xfrm>
+            <a:off x="3364212" y="2117745"/>
+            <a:ext cx="298047" cy="298047"/>
+          </a:xfrm>
+          <a:prstGeom prst="ellipse">
+            <a:avLst/>
+          </a:prstGeom>
+          <a:solidFill>
+            <a:schemeClr val="tx1"/>
+          </a:solidFill>
+          <a:ln>
+            <a:noFill/>
+          </a:ln>
+        </p:spPr>
+        <p:style>
+          <a:lnRef idx="2">
+            <a:schemeClr val="accent1">
+              <a:shade val="50000"/>
+            </a:schemeClr>
+          </a:lnRef>
+          <a:fillRef idx="1">
+            <a:schemeClr val="accent1"/>
+          </a:fillRef>
+          <a:effectRef idx="0">
+            <a:schemeClr val="accent1"/>
+          </a:effectRef>
+          <a:fontRef idx="minor">
+            <a:schemeClr val="lt1"/>
+          </a:fontRef>
+        </p:style>
+        <p:txBody>
+          <a:bodyPr rtlCol="0" anchor="ctr"/>
+          <a:lstStyle/>
+          <a:p>
+            <a:pPr algn="ctr"/>
+            <a:endParaRPr lang="en-US"/>
+          </a:p>
+        </p:txBody>
+      </p:sp>
+      <p:sp>
+        <p:nvSpPr>
+          <p:cNvPr id="37" name="椭圆 36">
+            <a:extLst>
+              <a:ext uri="{FF2B5EF4-FFF2-40B4-BE49-F238E27FC236}">
+                <a16:creationId xmlns:a16="http://schemas.microsoft.com/office/drawing/2014/main" id="{1930DDA6-F497-4460-9FC2-54560555D911}"/>
+              </a:ext>
+            </a:extLst>
+          </p:cNvPr>
+          <p:cNvSpPr/>
+          <p:nvPr/>
+        </p:nvSpPr>
+        <p:spPr>
+          <a:xfrm>
+            <a:off x="6121713" y="1729605"/>
+            <a:ext cx="298047" cy="298047"/>
+          </a:xfrm>
+          <a:prstGeom prst="ellipse">
+            <a:avLst/>
+          </a:prstGeom>
+          <a:solidFill>
+            <a:schemeClr val="tx1"/>
+          </a:solidFill>
+          <a:ln>
+            <a:noFill/>
+          </a:ln>
+        </p:spPr>
+        <p:style>
+          <a:lnRef idx="2">
+            <a:schemeClr val="accent1">
+              <a:shade val="50000"/>
+            </a:schemeClr>
+          </a:lnRef>
+          <a:fillRef idx="1">
+            <a:schemeClr val="accent1"/>
+          </a:fillRef>
+          <a:effectRef idx="0">
+            <a:schemeClr val="accent1"/>
+          </a:effectRef>
+          <a:fontRef idx="minor">
+            <a:schemeClr val="lt1"/>
+          </a:fontRef>
+        </p:style>
+        <p:txBody>
+          <a:bodyPr rtlCol="0" anchor="ctr"/>
+          <a:lstStyle/>
+          <a:p>
+            <a:pPr algn="ctr"/>
+            <a:endParaRPr lang="en-US"/>
+          </a:p>
+        </p:txBody>
+      </p:sp>
+      <p:sp>
+        <p:nvSpPr>
+          <p:cNvPr id="15" name="乘号 14">
+            <a:extLst>
+              <a:ext uri="{FF2B5EF4-FFF2-40B4-BE49-F238E27FC236}">
+                <a16:creationId xmlns:a16="http://schemas.microsoft.com/office/drawing/2014/main" id="{2B8D22A7-8F70-4A98-BC33-ABDA7143713A}"/>
+              </a:ext>
+            </a:extLst>
+          </p:cNvPr>
+          <p:cNvSpPr/>
+          <p:nvPr/>
+        </p:nvSpPr>
+        <p:spPr>
+          <a:xfrm>
+            <a:off x="3371905" y="4314576"/>
+            <a:ext cx="404673" cy="375785"/>
+          </a:xfrm>
+          <a:prstGeom prst="mathMultiply">
+            <a:avLst/>
+          </a:prstGeom>
+          <a:solidFill>
+            <a:schemeClr val="tx1"/>
+          </a:solidFill>
+          <a:ln>
+            <a:noFill/>
+          </a:ln>
+        </p:spPr>
+        <p:style>
+          <a:lnRef idx="2">
+            <a:schemeClr val="accent1">
+              <a:shade val="50000"/>
+            </a:schemeClr>
+          </a:lnRef>
+          <a:fillRef idx="1">
+            <a:schemeClr val="accent1"/>
+          </a:fillRef>
+          <a:effectRef idx="0">
+            <a:schemeClr val="accent1"/>
+          </a:effectRef>
+          <a:fontRef idx="minor">
+            <a:schemeClr val="lt1"/>
+          </a:fontRef>
+        </p:style>
+        <p:txBody>
+          <a:bodyPr rtlCol="0" anchor="ctr"/>
+          <a:lstStyle/>
+          <a:p>
+            <a:pPr algn="ctr"/>
+            <a:endParaRPr lang="en-US" dirty="0"/>
+          </a:p>
+        </p:txBody>
+      </p:sp>
+      <p:sp>
+        <p:nvSpPr>
+          <p:cNvPr id="16" name="流程图: 多文档 15">
+            <a:extLst>
+              <a:ext uri="{FF2B5EF4-FFF2-40B4-BE49-F238E27FC236}">
+                <a16:creationId xmlns:a16="http://schemas.microsoft.com/office/drawing/2014/main" id="{BD8B793E-65C3-41BA-8016-EFB4EC5E0896}"/>
+              </a:ext>
+            </a:extLst>
+          </p:cNvPr>
+          <p:cNvSpPr/>
+          <p:nvPr/>
+        </p:nvSpPr>
+        <p:spPr>
+          <a:xfrm>
+            <a:off x="3904976" y="3256783"/>
+            <a:ext cx="291425" cy="253607"/>
+          </a:xfrm>
+          <a:prstGeom prst="flowChartMultidocument">
+            <a:avLst/>
+          </a:prstGeom>
+          <a:pattFill prst="pct75">
+            <a:fgClr>
+              <a:schemeClr val="tx2"/>
+            </a:fgClr>
+            <a:bgClr>
+              <a:schemeClr val="bg1"/>
+            </a:bgClr>
+          </a:pattFill>
+          <a:ln>
+            <a:solidFill>
+              <a:schemeClr val="tx1"/>
+            </a:solidFill>
+          </a:ln>
+        </p:spPr>
+        <p:style>
+          <a:lnRef idx="2">
+            <a:schemeClr val="accent1">
+              <a:shade val="50000"/>
+            </a:schemeClr>
+          </a:lnRef>
+          <a:fillRef idx="1">
+            <a:schemeClr val="accent1"/>
+          </a:fillRef>
+          <a:effectRef idx="0">
+            <a:schemeClr val="accent1"/>
+          </a:effectRef>
+          <a:fontRef idx="minor">
+            <a:schemeClr val="lt1"/>
+          </a:fontRef>
+        </p:style>
+        <p:txBody>
+          <a:bodyPr rtlCol="0" anchor="ctr"/>
+          <a:lstStyle/>
+          <a:p>
+            <a:pPr algn="ctr"/>
+            <a:endParaRPr lang="en-US"/>
+          </a:p>
+        </p:txBody>
+      </p:sp>
+      <p:cxnSp>
+        <p:nvCxnSpPr>
+          <p:cNvPr id="78" name="直接箭头连接符 77">
+            <a:extLst>
+              <a:ext uri="{FF2B5EF4-FFF2-40B4-BE49-F238E27FC236}">
+                <a16:creationId xmlns:a16="http://schemas.microsoft.com/office/drawing/2014/main" id="{45571CD2-795F-4A58-B5A6-0BB17EBE5573}"/>
+              </a:ext>
+            </a:extLst>
+          </p:cNvPr>
+          <p:cNvCxnSpPr>
+            <a:cxnSpLocks/>
+          </p:cNvCxnSpPr>
+          <p:nvPr/>
+        </p:nvCxnSpPr>
+        <p:spPr>
+          <a:xfrm>
+            <a:off x="4296416" y="3413275"/>
+            <a:ext cx="3812053" cy="418006"/>
+          </a:xfrm>
+          <a:prstGeom prst="straightConnector1">
+            <a:avLst/>
+          </a:prstGeom>
+          <a:ln w="25400">
+            <a:solidFill>
+              <a:schemeClr val="tx1"/>
+            </a:solidFill>
+            <a:prstDash val="sysDash"/>
+            <a:tailEnd type="triangle" w="lg" len="lg"/>
+          </a:ln>
+        </p:spPr>
+        <p:style>
+          <a:lnRef idx="1">
+            <a:schemeClr val="accent1"/>
+          </a:lnRef>
+          <a:fillRef idx="0">
+            <a:schemeClr val="accent1"/>
+          </a:fillRef>
+          <a:effectRef idx="0">
+            <a:schemeClr val="accent1"/>
+          </a:effectRef>
+          <a:fontRef idx="minor">
+            <a:schemeClr val="tx1"/>
+          </a:fontRef>
+        </p:style>
+      </p:cxnSp>
+      <p:cxnSp>
+        <p:nvCxnSpPr>
+          <p:cNvPr id="83" name="直接箭头连接符 82">
+            <a:extLst>
+              <a:ext uri="{FF2B5EF4-FFF2-40B4-BE49-F238E27FC236}">
+                <a16:creationId xmlns:a16="http://schemas.microsoft.com/office/drawing/2014/main" id="{C15DF3A5-D42C-48EF-8007-9F850CDFAED3}"/>
+              </a:ext>
+            </a:extLst>
+          </p:cNvPr>
+          <p:cNvCxnSpPr>
+            <a:cxnSpLocks/>
+            <a:stCxn id="62" idx="2"/>
+            <a:endCxn id="16" idx="3"/>
+          </p:cNvCxnSpPr>
+          <p:nvPr/>
+        </p:nvCxnSpPr>
+        <p:spPr>
+          <a:xfrm flipH="1">
+            <a:off x="4196401" y="2658196"/>
+            <a:ext cx="3927986" cy="725391"/>
+          </a:xfrm>
+          <a:prstGeom prst="straightConnector1">
+            <a:avLst/>
+          </a:prstGeom>
+          <a:ln w="25400">
+            <a:solidFill>
+              <a:schemeClr val="tx1"/>
+            </a:solidFill>
+            <a:prstDash val="sysDash"/>
+            <a:tailEnd type="triangle" w="lg" len="lg"/>
+          </a:ln>
+        </p:spPr>
+        <p:style>
+          <a:lnRef idx="1">
+            <a:schemeClr val="accent1"/>
+          </a:lnRef>
+          <a:fillRef idx="0">
+            <a:schemeClr val="accent1"/>
+          </a:fillRef>
+          <a:effectRef idx="0">
+            <a:schemeClr val="accent1"/>
+          </a:effectRef>
+          <a:fontRef idx="minor">
+            <a:schemeClr val="tx1"/>
+          </a:fontRef>
+        </p:style>
+      </p:cxnSp>
+      <p:sp>
+        <p:nvSpPr>
+          <p:cNvPr id="100" name="文本框 99">
+            <a:extLst>
+              <a:ext uri="{FF2B5EF4-FFF2-40B4-BE49-F238E27FC236}">
+                <a16:creationId xmlns:a16="http://schemas.microsoft.com/office/drawing/2014/main" id="{DF3BE1D9-250C-4A17-BC2E-74D55D3D3F15}"/>
+              </a:ext>
+            </a:extLst>
+          </p:cNvPr>
+          <p:cNvSpPr txBox="1"/>
+          <p:nvPr/>
+        </p:nvSpPr>
+        <p:spPr>
+          <a:xfrm>
+            <a:off x="3130959" y="852028"/>
+            <a:ext cx="729687" cy="369332"/>
+          </a:xfrm>
+          <a:prstGeom prst="rect">
+            <a:avLst/>
+          </a:prstGeom>
+          <a:noFill/>
+        </p:spPr>
+        <p:txBody>
+          <a:bodyPr wrap="none" rtlCol="0">
+            <a:spAutoFit/>
+          </a:bodyPr>
+          <a:lstStyle/>
+          <a:p>
+            <a:r>
+              <a:rPr lang="en-US" dirty="0"/>
+              <a:t>T</a:t>
+            </a:r>
+            <a:r>
+              <a:rPr lang="en-US" altLang="zh-CN" dirty="0"/>
+              <a:t>1(I1)</a:t>
+            </a:r>
+            <a:endParaRPr lang="en-US" dirty="0"/>
+          </a:p>
+        </p:txBody>
+      </p:sp>
+      <p:grpSp>
+        <p:nvGrpSpPr>
+          <p:cNvPr id="19" name="组合 18">
+            <a:extLst>
+              <a:ext uri="{FF2B5EF4-FFF2-40B4-BE49-F238E27FC236}">
+                <a16:creationId xmlns:a16="http://schemas.microsoft.com/office/drawing/2014/main" id="{BA3E8286-BB20-478D-AC7B-BB8C119E11AC}"/>
+              </a:ext>
+            </a:extLst>
+          </p:cNvPr>
+          <p:cNvGrpSpPr/>
+          <p:nvPr/>
+        </p:nvGrpSpPr>
+        <p:grpSpPr>
+          <a:xfrm>
+            <a:off x="7872813" y="1921578"/>
+            <a:ext cx="684290" cy="3180455"/>
+            <a:chOff x="7529131" y="2667976"/>
+            <a:chExt cx="684290" cy="3180455"/>
+          </a:xfrm>
+        </p:grpSpPr>
+        <p:cxnSp>
+          <p:nvCxnSpPr>
+            <p:cNvPr id="8" name="直接连接符 7">
+              <a:extLst>
+                <a:ext uri="{FF2B5EF4-FFF2-40B4-BE49-F238E27FC236}">
+                  <a16:creationId xmlns:a16="http://schemas.microsoft.com/office/drawing/2014/main" id="{A494DBA8-26DA-401C-8636-359099D213FA}"/>
+                </a:ext>
+              </a:extLst>
+            </p:cNvPr>
+            <p:cNvCxnSpPr>
+              <a:cxnSpLocks/>
+              <a:endCxn id="82" idx="0"/>
+            </p:cNvCxnSpPr>
+            <p:nvPr/>
+          </p:nvCxnSpPr>
+          <p:spPr>
+            <a:xfrm>
+              <a:off x="7919623" y="2970856"/>
+              <a:ext cx="6024" cy="1456650"/>
+            </a:xfrm>
+            <a:prstGeom prst="line">
+              <a:avLst/>
+            </a:prstGeom>
+            <a:ln w="50800" cmpd="dbl">
+              <a:solidFill>
+                <a:schemeClr val="tx1"/>
+              </a:solidFill>
+              <a:prstDash val="sysDot"/>
+              <a:tailEnd type="stealth"/>
+            </a:ln>
+          </p:spPr>
+          <p:style>
+            <a:lnRef idx="1">
+              <a:schemeClr val="accent1"/>
+            </a:lnRef>
+            <a:fillRef idx="0">
+              <a:schemeClr val="accent1"/>
+            </a:fillRef>
+            <a:effectRef idx="0">
+              <a:schemeClr val="accent1"/>
+            </a:effectRef>
+            <a:fontRef idx="minor">
+              <a:schemeClr val="tx1"/>
+            </a:fontRef>
+          </p:style>
+        </p:cxnSp>
+        <p:sp>
+          <p:nvSpPr>
+            <p:cNvPr id="62" name="椭圆 61">
+              <a:extLst>
+                <a:ext uri="{FF2B5EF4-FFF2-40B4-BE49-F238E27FC236}">
+                  <a16:creationId xmlns:a16="http://schemas.microsoft.com/office/drawing/2014/main" id="{96282AB5-8399-4B76-ABAE-F53CB85D1379}"/>
+                </a:ext>
+              </a:extLst>
+            </p:cNvPr>
+            <p:cNvSpPr/>
+            <p:nvPr/>
+          </p:nvSpPr>
+          <p:spPr>
+            <a:xfrm>
+              <a:off x="7780705" y="3255570"/>
+              <a:ext cx="298047" cy="298047"/>
+            </a:xfrm>
+            <a:prstGeom prst="ellipse">
+              <a:avLst/>
+            </a:prstGeom>
+            <a:pattFill prst="pct80">
+              <a:fgClr>
+                <a:schemeClr val="tx1"/>
+              </a:fgClr>
+              <a:bgClr>
+                <a:schemeClr val="bg1"/>
+              </a:bgClr>
+            </a:pattFill>
+            <a:ln>
+              <a:noFill/>
+            </a:ln>
+          </p:spPr>
+          <p:style>
+            <a:lnRef idx="2">
+              <a:schemeClr val="accent1">
+                <a:shade val="50000"/>
+              </a:schemeClr>
+            </a:lnRef>
+            <a:fillRef idx="1">
+              <a:schemeClr val="accent1"/>
+            </a:fillRef>
+            <a:effectRef idx="0">
+              <a:schemeClr val="accent1"/>
+            </a:effectRef>
+            <a:fontRef idx="minor">
+              <a:schemeClr val="lt1"/>
+            </a:fontRef>
+          </p:style>
+          <p:txBody>
+            <a:bodyPr rtlCol="0" anchor="ctr"/>
+            <a:lstStyle/>
+            <a:p>
+              <a:pPr algn="ctr"/>
+              <a:endParaRPr lang="en-US" dirty="0"/>
+            </a:p>
+          </p:txBody>
+        </p:sp>
+        <p:sp>
+          <p:nvSpPr>
+            <p:cNvPr id="82" name="椭圆 81">
+              <a:extLst>
+                <a:ext uri="{FF2B5EF4-FFF2-40B4-BE49-F238E27FC236}">
+                  <a16:creationId xmlns:a16="http://schemas.microsoft.com/office/drawing/2014/main" id="{532EB019-E3F3-41AA-AD1A-F46939F4AE12}"/>
+                </a:ext>
+              </a:extLst>
+            </p:cNvPr>
+            <p:cNvSpPr/>
+            <p:nvPr/>
+          </p:nvSpPr>
+          <p:spPr>
+            <a:xfrm>
+              <a:off x="7776623" y="4427506"/>
+              <a:ext cx="298047" cy="298047"/>
+            </a:xfrm>
+            <a:prstGeom prst="ellipse">
+              <a:avLst/>
+            </a:prstGeom>
+            <a:pattFill prst="pct80">
+              <a:fgClr>
+                <a:schemeClr val="tx1"/>
+              </a:fgClr>
+              <a:bgClr>
+                <a:schemeClr val="bg1"/>
+              </a:bgClr>
+            </a:pattFill>
+            <a:ln>
+              <a:noFill/>
+            </a:ln>
+          </p:spPr>
+          <p:style>
+            <a:lnRef idx="2">
+              <a:schemeClr val="accent1">
+                <a:shade val="50000"/>
+              </a:schemeClr>
+            </a:lnRef>
+            <a:fillRef idx="1">
+              <a:schemeClr val="accent1"/>
+            </a:fillRef>
+            <a:effectRef idx="0">
+              <a:schemeClr val="accent1"/>
+            </a:effectRef>
+            <a:fontRef idx="minor">
+              <a:schemeClr val="lt1"/>
+            </a:fontRef>
+          </p:style>
+          <p:txBody>
+            <a:bodyPr rtlCol="0" anchor="ctr"/>
+            <a:lstStyle/>
+            <a:p>
+              <a:pPr algn="ctr"/>
+              <a:endParaRPr lang="en-US"/>
+            </a:p>
+          </p:txBody>
+        </p:sp>
+        <p:sp>
+          <p:nvSpPr>
+            <p:cNvPr id="88" name="乘号 87">
+              <a:extLst>
+                <a:ext uri="{FF2B5EF4-FFF2-40B4-BE49-F238E27FC236}">
+                  <a16:creationId xmlns:a16="http://schemas.microsoft.com/office/drawing/2014/main" id="{94BECA40-7A4D-434C-8656-091CD4433734}"/>
+                </a:ext>
+              </a:extLst>
+            </p:cNvPr>
+            <p:cNvSpPr/>
+            <p:nvPr/>
+          </p:nvSpPr>
+          <p:spPr>
+            <a:xfrm>
+              <a:off x="7727393" y="5472646"/>
+              <a:ext cx="404673" cy="375785"/>
+            </a:xfrm>
+            <a:prstGeom prst="mathMultiply">
+              <a:avLst/>
+            </a:prstGeom>
+            <a:solidFill>
+              <a:schemeClr val="tx1"/>
+            </a:solidFill>
+            <a:ln>
+              <a:noFill/>
+            </a:ln>
+          </p:spPr>
+          <p:style>
+            <a:lnRef idx="2">
+              <a:schemeClr val="accent1">
+                <a:shade val="50000"/>
+              </a:schemeClr>
+            </a:lnRef>
+            <a:fillRef idx="1">
+              <a:schemeClr val="accent1"/>
+            </a:fillRef>
+            <a:effectRef idx="0">
+              <a:schemeClr val="accent1"/>
+            </a:effectRef>
+            <a:fontRef idx="minor">
+              <a:schemeClr val="lt1"/>
+            </a:fontRef>
+          </p:style>
+          <p:txBody>
+            <a:bodyPr rtlCol="0" anchor="ctr"/>
+            <a:lstStyle/>
+            <a:p>
+              <a:pPr algn="ctr"/>
+              <a:endParaRPr lang="en-US" dirty="0"/>
+            </a:p>
+          </p:txBody>
+        </p:sp>
+        <p:sp>
+          <p:nvSpPr>
+            <p:cNvPr id="101" name="文本框 100">
+              <a:extLst>
+                <a:ext uri="{FF2B5EF4-FFF2-40B4-BE49-F238E27FC236}">
+                  <a16:creationId xmlns:a16="http://schemas.microsoft.com/office/drawing/2014/main" id="{AC8752AE-39B3-45B1-8C3C-C20AD17D7BFC}"/>
+                </a:ext>
+              </a:extLst>
+            </p:cNvPr>
+            <p:cNvSpPr txBox="1"/>
+            <p:nvPr/>
+          </p:nvSpPr>
+          <p:spPr>
+            <a:xfrm>
+              <a:off x="7529131" y="2667976"/>
+              <a:ext cx="684290" cy="369332"/>
+            </a:xfrm>
+            <a:prstGeom prst="rect">
+              <a:avLst/>
+            </a:prstGeom>
+            <a:noFill/>
+          </p:spPr>
+          <p:txBody>
+            <a:bodyPr wrap="none" rtlCol="0">
+              <a:spAutoFit/>
+            </a:bodyPr>
+            <a:lstStyle/>
+            <a:p>
+              <a:r>
+                <a:rPr lang="en-US" dirty="0" err="1"/>
+                <a:t>Tx</a:t>
+              </a:r>
+              <a:r>
+                <a:rPr lang="en-US" dirty="0"/>
+                <a:t>(Ix)</a:t>
+              </a:r>
+            </a:p>
+          </p:txBody>
+        </p:sp>
+      </p:grpSp>
+      <p:sp>
+        <p:nvSpPr>
+          <p:cNvPr id="102" name="文本框 101">
+            <a:extLst>
+              <a:ext uri="{FF2B5EF4-FFF2-40B4-BE49-F238E27FC236}">
+                <a16:creationId xmlns:a16="http://schemas.microsoft.com/office/drawing/2014/main" id="{4773BD6B-11B5-4E3B-A246-4C061E7C9D62}"/>
+              </a:ext>
+            </a:extLst>
+          </p:cNvPr>
+          <p:cNvSpPr txBox="1"/>
+          <p:nvPr/>
+        </p:nvSpPr>
+        <p:spPr>
+          <a:xfrm>
+            <a:off x="5811322" y="825383"/>
+            <a:ext cx="729687" cy="369332"/>
+          </a:xfrm>
+          <a:prstGeom prst="rect">
+            <a:avLst/>
+          </a:prstGeom>
+          <a:noFill/>
+        </p:spPr>
+        <p:txBody>
+          <a:bodyPr wrap="none" rtlCol="0">
+            <a:spAutoFit/>
+          </a:bodyPr>
+          <a:lstStyle/>
+          <a:p>
+            <a:r>
+              <a:rPr lang="en-US" dirty="0"/>
+              <a:t>T2(I2)</a:t>
+            </a:r>
+          </a:p>
+        </p:txBody>
+      </p:sp>
+      <p:sp>
+        <p:nvSpPr>
+          <p:cNvPr id="42" name="矩形 41">
+            <a:extLst>
+              <a:ext uri="{FF2B5EF4-FFF2-40B4-BE49-F238E27FC236}">
+                <a16:creationId xmlns:a16="http://schemas.microsoft.com/office/drawing/2014/main" id="{B3BD77BE-7420-40F9-AF9A-2A53C888DD67}"/>
+              </a:ext>
+            </a:extLst>
+          </p:cNvPr>
+          <p:cNvSpPr/>
+          <p:nvPr/>
+        </p:nvSpPr>
+        <p:spPr>
+          <a:xfrm>
+            <a:off x="6796093" y="724484"/>
+            <a:ext cx="2167618" cy="1001948"/>
+          </a:xfrm>
+          <a:prstGeom prst="rect">
+            <a:avLst/>
+          </a:prstGeom>
+          <a:noFill/>
+          <a:ln w="12700">
+            <a:solidFill>
+              <a:schemeClr val="tx1"/>
+            </a:solidFill>
+            <a:prstDash val="sysDash"/>
+          </a:ln>
+        </p:spPr>
+        <p:style>
+          <a:lnRef idx="2">
+            <a:schemeClr val="accent1">
+              <a:shade val="50000"/>
+            </a:schemeClr>
+          </a:lnRef>
+          <a:fillRef idx="1">
+            <a:schemeClr val="accent1"/>
+          </a:fillRef>
+          <a:effectRef idx="0">
+            <a:schemeClr val="accent1"/>
+          </a:effectRef>
+          <a:fontRef idx="minor">
+            <a:schemeClr val="lt1"/>
+          </a:fontRef>
+        </p:style>
+        <p:txBody>
+          <a:bodyPr rtlCol="0" anchor="ctr"/>
+          <a:lstStyle/>
+          <a:p>
+            <a:pPr algn="ctr"/>
+            <a:endParaRPr lang="en-US"/>
+          </a:p>
+        </p:txBody>
+      </p:sp>
+      <p:grpSp>
+        <p:nvGrpSpPr>
+          <p:cNvPr id="49" name="组合 48">
+            <a:extLst>
+              <a:ext uri="{FF2B5EF4-FFF2-40B4-BE49-F238E27FC236}">
+                <a16:creationId xmlns:a16="http://schemas.microsoft.com/office/drawing/2014/main" id="{0132169B-A318-4156-A62D-4AC8F26FCCC6}"/>
+              </a:ext>
+            </a:extLst>
+          </p:cNvPr>
+          <p:cNvGrpSpPr/>
+          <p:nvPr/>
+        </p:nvGrpSpPr>
+        <p:grpSpPr>
+          <a:xfrm>
+            <a:off x="7004620" y="820763"/>
+            <a:ext cx="642160" cy="507831"/>
+            <a:chOff x="4996796" y="5663601"/>
+            <a:chExt cx="642160" cy="507831"/>
+          </a:xfrm>
+        </p:grpSpPr>
+        <p:cxnSp>
+          <p:nvCxnSpPr>
+            <p:cNvPr id="70" name="直接连接符 69">
+              <a:extLst>
+                <a:ext uri="{FF2B5EF4-FFF2-40B4-BE49-F238E27FC236}">
+                  <a16:creationId xmlns:a16="http://schemas.microsoft.com/office/drawing/2014/main" id="{909CC49C-62B0-4178-BC6B-9B04C6A35387}"/>
+                </a:ext>
+              </a:extLst>
+            </p:cNvPr>
+            <p:cNvCxnSpPr>
+              <a:cxnSpLocks/>
+            </p:cNvCxnSpPr>
+            <p:nvPr/>
+          </p:nvCxnSpPr>
+          <p:spPr>
+            <a:xfrm>
+              <a:off x="4996796" y="5663601"/>
+              <a:ext cx="9259" cy="370263"/>
+            </a:xfrm>
+            <a:prstGeom prst="line">
+              <a:avLst/>
+            </a:prstGeom>
+            <a:ln w="50800" cmpd="dbl">
+              <a:solidFill>
+                <a:schemeClr val="bg2">
+                  <a:lumMod val="25000"/>
+                </a:schemeClr>
+              </a:solidFill>
+              <a:prstDash val="sysDot"/>
+              <a:tailEnd type="stealth"/>
+            </a:ln>
+          </p:spPr>
+          <p:style>
+            <a:lnRef idx="1">
+              <a:schemeClr val="accent1"/>
+            </a:lnRef>
+            <a:fillRef idx="0">
+              <a:schemeClr val="accent1"/>
+            </a:fillRef>
+            <a:effectRef idx="0">
+              <a:schemeClr val="accent1"/>
+            </a:effectRef>
+            <a:fontRef idx="minor">
+              <a:schemeClr val="tx1"/>
+            </a:fontRef>
+          </p:style>
+        </p:cxnSp>
+        <p:sp>
+          <p:nvSpPr>
+            <p:cNvPr id="46" name="文本框 45">
+              <a:extLst>
+                <a:ext uri="{FF2B5EF4-FFF2-40B4-BE49-F238E27FC236}">
+                  <a16:creationId xmlns:a16="http://schemas.microsoft.com/office/drawing/2014/main" id="{C81C26BC-84CB-462E-A2E0-E263C695FEF8}"/>
+                </a:ext>
+              </a:extLst>
+            </p:cNvPr>
+            <p:cNvSpPr txBox="1"/>
+            <p:nvPr/>
+          </p:nvSpPr>
+          <p:spPr>
+            <a:xfrm>
+              <a:off x="5034195" y="5663601"/>
+              <a:ext cx="604761" cy="507831"/>
+            </a:xfrm>
+            <a:prstGeom prst="rect">
+              <a:avLst/>
+            </a:prstGeom>
+            <a:noFill/>
+          </p:spPr>
+          <p:txBody>
+            <a:bodyPr wrap="square" rtlCol="0">
+              <a:spAutoFit/>
+            </a:bodyPr>
+            <a:lstStyle/>
+            <a:p>
+              <a:r>
+                <a:rPr lang="en-US" sz="900" dirty="0"/>
+                <a:t> </a:t>
+              </a:r>
+            </a:p>
+            <a:p>
+              <a:endParaRPr lang="en-US" dirty="0"/>
+            </a:p>
+          </p:txBody>
+        </p:sp>
+      </p:grpSp>
+      <p:cxnSp>
+        <p:nvCxnSpPr>
+          <p:cNvPr id="71" name="直接连接符 70">
+            <a:extLst>
+              <a:ext uri="{FF2B5EF4-FFF2-40B4-BE49-F238E27FC236}">
+                <a16:creationId xmlns:a16="http://schemas.microsoft.com/office/drawing/2014/main" id="{D372DDEC-D6A6-49A0-A47F-3DB0367E8E7F}"/>
+              </a:ext>
+            </a:extLst>
+          </p:cNvPr>
+          <p:cNvCxnSpPr>
+            <a:cxnSpLocks/>
+          </p:cNvCxnSpPr>
+          <p:nvPr/>
+        </p:nvCxnSpPr>
+        <p:spPr>
+          <a:xfrm>
+            <a:off x="7145165" y="832984"/>
+            <a:ext cx="0" cy="358042"/>
+          </a:xfrm>
+          <a:prstGeom prst="line">
+            <a:avLst/>
+          </a:prstGeom>
+          <a:ln w="50800" cmpd="dbl">
+            <a:solidFill>
+              <a:schemeClr val="tx1"/>
+            </a:solidFill>
+            <a:prstDash val="solid"/>
+            <a:headEnd type="none"/>
+            <a:tailEnd type="stealth"/>
+          </a:ln>
+        </p:spPr>
+        <p:style>
+          <a:lnRef idx="1">
+            <a:schemeClr val="accent1"/>
+          </a:lnRef>
+          <a:fillRef idx="0">
+            <a:schemeClr val="accent1"/>
+          </a:fillRef>
+          <a:effectRef idx="0">
+            <a:schemeClr val="accent1"/>
+          </a:effectRef>
+          <a:fontRef idx="minor">
+            <a:schemeClr val="tx1"/>
+          </a:fontRef>
+        </p:style>
+      </p:cxnSp>
+      <p:sp>
+        <p:nvSpPr>
+          <p:cNvPr id="75" name="文本框 74">
+            <a:extLst>
+              <a:ext uri="{FF2B5EF4-FFF2-40B4-BE49-F238E27FC236}">
+                <a16:creationId xmlns:a16="http://schemas.microsoft.com/office/drawing/2014/main" id="{B9438028-ED3C-41CF-81C6-482154815AAF}"/>
+              </a:ext>
+            </a:extLst>
+          </p:cNvPr>
+          <p:cNvSpPr txBox="1"/>
+          <p:nvPr/>
+        </p:nvSpPr>
+        <p:spPr>
+          <a:xfrm>
+            <a:off x="7222406" y="796665"/>
+            <a:ext cx="654311" cy="369332"/>
+          </a:xfrm>
+          <a:prstGeom prst="rect">
+            <a:avLst/>
+          </a:prstGeom>
+          <a:noFill/>
+        </p:spPr>
+        <p:txBody>
+          <a:bodyPr wrap="square" rtlCol="0">
+            <a:spAutoFit/>
+          </a:bodyPr>
+          <a:lstStyle/>
+          <a:p>
+            <a:r>
+              <a:rPr lang="en-US" sz="900" dirty="0"/>
+              <a:t>Correct</a:t>
+            </a:r>
+          </a:p>
+          <a:p>
+            <a:r>
+              <a:rPr lang="en-US" sz="900" dirty="0"/>
+              <a:t>E</a:t>
+            </a:r>
+            <a:r>
+              <a:rPr lang="en-US" altLang="zh-CN" sz="900" dirty="0"/>
+              <a:t>xecution</a:t>
+            </a:r>
+            <a:endParaRPr lang="en-US" dirty="0"/>
+          </a:p>
+        </p:txBody>
+      </p:sp>
+      <p:sp>
+        <p:nvSpPr>
+          <p:cNvPr id="76" name="椭圆 75">
+            <a:extLst>
+              <a:ext uri="{FF2B5EF4-FFF2-40B4-BE49-F238E27FC236}">
+                <a16:creationId xmlns:a16="http://schemas.microsoft.com/office/drawing/2014/main" id="{B19BF010-A2C6-4BCE-B4F0-7F10FF569839}"/>
+              </a:ext>
+            </a:extLst>
+          </p:cNvPr>
+          <p:cNvSpPr/>
+          <p:nvPr/>
+        </p:nvSpPr>
+        <p:spPr>
+          <a:xfrm>
+            <a:off x="7995816" y="818390"/>
+            <a:ext cx="176925" cy="174718"/>
+          </a:xfrm>
+          <a:prstGeom prst="ellipse">
+            <a:avLst/>
+          </a:prstGeom>
+          <a:solidFill>
+            <a:schemeClr val="tx1"/>
+          </a:solidFill>
+          <a:ln>
+            <a:noFill/>
+          </a:ln>
+        </p:spPr>
+        <p:style>
+          <a:lnRef idx="2">
+            <a:schemeClr val="accent1">
+              <a:shade val="50000"/>
+            </a:schemeClr>
+          </a:lnRef>
+          <a:fillRef idx="1">
+            <a:schemeClr val="accent1"/>
+          </a:fillRef>
+          <a:effectRef idx="0">
+            <a:schemeClr val="accent1"/>
+          </a:effectRef>
+          <a:fontRef idx="minor">
+            <a:schemeClr val="lt1"/>
+          </a:fontRef>
+        </p:style>
+        <p:txBody>
+          <a:bodyPr rtlCol="0" anchor="ctr"/>
+          <a:lstStyle/>
+          <a:p>
+            <a:pPr algn="ctr"/>
+            <a:endParaRPr lang="en-US"/>
+          </a:p>
+        </p:txBody>
+      </p:sp>
+      <p:sp>
+        <p:nvSpPr>
+          <p:cNvPr id="77" name="文本框 76">
+            <a:extLst>
+              <a:ext uri="{FF2B5EF4-FFF2-40B4-BE49-F238E27FC236}">
+                <a16:creationId xmlns:a16="http://schemas.microsoft.com/office/drawing/2014/main" id="{033A746A-9449-4028-9645-937D79AB9E1C}"/>
+              </a:ext>
+            </a:extLst>
+          </p:cNvPr>
+          <p:cNvSpPr txBox="1"/>
+          <p:nvPr/>
+        </p:nvSpPr>
+        <p:spPr>
+          <a:xfrm>
+            <a:off x="8120305" y="829584"/>
+            <a:ext cx="988711" cy="184666"/>
+          </a:xfrm>
+          <a:prstGeom prst="rect">
+            <a:avLst/>
+          </a:prstGeom>
+          <a:noFill/>
+        </p:spPr>
+        <p:txBody>
+          <a:bodyPr wrap="square" rtlCol="0">
+            <a:spAutoFit/>
+          </a:bodyPr>
+          <a:lstStyle/>
+          <a:p>
+            <a:r>
+              <a:rPr lang="en-US" sz="600" dirty="0"/>
+              <a:t>Shared Memory Access</a:t>
+            </a:r>
+            <a:endParaRPr lang="en-US" sz="1200" dirty="0"/>
+          </a:p>
+        </p:txBody>
+      </p:sp>
+      <p:sp>
+        <p:nvSpPr>
+          <p:cNvPr id="84" name="文本框 83">
+            <a:extLst>
+              <a:ext uri="{FF2B5EF4-FFF2-40B4-BE49-F238E27FC236}">
+                <a16:creationId xmlns:a16="http://schemas.microsoft.com/office/drawing/2014/main" id="{C671D481-C69C-48A5-8D21-6B6A37342656}"/>
+              </a:ext>
+            </a:extLst>
+          </p:cNvPr>
+          <p:cNvSpPr txBox="1"/>
+          <p:nvPr/>
+        </p:nvSpPr>
+        <p:spPr>
+          <a:xfrm>
+            <a:off x="8128984" y="1030548"/>
+            <a:ext cx="950099" cy="184666"/>
+          </a:xfrm>
+          <a:prstGeom prst="rect">
+            <a:avLst/>
+          </a:prstGeom>
+          <a:noFill/>
+        </p:spPr>
+        <p:txBody>
+          <a:bodyPr wrap="square" rtlCol="0">
+            <a:spAutoFit/>
+          </a:bodyPr>
+          <a:lstStyle/>
+          <a:p>
+            <a:r>
+              <a:rPr lang="en-US" sz="600" dirty="0"/>
+              <a:t>Normal Memory Access</a:t>
+            </a:r>
+            <a:endParaRPr lang="en-US" sz="1200" dirty="0"/>
+          </a:p>
+        </p:txBody>
+      </p:sp>
+      <p:sp>
+        <p:nvSpPr>
+          <p:cNvPr id="85" name="流程图: 多文档 84">
+            <a:extLst>
+              <a:ext uri="{FF2B5EF4-FFF2-40B4-BE49-F238E27FC236}">
+                <a16:creationId xmlns:a16="http://schemas.microsoft.com/office/drawing/2014/main" id="{CB0565A8-31EA-4ECE-83DB-04C7DD9B6008}"/>
+              </a:ext>
+            </a:extLst>
+          </p:cNvPr>
+          <p:cNvSpPr/>
+          <p:nvPr/>
+        </p:nvSpPr>
+        <p:spPr>
+          <a:xfrm>
+            <a:off x="7995600" y="1289609"/>
+            <a:ext cx="185382" cy="161325"/>
+          </a:xfrm>
+          <a:prstGeom prst="flowChartMultidocument">
+            <a:avLst/>
+          </a:prstGeom>
+          <a:pattFill prst="pct80">
+            <a:fgClr>
+              <a:schemeClr val="tx1"/>
+            </a:fgClr>
+            <a:bgClr>
+              <a:schemeClr val="bg1"/>
+            </a:bgClr>
+          </a:pattFill>
+          <a:ln>
+            <a:solidFill>
+              <a:schemeClr val="tx1"/>
+            </a:solidFill>
+          </a:ln>
+        </p:spPr>
+        <p:style>
+          <a:lnRef idx="2">
+            <a:schemeClr val="accent1">
+              <a:shade val="50000"/>
+            </a:schemeClr>
+          </a:lnRef>
+          <a:fillRef idx="1">
+            <a:schemeClr val="accent1"/>
+          </a:fillRef>
+          <a:effectRef idx="0">
+            <a:schemeClr val="accent1"/>
+          </a:effectRef>
+          <a:fontRef idx="minor">
+            <a:schemeClr val="lt1"/>
+          </a:fontRef>
+        </p:style>
+        <p:txBody>
+          <a:bodyPr rtlCol="0" anchor="ctr"/>
+          <a:lstStyle/>
+          <a:p>
+            <a:pPr algn="ctr"/>
+            <a:endParaRPr lang="en-US"/>
+          </a:p>
+        </p:txBody>
+      </p:sp>
+      <p:sp>
+        <p:nvSpPr>
+          <p:cNvPr id="86" name="文本框 85">
+            <a:extLst>
+              <a:ext uri="{FF2B5EF4-FFF2-40B4-BE49-F238E27FC236}">
+                <a16:creationId xmlns:a16="http://schemas.microsoft.com/office/drawing/2014/main" id="{09343027-F87A-4FEE-AD64-C457F5D0840E}"/>
+              </a:ext>
+            </a:extLst>
+          </p:cNvPr>
+          <p:cNvSpPr txBox="1"/>
+          <p:nvPr/>
+        </p:nvSpPr>
+        <p:spPr>
+          <a:xfrm>
+            <a:off x="8134862" y="1241095"/>
+            <a:ext cx="844482" cy="276999"/>
+          </a:xfrm>
+          <a:prstGeom prst="rect">
+            <a:avLst/>
+          </a:prstGeom>
+          <a:noFill/>
+        </p:spPr>
+        <p:txBody>
+          <a:bodyPr wrap="square" rtlCol="0">
+            <a:spAutoFit/>
+          </a:bodyPr>
+          <a:lstStyle/>
+          <a:p>
+            <a:r>
+              <a:rPr lang="en-US" sz="600" dirty="0"/>
+              <a:t>D</a:t>
+            </a:r>
+            <a:r>
+              <a:rPr lang="en-US" altLang="zh-CN" sz="600" dirty="0"/>
+              <a:t>angerous Memory Operation Function</a:t>
+            </a:r>
+            <a:endParaRPr lang="en-US" sz="1200" dirty="0"/>
+          </a:p>
+        </p:txBody>
+      </p:sp>
+      <p:sp>
+        <p:nvSpPr>
+          <p:cNvPr id="90" name="乘号 89">
+            <a:extLst>
+              <a:ext uri="{FF2B5EF4-FFF2-40B4-BE49-F238E27FC236}">
+                <a16:creationId xmlns:a16="http://schemas.microsoft.com/office/drawing/2014/main" id="{B9C961FF-58A4-49B9-A503-314347080FFA}"/>
+              </a:ext>
+            </a:extLst>
+          </p:cNvPr>
+          <p:cNvSpPr/>
+          <p:nvPr/>
+        </p:nvSpPr>
+        <p:spPr>
+          <a:xfrm>
+            <a:off x="7941629" y="1454488"/>
+            <a:ext cx="283073" cy="262866"/>
+          </a:xfrm>
+          <a:prstGeom prst="mathMultiply">
+            <a:avLst/>
+          </a:prstGeom>
+          <a:solidFill>
+            <a:schemeClr val="tx1"/>
+          </a:solidFill>
+          <a:ln>
+            <a:noFill/>
+          </a:ln>
+        </p:spPr>
+        <p:style>
+          <a:lnRef idx="2">
+            <a:schemeClr val="accent1">
+              <a:shade val="50000"/>
+            </a:schemeClr>
+          </a:lnRef>
+          <a:fillRef idx="1">
+            <a:schemeClr val="accent1"/>
+          </a:fillRef>
+          <a:effectRef idx="0">
+            <a:schemeClr val="accent1"/>
+          </a:effectRef>
+          <a:fontRef idx="minor">
+            <a:schemeClr val="lt1"/>
+          </a:fontRef>
+        </p:style>
+        <p:txBody>
+          <a:bodyPr rtlCol="0" anchor="ctr"/>
+          <a:lstStyle/>
+          <a:p>
+            <a:pPr algn="ctr"/>
+            <a:endParaRPr lang="en-US" dirty="0"/>
+          </a:p>
+        </p:txBody>
+      </p:sp>
+      <p:sp>
+        <p:nvSpPr>
+          <p:cNvPr id="95" name="文本框 94">
+            <a:extLst>
+              <a:ext uri="{FF2B5EF4-FFF2-40B4-BE49-F238E27FC236}">
+                <a16:creationId xmlns:a16="http://schemas.microsoft.com/office/drawing/2014/main" id="{D4A1D061-C71D-4AAC-BABF-F78C4F0E0D29}"/>
+              </a:ext>
+            </a:extLst>
+          </p:cNvPr>
+          <p:cNvSpPr txBox="1"/>
+          <p:nvPr/>
+        </p:nvSpPr>
+        <p:spPr>
+          <a:xfrm>
+            <a:off x="8168126" y="1496760"/>
+            <a:ext cx="844482" cy="184666"/>
+          </a:xfrm>
+          <a:prstGeom prst="rect">
+            <a:avLst/>
+          </a:prstGeom>
+          <a:noFill/>
+        </p:spPr>
+        <p:txBody>
+          <a:bodyPr wrap="square" rtlCol="0">
+            <a:spAutoFit/>
+          </a:bodyPr>
+          <a:lstStyle/>
+          <a:p>
+            <a:r>
+              <a:rPr lang="en-US" sz="600" dirty="0"/>
+              <a:t>Attack Site</a:t>
+            </a:r>
+            <a:endParaRPr lang="en-US" sz="1200" dirty="0"/>
+          </a:p>
+        </p:txBody>
+      </p:sp>
+      <p:sp>
+        <p:nvSpPr>
+          <p:cNvPr id="10" name="矩形 9">
+            <a:extLst>
+              <a:ext uri="{FF2B5EF4-FFF2-40B4-BE49-F238E27FC236}">
+                <a16:creationId xmlns:a16="http://schemas.microsoft.com/office/drawing/2014/main" id="{7FA017B0-640F-4BE0-BD7F-058BEEF73B9E}"/>
+              </a:ext>
+            </a:extLst>
+          </p:cNvPr>
+          <p:cNvSpPr/>
+          <p:nvPr/>
+        </p:nvSpPr>
+        <p:spPr>
+          <a:xfrm>
+            <a:off x="4287328" y="1184451"/>
+            <a:ext cx="947751" cy="1142844"/>
+          </a:xfrm>
+          <a:prstGeom prst="rect">
+            <a:avLst/>
+          </a:prstGeom>
+          <a:noFill/>
+          <a:ln w="25400">
+            <a:solidFill>
+              <a:schemeClr val="tx1">
+                <a:lumMod val="65000"/>
+                <a:lumOff val="35000"/>
+              </a:schemeClr>
+            </a:solidFill>
+            <a:prstDash val="sysDash"/>
+          </a:ln>
+        </p:spPr>
+        <p:style>
+          <a:lnRef idx="2">
+            <a:schemeClr val="accent1">
+              <a:shade val="50000"/>
+            </a:schemeClr>
+          </a:lnRef>
+          <a:fillRef idx="1">
+            <a:schemeClr val="accent1"/>
+          </a:fillRef>
+          <a:effectRef idx="0">
+            <a:schemeClr val="accent1"/>
+          </a:effectRef>
+          <a:fontRef idx="minor">
+            <a:schemeClr val="lt1"/>
+          </a:fontRef>
+        </p:style>
+        <p:txBody>
+          <a:bodyPr rtlCol="0" anchor="ctr"/>
+          <a:lstStyle/>
+          <a:p>
+            <a:pPr algn="ctr"/>
+            <a:endParaRPr lang="en-US"/>
+          </a:p>
+        </p:txBody>
+      </p:sp>
+      <p:sp>
+        <p:nvSpPr>
+          <p:cNvPr id="74" name="矩形 73">
+            <a:extLst>
+              <a:ext uri="{FF2B5EF4-FFF2-40B4-BE49-F238E27FC236}">
+                <a16:creationId xmlns:a16="http://schemas.microsoft.com/office/drawing/2014/main" id="{334B2D11-DC11-42D2-BDE6-6A12DB501C1F}"/>
+              </a:ext>
+            </a:extLst>
+          </p:cNvPr>
+          <p:cNvSpPr/>
+          <p:nvPr/>
+        </p:nvSpPr>
+        <p:spPr>
+          <a:xfrm>
+            <a:off x="5644112" y="2638967"/>
+            <a:ext cx="1151981" cy="1557761"/>
+          </a:xfrm>
+          <a:prstGeom prst="rect">
+            <a:avLst/>
+          </a:prstGeom>
+          <a:noFill/>
+          <a:ln w="25400">
+            <a:solidFill>
+              <a:schemeClr val="tx1">
+                <a:lumMod val="65000"/>
+                <a:lumOff val="35000"/>
+              </a:schemeClr>
+            </a:solidFill>
+            <a:prstDash val="sysDash"/>
+          </a:ln>
+        </p:spPr>
+        <p:style>
+          <a:lnRef idx="2">
+            <a:schemeClr val="accent1">
+              <a:shade val="50000"/>
+            </a:schemeClr>
+          </a:lnRef>
+          <a:fillRef idx="1">
+            <a:schemeClr val="accent1"/>
+          </a:fillRef>
+          <a:effectRef idx="0">
+            <a:schemeClr val="accent1"/>
+          </a:effectRef>
+          <a:fontRef idx="minor">
+            <a:schemeClr val="lt1"/>
+          </a:fontRef>
+        </p:style>
+        <p:txBody>
+          <a:bodyPr rtlCol="0" anchor="ctr"/>
+          <a:lstStyle/>
+          <a:p>
+            <a:pPr algn="ctr"/>
+            <a:endParaRPr lang="en-US"/>
+          </a:p>
+        </p:txBody>
+      </p:sp>
+      <p:sp>
+        <p:nvSpPr>
+          <p:cNvPr id="11" name="椭圆 10">
+            <a:extLst>
+              <a:ext uri="{FF2B5EF4-FFF2-40B4-BE49-F238E27FC236}">
+                <a16:creationId xmlns:a16="http://schemas.microsoft.com/office/drawing/2014/main" id="{25D847C9-D2B9-4439-BFD4-5247C9BFA915}"/>
+              </a:ext>
+            </a:extLst>
+          </p:cNvPr>
+          <p:cNvSpPr/>
+          <p:nvPr/>
+        </p:nvSpPr>
+        <p:spPr>
+          <a:xfrm>
+            <a:off x="4629885" y="1233541"/>
+            <a:ext cx="300330" cy="300330"/>
+          </a:xfrm>
+          <a:prstGeom prst="ellipse">
+            <a:avLst/>
+          </a:prstGeom>
+          <a:noFill/>
+          <a:ln w="9525" cap="flat" cmpd="sng" algn="ctr">
+            <a:solidFill>
+              <a:schemeClr val="dk1"/>
+            </a:solidFill>
+            <a:prstDash val="solid"/>
+            <a:round/>
+            <a:headEnd type="none" w="med" len="med"/>
+            <a:tailEnd type="none" w="med" len="med"/>
+          </a:ln>
+        </p:spPr>
+        <p:style>
+          <a:lnRef idx="0">
+            <a:scrgbClr r="0" g="0" b="0"/>
+          </a:lnRef>
+          <a:fillRef idx="0">
+            <a:scrgbClr r="0" g="0" b="0"/>
+          </a:fillRef>
+          <a:effectRef idx="0">
+            <a:scrgbClr r="0" g="0" b="0"/>
+          </a:effectRef>
+          <a:fontRef idx="minor">
+            <a:schemeClr val="dk1"/>
+          </a:fontRef>
+        </p:style>
+        <p:txBody>
+          <a:bodyPr rtlCol="0" anchor="ctr"/>
+          <a:lstStyle/>
+          <a:p>
+            <a:pPr algn="ctr"/>
+            <a:r>
+              <a:rPr lang="en-US" altLang="zh-CN" dirty="0"/>
+              <a:t>1</a:t>
+            </a:r>
+            <a:endParaRPr lang="en-US" dirty="0"/>
+          </a:p>
+        </p:txBody>
+      </p:sp>
+      <p:sp>
+        <p:nvSpPr>
+          <p:cNvPr id="79" name="椭圆 78">
+            <a:extLst>
+              <a:ext uri="{FF2B5EF4-FFF2-40B4-BE49-F238E27FC236}">
+                <a16:creationId xmlns:a16="http://schemas.microsoft.com/office/drawing/2014/main" id="{D17CCF61-BF9B-44EF-8A70-6FBF41A36B49}"/>
+              </a:ext>
+            </a:extLst>
+          </p:cNvPr>
+          <p:cNvSpPr/>
+          <p:nvPr/>
+        </p:nvSpPr>
+        <p:spPr>
+          <a:xfrm>
+            <a:off x="6069937" y="3806605"/>
+            <a:ext cx="300330" cy="300330"/>
+          </a:xfrm>
+          <a:prstGeom prst="ellipse">
+            <a:avLst/>
+          </a:prstGeom>
+          <a:noFill/>
+          <a:ln w="9525" cap="flat" cmpd="sng" algn="ctr">
+            <a:solidFill>
+              <a:schemeClr val="dk1"/>
+            </a:solidFill>
+            <a:prstDash val="solid"/>
+            <a:round/>
+            <a:headEnd type="none" w="med" len="med"/>
+            <a:tailEnd type="none" w="med" len="med"/>
+          </a:ln>
+        </p:spPr>
+        <p:style>
+          <a:lnRef idx="0">
+            <a:scrgbClr r="0" g="0" b="0"/>
+          </a:lnRef>
+          <a:fillRef idx="0">
+            <a:scrgbClr r="0" g="0" b="0"/>
+          </a:fillRef>
+          <a:effectRef idx="0">
+            <a:scrgbClr r="0" g="0" b="0"/>
+          </a:effectRef>
+          <a:fontRef idx="minor">
+            <a:schemeClr val="dk1"/>
+          </a:fontRef>
+        </p:style>
+        <p:txBody>
+          <a:bodyPr rtlCol="0" anchor="ctr"/>
+          <a:lstStyle/>
+          <a:p>
+            <a:pPr algn="ctr"/>
+            <a:r>
+              <a:rPr lang="en-US" altLang="zh-CN" dirty="0"/>
+              <a:t>2</a:t>
+            </a:r>
+            <a:endParaRPr lang="en-US" dirty="0"/>
+          </a:p>
+        </p:txBody>
+      </p:sp>
+      <p:sp>
+        <p:nvSpPr>
+          <p:cNvPr id="59" name="任意多边形: 形状 58">
+            <a:extLst>
+              <a:ext uri="{FF2B5EF4-FFF2-40B4-BE49-F238E27FC236}">
+                <a16:creationId xmlns:a16="http://schemas.microsoft.com/office/drawing/2014/main" id="{50C0830B-F1D8-4306-8ECF-90C531402526}"/>
+              </a:ext>
+            </a:extLst>
+          </p:cNvPr>
+          <p:cNvSpPr/>
+          <p:nvPr/>
+        </p:nvSpPr>
+        <p:spPr>
+          <a:xfrm>
+            <a:off x="3396059" y="3073400"/>
+            <a:ext cx="242495" cy="1339850"/>
+          </a:xfrm>
+          <a:custGeom>
+            <a:avLst/>
+            <a:gdLst>
+              <a:gd name="connsiteX0" fmla="*/ 140891 w 242495"/>
+              <a:gd name="connsiteY0" fmla="*/ 0 h 1339850"/>
+              <a:gd name="connsiteX1" fmla="*/ 1191 w 242495"/>
+              <a:gd name="connsiteY1" fmla="*/ 120650 h 1339850"/>
+              <a:gd name="connsiteX2" fmla="*/ 210741 w 242495"/>
+              <a:gd name="connsiteY2" fmla="*/ 209550 h 1339850"/>
+              <a:gd name="connsiteX3" fmla="*/ 20241 w 242495"/>
+              <a:gd name="connsiteY3" fmla="*/ 330200 h 1339850"/>
+              <a:gd name="connsiteX4" fmla="*/ 204391 w 242495"/>
+              <a:gd name="connsiteY4" fmla="*/ 419100 h 1339850"/>
+              <a:gd name="connsiteX5" fmla="*/ 32941 w 242495"/>
+              <a:gd name="connsiteY5" fmla="*/ 539750 h 1339850"/>
+              <a:gd name="connsiteX6" fmla="*/ 223441 w 242495"/>
+              <a:gd name="connsiteY6" fmla="*/ 647700 h 1339850"/>
+              <a:gd name="connsiteX7" fmla="*/ 45641 w 242495"/>
+              <a:gd name="connsiteY7" fmla="*/ 774700 h 1339850"/>
+              <a:gd name="connsiteX8" fmla="*/ 229791 w 242495"/>
+              <a:gd name="connsiteY8" fmla="*/ 850900 h 1339850"/>
+              <a:gd name="connsiteX9" fmla="*/ 58341 w 242495"/>
+              <a:gd name="connsiteY9" fmla="*/ 946150 h 1339850"/>
+              <a:gd name="connsiteX10" fmla="*/ 242491 w 242495"/>
+              <a:gd name="connsiteY10" fmla="*/ 1047750 h 1339850"/>
+              <a:gd name="connsiteX11" fmla="*/ 51991 w 242495"/>
+              <a:gd name="connsiteY11" fmla="*/ 1130300 h 1339850"/>
+              <a:gd name="connsiteX12" fmla="*/ 178991 w 242495"/>
+              <a:gd name="connsiteY12" fmla="*/ 1339850 h 1339850"/>
+            </a:gdLst>
+            <a:ahLst/>
+            <a:cxnLst>
+              <a:cxn ang="0">
+                <a:pos x="connsiteX0" y="connsiteY0"/>
+              </a:cxn>
+              <a:cxn ang="0">
+                <a:pos x="connsiteX1" y="connsiteY1"/>
+              </a:cxn>
+              <a:cxn ang="0">
+                <a:pos x="connsiteX2" y="connsiteY2"/>
+              </a:cxn>
+              <a:cxn ang="0">
+                <a:pos x="connsiteX3" y="connsiteY3"/>
+              </a:cxn>
+              <a:cxn ang="0">
+                <a:pos x="connsiteX4" y="connsiteY4"/>
+              </a:cxn>
+              <a:cxn ang="0">
+                <a:pos x="connsiteX5" y="connsiteY5"/>
+              </a:cxn>
+              <a:cxn ang="0">
+                <a:pos x="connsiteX6" y="connsiteY6"/>
+              </a:cxn>
+              <a:cxn ang="0">
+                <a:pos x="connsiteX7" y="connsiteY7"/>
+              </a:cxn>
+              <a:cxn ang="0">
+                <a:pos x="connsiteX8" y="connsiteY8"/>
+              </a:cxn>
+              <a:cxn ang="0">
+                <a:pos x="connsiteX9" y="connsiteY9"/>
+              </a:cxn>
+              <a:cxn ang="0">
+                <a:pos x="connsiteX10" y="connsiteY10"/>
+              </a:cxn>
+              <a:cxn ang="0">
+                <a:pos x="connsiteX11" y="connsiteY11"/>
+              </a:cxn>
+              <a:cxn ang="0">
+                <a:pos x="connsiteX12" y="connsiteY12"/>
+              </a:cxn>
+            </a:cxnLst>
+            <a:rect l="l" t="t" r="r" b="b"/>
+            <a:pathLst>
+              <a:path w="242495" h="1339850">
+                <a:moveTo>
+                  <a:pt x="140891" y="0"/>
+                </a:moveTo>
+                <a:cubicBezTo>
+                  <a:pt x="65220" y="42862"/>
+                  <a:pt x="-10451" y="85725"/>
+                  <a:pt x="1191" y="120650"/>
+                </a:cubicBezTo>
+                <a:cubicBezTo>
+                  <a:pt x="12833" y="155575"/>
+                  <a:pt x="207566" y="174625"/>
+                  <a:pt x="210741" y="209550"/>
+                </a:cubicBezTo>
+                <a:cubicBezTo>
+                  <a:pt x="213916" y="244475"/>
+                  <a:pt x="21299" y="295275"/>
+                  <a:pt x="20241" y="330200"/>
+                </a:cubicBezTo>
+                <a:cubicBezTo>
+                  <a:pt x="19183" y="365125"/>
+                  <a:pt x="202274" y="384175"/>
+                  <a:pt x="204391" y="419100"/>
+                </a:cubicBezTo>
+                <a:cubicBezTo>
+                  <a:pt x="206508" y="454025"/>
+                  <a:pt x="29766" y="501650"/>
+                  <a:pt x="32941" y="539750"/>
+                </a:cubicBezTo>
+                <a:cubicBezTo>
+                  <a:pt x="36116" y="577850"/>
+                  <a:pt x="221324" y="608542"/>
+                  <a:pt x="223441" y="647700"/>
+                </a:cubicBezTo>
+                <a:cubicBezTo>
+                  <a:pt x="225558" y="686858"/>
+                  <a:pt x="44583" y="740833"/>
+                  <a:pt x="45641" y="774700"/>
+                </a:cubicBezTo>
+                <a:cubicBezTo>
+                  <a:pt x="46699" y="808567"/>
+                  <a:pt x="227674" y="822325"/>
+                  <a:pt x="229791" y="850900"/>
+                </a:cubicBezTo>
+                <a:cubicBezTo>
+                  <a:pt x="231908" y="879475"/>
+                  <a:pt x="56224" y="913342"/>
+                  <a:pt x="58341" y="946150"/>
+                </a:cubicBezTo>
+                <a:cubicBezTo>
+                  <a:pt x="60458" y="978958"/>
+                  <a:pt x="243549" y="1017058"/>
+                  <a:pt x="242491" y="1047750"/>
+                </a:cubicBezTo>
+                <a:cubicBezTo>
+                  <a:pt x="241433" y="1078442"/>
+                  <a:pt x="62574" y="1081617"/>
+                  <a:pt x="51991" y="1130300"/>
+                </a:cubicBezTo>
+                <a:cubicBezTo>
+                  <a:pt x="41408" y="1178983"/>
+                  <a:pt x="165233" y="1304925"/>
+                  <a:pt x="178991" y="1339850"/>
+                </a:cubicBezTo>
+              </a:path>
+            </a:pathLst>
+          </a:custGeom>
+          <a:noFill/>
+          <a:ln w="25400">
+            <a:solidFill>
+              <a:schemeClr val="tx1"/>
+            </a:solidFill>
+          </a:ln>
+        </p:spPr>
+        <p:style>
+          <a:lnRef idx="2">
+            <a:schemeClr val="accent1">
+              <a:shade val="50000"/>
+            </a:schemeClr>
+          </a:lnRef>
+          <a:fillRef idx="1">
+            <a:schemeClr val="accent1"/>
+          </a:fillRef>
+          <a:effectRef idx="0">
+            <a:schemeClr val="accent1"/>
+          </a:effectRef>
+          <a:fontRef idx="minor">
+            <a:schemeClr val="lt1"/>
+          </a:fontRef>
+        </p:style>
+        <p:txBody>
+          <a:bodyPr rtlCol="0" anchor="ctr"/>
+          <a:lstStyle/>
+          <a:p>
+            <a:pPr algn="ctr"/>
+            <a:endParaRPr lang="en-US"/>
+          </a:p>
+        </p:txBody>
+      </p:sp>
+      <p:sp>
+        <p:nvSpPr>
+          <p:cNvPr id="61" name="任意多边形: 形状 60">
+            <a:extLst>
+              <a:ext uri="{FF2B5EF4-FFF2-40B4-BE49-F238E27FC236}">
+                <a16:creationId xmlns:a16="http://schemas.microsoft.com/office/drawing/2014/main" id="{B3698AD2-68A0-433F-8249-6AD138AE5C51}"/>
+              </a:ext>
+            </a:extLst>
+          </p:cNvPr>
+          <p:cNvSpPr/>
+          <p:nvPr/>
+        </p:nvSpPr>
+        <p:spPr>
+          <a:xfrm>
+            <a:off x="3617202" y="3073400"/>
+            <a:ext cx="383298" cy="196849"/>
+          </a:xfrm>
+          <a:custGeom>
+            <a:avLst/>
+            <a:gdLst>
+              <a:gd name="connsiteX0" fmla="*/ 0 w 400050"/>
+              <a:gd name="connsiteY0" fmla="*/ 0 h 254000"/>
+              <a:gd name="connsiteX1" fmla="*/ 69850 w 400050"/>
+              <a:gd name="connsiteY1" fmla="*/ 152400 h 254000"/>
+              <a:gd name="connsiteX2" fmla="*/ 196850 w 400050"/>
+              <a:gd name="connsiteY2" fmla="*/ 12700 h 254000"/>
+              <a:gd name="connsiteX3" fmla="*/ 228600 w 400050"/>
+              <a:gd name="connsiteY3" fmla="*/ 222250 h 254000"/>
+              <a:gd name="connsiteX4" fmla="*/ 355600 w 400050"/>
+              <a:gd name="connsiteY4" fmla="*/ 88900 h 254000"/>
+              <a:gd name="connsiteX5" fmla="*/ 400050 w 400050"/>
+              <a:gd name="connsiteY5" fmla="*/ 254000 h 254000"/>
+            </a:gdLst>
+            <a:ahLst/>
+            <a:cxnLst>
+              <a:cxn ang="0">
+                <a:pos x="connsiteX0" y="connsiteY0"/>
+              </a:cxn>
+              <a:cxn ang="0">
+                <a:pos x="connsiteX1" y="connsiteY1"/>
+              </a:cxn>
+              <a:cxn ang="0">
+                <a:pos x="connsiteX2" y="connsiteY2"/>
+              </a:cxn>
+              <a:cxn ang="0">
+                <a:pos x="connsiteX3" y="connsiteY3"/>
+              </a:cxn>
+              <a:cxn ang="0">
+                <a:pos x="connsiteX4" y="connsiteY4"/>
+              </a:cxn>
+              <a:cxn ang="0">
+                <a:pos x="connsiteX5" y="connsiteY5"/>
+              </a:cxn>
+            </a:cxnLst>
+            <a:rect l="l" t="t" r="r" b="b"/>
+            <a:pathLst>
+              <a:path w="400050" h="254000">
+                <a:moveTo>
+                  <a:pt x="0" y="0"/>
+                </a:moveTo>
+                <a:cubicBezTo>
+                  <a:pt x="18521" y="75141"/>
+                  <a:pt x="37042" y="150283"/>
+                  <a:pt x="69850" y="152400"/>
+                </a:cubicBezTo>
+                <a:cubicBezTo>
+                  <a:pt x="102658" y="154517"/>
+                  <a:pt x="170392" y="1058"/>
+                  <a:pt x="196850" y="12700"/>
+                </a:cubicBezTo>
+                <a:cubicBezTo>
+                  <a:pt x="223308" y="24342"/>
+                  <a:pt x="202142" y="209550"/>
+                  <a:pt x="228600" y="222250"/>
+                </a:cubicBezTo>
+                <a:cubicBezTo>
+                  <a:pt x="255058" y="234950"/>
+                  <a:pt x="327025" y="83608"/>
+                  <a:pt x="355600" y="88900"/>
+                </a:cubicBezTo>
+                <a:cubicBezTo>
+                  <a:pt x="384175" y="94192"/>
+                  <a:pt x="378883" y="225425"/>
+                  <a:pt x="400050" y="254000"/>
+                </a:cubicBezTo>
+              </a:path>
+            </a:pathLst>
+          </a:custGeom>
+          <a:noFill/>
+          <a:ln w="25400">
+            <a:solidFill>
+              <a:schemeClr val="tx1"/>
+            </a:solidFill>
+          </a:ln>
+        </p:spPr>
+        <p:style>
+          <a:lnRef idx="2">
+            <a:schemeClr val="accent1">
+              <a:shade val="50000"/>
+            </a:schemeClr>
+          </a:lnRef>
+          <a:fillRef idx="1">
+            <a:schemeClr val="accent1"/>
+          </a:fillRef>
+          <a:effectRef idx="0">
+            <a:schemeClr val="accent1"/>
+          </a:effectRef>
+          <a:fontRef idx="minor">
+            <a:schemeClr val="lt1"/>
+          </a:fontRef>
+        </p:style>
+        <p:txBody>
+          <a:bodyPr rtlCol="0" anchor="ctr"/>
+          <a:lstStyle/>
+          <a:p>
+            <a:pPr algn="ctr"/>
+            <a:endParaRPr lang="en-US"/>
+          </a:p>
+        </p:txBody>
+      </p:sp>
+      <p:sp>
+        <p:nvSpPr>
+          <p:cNvPr id="64" name="任意多边形: 形状 63">
+            <a:extLst>
+              <a:ext uri="{FF2B5EF4-FFF2-40B4-BE49-F238E27FC236}">
+                <a16:creationId xmlns:a16="http://schemas.microsoft.com/office/drawing/2014/main" id="{C0073B86-82B8-4FDC-BB48-9FE3954A7118}"/>
+              </a:ext>
+            </a:extLst>
+          </p:cNvPr>
+          <p:cNvSpPr/>
+          <p:nvPr/>
+        </p:nvSpPr>
+        <p:spPr>
+          <a:xfrm>
+            <a:off x="8120732" y="3994150"/>
+            <a:ext cx="305769" cy="774700"/>
+          </a:xfrm>
+          <a:custGeom>
+            <a:avLst/>
+            <a:gdLst>
+              <a:gd name="connsiteX0" fmla="*/ 191418 w 305769"/>
+              <a:gd name="connsiteY0" fmla="*/ 0 h 774700"/>
+              <a:gd name="connsiteX1" fmla="*/ 918 w 305769"/>
+              <a:gd name="connsiteY1" fmla="*/ 133350 h 774700"/>
+              <a:gd name="connsiteX2" fmla="*/ 261268 w 305769"/>
+              <a:gd name="connsiteY2" fmla="*/ 234950 h 774700"/>
+              <a:gd name="connsiteX3" fmla="*/ 26318 w 305769"/>
+              <a:gd name="connsiteY3" fmla="*/ 361950 h 774700"/>
+              <a:gd name="connsiteX4" fmla="*/ 305718 w 305769"/>
+              <a:gd name="connsiteY4" fmla="*/ 476250 h 774700"/>
+              <a:gd name="connsiteX5" fmla="*/ 51718 w 305769"/>
+              <a:gd name="connsiteY5" fmla="*/ 577850 h 774700"/>
+              <a:gd name="connsiteX6" fmla="*/ 293018 w 305769"/>
+              <a:gd name="connsiteY6" fmla="*/ 660400 h 774700"/>
+              <a:gd name="connsiteX7" fmla="*/ 166018 w 305769"/>
+              <a:gd name="connsiteY7" fmla="*/ 774700 h 774700"/>
+            </a:gdLst>
+            <a:ahLst/>
+            <a:cxnLst>
+              <a:cxn ang="0">
+                <a:pos x="connsiteX0" y="connsiteY0"/>
+              </a:cxn>
+              <a:cxn ang="0">
+                <a:pos x="connsiteX1" y="connsiteY1"/>
+              </a:cxn>
+              <a:cxn ang="0">
+                <a:pos x="connsiteX2" y="connsiteY2"/>
+              </a:cxn>
+              <a:cxn ang="0">
+                <a:pos x="connsiteX3" y="connsiteY3"/>
+              </a:cxn>
+              <a:cxn ang="0">
+                <a:pos x="connsiteX4" y="connsiteY4"/>
+              </a:cxn>
+              <a:cxn ang="0">
+                <a:pos x="connsiteX5" y="connsiteY5"/>
+              </a:cxn>
+              <a:cxn ang="0">
+                <a:pos x="connsiteX6" y="connsiteY6"/>
+              </a:cxn>
+              <a:cxn ang="0">
+                <a:pos x="connsiteX7" y="connsiteY7"/>
+              </a:cxn>
+            </a:cxnLst>
+            <a:rect l="l" t="t" r="r" b="b"/>
+            <a:pathLst>
+              <a:path w="305769" h="774700">
+                <a:moveTo>
+                  <a:pt x="191418" y="0"/>
+                </a:moveTo>
+                <a:cubicBezTo>
+                  <a:pt x="90347" y="47096"/>
+                  <a:pt x="-10724" y="94192"/>
+                  <a:pt x="918" y="133350"/>
+                </a:cubicBezTo>
+                <a:cubicBezTo>
+                  <a:pt x="12560" y="172508"/>
+                  <a:pt x="257035" y="196850"/>
+                  <a:pt x="261268" y="234950"/>
+                </a:cubicBezTo>
+                <a:cubicBezTo>
+                  <a:pt x="265501" y="273050"/>
+                  <a:pt x="18910" y="321733"/>
+                  <a:pt x="26318" y="361950"/>
+                </a:cubicBezTo>
+                <a:cubicBezTo>
+                  <a:pt x="33726" y="402167"/>
+                  <a:pt x="301485" y="440267"/>
+                  <a:pt x="305718" y="476250"/>
+                </a:cubicBezTo>
+                <a:cubicBezTo>
+                  <a:pt x="309951" y="512233"/>
+                  <a:pt x="53835" y="547158"/>
+                  <a:pt x="51718" y="577850"/>
+                </a:cubicBezTo>
+                <a:cubicBezTo>
+                  <a:pt x="49601" y="608542"/>
+                  <a:pt x="273968" y="627592"/>
+                  <a:pt x="293018" y="660400"/>
+                </a:cubicBezTo>
+                <a:cubicBezTo>
+                  <a:pt x="312068" y="693208"/>
+                  <a:pt x="189301" y="749300"/>
+                  <a:pt x="166018" y="774700"/>
+                </a:cubicBezTo>
+              </a:path>
+            </a:pathLst>
+          </a:custGeom>
+          <a:noFill/>
+          <a:ln w="25400">
+            <a:solidFill>
+              <a:schemeClr val="tx1"/>
+            </a:solidFill>
+          </a:ln>
+        </p:spPr>
+        <p:style>
+          <a:lnRef idx="2">
+            <a:schemeClr val="accent1">
+              <a:shade val="50000"/>
+            </a:schemeClr>
+          </a:lnRef>
+          <a:fillRef idx="1">
+            <a:schemeClr val="accent1"/>
+          </a:fillRef>
+          <a:effectRef idx="0">
+            <a:schemeClr val="accent1"/>
+          </a:effectRef>
+          <a:fontRef idx="minor">
+            <a:schemeClr val="lt1"/>
+          </a:fontRef>
+        </p:style>
+        <p:txBody>
+          <a:bodyPr rtlCol="0" anchor="ctr"/>
+          <a:lstStyle/>
+          <a:p>
+            <a:pPr algn="ctr"/>
+            <a:endParaRPr lang="en-US"/>
+          </a:p>
+        </p:txBody>
+      </p:sp>
+      <p:sp>
+        <p:nvSpPr>
+          <p:cNvPr id="103" name="椭圆 102">
+            <a:extLst>
+              <a:ext uri="{FF2B5EF4-FFF2-40B4-BE49-F238E27FC236}">
+                <a16:creationId xmlns:a16="http://schemas.microsoft.com/office/drawing/2014/main" id="{8903CDA1-C3DD-4442-BA78-2333BB5E7E9D}"/>
+              </a:ext>
+            </a:extLst>
+          </p:cNvPr>
+          <p:cNvSpPr/>
+          <p:nvPr/>
+        </p:nvSpPr>
+        <p:spPr>
+          <a:xfrm>
+            <a:off x="7996776" y="1025169"/>
+            <a:ext cx="175006" cy="175006"/>
+          </a:xfrm>
+          <a:prstGeom prst="ellipse">
+            <a:avLst/>
+          </a:prstGeom>
+          <a:pattFill prst="pct80">
+            <a:fgClr>
+              <a:schemeClr val="tx1"/>
+            </a:fgClr>
+            <a:bgClr>
+              <a:schemeClr val="bg1"/>
+            </a:bgClr>
+          </a:pattFill>
+          <a:ln>
+            <a:noFill/>
+          </a:ln>
+        </p:spPr>
+        <p:style>
+          <a:lnRef idx="2">
+            <a:schemeClr val="accent1">
+              <a:shade val="50000"/>
+            </a:schemeClr>
+          </a:lnRef>
+          <a:fillRef idx="1">
+            <a:schemeClr val="accent1"/>
+          </a:fillRef>
+          <a:effectRef idx="0">
+            <a:schemeClr val="accent1"/>
+          </a:effectRef>
+          <a:fontRef idx="minor">
+            <a:schemeClr val="lt1"/>
+          </a:fontRef>
+        </p:style>
+        <p:txBody>
+          <a:bodyPr rtlCol="0" anchor="ctr"/>
+          <a:lstStyle/>
+          <a:p>
+            <a:pPr algn="ctr"/>
+            <a:endParaRPr lang="en-US"/>
+          </a:p>
+        </p:txBody>
+      </p:sp>
+      <p:sp>
+        <p:nvSpPr>
+          <p:cNvPr id="104" name="任意多边形: 形状 103">
+            <a:extLst>
+              <a:ext uri="{FF2B5EF4-FFF2-40B4-BE49-F238E27FC236}">
+                <a16:creationId xmlns:a16="http://schemas.microsoft.com/office/drawing/2014/main" id="{D75FCA7E-A31F-4E0B-9331-DE9575A2B76E}"/>
+              </a:ext>
+            </a:extLst>
+          </p:cNvPr>
+          <p:cNvSpPr/>
+          <p:nvPr/>
+        </p:nvSpPr>
+        <p:spPr>
+          <a:xfrm rot="3820175">
+            <a:off x="6922786" y="1348999"/>
+            <a:ext cx="282632" cy="215598"/>
+          </a:xfrm>
+          <a:custGeom>
+            <a:avLst/>
+            <a:gdLst>
+              <a:gd name="connsiteX0" fmla="*/ 0 w 400050"/>
+              <a:gd name="connsiteY0" fmla="*/ 0 h 254000"/>
+              <a:gd name="connsiteX1" fmla="*/ 69850 w 400050"/>
+              <a:gd name="connsiteY1" fmla="*/ 152400 h 254000"/>
+              <a:gd name="connsiteX2" fmla="*/ 196850 w 400050"/>
+              <a:gd name="connsiteY2" fmla="*/ 12700 h 254000"/>
+              <a:gd name="connsiteX3" fmla="*/ 228600 w 400050"/>
+              <a:gd name="connsiteY3" fmla="*/ 222250 h 254000"/>
+              <a:gd name="connsiteX4" fmla="*/ 355600 w 400050"/>
+              <a:gd name="connsiteY4" fmla="*/ 88900 h 254000"/>
+              <a:gd name="connsiteX5" fmla="*/ 400050 w 400050"/>
+              <a:gd name="connsiteY5" fmla="*/ 254000 h 254000"/>
+            </a:gdLst>
+            <a:ahLst/>
+            <a:cxnLst>
+              <a:cxn ang="0">
+                <a:pos x="connsiteX0" y="connsiteY0"/>
+              </a:cxn>
+              <a:cxn ang="0">
+                <a:pos x="connsiteX1" y="connsiteY1"/>
+              </a:cxn>
+              <a:cxn ang="0">
+                <a:pos x="connsiteX2" y="connsiteY2"/>
+              </a:cxn>
+              <a:cxn ang="0">
+                <a:pos x="connsiteX3" y="connsiteY3"/>
+              </a:cxn>
+              <a:cxn ang="0">
+                <a:pos x="connsiteX4" y="connsiteY4"/>
+              </a:cxn>
+              <a:cxn ang="0">
+                <a:pos x="connsiteX5" y="connsiteY5"/>
+              </a:cxn>
+            </a:cxnLst>
+            <a:rect l="l" t="t" r="r" b="b"/>
+            <a:pathLst>
+              <a:path w="400050" h="254000">
+                <a:moveTo>
+                  <a:pt x="0" y="0"/>
+                </a:moveTo>
+                <a:cubicBezTo>
+                  <a:pt x="18521" y="75141"/>
+                  <a:pt x="37042" y="150283"/>
+                  <a:pt x="69850" y="152400"/>
+                </a:cubicBezTo>
+                <a:cubicBezTo>
+                  <a:pt x="102658" y="154517"/>
+                  <a:pt x="170392" y="1058"/>
+                  <a:pt x="196850" y="12700"/>
+                </a:cubicBezTo>
+                <a:cubicBezTo>
+                  <a:pt x="223308" y="24342"/>
+                  <a:pt x="202142" y="209550"/>
+                  <a:pt x="228600" y="222250"/>
+                </a:cubicBezTo>
+                <a:cubicBezTo>
+                  <a:pt x="255058" y="234950"/>
+                  <a:pt x="327025" y="83608"/>
+                  <a:pt x="355600" y="88900"/>
+                </a:cubicBezTo>
+                <a:cubicBezTo>
+                  <a:pt x="384175" y="94192"/>
+                  <a:pt x="378883" y="225425"/>
+                  <a:pt x="400050" y="254000"/>
+                </a:cubicBezTo>
+              </a:path>
+            </a:pathLst>
+          </a:custGeom>
+          <a:noFill/>
+          <a:ln w="25400">
+            <a:solidFill>
+              <a:schemeClr val="tx1"/>
+            </a:solidFill>
+          </a:ln>
+        </p:spPr>
+        <p:style>
+          <a:lnRef idx="2">
+            <a:schemeClr val="accent1">
+              <a:shade val="50000"/>
+            </a:schemeClr>
+          </a:lnRef>
+          <a:fillRef idx="1">
+            <a:schemeClr val="accent1"/>
+          </a:fillRef>
+          <a:effectRef idx="0">
+            <a:schemeClr val="accent1"/>
+          </a:effectRef>
+          <a:fontRef idx="minor">
+            <a:schemeClr val="lt1"/>
+          </a:fontRef>
+        </p:style>
+        <p:txBody>
+          <a:bodyPr rtlCol="0" anchor="ctr"/>
+          <a:lstStyle/>
+          <a:p>
+            <a:pPr algn="ctr"/>
+            <a:endParaRPr lang="en-US"/>
+          </a:p>
+        </p:txBody>
+      </p:sp>
+      <p:sp>
+        <p:nvSpPr>
+          <p:cNvPr id="105" name="文本框 104">
+            <a:extLst>
+              <a:ext uri="{FF2B5EF4-FFF2-40B4-BE49-F238E27FC236}">
+                <a16:creationId xmlns:a16="http://schemas.microsoft.com/office/drawing/2014/main" id="{7464E8A7-DD3C-4BEE-807D-B1D86F2F4F15}"/>
+              </a:ext>
+            </a:extLst>
+          </p:cNvPr>
+          <p:cNvSpPr txBox="1"/>
+          <p:nvPr/>
+        </p:nvSpPr>
+        <p:spPr>
+          <a:xfrm>
+            <a:off x="7229639" y="1232339"/>
+            <a:ext cx="759918" cy="369332"/>
+          </a:xfrm>
+          <a:prstGeom prst="rect">
+            <a:avLst/>
+          </a:prstGeom>
+          <a:noFill/>
+        </p:spPr>
+        <p:txBody>
+          <a:bodyPr wrap="square" rtlCol="0">
+            <a:spAutoFit/>
+          </a:bodyPr>
+          <a:lstStyle/>
+          <a:p>
+            <a:r>
+              <a:rPr lang="en-US" sz="900" dirty="0"/>
+              <a:t>Error</a:t>
+            </a:r>
+          </a:p>
+          <a:p>
+            <a:r>
+              <a:rPr lang="en-US" sz="900" dirty="0"/>
+              <a:t>Propagation</a:t>
+            </a:r>
+            <a:endParaRPr lang="en-US" dirty="0"/>
+          </a:p>
+        </p:txBody>
+      </p:sp>
+    </p:spTree>
+    <p:extLst>
+      <p:ext uri="{BB962C8B-B14F-4D97-AF65-F5344CB8AC3E}">
+        <p14:creationId xmlns:p14="http://schemas.microsoft.com/office/powerpoint/2010/main" val="1725796422"/>
+      </p:ext>
+    </p:extLst>
+  </p:cSld>
+  <p:clrMapOvr>
+    <a:masterClrMapping/>
+  </p:clrMapOvr>
+</p:sld>
+</file>
+
+<file path=ppt/slides/slide4.xml><?xml version="1.0" encoding="utf-8"?>
 <p:sld xmlns:a="http://schemas.openxmlformats.org/drawingml/2006/main" xmlns:r="http://schemas.openxmlformats.org/officeDocument/2006/relationships" xmlns:p="http://schemas.openxmlformats.org/presentationml/2006/main">
   <p:cSld>
     <p:spTree>
@@ -10913,7 +13302,7 @@
 </p:sld>
 </file>
 
-<file path=ppt/slides/slide4.xml><?xml version="1.0" encoding="utf-8"?>
+<file path=ppt/slides/slide5.xml><?xml version="1.0" encoding="utf-8"?>
 <p:sld xmlns:a="http://schemas.openxmlformats.org/drawingml/2006/main" xmlns:r="http://schemas.openxmlformats.org/officeDocument/2006/relationships" xmlns:p="http://schemas.openxmlformats.org/presentationml/2006/main">
   <p:cSld>
     <p:spTree>
@@ -12597,7 +14986,7 @@
 </p:sld>
 </file>
 
-<file path=ppt/slides/slide5.xml><?xml version="1.0" encoding="utf-8"?>
+<file path=ppt/slides/slide6.xml><?xml version="1.0" encoding="utf-8"?>
 <p:sld xmlns:a="http://schemas.openxmlformats.org/drawingml/2006/main" xmlns:r="http://schemas.openxmlformats.org/officeDocument/2006/relationships" xmlns:p="http://schemas.openxmlformats.org/presentationml/2006/main">
   <p:cSld>
     <p:spTree>

--- a/raw_ppt/model.pptx
+++ b/raw_ppt/model.pptx
@@ -9934,7 +9934,7 @@
           </a:prstGeom>
           <a:pattFill prst="pct75">
             <a:fgClr>
-              <a:schemeClr val="tx2"/>
+              <a:schemeClr val="tx1"/>
             </a:fgClr>
             <a:bgClr>
               <a:schemeClr val="bg1"/>

--- a/raw_ppt/model.pptx
+++ b/raw_ppt/model.pptx
@@ -3381,7 +3381,7 @@
         </p:nvSpPr>
         <p:spPr>
           <a:xfrm>
-            <a:off x="5611412" y="1887664"/>
+            <a:off x="4977938" y="2394315"/>
             <a:ext cx="3417331" cy="3155150"/>
           </a:xfrm>
           <a:custGeom>
@@ -9522,98 +9522,6 @@
       </p:grpSpPr>
       <p:cxnSp>
         <p:nvCxnSpPr>
-          <p:cNvPr id="5" name="直接连接符 4">
-            <a:extLst>
-              <a:ext uri="{FF2B5EF4-FFF2-40B4-BE49-F238E27FC236}">
-                <a16:creationId xmlns:a16="http://schemas.microsoft.com/office/drawing/2014/main" id="{81520D02-37D8-4A51-8B5C-0589BE087133}"/>
-              </a:ext>
-            </a:extLst>
-          </p:cNvPr>
-          <p:cNvCxnSpPr>
-            <a:cxnSpLocks/>
-            <a:stCxn id="100" idx="2"/>
-          </p:cNvCxnSpPr>
-          <p:nvPr/>
-        </p:nvCxnSpPr>
-        <p:spPr>
-          <a:xfrm>
-            <a:off x="3495803" y="1221360"/>
-            <a:ext cx="25545" cy="1783778"/>
-          </a:xfrm>
-          <a:prstGeom prst="line">
-            <a:avLst/>
-          </a:prstGeom>
-          <a:ln w="50800" cmpd="dbl">
-            <a:solidFill>
-              <a:schemeClr val="tx1"/>
-            </a:solidFill>
-            <a:prstDash val="sysDot"/>
-            <a:tailEnd type="diamond"/>
-          </a:ln>
-        </p:spPr>
-        <p:style>
-          <a:lnRef idx="1">
-            <a:schemeClr val="accent1"/>
-          </a:lnRef>
-          <a:fillRef idx="0">
-            <a:schemeClr val="accent1"/>
-          </a:fillRef>
-          <a:effectRef idx="0">
-            <a:schemeClr val="accent1"/>
-          </a:effectRef>
-          <a:fontRef idx="minor">
-            <a:schemeClr val="tx1"/>
-          </a:fontRef>
-        </p:style>
-      </p:cxnSp>
-      <p:cxnSp>
-        <p:nvCxnSpPr>
-          <p:cNvPr id="7" name="直接连接符 6">
-            <a:extLst>
-              <a:ext uri="{FF2B5EF4-FFF2-40B4-BE49-F238E27FC236}">
-                <a16:creationId xmlns:a16="http://schemas.microsoft.com/office/drawing/2014/main" id="{A24DDF2D-7EB1-4DFB-A1E9-2C879C43C8CD}"/>
-              </a:ext>
-            </a:extLst>
-          </p:cNvPr>
-          <p:cNvCxnSpPr>
-            <a:cxnSpLocks/>
-          </p:cNvCxnSpPr>
-          <p:nvPr/>
-        </p:nvCxnSpPr>
-        <p:spPr>
-          <a:xfrm>
-            <a:off x="6255391" y="1251268"/>
-            <a:ext cx="0" cy="1077466"/>
-          </a:xfrm>
-          <a:prstGeom prst="line">
-            <a:avLst/>
-          </a:prstGeom>
-          <a:ln w="50800" cmpd="dbl">
-            <a:solidFill>
-              <a:schemeClr val="tx1"/>
-            </a:solidFill>
-            <a:prstDash val="solid"/>
-            <a:headEnd type="none"/>
-            <a:tailEnd type="stealth"/>
-          </a:ln>
-        </p:spPr>
-        <p:style>
-          <a:lnRef idx="1">
-            <a:schemeClr val="accent1"/>
-          </a:lnRef>
-          <a:fillRef idx="0">
-            <a:schemeClr val="accent1"/>
-          </a:fillRef>
-          <a:effectRef idx="0">
-            <a:schemeClr val="accent1"/>
-          </a:effectRef>
-          <a:fontRef idx="minor">
-            <a:schemeClr val="tx1"/>
-          </a:fontRef>
-        </p:style>
-      </p:cxnSp>
-      <p:cxnSp>
-        <p:nvCxnSpPr>
           <p:cNvPr id="34" name="直接箭头连接符 33">
             <a:extLst>
               <a:ext uri="{FF2B5EF4-FFF2-40B4-BE49-F238E27FC236}">
@@ -9630,8 +9538,8 @@
         </p:nvCxnSpPr>
         <p:spPr>
           <a:xfrm>
-            <a:off x="3675068" y="1641852"/>
-            <a:ext cx="2446645" cy="236777"/>
+            <a:off x="3655973" y="1640978"/>
+            <a:ext cx="1782079" cy="209366"/>
           </a:xfrm>
           <a:prstGeom prst="straightConnector1">
             <a:avLst/>
@@ -9676,8 +9584,8 @@
         </p:nvCxnSpPr>
         <p:spPr>
           <a:xfrm flipH="1">
-            <a:off x="3662259" y="1878629"/>
-            <a:ext cx="2459454" cy="388140"/>
+            <a:off x="3654482" y="1850344"/>
+            <a:ext cx="1783570" cy="416425"/>
           </a:xfrm>
           <a:prstGeom prst="straightConnector1">
             <a:avLst/>
@@ -9718,17 +9626,19 @@
         </p:nvSpPr>
         <p:spPr>
           <a:xfrm>
-            <a:off x="3377021" y="1492828"/>
+            <a:off x="3357926" y="1491954"/>
             <a:ext cx="298047" cy="298047"/>
           </a:xfrm>
           <a:prstGeom prst="ellipse">
             <a:avLst/>
           </a:prstGeom>
           <a:solidFill>
-            <a:schemeClr val="tx1"/>
+            <a:schemeClr val="bg1"/>
           </a:solidFill>
-          <a:ln>
-            <a:noFill/>
+          <a:ln w="38100">
+            <a:solidFill>
+              <a:schemeClr val="tx1"/>
+            </a:solidFill>
           </a:ln>
         </p:spPr>
         <p:style>
@@ -9770,17 +9680,19 @@
         </p:nvSpPr>
         <p:spPr>
           <a:xfrm>
-            <a:off x="3364212" y="2117745"/>
+            <a:off x="3356435" y="2117745"/>
             <a:ext cx="298047" cy="298047"/>
           </a:xfrm>
           <a:prstGeom prst="ellipse">
             <a:avLst/>
           </a:prstGeom>
           <a:solidFill>
-            <a:schemeClr val="tx1"/>
+            <a:schemeClr val="bg1"/>
           </a:solidFill>
-          <a:ln>
-            <a:noFill/>
+          <a:ln w="38100">
+            <a:solidFill>
+              <a:schemeClr val="tx1"/>
+            </a:solidFill>
           </a:ln>
         </p:spPr>
         <p:style>
@@ -9822,17 +9734,19 @@
         </p:nvSpPr>
         <p:spPr>
           <a:xfrm>
-            <a:off x="6121713" y="1729605"/>
+            <a:off x="5438052" y="1701320"/>
             <a:ext cx="298047" cy="298047"/>
           </a:xfrm>
           <a:prstGeom prst="ellipse">
             <a:avLst/>
           </a:prstGeom>
           <a:solidFill>
-            <a:schemeClr val="tx1"/>
+            <a:schemeClr val="bg1"/>
           </a:solidFill>
-          <a:ln>
-            <a:noFill/>
+          <a:ln w="38100">
+            <a:solidFill>
+              <a:schemeClr val="tx1"/>
+            </a:solidFill>
           </a:ln>
         </p:spPr>
         <p:style>
@@ -9874,7 +9788,7 @@
         </p:nvSpPr>
         <p:spPr>
           <a:xfrm>
-            <a:off x="3371905" y="4314576"/>
+            <a:off x="3353121" y="4639284"/>
             <a:ext cx="404673" cy="375785"/>
           </a:xfrm>
           <a:prstGeom prst="mathMultiply">
@@ -9926,21 +9840,14 @@
         </p:nvSpPr>
         <p:spPr>
           <a:xfrm>
-            <a:off x="3904976" y="3256783"/>
+            <a:off x="4894521" y="3296182"/>
             <a:ext cx="291425" cy="253607"/>
           </a:xfrm>
           <a:prstGeom prst="flowChartMultidocument">
             <a:avLst/>
           </a:prstGeom>
-          <a:pattFill prst="pct75">
-            <a:fgClr>
-              <a:schemeClr val="tx1"/>
-            </a:fgClr>
-            <a:bgClr>
-              <a:schemeClr val="bg1"/>
-            </a:bgClr>
-          </a:pattFill>
-          <a:ln>
+          <a:noFill/>
+          <a:ln w="25400">
             <a:solidFill>
               <a:schemeClr val="tx1"/>
             </a:solidFill>
@@ -9987,8 +9894,8 @@
         </p:nvCxnSpPr>
         <p:spPr>
           <a:xfrm>
-            <a:off x="4296416" y="3413275"/>
-            <a:ext cx="3812053" cy="418006"/>
+            <a:off x="6746598" y="3696016"/>
+            <a:ext cx="1423028" cy="191004"/>
           </a:xfrm>
           <a:prstGeom prst="straightConnector1">
             <a:avLst/>
@@ -10027,15 +9934,13 @@
           </p:cNvPr>
           <p:cNvCxnSpPr>
             <a:cxnSpLocks/>
-            <a:stCxn id="62" idx="2"/>
-            <a:endCxn id="16" idx="3"/>
           </p:cNvCxnSpPr>
           <p:nvPr/>
         </p:nvCxnSpPr>
         <p:spPr>
           <a:xfrm flipH="1">
-            <a:off x="4196401" y="2658196"/>
-            <a:ext cx="3927986" cy="725391"/>
+            <a:off x="6726237" y="2849071"/>
+            <a:ext cx="1402217" cy="865134"/>
           </a:xfrm>
           <a:prstGeom prst="straightConnector1">
             <a:avLst/>
@@ -10077,8 +9982,8 @@
         </p:nvSpPr>
         <p:spPr>
           <a:xfrm>
-            <a:off x="3130959" y="852028"/>
-            <a:ext cx="729687" cy="369332"/>
+            <a:off x="3158128" y="1050683"/>
+            <a:ext cx="1295547" cy="369332"/>
           </a:xfrm>
           <a:prstGeom prst="rect">
             <a:avLst/>
@@ -10097,7 +10002,7 @@
             </a:r>
             <a:r>
               <a:rPr lang="en-US" altLang="zh-CN" dirty="0"/>
-              <a:t>1(I1)</a:t>
+              <a:t>1 | Input 1</a:t>
             </a:r>
             <a:endParaRPr lang="en-US" dirty="0"/>
           </a:p>
@@ -10117,58 +10022,12 @@
         </p:nvGrpSpPr>
         <p:grpSpPr>
           <a:xfrm>
-            <a:off x="7872813" y="1921578"/>
-            <a:ext cx="684290" cy="3180455"/>
-            <a:chOff x="7529131" y="2667976"/>
-            <a:chExt cx="684290" cy="3180455"/>
+            <a:off x="7631216" y="2349831"/>
+            <a:ext cx="1354858" cy="2764180"/>
+            <a:chOff x="7290052" y="3084251"/>
+            <a:chExt cx="1354858" cy="2764180"/>
           </a:xfrm>
         </p:grpSpPr>
-        <p:cxnSp>
-          <p:nvCxnSpPr>
-            <p:cNvPr id="8" name="直接连接符 7">
-              <a:extLst>
-                <a:ext uri="{FF2B5EF4-FFF2-40B4-BE49-F238E27FC236}">
-                  <a16:creationId xmlns:a16="http://schemas.microsoft.com/office/drawing/2014/main" id="{A494DBA8-26DA-401C-8636-359099D213FA}"/>
-                </a:ext>
-              </a:extLst>
-            </p:cNvPr>
-            <p:cNvCxnSpPr>
-              <a:cxnSpLocks/>
-              <a:endCxn id="82" idx="0"/>
-            </p:cNvCxnSpPr>
-            <p:nvPr/>
-          </p:nvCxnSpPr>
-          <p:spPr>
-            <a:xfrm>
-              <a:off x="7919623" y="2970856"/>
-              <a:ext cx="6024" cy="1456650"/>
-            </a:xfrm>
-            <a:prstGeom prst="line">
-              <a:avLst/>
-            </a:prstGeom>
-            <a:ln w="50800" cmpd="dbl">
-              <a:solidFill>
-                <a:schemeClr val="tx1"/>
-              </a:solidFill>
-              <a:prstDash val="sysDot"/>
-              <a:tailEnd type="stealth"/>
-            </a:ln>
-          </p:spPr>
-          <p:style>
-            <a:lnRef idx="1">
-              <a:schemeClr val="accent1"/>
-            </a:lnRef>
-            <a:fillRef idx="0">
-              <a:schemeClr val="accent1"/>
-            </a:fillRef>
-            <a:effectRef idx="0">
-              <a:schemeClr val="accent1"/>
-            </a:effectRef>
-            <a:fontRef idx="minor">
-              <a:schemeClr val="tx1"/>
-            </a:fontRef>
-          </p:style>
-        </p:cxnSp>
         <p:sp>
           <p:nvSpPr>
             <p:cNvPr id="62" name="椭圆 61">
@@ -10183,13 +10042,13 @@
           </p:nvSpPr>
           <p:spPr>
             <a:xfrm>
-              <a:off x="7780705" y="3255570"/>
+              <a:off x="7784772" y="3494273"/>
               <a:ext cx="298047" cy="298047"/>
             </a:xfrm>
             <a:prstGeom prst="ellipse">
               <a:avLst/>
             </a:prstGeom>
-            <a:pattFill prst="pct80">
+            <a:pattFill prst="ltUpDiag">
               <a:fgClr>
                 <a:schemeClr val="tx1"/>
               </a:fgClr>
@@ -10197,8 +10056,10 @@
                 <a:schemeClr val="bg1"/>
               </a:bgClr>
             </a:pattFill>
-            <a:ln>
-              <a:noFill/>
+            <a:ln w="38100">
+              <a:solidFill>
+                <a:schemeClr val="tx1"/>
+              </a:solidFill>
             </a:ln>
           </p:spPr>
           <p:style>
@@ -10246,7 +10107,7 @@
             <a:prstGeom prst="ellipse">
               <a:avLst/>
             </a:prstGeom>
-            <a:pattFill prst="pct80">
+            <a:pattFill prst="ltUpDiag">
               <a:fgClr>
                 <a:schemeClr val="tx1"/>
               </a:fgClr>
@@ -10254,8 +10115,10 @@
                 <a:schemeClr val="bg1"/>
               </a:bgClr>
             </a:pattFill>
-            <a:ln>
-              <a:noFill/>
+            <a:ln w="38100">
+              <a:solidFill>
+                <a:schemeClr val="tx1"/>
+              </a:solidFill>
             </a:ln>
           </p:spPr>
           <p:style>
@@ -10349,8 +10212,8 @@
           </p:nvSpPr>
           <p:spPr>
             <a:xfrm>
-              <a:off x="7529131" y="2667976"/>
-              <a:ext cx="684290" cy="369332"/>
+              <a:off x="7290052" y="3084251"/>
+              <a:ext cx="1354858" cy="369332"/>
             </a:xfrm>
             <a:prstGeom prst="rect">
               <a:avLst/>
@@ -10364,12 +10227,8 @@
             <a:lstStyle/>
             <a:p>
               <a:r>
-                <a:rPr lang="en-US" dirty="0" err="1"/>
-                <a:t>Tx</a:t>
-              </a:r>
-              <a:r>
                 <a:rPr lang="en-US" dirty="0"/>
-                <a:t>(Ix)</a:t>
+                <a:t>TX | Input X </a:t>
               </a:r>
             </a:p>
           </p:txBody>
@@ -10389,8 +10248,8 @@
         </p:nvSpPr>
         <p:spPr>
           <a:xfrm>
-            <a:off x="5811322" y="825383"/>
-            <a:ext cx="729687" cy="369332"/>
+            <a:off x="5043497" y="1060536"/>
+            <a:ext cx="1295547" cy="369332"/>
           </a:xfrm>
           <a:prstGeom prst="rect">
             <a:avLst/>
@@ -10405,7 +10264,7 @@
           <a:p>
             <a:r>
               <a:rPr lang="en-US" dirty="0"/>
-              <a:t>T2(I2)</a:t>
+              <a:t>T2 | Input 2</a:t>
             </a:r>
           </a:p>
         </p:txBody>
@@ -10424,8 +10283,8 @@
         </p:nvSpPr>
         <p:spPr>
           <a:xfrm>
-            <a:off x="6796093" y="724484"/>
-            <a:ext cx="2167618" cy="1001948"/>
+            <a:off x="6882553" y="1183230"/>
+            <a:ext cx="2216515" cy="1001948"/>
           </a:xfrm>
           <a:prstGeom prst="rect">
             <a:avLst/>
@@ -10477,7 +10336,7 @@
         </p:nvGrpSpPr>
         <p:grpSpPr>
           <a:xfrm>
-            <a:off x="7004620" y="820763"/>
+            <a:off x="7091081" y="1279509"/>
             <a:ext cx="642160" cy="507831"/>
             <a:chOff x="4996796" y="5663601"/>
             <a:chExt cx="642160" cy="507831"/>
@@ -10585,7 +10444,7 @@
         </p:nvCxnSpPr>
         <p:spPr>
           <a:xfrm>
-            <a:off x="7145165" y="832984"/>
+            <a:off x="7231626" y="1291730"/>
             <a:ext cx="0" cy="358042"/>
           </a:xfrm>
           <a:prstGeom prst="line">
@@ -10629,7 +10488,7 @@
         </p:nvSpPr>
         <p:spPr>
           <a:xfrm>
-            <a:off x="7222406" y="796665"/>
+            <a:off x="7308867" y="1255411"/>
             <a:ext cx="654311" cy="369332"/>
           </a:xfrm>
           <a:prstGeom prst="rect">
@@ -10675,7 +10534,7 @@
         </p:nvSpPr>
         <p:spPr>
           <a:xfrm>
-            <a:off x="7995816" y="818390"/>
+            <a:off x="8082277" y="1277136"/>
             <a:ext cx="176925" cy="174718"/>
           </a:xfrm>
           <a:prstGeom prst="ellipse">
@@ -10727,7 +10586,7 @@
         </p:nvSpPr>
         <p:spPr>
           <a:xfrm>
-            <a:off x="8120305" y="829584"/>
+            <a:off x="8206766" y="1288330"/>
             <a:ext cx="988711" cy="184666"/>
           </a:xfrm>
           <a:prstGeom prst="rect">
@@ -10763,7 +10622,7 @@
         </p:nvSpPr>
         <p:spPr>
           <a:xfrm>
-            <a:off x="8128984" y="1030548"/>
+            <a:off x="8215445" y="1489294"/>
             <a:ext cx="950099" cy="184666"/>
           </a:xfrm>
           <a:prstGeom prst="rect">
@@ -10799,7 +10658,7 @@
         </p:nvSpPr>
         <p:spPr>
           <a:xfrm>
-            <a:off x="7995600" y="1289609"/>
+            <a:off x="8082061" y="1748355"/>
             <a:ext cx="185382" cy="161325"/>
           </a:xfrm>
           <a:prstGeom prst="flowChartMultidocument">
@@ -10858,7 +10717,7 @@
         </p:nvSpPr>
         <p:spPr>
           <a:xfrm>
-            <a:off x="8134862" y="1241095"/>
+            <a:off x="8221323" y="1699841"/>
             <a:ext cx="844482" cy="276999"/>
           </a:xfrm>
           <a:prstGeom prst="rect">
@@ -10898,7 +10757,7 @@
         </p:nvSpPr>
         <p:spPr>
           <a:xfrm>
-            <a:off x="7941629" y="1454488"/>
+            <a:off x="8028090" y="1913234"/>
             <a:ext cx="283073" cy="262866"/>
           </a:xfrm>
           <a:prstGeom prst="mathMultiply">
@@ -10950,7 +10809,7 @@
         </p:nvSpPr>
         <p:spPr>
           <a:xfrm>
-            <a:off x="8168126" y="1496760"/>
+            <a:off x="8254587" y="1955506"/>
             <a:ext cx="844482" cy="184666"/>
           </a:xfrm>
           <a:prstGeom prst="rect">
@@ -10974,10 +10833,10 @@
       </p:sp>
       <p:sp>
         <p:nvSpPr>
-          <p:cNvPr id="10" name="矩形 9">
-            <a:extLst>
-              <a:ext uri="{FF2B5EF4-FFF2-40B4-BE49-F238E27FC236}">
-                <a16:creationId xmlns:a16="http://schemas.microsoft.com/office/drawing/2014/main" id="{7FA017B0-640F-4BE0-BD7F-058BEEF73B9E}"/>
+          <p:cNvPr id="79" name="椭圆 78">
+            <a:extLst>
+              <a:ext uri="{FF2B5EF4-FFF2-40B4-BE49-F238E27FC236}">
+                <a16:creationId xmlns:a16="http://schemas.microsoft.com/office/drawing/2014/main" id="{D17CCF61-BF9B-44EF-8A70-6FBF41A36B49}"/>
               </a:ext>
             </a:extLst>
           </p:cNvPr>
@@ -10986,119 +10845,7 @@
         </p:nvSpPr>
         <p:spPr>
           <a:xfrm>
-            <a:off x="4287328" y="1184451"/>
-            <a:ext cx="947751" cy="1142844"/>
-          </a:xfrm>
-          <a:prstGeom prst="rect">
-            <a:avLst/>
-          </a:prstGeom>
-          <a:noFill/>
-          <a:ln w="25400">
-            <a:solidFill>
-              <a:schemeClr val="tx1">
-                <a:lumMod val="65000"/>
-                <a:lumOff val="35000"/>
-              </a:schemeClr>
-            </a:solidFill>
-            <a:prstDash val="sysDash"/>
-          </a:ln>
-        </p:spPr>
-        <p:style>
-          <a:lnRef idx="2">
-            <a:schemeClr val="accent1">
-              <a:shade val="50000"/>
-            </a:schemeClr>
-          </a:lnRef>
-          <a:fillRef idx="1">
-            <a:schemeClr val="accent1"/>
-          </a:fillRef>
-          <a:effectRef idx="0">
-            <a:schemeClr val="accent1"/>
-          </a:effectRef>
-          <a:fontRef idx="minor">
-            <a:schemeClr val="lt1"/>
-          </a:fontRef>
-        </p:style>
-        <p:txBody>
-          <a:bodyPr rtlCol="0" anchor="ctr"/>
-          <a:lstStyle/>
-          <a:p>
-            <a:pPr algn="ctr"/>
-            <a:endParaRPr lang="en-US"/>
-          </a:p>
-        </p:txBody>
-      </p:sp>
-      <p:sp>
-        <p:nvSpPr>
-          <p:cNvPr id="74" name="矩形 73">
-            <a:extLst>
-              <a:ext uri="{FF2B5EF4-FFF2-40B4-BE49-F238E27FC236}">
-                <a16:creationId xmlns:a16="http://schemas.microsoft.com/office/drawing/2014/main" id="{334B2D11-DC11-42D2-BDE6-6A12DB501C1F}"/>
-              </a:ext>
-            </a:extLst>
-          </p:cNvPr>
-          <p:cNvSpPr/>
-          <p:nvPr/>
-        </p:nvSpPr>
-        <p:spPr>
-          <a:xfrm>
-            <a:off x="5644112" y="2638967"/>
-            <a:ext cx="1151981" cy="1557761"/>
-          </a:xfrm>
-          <a:prstGeom prst="rect">
-            <a:avLst/>
-          </a:prstGeom>
-          <a:noFill/>
-          <a:ln w="25400">
-            <a:solidFill>
-              <a:schemeClr val="tx1">
-                <a:lumMod val="65000"/>
-                <a:lumOff val="35000"/>
-              </a:schemeClr>
-            </a:solidFill>
-            <a:prstDash val="sysDash"/>
-          </a:ln>
-        </p:spPr>
-        <p:style>
-          <a:lnRef idx="2">
-            <a:schemeClr val="accent1">
-              <a:shade val="50000"/>
-            </a:schemeClr>
-          </a:lnRef>
-          <a:fillRef idx="1">
-            <a:schemeClr val="accent1"/>
-          </a:fillRef>
-          <a:effectRef idx="0">
-            <a:schemeClr val="accent1"/>
-          </a:effectRef>
-          <a:fontRef idx="minor">
-            <a:schemeClr val="lt1"/>
-          </a:fontRef>
-        </p:style>
-        <p:txBody>
-          <a:bodyPr rtlCol="0" anchor="ctr"/>
-          <a:lstStyle/>
-          <a:p>
-            <a:pPr algn="ctr"/>
-            <a:endParaRPr lang="en-US"/>
-          </a:p>
-        </p:txBody>
-      </p:sp>
-      <p:sp>
-        <p:nvSpPr>
-          <p:cNvPr id="11" name="椭圆 10">
-            <a:extLst>
-              <a:ext uri="{FF2B5EF4-FFF2-40B4-BE49-F238E27FC236}">
-                <a16:creationId xmlns:a16="http://schemas.microsoft.com/office/drawing/2014/main" id="{25D847C9-D2B9-4439-BFD4-5247C9BFA915}"/>
-              </a:ext>
-            </a:extLst>
-          </p:cNvPr>
-          <p:cNvSpPr/>
-          <p:nvPr/>
-        </p:nvSpPr>
-        <p:spPr>
-          <a:xfrm>
-            <a:off x="4629885" y="1233541"/>
+            <a:off x="6069937" y="3806605"/>
             <a:ext cx="300330" cy="300330"/>
           </a:xfrm>
           <a:prstGeom prst="ellipse">
@@ -11136,7 +10883,7 @@
             <a:pPr algn="ctr"/>
             <a:r>
               <a:rPr lang="en-US" altLang="zh-CN" dirty="0"/>
-              <a:t>1</a:t>
+              <a:t>2</a:t>
             </a:r>
             <a:endParaRPr lang="en-US" dirty="0"/>
           </a:p>
@@ -11144,10 +10891,10 @@
       </p:sp>
       <p:sp>
         <p:nvSpPr>
-          <p:cNvPr id="79" name="椭圆 78">
-            <a:extLst>
-              <a:ext uri="{FF2B5EF4-FFF2-40B4-BE49-F238E27FC236}">
-                <a16:creationId xmlns:a16="http://schemas.microsoft.com/office/drawing/2014/main" id="{D17CCF61-BF9B-44EF-8A70-6FBF41A36B49}"/>
+          <p:cNvPr id="59" name="任意多边形: 形状 58">
+            <a:extLst>
+              <a:ext uri="{FF2B5EF4-FFF2-40B4-BE49-F238E27FC236}">
+                <a16:creationId xmlns:a16="http://schemas.microsoft.com/office/drawing/2014/main" id="{50C0830B-F1D8-4306-8ECF-90C531402526}"/>
               </a:ext>
             </a:extLst>
           </p:cNvPr>
@@ -11156,66 +10903,8 @@
         </p:nvSpPr>
         <p:spPr>
           <a:xfrm>
-            <a:off x="6069937" y="3806605"/>
-            <a:ext cx="300330" cy="300330"/>
-          </a:xfrm>
-          <a:prstGeom prst="ellipse">
-            <a:avLst/>
-          </a:prstGeom>
-          <a:noFill/>
-          <a:ln w="9525" cap="flat" cmpd="sng" algn="ctr">
-            <a:solidFill>
-              <a:schemeClr val="dk1"/>
-            </a:solidFill>
-            <a:prstDash val="solid"/>
-            <a:round/>
-            <a:headEnd type="none" w="med" len="med"/>
-            <a:tailEnd type="none" w="med" len="med"/>
-          </a:ln>
-        </p:spPr>
-        <p:style>
-          <a:lnRef idx="0">
-            <a:scrgbClr r="0" g="0" b="0"/>
-          </a:lnRef>
-          <a:fillRef idx="0">
-            <a:scrgbClr r="0" g="0" b="0"/>
-          </a:fillRef>
-          <a:effectRef idx="0">
-            <a:scrgbClr r="0" g="0" b="0"/>
-          </a:effectRef>
-          <a:fontRef idx="minor">
-            <a:schemeClr val="dk1"/>
-          </a:fontRef>
-        </p:style>
-        <p:txBody>
-          <a:bodyPr rtlCol="0" anchor="ctr"/>
-          <a:lstStyle/>
-          <a:p>
-            <a:pPr algn="ctr"/>
-            <a:r>
-              <a:rPr lang="en-US" altLang="zh-CN" dirty="0"/>
-              <a:t>2</a:t>
-            </a:r>
-            <a:endParaRPr lang="en-US" dirty="0"/>
-          </a:p>
-        </p:txBody>
-      </p:sp>
-      <p:sp>
-        <p:nvSpPr>
-          <p:cNvPr id="59" name="任意多边形: 形状 58">
-            <a:extLst>
-              <a:ext uri="{FF2B5EF4-FFF2-40B4-BE49-F238E27FC236}">
-                <a16:creationId xmlns:a16="http://schemas.microsoft.com/office/drawing/2014/main" id="{50C0830B-F1D8-4306-8ECF-90C531402526}"/>
-              </a:ext>
-            </a:extLst>
-          </p:cNvPr>
-          <p:cNvSpPr/>
-          <p:nvPr/>
-        </p:nvSpPr>
-        <p:spPr>
-          <a:xfrm>
-            <a:off x="3396059" y="3073400"/>
-            <a:ext cx="242495" cy="1339850"/>
+            <a:off x="3396059" y="3162072"/>
+            <a:ext cx="242495" cy="1564176"/>
           </a:xfrm>
           <a:custGeom>
             <a:avLst/>
@@ -11392,126 +11081,6 @@
       </p:sp>
       <p:sp>
         <p:nvSpPr>
-          <p:cNvPr id="61" name="任意多边形: 形状 60">
-            <a:extLst>
-              <a:ext uri="{FF2B5EF4-FFF2-40B4-BE49-F238E27FC236}">
-                <a16:creationId xmlns:a16="http://schemas.microsoft.com/office/drawing/2014/main" id="{B3698AD2-68A0-433F-8249-6AD138AE5C51}"/>
-              </a:ext>
-            </a:extLst>
-          </p:cNvPr>
-          <p:cNvSpPr/>
-          <p:nvPr/>
-        </p:nvSpPr>
-        <p:spPr>
-          <a:xfrm>
-            <a:off x="3617202" y="3073400"/>
-            <a:ext cx="383298" cy="196849"/>
-          </a:xfrm>
-          <a:custGeom>
-            <a:avLst/>
-            <a:gdLst>
-              <a:gd name="connsiteX0" fmla="*/ 0 w 400050"/>
-              <a:gd name="connsiteY0" fmla="*/ 0 h 254000"/>
-              <a:gd name="connsiteX1" fmla="*/ 69850 w 400050"/>
-              <a:gd name="connsiteY1" fmla="*/ 152400 h 254000"/>
-              <a:gd name="connsiteX2" fmla="*/ 196850 w 400050"/>
-              <a:gd name="connsiteY2" fmla="*/ 12700 h 254000"/>
-              <a:gd name="connsiteX3" fmla="*/ 228600 w 400050"/>
-              <a:gd name="connsiteY3" fmla="*/ 222250 h 254000"/>
-              <a:gd name="connsiteX4" fmla="*/ 355600 w 400050"/>
-              <a:gd name="connsiteY4" fmla="*/ 88900 h 254000"/>
-              <a:gd name="connsiteX5" fmla="*/ 400050 w 400050"/>
-              <a:gd name="connsiteY5" fmla="*/ 254000 h 254000"/>
-            </a:gdLst>
-            <a:ahLst/>
-            <a:cxnLst>
-              <a:cxn ang="0">
-                <a:pos x="connsiteX0" y="connsiteY0"/>
-              </a:cxn>
-              <a:cxn ang="0">
-                <a:pos x="connsiteX1" y="connsiteY1"/>
-              </a:cxn>
-              <a:cxn ang="0">
-                <a:pos x="connsiteX2" y="connsiteY2"/>
-              </a:cxn>
-              <a:cxn ang="0">
-                <a:pos x="connsiteX3" y="connsiteY3"/>
-              </a:cxn>
-              <a:cxn ang="0">
-                <a:pos x="connsiteX4" y="connsiteY4"/>
-              </a:cxn>
-              <a:cxn ang="0">
-                <a:pos x="connsiteX5" y="connsiteY5"/>
-              </a:cxn>
-            </a:cxnLst>
-            <a:rect l="l" t="t" r="r" b="b"/>
-            <a:pathLst>
-              <a:path w="400050" h="254000">
-                <a:moveTo>
-                  <a:pt x="0" y="0"/>
-                </a:moveTo>
-                <a:cubicBezTo>
-                  <a:pt x="18521" y="75141"/>
-                  <a:pt x="37042" y="150283"/>
-                  <a:pt x="69850" y="152400"/>
-                </a:cubicBezTo>
-                <a:cubicBezTo>
-                  <a:pt x="102658" y="154517"/>
-                  <a:pt x="170392" y="1058"/>
-                  <a:pt x="196850" y="12700"/>
-                </a:cubicBezTo>
-                <a:cubicBezTo>
-                  <a:pt x="223308" y="24342"/>
-                  <a:pt x="202142" y="209550"/>
-                  <a:pt x="228600" y="222250"/>
-                </a:cubicBezTo>
-                <a:cubicBezTo>
-                  <a:pt x="255058" y="234950"/>
-                  <a:pt x="327025" y="83608"/>
-                  <a:pt x="355600" y="88900"/>
-                </a:cubicBezTo>
-                <a:cubicBezTo>
-                  <a:pt x="384175" y="94192"/>
-                  <a:pt x="378883" y="225425"/>
-                  <a:pt x="400050" y="254000"/>
-                </a:cubicBezTo>
-              </a:path>
-            </a:pathLst>
-          </a:custGeom>
-          <a:noFill/>
-          <a:ln w="25400">
-            <a:solidFill>
-              <a:schemeClr val="tx1"/>
-            </a:solidFill>
-          </a:ln>
-        </p:spPr>
-        <p:style>
-          <a:lnRef idx="2">
-            <a:schemeClr val="accent1">
-              <a:shade val="50000"/>
-            </a:schemeClr>
-          </a:lnRef>
-          <a:fillRef idx="1">
-            <a:schemeClr val="accent1"/>
-          </a:fillRef>
-          <a:effectRef idx="0">
-            <a:schemeClr val="accent1"/>
-          </a:effectRef>
-          <a:fontRef idx="minor">
-            <a:schemeClr val="lt1"/>
-          </a:fontRef>
-        </p:style>
-        <p:txBody>
-          <a:bodyPr rtlCol="0" anchor="ctr"/>
-          <a:lstStyle/>
-          <a:p>
-            <a:pPr algn="ctr"/>
-            <a:endParaRPr lang="en-US"/>
-          </a:p>
-        </p:txBody>
-      </p:sp>
-      <p:sp>
-        <p:nvSpPr>
           <p:cNvPr id="64" name="任意多边形: 形状 63">
             <a:extLst>
               <a:ext uri="{FF2B5EF4-FFF2-40B4-BE49-F238E27FC236}">
@@ -11664,7 +11233,7 @@
         </p:nvSpPr>
         <p:spPr>
           <a:xfrm>
-            <a:off x="7996776" y="1025169"/>
+            <a:off x="8083237" y="1483915"/>
             <a:ext cx="175006" cy="175006"/>
           </a:xfrm>
           <a:prstGeom prst="ellipse">
@@ -11721,7 +11290,7 @@
         </p:nvSpPr>
         <p:spPr>
           <a:xfrm rot="3820175">
-            <a:off x="6922786" y="1348999"/>
+            <a:off x="7009247" y="1807745"/>
             <a:ext cx="282632" cy="215598"/>
           </a:xfrm>
           <a:custGeom>
@@ -11841,7 +11410,7 @@
         </p:nvSpPr>
         <p:spPr>
           <a:xfrm>
-            <a:off x="7229639" y="1232339"/>
+            <a:off x="7316100" y="1691085"/>
             <a:ext cx="759918" cy="369332"/>
           </a:xfrm>
           <a:prstGeom prst="rect">
@@ -11866,6 +11435,1153 @@
               <a:t>Propagation</a:t>
             </a:r>
             <a:endParaRPr lang="en-US" dirty="0"/>
+          </a:p>
+        </p:txBody>
+      </p:sp>
+      <p:sp>
+        <p:nvSpPr>
+          <p:cNvPr id="106" name="任意多边形: 形状 105">
+            <a:extLst>
+              <a:ext uri="{FF2B5EF4-FFF2-40B4-BE49-F238E27FC236}">
+                <a16:creationId xmlns:a16="http://schemas.microsoft.com/office/drawing/2014/main" id="{CBCACF3A-FE46-481D-8ECB-242443CFCEC5}"/>
+              </a:ext>
+            </a:extLst>
+          </p:cNvPr>
+          <p:cNvSpPr/>
+          <p:nvPr/>
+        </p:nvSpPr>
+        <p:spPr>
+          <a:xfrm>
+            <a:off x="3356435" y="2437140"/>
+            <a:ext cx="305769" cy="575909"/>
+          </a:xfrm>
+          <a:custGeom>
+            <a:avLst/>
+            <a:gdLst>
+              <a:gd name="connsiteX0" fmla="*/ 191418 w 305769"/>
+              <a:gd name="connsiteY0" fmla="*/ 0 h 774700"/>
+              <a:gd name="connsiteX1" fmla="*/ 918 w 305769"/>
+              <a:gd name="connsiteY1" fmla="*/ 133350 h 774700"/>
+              <a:gd name="connsiteX2" fmla="*/ 261268 w 305769"/>
+              <a:gd name="connsiteY2" fmla="*/ 234950 h 774700"/>
+              <a:gd name="connsiteX3" fmla="*/ 26318 w 305769"/>
+              <a:gd name="connsiteY3" fmla="*/ 361950 h 774700"/>
+              <a:gd name="connsiteX4" fmla="*/ 305718 w 305769"/>
+              <a:gd name="connsiteY4" fmla="*/ 476250 h 774700"/>
+              <a:gd name="connsiteX5" fmla="*/ 51718 w 305769"/>
+              <a:gd name="connsiteY5" fmla="*/ 577850 h 774700"/>
+              <a:gd name="connsiteX6" fmla="*/ 293018 w 305769"/>
+              <a:gd name="connsiteY6" fmla="*/ 660400 h 774700"/>
+              <a:gd name="connsiteX7" fmla="*/ 166018 w 305769"/>
+              <a:gd name="connsiteY7" fmla="*/ 774700 h 774700"/>
+            </a:gdLst>
+            <a:ahLst/>
+            <a:cxnLst>
+              <a:cxn ang="0">
+                <a:pos x="connsiteX0" y="connsiteY0"/>
+              </a:cxn>
+              <a:cxn ang="0">
+                <a:pos x="connsiteX1" y="connsiteY1"/>
+              </a:cxn>
+              <a:cxn ang="0">
+                <a:pos x="connsiteX2" y="connsiteY2"/>
+              </a:cxn>
+              <a:cxn ang="0">
+                <a:pos x="connsiteX3" y="connsiteY3"/>
+              </a:cxn>
+              <a:cxn ang="0">
+                <a:pos x="connsiteX4" y="connsiteY4"/>
+              </a:cxn>
+              <a:cxn ang="0">
+                <a:pos x="connsiteX5" y="connsiteY5"/>
+              </a:cxn>
+              <a:cxn ang="0">
+                <a:pos x="connsiteX6" y="connsiteY6"/>
+              </a:cxn>
+              <a:cxn ang="0">
+                <a:pos x="connsiteX7" y="connsiteY7"/>
+              </a:cxn>
+            </a:cxnLst>
+            <a:rect l="l" t="t" r="r" b="b"/>
+            <a:pathLst>
+              <a:path w="305769" h="774700">
+                <a:moveTo>
+                  <a:pt x="191418" y="0"/>
+                </a:moveTo>
+                <a:cubicBezTo>
+                  <a:pt x="90347" y="47096"/>
+                  <a:pt x="-10724" y="94192"/>
+                  <a:pt x="918" y="133350"/>
+                </a:cubicBezTo>
+                <a:cubicBezTo>
+                  <a:pt x="12560" y="172508"/>
+                  <a:pt x="257035" y="196850"/>
+                  <a:pt x="261268" y="234950"/>
+                </a:cubicBezTo>
+                <a:cubicBezTo>
+                  <a:pt x="265501" y="273050"/>
+                  <a:pt x="18910" y="321733"/>
+                  <a:pt x="26318" y="361950"/>
+                </a:cubicBezTo>
+                <a:cubicBezTo>
+                  <a:pt x="33726" y="402167"/>
+                  <a:pt x="301485" y="440267"/>
+                  <a:pt x="305718" y="476250"/>
+                </a:cubicBezTo>
+                <a:cubicBezTo>
+                  <a:pt x="309951" y="512233"/>
+                  <a:pt x="53835" y="547158"/>
+                  <a:pt x="51718" y="577850"/>
+                </a:cubicBezTo>
+                <a:cubicBezTo>
+                  <a:pt x="49601" y="608542"/>
+                  <a:pt x="273968" y="627592"/>
+                  <a:pt x="293018" y="660400"/>
+                </a:cubicBezTo>
+                <a:cubicBezTo>
+                  <a:pt x="312068" y="693208"/>
+                  <a:pt x="189301" y="749300"/>
+                  <a:pt x="166018" y="774700"/>
+                </a:cubicBezTo>
+              </a:path>
+            </a:pathLst>
+          </a:custGeom>
+          <a:noFill/>
+          <a:ln w="25400">
+            <a:solidFill>
+              <a:schemeClr val="tx1"/>
+            </a:solidFill>
+          </a:ln>
+        </p:spPr>
+        <p:style>
+          <a:lnRef idx="2">
+            <a:schemeClr val="accent1">
+              <a:shade val="50000"/>
+            </a:schemeClr>
+          </a:lnRef>
+          <a:fillRef idx="1">
+            <a:schemeClr val="accent1"/>
+          </a:fillRef>
+          <a:effectRef idx="0">
+            <a:schemeClr val="accent1"/>
+          </a:effectRef>
+          <a:fontRef idx="minor">
+            <a:schemeClr val="lt1"/>
+          </a:fontRef>
+        </p:style>
+        <p:txBody>
+          <a:bodyPr rtlCol="0" anchor="ctr"/>
+          <a:lstStyle/>
+          <a:p>
+            <a:pPr algn="ctr"/>
+            <a:endParaRPr lang="en-US"/>
+          </a:p>
+        </p:txBody>
+      </p:sp>
+      <p:sp>
+        <p:nvSpPr>
+          <p:cNvPr id="72" name="等腰三角形 71">
+            <a:extLst>
+              <a:ext uri="{FF2B5EF4-FFF2-40B4-BE49-F238E27FC236}">
+                <a16:creationId xmlns:a16="http://schemas.microsoft.com/office/drawing/2014/main" id="{711F0F8A-B0EB-4C5A-9A89-86BA3DDF783B}"/>
+              </a:ext>
+            </a:extLst>
+          </p:cNvPr>
+          <p:cNvSpPr/>
+          <p:nvPr/>
+        </p:nvSpPr>
+        <p:spPr>
+          <a:xfrm rot="10632018">
+            <a:off x="3418682" y="3019476"/>
+            <a:ext cx="207021" cy="173899"/>
+          </a:xfrm>
+          <a:prstGeom prst="triangle">
+            <a:avLst/>
+          </a:prstGeom>
+          <a:solidFill>
+            <a:schemeClr val="tx1"/>
+          </a:solidFill>
+          <a:ln>
+            <a:noFill/>
+          </a:ln>
+        </p:spPr>
+        <p:style>
+          <a:lnRef idx="2">
+            <a:schemeClr val="accent1">
+              <a:shade val="50000"/>
+            </a:schemeClr>
+          </a:lnRef>
+          <a:fillRef idx="1">
+            <a:schemeClr val="accent1"/>
+          </a:fillRef>
+          <a:effectRef idx="0">
+            <a:schemeClr val="accent1"/>
+          </a:effectRef>
+          <a:fontRef idx="minor">
+            <a:schemeClr val="lt1"/>
+          </a:fontRef>
+        </p:style>
+        <p:txBody>
+          <a:bodyPr rtlCol="0" anchor="ctr"/>
+          <a:lstStyle/>
+          <a:p>
+            <a:pPr algn="ctr"/>
+            <a:endParaRPr lang="en-US"/>
+          </a:p>
+        </p:txBody>
+      </p:sp>
+      <p:sp>
+        <p:nvSpPr>
+          <p:cNvPr id="111" name="任意多边形: 形状 110">
+            <a:extLst>
+              <a:ext uri="{FF2B5EF4-FFF2-40B4-BE49-F238E27FC236}">
+                <a16:creationId xmlns:a16="http://schemas.microsoft.com/office/drawing/2014/main" id="{F31C9E4B-393E-443F-96DF-0E5FD7C06E69}"/>
+              </a:ext>
+            </a:extLst>
+          </p:cNvPr>
+          <p:cNvSpPr/>
+          <p:nvPr/>
+        </p:nvSpPr>
+        <p:spPr>
+          <a:xfrm rot="17140305">
+            <a:off x="4072941" y="2666371"/>
+            <a:ext cx="305769" cy="1338175"/>
+          </a:xfrm>
+          <a:custGeom>
+            <a:avLst/>
+            <a:gdLst>
+              <a:gd name="connsiteX0" fmla="*/ 191418 w 305769"/>
+              <a:gd name="connsiteY0" fmla="*/ 0 h 774700"/>
+              <a:gd name="connsiteX1" fmla="*/ 918 w 305769"/>
+              <a:gd name="connsiteY1" fmla="*/ 133350 h 774700"/>
+              <a:gd name="connsiteX2" fmla="*/ 261268 w 305769"/>
+              <a:gd name="connsiteY2" fmla="*/ 234950 h 774700"/>
+              <a:gd name="connsiteX3" fmla="*/ 26318 w 305769"/>
+              <a:gd name="connsiteY3" fmla="*/ 361950 h 774700"/>
+              <a:gd name="connsiteX4" fmla="*/ 305718 w 305769"/>
+              <a:gd name="connsiteY4" fmla="*/ 476250 h 774700"/>
+              <a:gd name="connsiteX5" fmla="*/ 51718 w 305769"/>
+              <a:gd name="connsiteY5" fmla="*/ 577850 h 774700"/>
+              <a:gd name="connsiteX6" fmla="*/ 293018 w 305769"/>
+              <a:gd name="connsiteY6" fmla="*/ 660400 h 774700"/>
+              <a:gd name="connsiteX7" fmla="*/ 166018 w 305769"/>
+              <a:gd name="connsiteY7" fmla="*/ 774700 h 774700"/>
+            </a:gdLst>
+            <a:ahLst/>
+            <a:cxnLst>
+              <a:cxn ang="0">
+                <a:pos x="connsiteX0" y="connsiteY0"/>
+              </a:cxn>
+              <a:cxn ang="0">
+                <a:pos x="connsiteX1" y="connsiteY1"/>
+              </a:cxn>
+              <a:cxn ang="0">
+                <a:pos x="connsiteX2" y="connsiteY2"/>
+              </a:cxn>
+              <a:cxn ang="0">
+                <a:pos x="connsiteX3" y="connsiteY3"/>
+              </a:cxn>
+              <a:cxn ang="0">
+                <a:pos x="connsiteX4" y="connsiteY4"/>
+              </a:cxn>
+              <a:cxn ang="0">
+                <a:pos x="connsiteX5" y="connsiteY5"/>
+              </a:cxn>
+              <a:cxn ang="0">
+                <a:pos x="connsiteX6" y="connsiteY6"/>
+              </a:cxn>
+              <a:cxn ang="0">
+                <a:pos x="connsiteX7" y="connsiteY7"/>
+              </a:cxn>
+            </a:cxnLst>
+            <a:rect l="l" t="t" r="r" b="b"/>
+            <a:pathLst>
+              <a:path w="305769" h="774700">
+                <a:moveTo>
+                  <a:pt x="191418" y="0"/>
+                </a:moveTo>
+                <a:cubicBezTo>
+                  <a:pt x="90347" y="47096"/>
+                  <a:pt x="-10724" y="94192"/>
+                  <a:pt x="918" y="133350"/>
+                </a:cubicBezTo>
+                <a:cubicBezTo>
+                  <a:pt x="12560" y="172508"/>
+                  <a:pt x="257035" y="196850"/>
+                  <a:pt x="261268" y="234950"/>
+                </a:cubicBezTo>
+                <a:cubicBezTo>
+                  <a:pt x="265501" y="273050"/>
+                  <a:pt x="18910" y="321733"/>
+                  <a:pt x="26318" y="361950"/>
+                </a:cubicBezTo>
+                <a:cubicBezTo>
+                  <a:pt x="33726" y="402167"/>
+                  <a:pt x="301485" y="440267"/>
+                  <a:pt x="305718" y="476250"/>
+                </a:cubicBezTo>
+                <a:cubicBezTo>
+                  <a:pt x="309951" y="512233"/>
+                  <a:pt x="53835" y="547158"/>
+                  <a:pt x="51718" y="577850"/>
+                </a:cubicBezTo>
+                <a:cubicBezTo>
+                  <a:pt x="49601" y="608542"/>
+                  <a:pt x="273968" y="627592"/>
+                  <a:pt x="293018" y="660400"/>
+                </a:cubicBezTo>
+                <a:cubicBezTo>
+                  <a:pt x="312068" y="693208"/>
+                  <a:pt x="189301" y="749300"/>
+                  <a:pt x="166018" y="774700"/>
+                </a:cubicBezTo>
+              </a:path>
+            </a:pathLst>
+          </a:custGeom>
+          <a:noFill/>
+          <a:ln w="25400">
+            <a:solidFill>
+              <a:schemeClr val="tx1"/>
+            </a:solidFill>
+          </a:ln>
+        </p:spPr>
+        <p:style>
+          <a:lnRef idx="2">
+            <a:schemeClr val="accent1">
+              <a:shade val="50000"/>
+            </a:schemeClr>
+          </a:lnRef>
+          <a:fillRef idx="1">
+            <a:schemeClr val="accent1"/>
+          </a:fillRef>
+          <a:effectRef idx="0">
+            <a:schemeClr val="accent1"/>
+          </a:effectRef>
+          <a:fontRef idx="minor">
+            <a:schemeClr val="lt1"/>
+          </a:fontRef>
+        </p:style>
+        <p:txBody>
+          <a:bodyPr rtlCol="0" anchor="ctr"/>
+          <a:lstStyle/>
+          <a:p>
+            <a:pPr algn="ctr"/>
+            <a:endParaRPr lang="en-US"/>
+          </a:p>
+        </p:txBody>
+      </p:sp>
+      <p:grpSp>
+        <p:nvGrpSpPr>
+          <p:cNvPr id="123" name="组合 122">
+            <a:extLst>
+              <a:ext uri="{FF2B5EF4-FFF2-40B4-BE49-F238E27FC236}">
+                <a16:creationId xmlns:a16="http://schemas.microsoft.com/office/drawing/2014/main" id="{A44091F0-556A-4E7D-AB86-D32A3E44A3E9}"/>
+              </a:ext>
+            </a:extLst>
+          </p:cNvPr>
+          <p:cNvGrpSpPr/>
+          <p:nvPr/>
+        </p:nvGrpSpPr>
+        <p:grpSpPr>
+          <a:xfrm>
+            <a:off x="5528951" y="2470821"/>
+            <a:ext cx="1382301" cy="1783761"/>
+            <a:chOff x="3091259" y="2977645"/>
+            <a:chExt cx="1382301" cy="1783761"/>
+          </a:xfrm>
+        </p:grpSpPr>
+        <p:grpSp>
+          <p:nvGrpSpPr>
+            <p:cNvPr id="124" name="组合 123">
+              <a:extLst>
+                <a:ext uri="{FF2B5EF4-FFF2-40B4-BE49-F238E27FC236}">
+                  <a16:creationId xmlns:a16="http://schemas.microsoft.com/office/drawing/2014/main" id="{31A485B5-9676-4A9E-8924-800702F6E573}"/>
+                </a:ext>
+              </a:extLst>
+            </p:cNvPr>
+            <p:cNvGrpSpPr/>
+            <p:nvPr/>
+          </p:nvGrpSpPr>
+          <p:grpSpPr>
+            <a:xfrm>
+              <a:off x="3324689" y="3318367"/>
+              <a:ext cx="904875" cy="1443039"/>
+              <a:chOff x="4271963" y="1500186"/>
+              <a:chExt cx="904875" cy="1443039"/>
+            </a:xfrm>
+          </p:grpSpPr>
+          <p:sp>
+            <p:nvSpPr>
+              <p:cNvPr id="132" name="矩形 131">
+                <a:extLst>
+                  <a:ext uri="{FF2B5EF4-FFF2-40B4-BE49-F238E27FC236}">
+                    <a16:creationId xmlns:a16="http://schemas.microsoft.com/office/drawing/2014/main" id="{06E62CED-2500-4859-A8A2-019FF73A52E7}"/>
+                  </a:ext>
+                </a:extLst>
+              </p:cNvPr>
+              <p:cNvSpPr/>
+              <p:nvPr/>
+            </p:nvSpPr>
+            <p:spPr>
+              <a:xfrm>
+                <a:off x="4271963" y="1500186"/>
+                <a:ext cx="904875" cy="1443039"/>
+              </a:xfrm>
+              <a:prstGeom prst="rect">
+                <a:avLst/>
+              </a:prstGeom>
+              <a:solidFill>
+                <a:schemeClr val="bg1"/>
+              </a:solidFill>
+              <a:ln w="31750">
+                <a:solidFill>
+                  <a:schemeClr val="tx1"/>
+                </a:solidFill>
+              </a:ln>
+            </p:spPr>
+            <p:style>
+              <a:lnRef idx="2">
+                <a:schemeClr val="accent1">
+                  <a:shade val="50000"/>
+                </a:schemeClr>
+              </a:lnRef>
+              <a:fillRef idx="1">
+                <a:schemeClr val="accent1"/>
+              </a:fillRef>
+              <a:effectRef idx="0">
+                <a:schemeClr val="accent1"/>
+              </a:effectRef>
+              <a:fontRef idx="minor">
+                <a:schemeClr val="lt1"/>
+              </a:fontRef>
+            </p:style>
+            <p:txBody>
+              <a:bodyPr rtlCol="0" anchor="ctr"/>
+              <a:lstStyle/>
+              <a:p>
+                <a:pPr algn="ctr"/>
+                <a:endParaRPr lang="en-US" dirty="0"/>
+              </a:p>
+            </p:txBody>
+          </p:sp>
+          <p:cxnSp>
+            <p:nvCxnSpPr>
+              <p:cNvPr id="133" name="直接连接符 132">
+                <a:extLst>
+                  <a:ext uri="{FF2B5EF4-FFF2-40B4-BE49-F238E27FC236}">
+                    <a16:creationId xmlns:a16="http://schemas.microsoft.com/office/drawing/2014/main" id="{1D7048C6-BC72-4553-967C-95F35A32D199}"/>
+                  </a:ext>
+                </a:extLst>
+              </p:cNvPr>
+              <p:cNvCxnSpPr>
+                <a:cxnSpLocks/>
+              </p:cNvCxnSpPr>
+              <p:nvPr/>
+            </p:nvCxnSpPr>
+            <p:spPr>
+              <a:xfrm>
+                <a:off x="4271963" y="1752600"/>
+                <a:ext cx="904875" cy="0"/>
+              </a:xfrm>
+              <a:prstGeom prst="line">
+                <a:avLst/>
+              </a:prstGeom>
+              <a:ln w="31750">
+                <a:solidFill>
+                  <a:schemeClr val="tx1"/>
+                </a:solidFill>
+              </a:ln>
+            </p:spPr>
+            <p:style>
+              <a:lnRef idx="1">
+                <a:schemeClr val="accent1"/>
+              </a:lnRef>
+              <a:fillRef idx="0">
+                <a:schemeClr val="accent1"/>
+              </a:fillRef>
+              <a:effectRef idx="0">
+                <a:schemeClr val="accent1"/>
+              </a:effectRef>
+              <a:fontRef idx="minor">
+                <a:schemeClr val="tx1"/>
+              </a:fontRef>
+            </p:style>
+          </p:cxnSp>
+          <p:cxnSp>
+            <p:nvCxnSpPr>
+              <p:cNvPr id="134" name="直接连接符 133">
+                <a:extLst>
+                  <a:ext uri="{FF2B5EF4-FFF2-40B4-BE49-F238E27FC236}">
+                    <a16:creationId xmlns:a16="http://schemas.microsoft.com/office/drawing/2014/main" id="{A522AB9C-81F2-43B0-98B3-823461292422}"/>
+                  </a:ext>
+                </a:extLst>
+              </p:cNvPr>
+              <p:cNvCxnSpPr>
+                <a:cxnSpLocks/>
+              </p:cNvCxnSpPr>
+              <p:nvPr/>
+            </p:nvCxnSpPr>
+            <p:spPr>
+              <a:xfrm>
+                <a:off x="4271963" y="2000250"/>
+                <a:ext cx="904875" cy="0"/>
+              </a:xfrm>
+              <a:prstGeom prst="line">
+                <a:avLst/>
+              </a:prstGeom>
+              <a:ln w="31750">
+                <a:solidFill>
+                  <a:schemeClr val="tx1"/>
+                </a:solidFill>
+              </a:ln>
+            </p:spPr>
+            <p:style>
+              <a:lnRef idx="1">
+                <a:schemeClr val="accent1"/>
+              </a:lnRef>
+              <a:fillRef idx="0">
+                <a:schemeClr val="accent1"/>
+              </a:fillRef>
+              <a:effectRef idx="0">
+                <a:schemeClr val="accent1"/>
+              </a:effectRef>
+              <a:fontRef idx="minor">
+                <a:schemeClr val="tx1"/>
+              </a:fontRef>
+            </p:style>
+          </p:cxnSp>
+          <p:cxnSp>
+            <p:nvCxnSpPr>
+              <p:cNvPr id="135" name="直接连接符 134">
+                <a:extLst>
+                  <a:ext uri="{FF2B5EF4-FFF2-40B4-BE49-F238E27FC236}">
+                    <a16:creationId xmlns:a16="http://schemas.microsoft.com/office/drawing/2014/main" id="{3AA17629-DD00-4D02-8F9C-F076E449C6B5}"/>
+                  </a:ext>
+                </a:extLst>
+              </p:cNvPr>
+              <p:cNvCxnSpPr>
+                <a:cxnSpLocks/>
+              </p:cNvCxnSpPr>
+              <p:nvPr/>
+            </p:nvCxnSpPr>
+            <p:spPr>
+              <a:xfrm>
+                <a:off x="4271963" y="2247900"/>
+                <a:ext cx="904875" cy="0"/>
+              </a:xfrm>
+              <a:prstGeom prst="line">
+                <a:avLst/>
+              </a:prstGeom>
+              <a:ln w="31750">
+                <a:solidFill>
+                  <a:schemeClr val="tx1"/>
+                </a:solidFill>
+              </a:ln>
+            </p:spPr>
+            <p:style>
+              <a:lnRef idx="1">
+                <a:schemeClr val="accent1"/>
+              </a:lnRef>
+              <a:fillRef idx="0">
+                <a:schemeClr val="accent1"/>
+              </a:fillRef>
+              <a:effectRef idx="0">
+                <a:schemeClr val="accent1"/>
+              </a:effectRef>
+              <a:fontRef idx="minor">
+                <a:schemeClr val="tx1"/>
+              </a:fontRef>
+            </p:style>
+          </p:cxnSp>
+          <p:cxnSp>
+            <p:nvCxnSpPr>
+              <p:cNvPr id="136" name="直接连接符 135">
+                <a:extLst>
+                  <a:ext uri="{FF2B5EF4-FFF2-40B4-BE49-F238E27FC236}">
+                    <a16:creationId xmlns:a16="http://schemas.microsoft.com/office/drawing/2014/main" id="{FA346630-DB8A-48EF-A674-F8B894A0966A}"/>
+                  </a:ext>
+                </a:extLst>
+              </p:cNvPr>
+              <p:cNvCxnSpPr>
+                <a:cxnSpLocks/>
+              </p:cNvCxnSpPr>
+              <p:nvPr/>
+            </p:nvCxnSpPr>
+            <p:spPr>
+              <a:xfrm>
+                <a:off x="4271963" y="2524125"/>
+                <a:ext cx="904875" cy="0"/>
+              </a:xfrm>
+              <a:prstGeom prst="line">
+                <a:avLst/>
+              </a:prstGeom>
+              <a:ln w="31750">
+                <a:solidFill>
+                  <a:schemeClr val="tx1"/>
+                </a:solidFill>
+              </a:ln>
+            </p:spPr>
+            <p:style>
+              <a:lnRef idx="1">
+                <a:schemeClr val="accent1"/>
+              </a:lnRef>
+              <a:fillRef idx="0">
+                <a:schemeClr val="accent1"/>
+              </a:fillRef>
+              <a:effectRef idx="0">
+                <a:schemeClr val="accent1"/>
+              </a:effectRef>
+              <a:fontRef idx="minor">
+                <a:schemeClr val="tx1"/>
+              </a:fontRef>
+            </p:style>
+          </p:cxnSp>
+          <p:sp>
+            <p:nvSpPr>
+              <p:cNvPr id="137" name="文本框 136">
+                <a:extLst>
+                  <a:ext uri="{FF2B5EF4-FFF2-40B4-BE49-F238E27FC236}">
+                    <a16:creationId xmlns:a16="http://schemas.microsoft.com/office/drawing/2014/main" id="{07B25A97-375B-48D1-9D51-79184F837C5C}"/>
+                  </a:ext>
+                </a:extLst>
+              </p:cNvPr>
+              <p:cNvSpPr txBox="1"/>
+              <p:nvPr/>
+            </p:nvSpPr>
+            <p:spPr>
+              <a:xfrm>
+                <a:off x="4526756" y="2428875"/>
+                <a:ext cx="395287" cy="461665"/>
+              </a:xfrm>
+              <a:prstGeom prst="rect">
+                <a:avLst/>
+              </a:prstGeom>
+              <a:noFill/>
+            </p:spPr>
+            <p:txBody>
+              <a:bodyPr wrap="square" rtlCol="0">
+                <a:spAutoFit/>
+              </a:bodyPr>
+              <a:lstStyle/>
+              <a:p>
+                <a:r>
+                  <a:rPr lang="en-US" sz="2400" b="1" dirty="0"/>
+                  <a:t>…</a:t>
+                </a:r>
+                <a:endParaRPr lang="en-US" b="1" dirty="0"/>
+              </a:p>
+            </p:txBody>
+          </p:sp>
+        </p:grpSp>
+        <p:sp>
+          <p:nvSpPr>
+            <p:cNvPr id="125" name="文本框 124">
+              <a:extLst>
+                <a:ext uri="{FF2B5EF4-FFF2-40B4-BE49-F238E27FC236}">
+                  <a16:creationId xmlns:a16="http://schemas.microsoft.com/office/drawing/2014/main" id="{B34F78E8-38BC-465F-AC4E-10F34C21C349}"/>
+                </a:ext>
+              </a:extLst>
+            </p:cNvPr>
+            <p:cNvSpPr txBox="1"/>
+            <p:nvPr/>
+          </p:nvSpPr>
+          <p:spPr>
+            <a:xfrm>
+              <a:off x="3091259" y="2977645"/>
+              <a:ext cx="1382301" cy="369332"/>
+            </a:xfrm>
+            <a:prstGeom prst="rect">
+              <a:avLst/>
+            </a:prstGeom>
+            <a:noFill/>
+          </p:spPr>
+          <p:txBody>
+            <a:bodyPr wrap="none" rtlCol="0">
+              <a:spAutoFit/>
+            </a:bodyPr>
+            <a:lstStyle/>
+            <a:p>
+              <a:r>
+                <a:rPr lang="en-US" dirty="0"/>
+                <a:t>S</a:t>
+              </a:r>
+              <a:r>
+                <a:rPr lang="en-US" altLang="zh-CN" dirty="0"/>
+                <a:t>hared Heap</a:t>
+              </a:r>
+              <a:endParaRPr lang="en-US" dirty="0"/>
+            </a:p>
+          </p:txBody>
+        </p:sp>
+        <p:cxnSp>
+          <p:nvCxnSpPr>
+            <p:cNvPr id="126" name="连接符: 曲线 125">
+              <a:extLst>
+                <a:ext uri="{FF2B5EF4-FFF2-40B4-BE49-F238E27FC236}">
+                  <a16:creationId xmlns:a16="http://schemas.microsoft.com/office/drawing/2014/main" id="{38319E36-C0F0-4514-9580-4CF249715B1E}"/>
+                </a:ext>
+              </a:extLst>
+            </p:cNvPr>
+            <p:cNvCxnSpPr>
+              <a:cxnSpLocks/>
+            </p:cNvCxnSpPr>
+            <p:nvPr/>
+          </p:nvCxnSpPr>
+          <p:spPr>
+            <a:xfrm rot="5400000">
+              <a:off x="3569292" y="3664659"/>
+              <a:ext cx="355267" cy="196827"/>
+            </a:xfrm>
+            <a:prstGeom prst="curvedConnector3">
+              <a:avLst/>
+            </a:prstGeom>
+            <a:ln w="25400">
+              <a:solidFill>
+                <a:schemeClr val="tx1"/>
+              </a:solidFill>
+              <a:tailEnd type="triangle"/>
+            </a:ln>
+          </p:spPr>
+          <p:style>
+            <a:lnRef idx="1">
+              <a:schemeClr val="accent1"/>
+            </a:lnRef>
+            <a:fillRef idx="0">
+              <a:schemeClr val="accent1"/>
+            </a:fillRef>
+            <a:effectRef idx="0">
+              <a:schemeClr val="accent1"/>
+            </a:effectRef>
+            <a:fontRef idx="minor">
+              <a:schemeClr val="tx1"/>
+            </a:fontRef>
+          </p:style>
+        </p:cxnSp>
+        <p:cxnSp>
+          <p:nvCxnSpPr>
+            <p:cNvPr id="127" name="直接连接符 126">
+              <a:extLst>
+                <a:ext uri="{FF2B5EF4-FFF2-40B4-BE49-F238E27FC236}">
+                  <a16:creationId xmlns:a16="http://schemas.microsoft.com/office/drawing/2014/main" id="{76ECD3EA-D159-42CF-A474-48222654FDDC}"/>
+                </a:ext>
+              </a:extLst>
+            </p:cNvPr>
+            <p:cNvCxnSpPr>
+              <a:cxnSpLocks/>
+            </p:cNvCxnSpPr>
+            <p:nvPr/>
+          </p:nvCxnSpPr>
+          <p:spPr>
+            <a:xfrm>
+              <a:off x="3324689" y="4058937"/>
+              <a:ext cx="904875" cy="0"/>
+            </a:xfrm>
+            <a:prstGeom prst="line">
+              <a:avLst/>
+            </a:prstGeom>
+            <a:ln w="25400">
+              <a:solidFill>
+                <a:schemeClr val="tx1"/>
+              </a:solidFill>
+            </a:ln>
+          </p:spPr>
+          <p:style>
+            <a:lnRef idx="1">
+              <a:schemeClr val="accent1"/>
+            </a:lnRef>
+            <a:fillRef idx="0">
+              <a:schemeClr val="accent1"/>
+            </a:fillRef>
+            <a:effectRef idx="0">
+              <a:schemeClr val="accent1"/>
+            </a:effectRef>
+            <a:fontRef idx="minor">
+              <a:schemeClr val="tx1"/>
+            </a:fontRef>
+          </p:style>
+        </p:cxnSp>
+        <p:sp>
+          <p:nvSpPr>
+            <p:cNvPr id="128" name="矩形 127">
+              <a:extLst>
+                <a:ext uri="{FF2B5EF4-FFF2-40B4-BE49-F238E27FC236}">
+                  <a16:creationId xmlns:a16="http://schemas.microsoft.com/office/drawing/2014/main" id="{67FE1F31-7385-4FED-8448-2CABA4952F6E}"/>
+                </a:ext>
+              </a:extLst>
+            </p:cNvPr>
+            <p:cNvSpPr/>
+            <p:nvPr/>
+          </p:nvSpPr>
+          <p:spPr>
+            <a:xfrm>
+              <a:off x="3339325" y="3947110"/>
+              <a:ext cx="874748" cy="107810"/>
+            </a:xfrm>
+            <a:prstGeom prst="rect">
+              <a:avLst/>
+            </a:prstGeom>
+            <a:pattFill prst="wdDnDiag">
+              <a:fgClr>
+                <a:schemeClr val="tx1"/>
+              </a:fgClr>
+              <a:bgClr>
+                <a:schemeClr val="bg1"/>
+              </a:bgClr>
+            </a:pattFill>
+            <a:ln>
+              <a:noFill/>
+            </a:ln>
+          </p:spPr>
+          <p:style>
+            <a:lnRef idx="2">
+              <a:schemeClr val="accent1">
+                <a:shade val="50000"/>
+              </a:schemeClr>
+            </a:lnRef>
+            <a:fillRef idx="1">
+              <a:schemeClr val="accent1"/>
+            </a:fillRef>
+            <a:effectRef idx="0">
+              <a:schemeClr val="accent1"/>
+            </a:effectRef>
+            <a:fontRef idx="minor">
+              <a:schemeClr val="lt1"/>
+            </a:fontRef>
+          </p:style>
+          <p:txBody>
+            <a:bodyPr rtlCol="0" anchor="ctr"/>
+            <a:lstStyle/>
+            <a:p>
+              <a:pPr algn="ctr"/>
+              <a:endParaRPr lang="en-US"/>
+            </a:p>
+          </p:txBody>
+        </p:sp>
+        <p:sp>
+          <p:nvSpPr>
+            <p:cNvPr id="129" name="矩形 128">
+              <a:extLst>
+                <a:ext uri="{FF2B5EF4-FFF2-40B4-BE49-F238E27FC236}">
+                  <a16:creationId xmlns:a16="http://schemas.microsoft.com/office/drawing/2014/main" id="{A59CFE86-FB61-4069-9954-EC45B4AFBC27}"/>
+                </a:ext>
+              </a:extLst>
+            </p:cNvPr>
+            <p:cNvSpPr/>
+            <p:nvPr/>
+          </p:nvSpPr>
+          <p:spPr>
+            <a:xfrm>
+              <a:off x="3339325" y="3343025"/>
+              <a:ext cx="874748" cy="206695"/>
+            </a:xfrm>
+            <a:prstGeom prst="rect">
+              <a:avLst/>
+            </a:prstGeom>
+            <a:pattFill prst="wdDnDiag">
+              <a:fgClr>
+                <a:schemeClr val="tx1"/>
+              </a:fgClr>
+              <a:bgClr>
+                <a:schemeClr val="bg1"/>
+              </a:bgClr>
+            </a:pattFill>
+            <a:ln>
+              <a:noFill/>
+            </a:ln>
+          </p:spPr>
+          <p:style>
+            <a:lnRef idx="2">
+              <a:schemeClr val="accent1">
+                <a:shade val="50000"/>
+              </a:schemeClr>
+            </a:lnRef>
+            <a:fillRef idx="1">
+              <a:schemeClr val="accent1"/>
+            </a:fillRef>
+            <a:effectRef idx="0">
+              <a:schemeClr val="accent1"/>
+            </a:effectRef>
+            <a:fontRef idx="minor">
+              <a:schemeClr val="lt1"/>
+            </a:fontRef>
+          </p:style>
+          <p:txBody>
+            <a:bodyPr rtlCol="0" anchor="ctr"/>
+            <a:lstStyle/>
+            <a:p>
+              <a:pPr algn="ctr"/>
+              <a:endParaRPr lang="en-US"/>
+            </a:p>
+          </p:txBody>
+        </p:sp>
+        <p:sp>
+          <p:nvSpPr>
+            <p:cNvPr id="130" name="矩形 129">
+              <a:extLst>
+                <a:ext uri="{FF2B5EF4-FFF2-40B4-BE49-F238E27FC236}">
+                  <a16:creationId xmlns:a16="http://schemas.microsoft.com/office/drawing/2014/main" id="{FC07B55F-0D9B-4513-B994-954C0D806B44}"/>
+                </a:ext>
+              </a:extLst>
+            </p:cNvPr>
+            <p:cNvSpPr/>
+            <p:nvPr/>
+          </p:nvSpPr>
+          <p:spPr>
+            <a:xfrm>
+              <a:off x="3340119" y="4086016"/>
+              <a:ext cx="874748" cy="107810"/>
+            </a:xfrm>
+            <a:prstGeom prst="rect">
+              <a:avLst/>
+            </a:prstGeom>
+            <a:pattFill prst="wdDnDiag">
+              <a:fgClr>
+                <a:schemeClr val="tx1"/>
+              </a:fgClr>
+              <a:bgClr>
+                <a:schemeClr val="bg2">
+                  <a:lumMod val="90000"/>
+                </a:schemeClr>
+              </a:bgClr>
+            </a:pattFill>
+            <a:ln>
+              <a:noFill/>
+            </a:ln>
+          </p:spPr>
+          <p:style>
+            <a:lnRef idx="2">
+              <a:schemeClr val="accent1">
+                <a:shade val="50000"/>
+              </a:schemeClr>
+            </a:lnRef>
+            <a:fillRef idx="1">
+              <a:schemeClr val="accent1"/>
+            </a:fillRef>
+            <a:effectRef idx="0">
+              <a:schemeClr val="accent1"/>
+            </a:effectRef>
+            <a:fontRef idx="minor">
+              <a:schemeClr val="lt1"/>
+            </a:fontRef>
+          </p:style>
+          <p:txBody>
+            <a:bodyPr rtlCol="0" anchor="ctr"/>
+            <a:lstStyle/>
+            <a:p>
+              <a:pPr algn="ctr"/>
+              <a:endParaRPr lang="en-US" dirty="0"/>
+            </a:p>
+          </p:txBody>
+        </p:sp>
+        <p:sp>
+          <p:nvSpPr>
+            <p:cNvPr id="131" name="矩形 130">
+              <a:extLst>
+                <a:ext uri="{FF2B5EF4-FFF2-40B4-BE49-F238E27FC236}">
+                  <a16:creationId xmlns:a16="http://schemas.microsoft.com/office/drawing/2014/main" id="{623F0308-2F2E-4D24-A7A9-65511BBCFB14}"/>
+                </a:ext>
+              </a:extLst>
+            </p:cNvPr>
+            <p:cNvSpPr/>
+            <p:nvPr/>
+          </p:nvSpPr>
+          <p:spPr>
+            <a:xfrm>
+              <a:off x="3336944" y="4203612"/>
+              <a:ext cx="874748" cy="128113"/>
+            </a:xfrm>
+            <a:prstGeom prst="rect">
+              <a:avLst/>
+            </a:prstGeom>
+            <a:solidFill>
+              <a:schemeClr val="bg2">
+                <a:lumMod val="90000"/>
+              </a:schemeClr>
+            </a:solidFill>
+            <a:ln>
+              <a:noFill/>
+            </a:ln>
+          </p:spPr>
+          <p:style>
+            <a:lnRef idx="2">
+              <a:schemeClr val="accent1">
+                <a:shade val="50000"/>
+              </a:schemeClr>
+            </a:lnRef>
+            <a:fillRef idx="1">
+              <a:schemeClr val="accent1"/>
+            </a:fillRef>
+            <a:effectRef idx="0">
+              <a:schemeClr val="accent1"/>
+            </a:effectRef>
+            <a:fontRef idx="minor">
+              <a:schemeClr val="lt1"/>
+            </a:fontRef>
+          </p:style>
+          <p:txBody>
+            <a:bodyPr rtlCol="0" anchor="ctr"/>
+            <a:lstStyle/>
+            <a:p>
+              <a:pPr algn="ctr"/>
+              <a:endParaRPr lang="en-US"/>
+            </a:p>
+          </p:txBody>
+        </p:sp>
+      </p:grpSp>
+      <p:cxnSp>
+        <p:nvCxnSpPr>
+          <p:cNvPr id="143" name="直接连接符 142">
+            <a:extLst>
+              <a:ext uri="{FF2B5EF4-FFF2-40B4-BE49-F238E27FC236}">
+                <a16:creationId xmlns:a16="http://schemas.microsoft.com/office/drawing/2014/main" id="{56601162-8FB7-49C7-AC47-CE921F83E0EF}"/>
+              </a:ext>
+            </a:extLst>
+          </p:cNvPr>
+          <p:cNvCxnSpPr/>
+          <p:nvPr/>
+        </p:nvCxnSpPr>
+        <p:spPr>
+          <a:xfrm flipV="1">
+            <a:off x="5224060" y="3214355"/>
+            <a:ext cx="935767" cy="208494"/>
+          </a:xfrm>
+          <a:prstGeom prst="line">
+            <a:avLst/>
+          </a:prstGeom>
+          <a:ln w="25400">
+            <a:solidFill>
+              <a:schemeClr val="tx1">
+                <a:lumMod val="50000"/>
+                <a:lumOff val="50000"/>
+              </a:schemeClr>
+            </a:solidFill>
+            <a:prstDash val="sysDash"/>
+          </a:ln>
+        </p:spPr>
+        <p:style>
+          <a:lnRef idx="1">
+            <a:schemeClr val="accent1"/>
+          </a:lnRef>
+          <a:fillRef idx="0">
+            <a:schemeClr val="accent1"/>
+          </a:fillRef>
+          <a:effectRef idx="0">
+            <a:schemeClr val="accent1"/>
+          </a:effectRef>
+          <a:fontRef idx="minor">
+            <a:schemeClr val="tx1"/>
+          </a:fontRef>
+        </p:style>
+      </p:cxnSp>
+      <p:sp>
+        <p:nvSpPr>
+          <p:cNvPr id="145" name="矩形 144">
+            <a:extLst>
+              <a:ext uri="{FF2B5EF4-FFF2-40B4-BE49-F238E27FC236}">
+                <a16:creationId xmlns:a16="http://schemas.microsoft.com/office/drawing/2014/main" id="{B3E3A363-5720-40C5-BD40-08B791E810E5}"/>
+              </a:ext>
+            </a:extLst>
+          </p:cNvPr>
+          <p:cNvSpPr/>
+          <p:nvPr/>
+        </p:nvSpPr>
+        <p:spPr>
+          <a:xfrm>
+            <a:off x="3158128" y="2437140"/>
+            <a:ext cx="2379586" cy="2664893"/>
+          </a:xfrm>
+          <a:prstGeom prst="rect">
+            <a:avLst/>
+          </a:prstGeom>
+          <a:noFill/>
+          <a:ln w="25400" cap="flat" cmpd="sng" algn="ctr">
+            <a:solidFill>
+              <a:schemeClr val="dk1">
+                <a:alpha val="50000"/>
+              </a:schemeClr>
+            </a:solidFill>
+            <a:prstDash val="sysDash"/>
+            <a:round/>
+            <a:headEnd type="none" w="med" len="med"/>
+            <a:tailEnd type="none" w="med" len="med"/>
+          </a:ln>
+        </p:spPr>
+        <p:style>
+          <a:lnRef idx="0">
+            <a:scrgbClr r="0" g="0" b="0"/>
+          </a:lnRef>
+          <a:fillRef idx="0">
+            <a:scrgbClr r="0" g="0" b="0"/>
+          </a:fillRef>
+          <a:effectRef idx="0">
+            <a:scrgbClr r="0" g="0" b="0"/>
+          </a:effectRef>
+          <a:fontRef idx="minor">
+            <a:schemeClr val="dk1"/>
+          </a:fontRef>
+        </p:style>
+        <p:txBody>
+          <a:bodyPr rtlCol="0" anchor="ctr"/>
+          <a:lstStyle/>
+          <a:p>
+            <a:pPr algn="ctr"/>
+            <a:endParaRPr lang="en-US"/>
+          </a:p>
+        </p:txBody>
+      </p:sp>
+      <p:sp>
+        <p:nvSpPr>
+          <p:cNvPr id="146" name="矩形 145">
+            <a:extLst>
+              <a:ext uri="{FF2B5EF4-FFF2-40B4-BE49-F238E27FC236}">
+                <a16:creationId xmlns:a16="http://schemas.microsoft.com/office/drawing/2014/main" id="{0FDF9AE5-9655-4534-880E-CE1AE48D4996}"/>
+              </a:ext>
+            </a:extLst>
+          </p:cNvPr>
+          <p:cNvSpPr/>
+          <p:nvPr/>
+        </p:nvSpPr>
+        <p:spPr>
+          <a:xfrm>
+            <a:off x="5595837" y="2430413"/>
+            <a:ext cx="3569707" cy="2692968"/>
+          </a:xfrm>
+          <a:prstGeom prst="rect">
+            <a:avLst/>
+          </a:prstGeom>
+          <a:noFill/>
+          <a:ln w="25400" cap="flat" cmpd="sng" algn="ctr">
+            <a:solidFill>
+              <a:schemeClr val="dk1">
+                <a:alpha val="50000"/>
+              </a:schemeClr>
+            </a:solidFill>
+            <a:prstDash val="sysDash"/>
+            <a:round/>
+            <a:headEnd type="none" w="med" len="med"/>
+            <a:tailEnd type="none" w="med" len="med"/>
+          </a:ln>
+        </p:spPr>
+        <p:style>
+          <a:lnRef idx="0">
+            <a:scrgbClr r="0" g="0" b="0"/>
+          </a:lnRef>
+          <a:fillRef idx="0">
+            <a:scrgbClr r="0" g="0" b="0"/>
+          </a:fillRef>
+          <a:effectRef idx="0">
+            <a:scrgbClr r="0" g="0" b="0"/>
+          </a:effectRef>
+          <a:fontRef idx="minor">
+            <a:schemeClr val="dk1"/>
+          </a:fontRef>
+        </p:style>
+        <p:txBody>
+          <a:bodyPr rtlCol="0" anchor="ctr"/>
+          <a:lstStyle/>
+          <a:p>
+            <a:pPr algn="ctr"/>
+            <a:endParaRPr lang="en-US"/>
           </a:p>
         </p:txBody>
       </p:sp>
